--- a/docs/presentasjoner/DD23_CT_230508_Thomas_Tveit_Rosenlund_FHIR-in-Norway.pptx
+++ b/docs/presentasjoner/DD23_CT_230508_Thomas_Tveit_Rosenlund_FHIR-in-Norway.pptx
@@ -5,19 +5,23 @@
     <p:sldMasterId id="2147483648" r:id="rId1"/>
   </p:sldMasterIdLst>
   <p:notesMasterIdLst>
-    <p:notesMasterId r:id="rId9"/>
+    <p:notesMasterId r:id="rId13"/>
   </p:notesMasterIdLst>
   <p:handoutMasterIdLst>
-    <p:handoutMasterId r:id="rId10"/>
+    <p:handoutMasterId r:id="rId14"/>
   </p:handoutMasterIdLst>
   <p:sldIdLst>
     <p:sldId id="267" r:id="rId2"/>
     <p:sldId id="259" r:id="rId3"/>
-    <p:sldId id="269" r:id="rId4"/>
-    <p:sldId id="271" r:id="rId5"/>
-    <p:sldId id="272" r:id="rId6"/>
-    <p:sldId id="263" r:id="rId7"/>
-    <p:sldId id="266" r:id="rId8"/>
+    <p:sldId id="2147197778" r:id="rId4"/>
+    <p:sldId id="2147197779" r:id="rId5"/>
+    <p:sldId id="269" r:id="rId6"/>
+    <p:sldId id="2147197777" r:id="rId7"/>
+    <p:sldId id="2147197776" r:id="rId8"/>
+    <p:sldId id="271" r:id="rId9"/>
+    <p:sldId id="272" r:id="rId10"/>
+    <p:sldId id="263" r:id="rId11"/>
+    <p:sldId id="266" r:id="rId12"/>
   </p:sldIdLst>
   <p:sldSz cx="12192000" cy="6858000"/>
   <p:notesSz cx="6858000" cy="9144000"/>
@@ -1187,6 +1191,36 @@
 </p:sldLayout>
 </file>
 
+<file path=ppt/slideLayouts/slideLayout10.xml><?xml version="1.0" encoding="utf-8"?>
+<p:sldLayout xmlns:a="http://schemas.openxmlformats.org/drawingml/2006/main" xmlns:r="http://schemas.openxmlformats.org/officeDocument/2006/relationships" xmlns:p="http://schemas.openxmlformats.org/presentationml/2006/main" showMasterSp="0" userDrawn="1">
+  <p:cSld name="Egendefinert oppsett">
+    <p:spTree>
+      <p:nvGrpSpPr>
+        <p:cNvPr id="1" name=""/>
+        <p:cNvGrpSpPr/>
+        <p:nvPr/>
+      </p:nvGrpSpPr>
+      <p:grpSpPr>
+        <a:xfrm>
+          <a:off x="0" y="0"/>
+          <a:ext cx="0" cy="0"/>
+          <a:chOff x="0" y="0"/>
+          <a:chExt cx="0" cy="0"/>
+        </a:xfrm>
+      </p:grpSpPr>
+    </p:spTree>
+    <p:extLst>
+      <p:ext uri="{BB962C8B-B14F-4D97-AF65-F5344CB8AC3E}">
+        <p14:creationId xmlns:p14="http://schemas.microsoft.com/office/powerpoint/2010/main" val="2712995149"/>
+      </p:ext>
+    </p:extLst>
+  </p:cSld>
+  <p:clrMapOvr>
+    <a:masterClrMapping/>
+  </p:clrMapOvr>
+</p:sldLayout>
+</file>
+
 <file path=ppt/slideLayouts/slideLayout2.xml><?xml version="1.0" encoding="utf-8"?>
 <p:sldLayout xmlns:a="http://schemas.openxmlformats.org/drawingml/2006/main" xmlns:r="http://schemas.openxmlformats.org/officeDocument/2006/relationships" xmlns:p="http://schemas.openxmlformats.org/presentationml/2006/main" preserve="1" userDrawn="1">
   <p:cSld name="Opening Slide">
@@ -4860,6 +4894,7 @@
     <p:sldLayoutId id="2147483669" r:id="rId7"/>
     <p:sldLayoutId id="2147483671" r:id="rId8"/>
     <p:sldLayoutId id="2147483672" r:id="rId9"/>
+    <p:sldLayoutId id="2147483674" r:id="rId10"/>
   </p:sldLayoutIdLst>
   <p:hf hdr="0" ftr="0" dt="0"/>
   <p:txStyles>
@@ -5273,6 +5308,244 @@
 </p:sld>
 </file>
 
+<file path=ppt/slides/slide10.xml><?xml version="1.0" encoding="utf-8"?>
+<p:sld xmlns:a="http://schemas.openxmlformats.org/drawingml/2006/main" xmlns:r="http://schemas.openxmlformats.org/officeDocument/2006/relationships" xmlns:p="http://schemas.openxmlformats.org/presentationml/2006/main">
+  <p:cSld>
+    <p:spTree>
+      <p:nvGrpSpPr>
+        <p:cNvPr id="1" name=""/>
+        <p:cNvGrpSpPr/>
+        <p:nvPr/>
+      </p:nvGrpSpPr>
+      <p:grpSpPr>
+        <a:xfrm>
+          <a:off x="0" y="0"/>
+          <a:ext cx="0" cy="0"/>
+          <a:chOff x="0" y="0"/>
+          <a:chExt cx="0" cy="0"/>
+        </a:xfrm>
+      </p:grpSpPr>
+      <p:sp>
+        <p:nvSpPr>
+          <p:cNvPr id="4" name="Title 3">
+            <a:extLst>
+              <a:ext uri="{FF2B5EF4-FFF2-40B4-BE49-F238E27FC236}">
+                <a16:creationId xmlns:a16="http://schemas.microsoft.com/office/drawing/2014/main" id="{AAE5B366-C483-AC40-9C83-C256E4453750}"/>
+              </a:ext>
+            </a:extLst>
+          </p:cNvPr>
+          <p:cNvSpPr>
+            <a:spLocks noGrp="1"/>
+          </p:cNvSpPr>
+          <p:nvPr>
+            <p:ph type="title"/>
+          </p:nvPr>
+        </p:nvSpPr>
+        <p:spPr>
+          <a:xfrm>
+            <a:off x="838200" y="1043753"/>
+            <a:ext cx="10515600" cy="886732"/>
+          </a:xfrm>
+          <a:prstGeom prst="rect">
+            <a:avLst/>
+          </a:prstGeom>
+        </p:spPr>
+        <p:txBody>
+          <a:bodyPr/>
+          <a:lstStyle/>
+          <a:p>
+            <a:r>
+              <a:rPr lang="en-US" dirty="0"/>
+              <a:t>Title for slide</a:t>
+            </a:r>
+            <a:endParaRPr lang="en-NL" dirty="0"/>
+          </a:p>
+        </p:txBody>
+      </p:sp>
+      <p:sp>
+        <p:nvSpPr>
+          <p:cNvPr id="6" name="Text Placeholder 5">
+            <a:extLst>
+              <a:ext uri="{FF2B5EF4-FFF2-40B4-BE49-F238E27FC236}">
+                <a16:creationId xmlns:a16="http://schemas.microsoft.com/office/drawing/2014/main" id="{26D08BE9-171B-AA4B-9FA8-85C994D1CD80}"/>
+              </a:ext>
+            </a:extLst>
+          </p:cNvPr>
+          <p:cNvSpPr>
+            <a:spLocks noGrp="1"/>
+          </p:cNvSpPr>
+          <p:nvPr>
+            <p:ph type="body" sz="quarter" idx="4294967295"/>
+          </p:nvPr>
+        </p:nvSpPr>
+        <p:spPr>
+          <a:xfrm>
+            <a:off x="838199" y="1997236"/>
+            <a:ext cx="5257801" cy="4225143"/>
+          </a:xfrm>
+          <a:prstGeom prst="rect">
+            <a:avLst/>
+          </a:prstGeom>
+        </p:spPr>
+        <p:txBody>
+          <a:bodyPr/>
+          <a:lstStyle/>
+          <a:p>
+            <a:r>
+              <a:rPr lang="en-US" dirty="0"/>
+              <a:t>Text to add to slide</a:t>
+            </a:r>
+          </a:p>
+          <a:p>
+            <a:pPr lvl="1"/>
+            <a:r>
+              <a:rPr lang="en-US" dirty="0"/>
+              <a:t>Indent item</a:t>
+            </a:r>
+          </a:p>
+          <a:p>
+            <a:r>
+              <a:rPr lang="en-US" dirty="0"/>
+              <a:t>Another item</a:t>
+            </a:r>
+          </a:p>
+          <a:p>
+            <a:endParaRPr lang="en-NL" dirty="0"/>
+          </a:p>
+        </p:txBody>
+      </p:sp>
+      <p:sp>
+        <p:nvSpPr>
+          <p:cNvPr id="5" name="Picture Placeholder 4">
+            <a:extLst>
+              <a:ext uri="{FF2B5EF4-FFF2-40B4-BE49-F238E27FC236}">
+                <a16:creationId xmlns:a16="http://schemas.microsoft.com/office/drawing/2014/main" id="{E7CD5E20-55E4-7948-B3CB-B3DA3DE8CFA7}"/>
+              </a:ext>
+            </a:extLst>
+          </p:cNvPr>
+          <p:cNvSpPr>
+            <a:spLocks noGrp="1"/>
+          </p:cNvSpPr>
+          <p:nvPr>
+            <p:ph type="pic" idx="4294967295"/>
+          </p:nvPr>
+        </p:nvSpPr>
+        <p:spPr>
+          <a:xfrm>
+            <a:off x="6177280" y="1997236"/>
+            <a:ext cx="5178108" cy="4239734"/>
+          </a:xfrm>
+          <a:prstGeom prst="rect">
+            <a:avLst/>
+          </a:prstGeom>
+        </p:spPr>
+      </p:sp>
+    </p:spTree>
+    <p:extLst>
+      <p:ext uri="{BB962C8B-B14F-4D97-AF65-F5344CB8AC3E}">
+        <p14:creationId xmlns:p14="http://schemas.microsoft.com/office/powerpoint/2010/main" val="1110545997"/>
+      </p:ext>
+    </p:extLst>
+  </p:cSld>
+  <p:clrMapOvr>
+    <a:masterClrMapping/>
+  </p:clrMapOvr>
+  <mc:AlternateContent xmlns:mc="http://schemas.openxmlformats.org/markup-compatibility/2006" xmlns:p14="http://schemas.microsoft.com/office/powerpoint/2010/main">
+    <mc:Choice Requires="p14">
+      <p:transition p14:dur="0"/>
+    </mc:Choice>
+    <mc:Fallback xmlns="">
+      <p:transition/>
+    </mc:Fallback>
+  </mc:AlternateContent>
+</p:sld>
+</file>
+
+<file path=ppt/slides/slide11.xml><?xml version="1.0" encoding="utf-8"?>
+<p:sld xmlns:a="http://schemas.openxmlformats.org/drawingml/2006/main" xmlns:r="http://schemas.openxmlformats.org/officeDocument/2006/relationships" xmlns:p="http://schemas.openxmlformats.org/presentationml/2006/main">
+  <p:cSld>
+    <p:spTree>
+      <p:nvGrpSpPr>
+        <p:cNvPr id="1" name=""/>
+        <p:cNvGrpSpPr/>
+        <p:nvPr/>
+      </p:nvGrpSpPr>
+      <p:grpSpPr>
+        <a:xfrm>
+          <a:off x="0" y="0"/>
+          <a:ext cx="0" cy="0"/>
+          <a:chOff x="0" y="0"/>
+          <a:chExt cx="0" cy="0"/>
+        </a:xfrm>
+      </p:grpSpPr>
+      <p:sp>
+        <p:nvSpPr>
+          <p:cNvPr id="3" name="Rectangle 2">
+            <a:extLst>
+              <a:ext uri="{FF2B5EF4-FFF2-40B4-BE49-F238E27FC236}">
+                <a16:creationId xmlns:a16="http://schemas.microsoft.com/office/drawing/2014/main" id="{FC4CC818-BC74-B84F-A2E4-6C01F1EA2198}"/>
+              </a:ext>
+            </a:extLst>
+          </p:cNvPr>
+          <p:cNvSpPr/>
+          <p:nvPr/>
+        </p:nvSpPr>
+        <p:spPr>
+          <a:xfrm>
+            <a:off x="0" y="714554"/>
+            <a:ext cx="12192000" cy="260618"/>
+          </a:xfrm>
+          <a:prstGeom prst="rect">
+            <a:avLst/>
+          </a:prstGeom>
+          <a:solidFill>
+            <a:srgbClr val="F2F2F2"/>
+          </a:solidFill>
+          <a:ln>
+            <a:noFill/>
+          </a:ln>
+        </p:spPr>
+        <p:style>
+          <a:lnRef idx="2">
+            <a:schemeClr val="accent1">
+              <a:shade val="50000"/>
+            </a:schemeClr>
+          </a:lnRef>
+          <a:fillRef idx="1">
+            <a:schemeClr val="accent1"/>
+          </a:fillRef>
+          <a:effectRef idx="0">
+            <a:schemeClr val="accent1"/>
+          </a:effectRef>
+          <a:fontRef idx="minor">
+            <a:schemeClr val="lt1"/>
+          </a:fontRef>
+        </p:style>
+        <p:txBody>
+          <a:bodyPr rtlCol="0" anchor="b"/>
+          <a:lstStyle/>
+          <a:p>
+            <a:pPr algn="ctr"/>
+            <a:endParaRPr lang="en-US"/>
+          </a:p>
+        </p:txBody>
+      </p:sp>
+    </p:spTree>
+    <p:extLst>
+      <p:ext uri="{BB962C8B-B14F-4D97-AF65-F5344CB8AC3E}">
+        <p14:creationId xmlns:p14="http://schemas.microsoft.com/office/powerpoint/2010/main" val="11333335"/>
+      </p:ext>
+    </p:extLst>
+  </p:cSld>
+  <p:clrMapOvr>
+    <a:masterClrMapping/>
+  </p:clrMapOvr>
+  <p:transition spd="slow">
+    <p:push dir="u"/>
+  </p:transition>
+</p:sld>
+</file>
+
 <file path=ppt/slides/slide2.xml><?xml version="1.0" encoding="utf-8"?>
 <p:sld xmlns:a="http://schemas.openxmlformats.org/drawingml/2006/main" xmlns:r="http://schemas.openxmlformats.org/officeDocument/2006/relationships" xmlns:p="http://schemas.openxmlformats.org/presentationml/2006/main">
   <p:cSld>
@@ -5333,7 +5606,7 @@
         <p:spPr>
           <a:xfrm>
             <a:off x="838199" y="1997236"/>
-            <a:ext cx="10515600" cy="4225143"/>
+            <a:ext cx="4821196" cy="4225143"/>
           </a:xfrm>
           <a:prstGeom prst="rect">
             <a:avLst/>
@@ -5345,23 +5618,67 @@
           <a:p>
             <a:r>
               <a:rPr lang="en-US" dirty="0"/>
-              <a:t>Name</a:t>
+              <a:t>Thomas Tveit Rosenlund</a:t>
             </a:r>
           </a:p>
           <a:p>
             <a:r>
               <a:rPr lang="en-US" dirty="0"/>
-              <a:t>Job title &amp; Company Name</a:t>
-            </a:r>
-          </a:p>
-          <a:p>
+              <a:t>Senior </a:t>
+            </a:r>
+            <a:r>
+              <a:rPr lang="en-US" dirty="0" err="1"/>
+              <a:t>advicer</a:t>
+            </a:r>
             <a:r>
               <a:rPr lang="en-US" dirty="0"/>
-              <a:t>&lt;add photo&gt;</a:t>
-            </a:r>
+              <a:t> employed at the Norwegian directorate of e-health</a:t>
+            </a:r>
+          </a:p>
+          <a:p>
+            <a:r>
+              <a:rPr lang="en-US" dirty="0"/>
+              <a:t>Enterprise architect</a:t>
+            </a:r>
+          </a:p>
+          <a:p>
+            <a:pPr marL="0" indent="0">
+              <a:buNone/>
+            </a:pPr>
+            <a:endParaRPr lang="en-US" dirty="0"/>
           </a:p>
         </p:txBody>
       </p:sp>
+      <p:pic>
+        <p:nvPicPr>
+          <p:cNvPr id="5" name="Bilde 4">
+            <a:extLst>
+              <a:ext uri="{FF2B5EF4-FFF2-40B4-BE49-F238E27FC236}">
+                <a16:creationId xmlns:a16="http://schemas.microsoft.com/office/drawing/2014/main" id="{59D21E76-4A4C-ABF1-D795-7AC23A54CE03}"/>
+              </a:ext>
+            </a:extLst>
+          </p:cNvPr>
+          <p:cNvPicPr>
+            <a:picLocks noChangeAspect="1"/>
+          </p:cNvPicPr>
+          <p:nvPr/>
+        </p:nvPicPr>
+        <p:blipFill>
+          <a:blip r:embed="rId2"/>
+          <a:stretch>
+            <a:fillRect/>
+          </a:stretch>
+        </p:blipFill>
+        <p:spPr>
+          <a:xfrm>
+            <a:off x="6777630" y="1487119"/>
+            <a:ext cx="4711436" cy="4459554"/>
+          </a:xfrm>
+          <a:prstGeom prst="rect">
+            <a:avLst/>
+          </a:prstGeom>
+        </p:spPr>
+      </p:pic>
     </p:spTree>
     <p:extLst>
       <p:ext uri="{BB962C8B-B14F-4D97-AF65-F5344CB8AC3E}">
@@ -5402,6 +5719,483 @@
       </p:grpSpPr>
       <p:sp>
         <p:nvSpPr>
+          <p:cNvPr id="2" name="Tittel 1">
+            <a:extLst>
+              <a:ext uri="{FF2B5EF4-FFF2-40B4-BE49-F238E27FC236}">
+                <a16:creationId xmlns:a16="http://schemas.microsoft.com/office/drawing/2014/main" id="{D678A987-ABC3-A179-4183-95AB8AB1EA9C}"/>
+              </a:ext>
+            </a:extLst>
+          </p:cNvPr>
+          <p:cNvSpPr>
+            <a:spLocks noGrp="1"/>
+          </p:cNvSpPr>
+          <p:nvPr>
+            <p:ph type="title"/>
+          </p:nvPr>
+        </p:nvSpPr>
+        <p:spPr/>
+        <p:txBody>
+          <a:bodyPr/>
+          <a:lstStyle/>
+          <a:p>
+            <a:r>
+              <a:rPr lang="nb-NO" dirty="0" err="1"/>
+              <a:t>Overview</a:t>
+            </a:r>
+            <a:endParaRPr lang="nb-NO" dirty="0"/>
+          </a:p>
+        </p:txBody>
+      </p:sp>
+      <p:sp>
+        <p:nvSpPr>
+          <p:cNvPr id="3" name="Plassholder for tekst 2">
+            <a:extLst>
+              <a:ext uri="{FF2B5EF4-FFF2-40B4-BE49-F238E27FC236}">
+                <a16:creationId xmlns:a16="http://schemas.microsoft.com/office/drawing/2014/main" id="{F1DBE1D5-E404-1800-2291-B803203DF974}"/>
+              </a:ext>
+            </a:extLst>
+          </p:cNvPr>
+          <p:cNvSpPr>
+            <a:spLocks noGrp="1"/>
+          </p:cNvSpPr>
+          <p:nvPr>
+            <p:ph type="body" sz="quarter" idx="10"/>
+          </p:nvPr>
+        </p:nvSpPr>
+        <p:spPr/>
+        <p:txBody>
+          <a:bodyPr/>
+          <a:lstStyle/>
+          <a:p>
+            <a:r>
+              <a:rPr lang="nb-NO" dirty="0" err="1"/>
+              <a:t>Guidance</a:t>
+            </a:r>
+            <a:r>
+              <a:rPr lang="nb-NO" dirty="0"/>
+              <a:t> for </a:t>
+            </a:r>
+            <a:r>
+              <a:rPr lang="nb-NO" dirty="0" err="1"/>
+              <a:t>use</a:t>
+            </a:r>
+            <a:r>
+              <a:rPr lang="nb-NO" dirty="0"/>
+              <a:t> </a:t>
+            </a:r>
+            <a:r>
+              <a:rPr lang="nb-NO" dirty="0" err="1"/>
+              <a:t>of</a:t>
+            </a:r>
+            <a:r>
+              <a:rPr lang="nb-NO" dirty="0"/>
+              <a:t> FHIR</a:t>
+            </a:r>
+          </a:p>
+          <a:p>
+            <a:r>
+              <a:rPr lang="nb-NO" dirty="0" err="1"/>
+              <a:t>Strategy</a:t>
+            </a:r>
+            <a:r>
+              <a:rPr lang="nb-NO" dirty="0"/>
+              <a:t> for FHIR profiling and </a:t>
+            </a:r>
+            <a:r>
+              <a:rPr lang="nb-NO" dirty="0" err="1"/>
+              <a:t>governance</a:t>
+            </a:r>
+            <a:endParaRPr lang="nb-NO" dirty="0"/>
+          </a:p>
+          <a:p>
+            <a:r>
+              <a:rPr lang="nb-NO" dirty="0"/>
+              <a:t>Method for </a:t>
+            </a:r>
+            <a:r>
+              <a:rPr lang="nb-NO" dirty="0" err="1"/>
+              <a:t>development</a:t>
+            </a:r>
+            <a:endParaRPr lang="nb-NO" dirty="0"/>
+          </a:p>
+          <a:p>
+            <a:r>
+              <a:rPr lang="nb-NO" dirty="0" err="1"/>
+              <a:t>Standardization</a:t>
+            </a:r>
+            <a:endParaRPr lang="nb-NO" dirty="0"/>
+          </a:p>
+          <a:p>
+            <a:r>
+              <a:rPr lang="nb-NO" dirty="0"/>
+              <a:t>Cooperation and </a:t>
+            </a:r>
+            <a:r>
+              <a:rPr lang="nb-NO" dirty="0" err="1"/>
+              <a:t>sharing</a:t>
+            </a:r>
+            <a:endParaRPr lang="nb-NO" dirty="0"/>
+          </a:p>
+          <a:p>
+            <a:r>
+              <a:rPr lang="nb-NO" dirty="0" err="1"/>
+              <a:t>Results</a:t>
+            </a:r>
+            <a:endParaRPr lang="nb-NO" dirty="0"/>
+          </a:p>
+          <a:p>
+            <a:endParaRPr lang="nb-NO" dirty="0"/>
+          </a:p>
+        </p:txBody>
+      </p:sp>
+    </p:spTree>
+    <p:extLst>
+      <p:ext uri="{BB962C8B-B14F-4D97-AF65-F5344CB8AC3E}">
+        <p14:creationId xmlns:p14="http://schemas.microsoft.com/office/powerpoint/2010/main" val="1319330167"/>
+      </p:ext>
+    </p:extLst>
+  </p:cSld>
+  <p:clrMapOvr>
+    <a:masterClrMapping/>
+  </p:clrMapOvr>
+  <p:transition spd="slow">
+    <p:push dir="u"/>
+  </p:transition>
+</p:sld>
+</file>
+
+<file path=ppt/slides/slide4.xml><?xml version="1.0" encoding="utf-8"?>
+<p:sld xmlns:a="http://schemas.openxmlformats.org/drawingml/2006/main" xmlns:r="http://schemas.openxmlformats.org/officeDocument/2006/relationships" xmlns:p="http://schemas.openxmlformats.org/presentationml/2006/main">
+  <p:cSld>
+    <p:spTree>
+      <p:nvGrpSpPr>
+        <p:cNvPr id="1" name=""/>
+        <p:cNvGrpSpPr/>
+        <p:nvPr/>
+      </p:nvGrpSpPr>
+      <p:grpSpPr>
+        <a:xfrm>
+          <a:off x="0" y="0"/>
+          <a:ext cx="0" cy="0"/>
+          <a:chOff x="0" y="0"/>
+          <a:chExt cx="0" cy="0"/>
+        </a:xfrm>
+      </p:grpSpPr>
+      <p:sp>
+        <p:nvSpPr>
+          <p:cNvPr id="2" name="Tittel 1">
+            <a:extLst>
+              <a:ext uri="{FF2B5EF4-FFF2-40B4-BE49-F238E27FC236}">
+                <a16:creationId xmlns:a16="http://schemas.microsoft.com/office/drawing/2014/main" id="{48DBD2BC-6E31-886F-0DC5-A006C415C472}"/>
+              </a:ext>
+            </a:extLst>
+          </p:cNvPr>
+          <p:cNvSpPr>
+            <a:spLocks noGrp="1"/>
+          </p:cNvSpPr>
+          <p:nvPr>
+            <p:ph type="title"/>
+          </p:nvPr>
+        </p:nvSpPr>
+        <p:spPr/>
+        <p:txBody>
+          <a:bodyPr/>
+          <a:lstStyle/>
+          <a:p>
+            <a:r>
+              <a:rPr lang="nb-NO" dirty="0"/>
+              <a:t>Profiling </a:t>
+            </a:r>
+            <a:r>
+              <a:rPr lang="nb-NO" dirty="0" err="1"/>
+              <a:t>strategy</a:t>
+            </a:r>
+            <a:endParaRPr lang="nb-NO" dirty="0"/>
+          </a:p>
+        </p:txBody>
+      </p:sp>
+      <p:sp>
+        <p:nvSpPr>
+          <p:cNvPr id="3" name="Plassholder for tekst 2">
+            <a:extLst>
+              <a:ext uri="{FF2B5EF4-FFF2-40B4-BE49-F238E27FC236}">
+                <a16:creationId xmlns:a16="http://schemas.microsoft.com/office/drawing/2014/main" id="{BDA343DD-40E1-21E0-9E72-1C074B67CDC5}"/>
+              </a:ext>
+            </a:extLst>
+          </p:cNvPr>
+          <p:cNvSpPr>
+            <a:spLocks noGrp="1"/>
+          </p:cNvSpPr>
+          <p:nvPr>
+            <p:ph type="body" sz="quarter" idx="10"/>
+          </p:nvPr>
+        </p:nvSpPr>
+        <p:spPr>
+          <a:xfrm>
+            <a:off x="838199" y="1997236"/>
+            <a:ext cx="4913871" cy="4225143"/>
+          </a:xfrm>
+        </p:spPr>
+        <p:txBody>
+          <a:bodyPr/>
+          <a:lstStyle/>
+          <a:p>
+            <a:r>
+              <a:rPr lang="nb-NO" dirty="0"/>
+              <a:t>Top </a:t>
+            </a:r>
+            <a:r>
+              <a:rPr lang="nb-NO" dirty="0" err="1"/>
+              <a:t>level</a:t>
+            </a:r>
+            <a:r>
+              <a:rPr lang="nb-NO" dirty="0"/>
+              <a:t> </a:t>
+            </a:r>
+            <a:r>
+              <a:rPr lang="nb-NO" dirty="0" err="1"/>
+              <a:t>view</a:t>
+            </a:r>
+            <a:r>
+              <a:rPr lang="nb-NO" dirty="0"/>
+              <a:t> </a:t>
+            </a:r>
+            <a:r>
+              <a:rPr lang="nb-NO" dirty="0" err="1"/>
+              <a:t>of</a:t>
+            </a:r>
+            <a:r>
+              <a:rPr lang="nb-NO" dirty="0"/>
+              <a:t> </a:t>
+            </a:r>
+            <a:r>
+              <a:rPr lang="nb-NO" dirty="0" err="1"/>
+              <a:t>governance</a:t>
+            </a:r>
+            <a:r>
+              <a:rPr lang="nb-NO" dirty="0"/>
+              <a:t> and </a:t>
+            </a:r>
+            <a:r>
+              <a:rPr lang="nb-NO" dirty="0" err="1"/>
+              <a:t>development</a:t>
+            </a:r>
+            <a:r>
+              <a:rPr lang="nb-NO" dirty="0"/>
+              <a:t> for FHIR </a:t>
+            </a:r>
+            <a:r>
+              <a:rPr lang="nb-NO" dirty="0" err="1"/>
+              <a:t>development</a:t>
+            </a:r>
+            <a:r>
+              <a:rPr lang="nb-NO" dirty="0"/>
+              <a:t> in Norway</a:t>
+            </a:r>
+          </a:p>
+          <a:p>
+            <a:r>
+              <a:rPr lang="nb-NO" dirty="0" err="1"/>
+              <a:t>Everything</a:t>
+            </a:r>
+            <a:r>
+              <a:rPr lang="nb-NO" dirty="0"/>
+              <a:t> </a:t>
+            </a:r>
+            <a:r>
+              <a:rPr lang="nb-NO" dirty="0" err="1"/>
+              <a:t>builds</a:t>
+            </a:r>
+            <a:r>
+              <a:rPr lang="nb-NO" dirty="0"/>
+              <a:t> </a:t>
+            </a:r>
+            <a:r>
+              <a:rPr lang="nb-NO" dirty="0" err="1"/>
+              <a:t>on</a:t>
+            </a:r>
+            <a:r>
+              <a:rPr lang="nb-NO" dirty="0"/>
+              <a:t> a </a:t>
+            </a:r>
+            <a:r>
+              <a:rPr lang="nb-NO" dirty="0" err="1"/>
+              <a:t>collection</a:t>
+            </a:r>
+            <a:r>
+              <a:rPr lang="nb-NO" dirty="0"/>
+              <a:t> </a:t>
+            </a:r>
+            <a:r>
+              <a:rPr lang="nb-NO" dirty="0" err="1"/>
+              <a:t>of</a:t>
+            </a:r>
+            <a:r>
+              <a:rPr lang="nb-NO" dirty="0"/>
+              <a:t> base </a:t>
+            </a:r>
+            <a:r>
+              <a:rPr lang="nb-NO" dirty="0" err="1"/>
+              <a:t>profiles</a:t>
+            </a:r>
+            <a:r>
+              <a:rPr lang="nb-NO" dirty="0"/>
+              <a:t> (</a:t>
+            </a:r>
+            <a:r>
+              <a:rPr lang="nb-NO" dirty="0" err="1"/>
+              <a:t>no</a:t>
+            </a:r>
+            <a:r>
+              <a:rPr lang="nb-NO" dirty="0"/>
+              <a:t>-basis)</a:t>
+            </a:r>
+          </a:p>
+          <a:p>
+            <a:r>
+              <a:rPr lang="nb-NO" dirty="0" err="1"/>
+              <a:t>Domain</a:t>
+            </a:r>
+            <a:r>
+              <a:rPr lang="nb-NO" dirty="0"/>
+              <a:t> </a:t>
+            </a:r>
+            <a:r>
+              <a:rPr lang="nb-NO" dirty="0" err="1"/>
+              <a:t>profiles</a:t>
+            </a:r>
+            <a:r>
+              <a:rPr lang="nb-NO" dirty="0"/>
+              <a:t> </a:t>
+            </a:r>
+            <a:r>
+              <a:rPr lang="nb-NO" dirty="0" err="1"/>
+              <a:t>are</a:t>
+            </a:r>
+            <a:r>
+              <a:rPr lang="nb-NO" dirty="0"/>
+              <a:t> </a:t>
+            </a:r>
+            <a:r>
+              <a:rPr lang="nb-NO" dirty="0" err="1"/>
+              <a:t>developed</a:t>
+            </a:r>
+            <a:r>
+              <a:rPr lang="nb-NO" dirty="0"/>
+              <a:t> as </a:t>
+            </a:r>
+            <a:r>
+              <a:rPr lang="nb-NO" dirty="0" err="1"/>
+              <a:t>needed</a:t>
+            </a:r>
+            <a:endParaRPr lang="nb-NO" dirty="0"/>
+          </a:p>
+          <a:p>
+            <a:r>
+              <a:rPr lang="nb-NO" dirty="0" err="1"/>
+              <a:t>Implemented</a:t>
+            </a:r>
+            <a:r>
+              <a:rPr lang="nb-NO" dirty="0"/>
+              <a:t> </a:t>
+            </a:r>
+            <a:r>
+              <a:rPr lang="nb-NO" dirty="0" err="1"/>
+              <a:t>profiles</a:t>
+            </a:r>
+            <a:r>
+              <a:rPr lang="nb-NO" dirty="0"/>
+              <a:t> </a:t>
+            </a:r>
+            <a:r>
+              <a:rPr lang="nb-NO" dirty="0" err="1"/>
+              <a:t>are</a:t>
+            </a:r>
+            <a:r>
+              <a:rPr lang="nb-NO" dirty="0"/>
+              <a:t> </a:t>
+            </a:r>
+            <a:r>
+              <a:rPr lang="nb-NO" dirty="0" err="1"/>
+              <a:t>made</a:t>
+            </a:r>
+            <a:r>
+              <a:rPr lang="nb-NO" dirty="0"/>
+              <a:t> by </a:t>
+            </a:r>
+            <a:r>
+              <a:rPr lang="nb-NO"/>
+              <a:t>everyone</a:t>
+            </a:r>
+            <a:endParaRPr lang="nb-NO" dirty="0"/>
+          </a:p>
+        </p:txBody>
+      </p:sp>
+      <p:pic>
+        <p:nvPicPr>
+          <p:cNvPr id="20" name="Bilde 19">
+            <a:extLst>
+              <a:ext uri="{FF2B5EF4-FFF2-40B4-BE49-F238E27FC236}">
+                <a16:creationId xmlns:a16="http://schemas.microsoft.com/office/drawing/2014/main" id="{9167F262-7966-6E00-B72B-ED923983E240}"/>
+              </a:ext>
+            </a:extLst>
+          </p:cNvPr>
+          <p:cNvPicPr>
+            <a:picLocks noChangeAspect="1"/>
+          </p:cNvPicPr>
+          <p:nvPr/>
+        </p:nvPicPr>
+        <p:blipFill>
+          <a:blip r:embed="rId2"/>
+          <a:stretch>
+            <a:fillRect/>
+          </a:stretch>
+        </p:blipFill>
+        <p:spPr>
+          <a:xfrm>
+            <a:off x="6050049" y="1805657"/>
+            <a:ext cx="5985408" cy="3906605"/>
+          </a:xfrm>
+          <a:prstGeom prst="rect">
+            <a:avLst/>
+          </a:prstGeom>
+        </p:spPr>
+      </p:pic>
+    </p:spTree>
+    <p:extLst>
+      <p:ext uri="{BB962C8B-B14F-4D97-AF65-F5344CB8AC3E}">
+        <p14:creationId xmlns:p14="http://schemas.microsoft.com/office/powerpoint/2010/main" val="1732795402"/>
+      </p:ext>
+    </p:extLst>
+  </p:cSld>
+  <p:clrMapOvr>
+    <a:masterClrMapping/>
+  </p:clrMapOvr>
+  <p:transition spd="slow">
+    <p:push dir="u"/>
+  </p:transition>
+</p:sld>
+</file>
+
+<file path=ppt/slides/slide5.xml><?xml version="1.0" encoding="utf-8"?>
+<p:sld xmlns:a="http://schemas.openxmlformats.org/drawingml/2006/main" xmlns:r="http://schemas.openxmlformats.org/officeDocument/2006/relationships" xmlns:p="http://schemas.openxmlformats.org/presentationml/2006/main">
+  <p:cSld>
+    <p:spTree>
+      <p:nvGrpSpPr>
+        <p:cNvPr id="1" name=""/>
+        <p:cNvGrpSpPr/>
+        <p:nvPr/>
+      </p:nvGrpSpPr>
+      <p:grpSpPr>
+        <a:xfrm>
+          <a:off x="0" y="0"/>
+          <a:ext cx="0" cy="0"/>
+          <a:chOff x="0" y="0"/>
+          <a:chExt cx="0" cy="0"/>
+        </a:xfrm>
+      </p:grpSpPr>
+      <p:sp>
+        <p:nvSpPr>
           <p:cNvPr id="2" name="Title 1"/>
           <p:cNvSpPr>
             <a:spLocks noGrp="1"/>
@@ -5425,54 +6219,52 @@
           <a:p>
             <a:r>
               <a:rPr lang="en-US" dirty="0"/>
-              <a:t>Presentation</a:t>
+              <a:t>Method</a:t>
             </a:r>
           </a:p>
         </p:txBody>
       </p:sp>
-      <p:sp>
-        <p:nvSpPr>
-          <p:cNvPr id="3" name="Text Placeholder 2"/>
-          <p:cNvSpPr>
-            <a:spLocks noGrp="1"/>
-          </p:cNvSpPr>
-          <p:nvPr>
-            <p:ph type="body" sz="quarter" idx="4294967295"/>
-          </p:nvPr>
-        </p:nvSpPr>
-        <p:spPr>
-          <a:xfrm>
-            <a:off x="838199" y="1997236"/>
-            <a:ext cx="10515600" cy="4225143"/>
-          </a:xfrm>
-          <a:prstGeom prst="rect">
-            <a:avLst/>
-          </a:prstGeom>
-        </p:spPr>
-        <p:txBody>
-          <a:bodyPr/>
-          <a:lstStyle/>
-          <a:p>
-            <a:r>
-              <a:rPr lang="en-US" dirty="0"/>
-              <a:t>Text to add to slide</a:t>
-            </a:r>
-          </a:p>
-          <a:p>
-            <a:pPr lvl="1"/>
-            <a:r>
-              <a:rPr lang="en-US" dirty="0"/>
-              <a:t>Indent item</a:t>
-            </a:r>
-          </a:p>
-          <a:p>
-            <a:r>
-              <a:rPr lang="en-US" dirty="0"/>
-              <a:t>Another item</a:t>
-            </a:r>
-          </a:p>
-        </p:txBody>
-      </p:sp>
+      <p:pic>
+        <p:nvPicPr>
+          <p:cNvPr id="5" name="Bilde 4">
+            <a:extLst>
+              <a:ext uri="{FF2B5EF4-FFF2-40B4-BE49-F238E27FC236}">
+                <a16:creationId xmlns:a16="http://schemas.microsoft.com/office/drawing/2014/main" id="{305E9DAE-6032-F1D0-8670-88B1ECA92B0E}"/>
+              </a:ext>
+            </a:extLst>
+          </p:cNvPr>
+          <p:cNvPicPr>
+            <a:picLocks noChangeAspect="1"/>
+          </p:cNvPicPr>
+          <p:nvPr/>
+        </p:nvPicPr>
+        <p:blipFill>
+          <a:blip r:embed="rId2">
+            <a:clrChange>
+              <a:clrFrom>
+                <a:srgbClr val="FFFFFF"/>
+              </a:clrFrom>
+              <a:clrTo>
+                <a:srgbClr val="FFFFFF">
+                  <a:alpha val="0"/>
+                </a:srgbClr>
+              </a:clrTo>
+            </a:clrChange>
+          </a:blip>
+          <a:stretch>
+            <a:fillRect/>
+          </a:stretch>
+        </p:blipFill>
+        <p:spPr>
+          <a:xfrm>
+            <a:off x="5584106" y="876118"/>
+            <a:ext cx="6544051" cy="5160157"/>
+          </a:xfrm>
+          <a:prstGeom prst="rect">
+            <a:avLst/>
+          </a:prstGeom>
+        </p:spPr>
+      </p:pic>
     </p:spTree>
     <p:extLst>
       <p:ext uri="{BB962C8B-B14F-4D97-AF65-F5344CB8AC3E}">
@@ -5494,7 +6286,3243 @@
 </p:sld>
 </file>
 
-<file path=ppt/slides/slide4.xml><?xml version="1.0" encoding="utf-8"?>
+<file path=ppt/slides/slide6.xml><?xml version="1.0" encoding="utf-8"?>
+<p:sld xmlns:a="http://schemas.openxmlformats.org/drawingml/2006/main" xmlns:r="http://schemas.openxmlformats.org/officeDocument/2006/relationships" xmlns:p="http://schemas.openxmlformats.org/presentationml/2006/main" show="0">
+  <p:cSld>
+    <p:spTree>
+      <p:nvGrpSpPr>
+        <p:cNvPr id="1" name=""/>
+        <p:cNvGrpSpPr/>
+        <p:nvPr/>
+      </p:nvGrpSpPr>
+      <p:grpSpPr>
+        <a:xfrm>
+          <a:off x="0" y="0"/>
+          <a:ext cx="0" cy="0"/>
+          <a:chOff x="0" y="0"/>
+          <a:chExt cx="0" cy="0"/>
+        </a:xfrm>
+      </p:grpSpPr>
+      <p:sp>
+        <p:nvSpPr>
+          <p:cNvPr id="93" name="Pil: femkant 92">
+            <a:extLst>
+              <a:ext uri="{FF2B5EF4-FFF2-40B4-BE49-F238E27FC236}">
+                <a16:creationId xmlns:a16="http://schemas.microsoft.com/office/drawing/2014/main" id="{C3DDAA4B-4665-49FD-9BFC-C92C62BE57D6}"/>
+              </a:ext>
+            </a:extLst>
+          </p:cNvPr>
+          <p:cNvSpPr/>
+          <p:nvPr/>
+        </p:nvSpPr>
+        <p:spPr>
+          <a:xfrm>
+            <a:off x="6064637" y="4794066"/>
+            <a:ext cx="4516619" cy="1893585"/>
+          </a:xfrm>
+          <a:prstGeom prst="homePlate">
+            <a:avLst>
+              <a:gd name="adj" fmla="val 16471"/>
+            </a:avLst>
+          </a:prstGeom>
+          <a:solidFill>
+            <a:srgbClr val="DAE3F3"/>
+          </a:solidFill>
+          <a:ln>
+            <a:solidFill>
+              <a:srgbClr val="DAE3F3"/>
+            </a:solidFill>
+          </a:ln>
+        </p:spPr>
+        <p:style>
+          <a:lnRef idx="2">
+            <a:schemeClr val="accent1">
+              <a:shade val="50000"/>
+            </a:schemeClr>
+          </a:lnRef>
+          <a:fillRef idx="1">
+            <a:schemeClr val="accent1"/>
+          </a:fillRef>
+          <a:effectRef idx="0">
+            <a:schemeClr val="accent1"/>
+          </a:effectRef>
+          <a:fontRef idx="minor">
+            <a:schemeClr val="lt1"/>
+          </a:fontRef>
+        </p:style>
+        <p:txBody>
+          <a:bodyPr rtlCol="0" anchor="ctr"/>
+          <a:lstStyle/>
+          <a:p>
+            <a:pPr algn="ctr" defTabSz="914056">
+              <a:defRPr/>
+            </a:pPr>
+            <a:endParaRPr lang="nb-NO" sz="2667" dirty="0">
+              <a:solidFill>
+                <a:prstClr val="white"/>
+              </a:solidFill>
+              <a:latin typeface="Arial" panose="020B0604020202020204"/>
+            </a:endParaRPr>
+          </a:p>
+        </p:txBody>
+      </p:sp>
+      <p:sp>
+        <p:nvSpPr>
+          <p:cNvPr id="74" name="Frihåndsform: figur 73">
+            <a:extLst>
+              <a:ext uri="{FF2B5EF4-FFF2-40B4-BE49-F238E27FC236}">
+                <a16:creationId xmlns:a16="http://schemas.microsoft.com/office/drawing/2014/main" id="{26023464-0182-49AA-82E8-345400CB787E}"/>
+              </a:ext>
+            </a:extLst>
+          </p:cNvPr>
+          <p:cNvSpPr/>
+          <p:nvPr/>
+        </p:nvSpPr>
+        <p:spPr>
+          <a:xfrm>
+            <a:off x="5902575" y="77068"/>
+            <a:ext cx="2880234" cy="2486944"/>
+          </a:xfrm>
+          <a:custGeom>
+            <a:avLst/>
+            <a:gdLst>
+              <a:gd name="connsiteX0" fmla="*/ 248745 w 3456506"/>
+              <a:gd name="connsiteY0" fmla="*/ 0 h 2984527"/>
+              <a:gd name="connsiteX1" fmla="*/ 377062 w 3456506"/>
+              <a:gd name="connsiteY1" fmla="*/ 3245 h 2984527"/>
+              <a:gd name="connsiteX2" fmla="*/ 3229010 w 3456506"/>
+              <a:gd name="connsiteY2" fmla="*/ 1439164 h 2984527"/>
+              <a:gd name="connsiteX3" fmla="*/ 3456506 w 3456506"/>
+              <a:gd name="connsiteY3" fmla="*/ 1743390 h 2984527"/>
+              <a:gd name="connsiteX4" fmla="*/ 2391510 w 3456506"/>
+              <a:gd name="connsiteY4" fmla="*/ 2132354 h 2984527"/>
+              <a:gd name="connsiteX5" fmla="*/ 1556834 w 3456506"/>
+              <a:gd name="connsiteY5" fmla="*/ 2984527 h 2984527"/>
+              <a:gd name="connsiteX6" fmla="*/ 1479605 w 3456506"/>
+              <a:gd name="connsiteY6" fmla="*/ 2881250 h 2984527"/>
+              <a:gd name="connsiteX7" fmla="*/ 346370 w 3456506"/>
+              <a:gd name="connsiteY7" fmla="*/ 2273932 h 2984527"/>
+              <a:gd name="connsiteX8" fmla="*/ 265513 w 3456506"/>
+              <a:gd name="connsiteY8" fmla="*/ 2269849 h 2984527"/>
+              <a:gd name="connsiteX9" fmla="*/ 0 w 3456506"/>
+              <a:gd name="connsiteY9" fmla="*/ 1097919 h 2984527"/>
+              <a:gd name="connsiteX10" fmla="*/ 248745 w 3456506"/>
+              <a:gd name="connsiteY10" fmla="*/ 0 h 2984527"/>
+            </a:gdLst>
+            <a:ahLst/>
+            <a:cxnLst>
+              <a:cxn ang="0">
+                <a:pos x="connsiteX0" y="connsiteY0"/>
+              </a:cxn>
+              <a:cxn ang="0">
+                <a:pos x="connsiteX1" y="connsiteY1"/>
+              </a:cxn>
+              <a:cxn ang="0">
+                <a:pos x="connsiteX2" y="connsiteY2"/>
+              </a:cxn>
+              <a:cxn ang="0">
+                <a:pos x="connsiteX3" y="connsiteY3"/>
+              </a:cxn>
+              <a:cxn ang="0">
+                <a:pos x="connsiteX4" y="connsiteY4"/>
+              </a:cxn>
+              <a:cxn ang="0">
+                <a:pos x="connsiteX5" y="connsiteY5"/>
+              </a:cxn>
+              <a:cxn ang="0">
+                <a:pos x="connsiteX6" y="connsiteY6"/>
+              </a:cxn>
+              <a:cxn ang="0">
+                <a:pos x="connsiteX7" y="connsiteY7"/>
+              </a:cxn>
+              <a:cxn ang="0">
+                <a:pos x="connsiteX8" y="connsiteY8"/>
+              </a:cxn>
+              <a:cxn ang="0">
+                <a:pos x="connsiteX9" y="connsiteY9"/>
+              </a:cxn>
+              <a:cxn ang="0">
+                <a:pos x="connsiteX10" y="connsiteY10"/>
+              </a:cxn>
+            </a:cxnLst>
+            <a:rect l="l" t="t" r="r" b="b"/>
+            <a:pathLst>
+              <a:path w="3456506" h="2984527">
+                <a:moveTo>
+                  <a:pt x="248745" y="0"/>
+                </a:moveTo>
+                <a:lnTo>
+                  <a:pt x="377062" y="3245"/>
+                </a:lnTo>
+                <a:cubicBezTo>
+                  <a:pt x="1524477" y="61407"/>
+                  <a:pt x="2543039" y="607960"/>
+                  <a:pt x="3229010" y="1439164"/>
+                </a:cubicBezTo>
+                <a:lnTo>
+                  <a:pt x="3456506" y="1743390"/>
+                </a:lnTo>
+                <a:lnTo>
+                  <a:pt x="2391510" y="2132354"/>
+                </a:lnTo>
+                <a:lnTo>
+                  <a:pt x="1556834" y="2984527"/>
+                </a:lnTo>
+                <a:lnTo>
+                  <a:pt x="1479605" y="2881250"/>
+                </a:lnTo>
+                <a:cubicBezTo>
+                  <a:pt x="1203603" y="2546813"/>
+                  <a:pt x="801653" y="2320169"/>
+                  <a:pt x="346370" y="2273932"/>
+                </a:cubicBezTo>
+                <a:lnTo>
+                  <a:pt x="265513" y="2269849"/>
+                </a:lnTo>
+                <a:lnTo>
+                  <a:pt x="0" y="1097919"/>
+                </a:lnTo>
+                <a:lnTo>
+                  <a:pt x="248745" y="0"/>
+                </a:lnTo>
+                <a:close/>
+              </a:path>
+            </a:pathLst>
+          </a:custGeom>
+          <a:solidFill>
+            <a:srgbClr val="2F5597"/>
+          </a:solidFill>
+          <a:ln>
+            <a:solidFill>
+              <a:srgbClr val="2F5597"/>
+            </a:solidFill>
+          </a:ln>
+        </p:spPr>
+        <p:style>
+          <a:lnRef idx="2">
+            <a:schemeClr val="accent1">
+              <a:shade val="50000"/>
+            </a:schemeClr>
+          </a:lnRef>
+          <a:fillRef idx="1">
+            <a:schemeClr val="accent1"/>
+          </a:fillRef>
+          <a:effectRef idx="0">
+            <a:schemeClr val="accent1"/>
+          </a:effectRef>
+          <a:fontRef idx="minor">
+            <a:schemeClr val="lt1"/>
+          </a:fontRef>
+        </p:style>
+        <p:txBody>
+          <a:bodyPr wrap="square" rtlCol="0" anchor="ctr">
+            <a:noAutofit/>
+          </a:bodyPr>
+          <a:lstStyle/>
+          <a:p>
+            <a:pPr algn="ctr"/>
+            <a:endParaRPr lang="nb-NO" sz="3000">
+              <a:solidFill>
+                <a:schemeClr val="tx1"/>
+              </a:solidFill>
+            </a:endParaRPr>
+          </a:p>
+        </p:txBody>
+      </p:sp>
+      <p:sp>
+        <p:nvSpPr>
+          <p:cNvPr id="73" name="Frihåndsform: figur 72">
+            <a:extLst>
+              <a:ext uri="{FF2B5EF4-FFF2-40B4-BE49-F238E27FC236}">
+                <a16:creationId xmlns:a16="http://schemas.microsoft.com/office/drawing/2014/main" id="{5755F5B5-A084-47F8-AA71-927AD33C2420}"/>
+              </a:ext>
+            </a:extLst>
+          </p:cNvPr>
+          <p:cNvSpPr/>
+          <p:nvPr/>
+        </p:nvSpPr>
+        <p:spPr>
+          <a:xfrm>
+            <a:off x="3356997" y="78415"/>
+            <a:ext cx="2588376" cy="2487726"/>
+          </a:xfrm>
+          <a:custGeom>
+            <a:avLst/>
+            <a:gdLst>
+              <a:gd name="connsiteX0" fmla="*/ 3088779 w 3106253"/>
+              <a:gd name="connsiteY0" fmla="*/ 0 h 2985465"/>
+              <a:gd name="connsiteX1" fmla="*/ 2840401 w 3106253"/>
+              <a:gd name="connsiteY1" fmla="*/ 1096302 h 2985465"/>
+              <a:gd name="connsiteX2" fmla="*/ 3106253 w 3106253"/>
+              <a:gd name="connsiteY2" fmla="*/ 2269731 h 2985465"/>
+              <a:gd name="connsiteX3" fmla="*/ 3055086 w 3106253"/>
+              <a:gd name="connsiteY3" fmla="*/ 2272315 h 2985465"/>
+              <a:gd name="connsiteX4" fmla="*/ 1921851 w 3106253"/>
+              <a:gd name="connsiteY4" fmla="*/ 2879633 h 2985465"/>
+              <a:gd name="connsiteX5" fmla="*/ 1842712 w 3106253"/>
+              <a:gd name="connsiteY5" fmla="*/ 2985465 h 2985465"/>
+              <a:gd name="connsiteX6" fmla="*/ 769847 w 3106253"/>
+              <a:gd name="connsiteY6" fmla="*/ 2533918 h 2985465"/>
+              <a:gd name="connsiteX7" fmla="*/ 0 w 3106253"/>
+              <a:gd name="connsiteY7" fmla="*/ 1668157 h 2985465"/>
+              <a:gd name="connsiteX8" fmla="*/ 172446 w 3106253"/>
+              <a:gd name="connsiteY8" fmla="*/ 1437547 h 2985465"/>
+              <a:gd name="connsiteX9" fmla="*/ 3024394 w 3106253"/>
+              <a:gd name="connsiteY9" fmla="*/ 1628 h 2985465"/>
+              <a:gd name="connsiteX10" fmla="*/ 3088779 w 3106253"/>
+              <a:gd name="connsiteY10" fmla="*/ 0 h 2985465"/>
+            </a:gdLst>
+            <a:ahLst/>
+            <a:cxnLst>
+              <a:cxn ang="0">
+                <a:pos x="connsiteX0" y="connsiteY0"/>
+              </a:cxn>
+              <a:cxn ang="0">
+                <a:pos x="connsiteX1" y="connsiteY1"/>
+              </a:cxn>
+              <a:cxn ang="0">
+                <a:pos x="connsiteX2" y="connsiteY2"/>
+              </a:cxn>
+              <a:cxn ang="0">
+                <a:pos x="connsiteX3" y="connsiteY3"/>
+              </a:cxn>
+              <a:cxn ang="0">
+                <a:pos x="connsiteX4" y="connsiteY4"/>
+              </a:cxn>
+              <a:cxn ang="0">
+                <a:pos x="connsiteX5" y="connsiteY5"/>
+              </a:cxn>
+              <a:cxn ang="0">
+                <a:pos x="connsiteX6" y="connsiteY6"/>
+              </a:cxn>
+              <a:cxn ang="0">
+                <a:pos x="connsiteX7" y="connsiteY7"/>
+              </a:cxn>
+              <a:cxn ang="0">
+                <a:pos x="connsiteX8" y="connsiteY8"/>
+              </a:cxn>
+              <a:cxn ang="0">
+                <a:pos x="connsiteX9" y="connsiteY9"/>
+              </a:cxn>
+              <a:cxn ang="0">
+                <a:pos x="connsiteX10" y="connsiteY10"/>
+              </a:cxn>
+            </a:cxnLst>
+            <a:rect l="l" t="t" r="r" b="b"/>
+            <a:pathLst>
+              <a:path w="3106253" h="2985465">
+                <a:moveTo>
+                  <a:pt x="3088779" y="0"/>
+                </a:moveTo>
+                <a:lnTo>
+                  <a:pt x="2840401" y="1096302"/>
+                </a:lnTo>
+                <a:lnTo>
+                  <a:pt x="3106253" y="2269731"/>
+                </a:lnTo>
+                <a:lnTo>
+                  <a:pt x="3055086" y="2272315"/>
+                </a:lnTo>
+                <a:cubicBezTo>
+                  <a:pt x="2599803" y="2318552"/>
+                  <a:pt x="2197854" y="2545196"/>
+                  <a:pt x="1921851" y="2879633"/>
+                </a:cubicBezTo>
+                <a:lnTo>
+                  <a:pt x="1842712" y="2985465"/>
+                </a:lnTo>
+                <a:lnTo>
+                  <a:pt x="769847" y="2533918"/>
+                </a:lnTo>
+                <a:lnTo>
+                  <a:pt x="0" y="1668157"/>
+                </a:lnTo>
+                <a:lnTo>
+                  <a:pt x="172446" y="1437547"/>
+                </a:lnTo>
+                <a:cubicBezTo>
+                  <a:pt x="858418" y="606343"/>
+                  <a:pt x="1876979" y="59790"/>
+                  <a:pt x="3024394" y="1628"/>
+                </a:cubicBezTo>
+                <a:lnTo>
+                  <a:pt x="3088779" y="0"/>
+                </a:lnTo>
+                <a:close/>
+              </a:path>
+            </a:pathLst>
+          </a:custGeom>
+          <a:solidFill>
+            <a:srgbClr val="8FAADC"/>
+          </a:solidFill>
+          <a:ln>
+            <a:solidFill>
+              <a:srgbClr val="8FAADC"/>
+            </a:solidFill>
+          </a:ln>
+        </p:spPr>
+        <p:style>
+          <a:lnRef idx="2">
+            <a:schemeClr val="accent1">
+              <a:shade val="50000"/>
+            </a:schemeClr>
+          </a:lnRef>
+          <a:fillRef idx="1">
+            <a:schemeClr val="accent1"/>
+          </a:fillRef>
+          <a:effectRef idx="0">
+            <a:schemeClr val="accent1"/>
+          </a:effectRef>
+          <a:fontRef idx="minor">
+            <a:schemeClr val="lt1"/>
+          </a:fontRef>
+        </p:style>
+        <p:txBody>
+          <a:bodyPr wrap="square" rtlCol="0" anchor="ctr">
+            <a:noAutofit/>
+          </a:bodyPr>
+          <a:lstStyle/>
+          <a:p>
+            <a:pPr algn="ctr"/>
+            <a:endParaRPr lang="nb-NO" sz="3000">
+              <a:solidFill>
+                <a:schemeClr val="tx1"/>
+              </a:solidFill>
+            </a:endParaRPr>
+          </a:p>
+        </p:txBody>
+      </p:sp>
+      <p:sp>
+        <p:nvSpPr>
+          <p:cNvPr id="70" name="Frihåndsform: figur 69">
+            <a:extLst>
+              <a:ext uri="{FF2B5EF4-FFF2-40B4-BE49-F238E27FC236}">
+                <a16:creationId xmlns:a16="http://schemas.microsoft.com/office/drawing/2014/main" id="{6B9369A2-C8EC-4A83-A608-D9B19BBE5CCF}"/>
+              </a:ext>
+            </a:extLst>
+          </p:cNvPr>
+          <p:cNvSpPr/>
+          <p:nvPr/>
+        </p:nvSpPr>
+        <p:spPr>
+          <a:xfrm>
+            <a:off x="2747183" y="1616571"/>
+            <a:ext cx="2052881" cy="2963215"/>
+          </a:xfrm>
+          <a:custGeom>
+            <a:avLst/>
+            <a:gdLst>
+              <a:gd name="connsiteX0" fmla="*/ 609949 w 2463617"/>
+              <a:gd name="connsiteY0" fmla="*/ 0 h 3556089"/>
+              <a:gd name="connsiteX1" fmla="*/ 1376839 w 2463617"/>
+              <a:gd name="connsiteY1" fmla="*/ 862436 h 3556089"/>
+              <a:gd name="connsiteX2" fmla="*/ 2463617 w 2463617"/>
+              <a:gd name="connsiteY2" fmla="*/ 1319838 h 3556089"/>
+              <a:gd name="connsiteX3" fmla="*/ 2400136 w 2463617"/>
+              <a:gd name="connsiteY3" fmla="*/ 1451615 h 3556089"/>
+              <a:gd name="connsiteX4" fmla="*/ 2267100 w 2463617"/>
+              <a:gd name="connsiteY4" fmla="*/ 2110568 h 3556089"/>
+              <a:gd name="connsiteX5" fmla="*/ 2343209 w 2463617"/>
+              <a:gd name="connsiteY5" fmla="*/ 2613985 h 3556089"/>
+              <a:gd name="connsiteX6" fmla="*/ 2361299 w 2463617"/>
+              <a:gd name="connsiteY6" fmla="*/ 2663411 h 3556089"/>
+              <a:gd name="connsiteX7" fmla="*/ 1423379 w 2463617"/>
+              <a:gd name="connsiteY7" fmla="*/ 3344162 h 3556089"/>
+              <a:gd name="connsiteX8" fmla="*/ 273388 w 2463617"/>
+              <a:gd name="connsiteY8" fmla="*/ 3556089 h 3556089"/>
+              <a:gd name="connsiteX9" fmla="*/ 240292 w 2463617"/>
+              <a:gd name="connsiteY9" fmla="*/ 3472149 h 3556089"/>
+              <a:gd name="connsiteX10" fmla="*/ 0 w 2463617"/>
+              <a:gd name="connsiteY10" fmla="*/ 2110568 h 3556089"/>
+              <a:gd name="connsiteX11" fmla="*/ 573302 w 2463617"/>
+              <a:gd name="connsiteY11" fmla="*/ 57164 h 3556089"/>
+              <a:gd name="connsiteX12" fmla="*/ 609949 w 2463617"/>
+              <a:gd name="connsiteY12" fmla="*/ 0 h 3556089"/>
+            </a:gdLst>
+            <a:ahLst/>
+            <a:cxnLst>
+              <a:cxn ang="0">
+                <a:pos x="connsiteX0" y="connsiteY0"/>
+              </a:cxn>
+              <a:cxn ang="0">
+                <a:pos x="connsiteX1" y="connsiteY1"/>
+              </a:cxn>
+              <a:cxn ang="0">
+                <a:pos x="connsiteX2" y="connsiteY2"/>
+              </a:cxn>
+              <a:cxn ang="0">
+                <a:pos x="connsiteX3" y="connsiteY3"/>
+              </a:cxn>
+              <a:cxn ang="0">
+                <a:pos x="connsiteX4" y="connsiteY4"/>
+              </a:cxn>
+              <a:cxn ang="0">
+                <a:pos x="connsiteX5" y="connsiteY5"/>
+              </a:cxn>
+              <a:cxn ang="0">
+                <a:pos x="connsiteX6" y="connsiteY6"/>
+              </a:cxn>
+              <a:cxn ang="0">
+                <a:pos x="connsiteX7" y="connsiteY7"/>
+              </a:cxn>
+              <a:cxn ang="0">
+                <a:pos x="connsiteX8" y="connsiteY8"/>
+              </a:cxn>
+              <a:cxn ang="0">
+                <a:pos x="connsiteX9" y="connsiteY9"/>
+              </a:cxn>
+              <a:cxn ang="0">
+                <a:pos x="connsiteX10" y="connsiteY10"/>
+              </a:cxn>
+              <a:cxn ang="0">
+                <a:pos x="connsiteX11" y="connsiteY11"/>
+              </a:cxn>
+              <a:cxn ang="0">
+                <a:pos x="connsiteX12" y="connsiteY12"/>
+              </a:cxn>
+            </a:cxnLst>
+            <a:rect l="l" t="t" r="r" b="b"/>
+            <a:pathLst>
+              <a:path w="2463617" h="3556089">
+                <a:moveTo>
+                  <a:pt x="609949" y="0"/>
+                </a:moveTo>
+                <a:lnTo>
+                  <a:pt x="1376839" y="862436"/>
+                </a:lnTo>
+                <a:lnTo>
+                  <a:pt x="2463617" y="1319838"/>
+                </a:lnTo>
+                <a:lnTo>
+                  <a:pt x="2400136" y="1451615"/>
+                </a:lnTo>
+                <a:cubicBezTo>
+                  <a:pt x="2314471" y="1654151"/>
+                  <a:pt x="2267100" y="1876827"/>
+                  <a:pt x="2267100" y="2110568"/>
+                </a:cubicBezTo>
+                <a:cubicBezTo>
+                  <a:pt x="2267100" y="2285874"/>
+                  <a:pt x="2293746" y="2454956"/>
+                  <a:pt x="2343209" y="2613985"/>
+                </a:cubicBezTo>
+                <a:lnTo>
+                  <a:pt x="2361299" y="2663411"/>
+                </a:lnTo>
+                <a:lnTo>
+                  <a:pt x="1423379" y="3344162"/>
+                </a:lnTo>
+                <a:lnTo>
+                  <a:pt x="273388" y="3556089"/>
+                </a:lnTo>
+                <a:lnTo>
+                  <a:pt x="240292" y="3472149"/>
+                </a:lnTo>
+                <a:cubicBezTo>
+                  <a:pt x="84839" y="3047587"/>
+                  <a:pt x="0" y="2588985"/>
+                  <a:pt x="0" y="2110568"/>
+                </a:cubicBezTo>
+                <a:cubicBezTo>
+                  <a:pt x="0" y="1358770"/>
+                  <a:pt x="209499" y="655904"/>
+                  <a:pt x="573302" y="57164"/>
+                </a:cubicBezTo>
+                <a:lnTo>
+                  <a:pt x="609949" y="0"/>
+                </a:lnTo>
+                <a:close/>
+              </a:path>
+            </a:pathLst>
+          </a:custGeom>
+          <a:solidFill>
+            <a:srgbClr val="B4C7E7"/>
+          </a:solidFill>
+          <a:ln>
+            <a:solidFill>
+              <a:srgbClr val="B4C7E7"/>
+            </a:solidFill>
+          </a:ln>
+        </p:spPr>
+        <p:style>
+          <a:lnRef idx="2">
+            <a:schemeClr val="accent1">
+              <a:shade val="50000"/>
+            </a:schemeClr>
+          </a:lnRef>
+          <a:fillRef idx="1">
+            <a:schemeClr val="accent1"/>
+          </a:fillRef>
+          <a:effectRef idx="0">
+            <a:schemeClr val="accent1"/>
+          </a:effectRef>
+          <a:fontRef idx="minor">
+            <a:schemeClr val="lt1"/>
+          </a:fontRef>
+        </p:style>
+        <p:txBody>
+          <a:bodyPr wrap="square" rtlCol="0" anchor="ctr">
+            <a:noAutofit/>
+          </a:bodyPr>
+          <a:lstStyle/>
+          <a:p>
+            <a:pPr algn="ctr"/>
+            <a:endParaRPr lang="nb-NO" sz="3000">
+              <a:solidFill>
+                <a:schemeClr val="tx1"/>
+              </a:solidFill>
+            </a:endParaRPr>
+          </a:p>
+        </p:txBody>
+      </p:sp>
+      <p:sp>
+        <p:nvSpPr>
+          <p:cNvPr id="69" name="Frihåndsform: figur 68">
+            <a:extLst>
+              <a:ext uri="{FF2B5EF4-FFF2-40B4-BE49-F238E27FC236}">
+                <a16:creationId xmlns:a16="http://schemas.microsoft.com/office/drawing/2014/main" id="{3EC80368-2D8C-4017-904A-8E51DEA9C8F2}"/>
+              </a:ext>
+            </a:extLst>
+          </p:cNvPr>
+          <p:cNvSpPr/>
+          <p:nvPr/>
+        </p:nvSpPr>
+        <p:spPr>
+          <a:xfrm>
+            <a:off x="7294123" y="1680469"/>
+            <a:ext cx="2052631" cy="2891391"/>
+          </a:xfrm>
+          <a:custGeom>
+            <a:avLst/>
+            <a:gdLst>
+              <a:gd name="connsiteX0" fmla="*/ 1901238 w 2463317"/>
+              <a:gd name="connsiteY0" fmla="*/ 0 h 3469895"/>
+              <a:gd name="connsiteX1" fmla="*/ 1985366 w 2463317"/>
+              <a:gd name="connsiteY1" fmla="*/ 146314 h 3469895"/>
+              <a:gd name="connsiteX2" fmla="*/ 2463317 w 2463317"/>
+              <a:gd name="connsiteY2" fmla="*/ 2033885 h 3469895"/>
+              <a:gd name="connsiteX3" fmla="*/ 2223025 w 2463317"/>
+              <a:gd name="connsiteY3" fmla="*/ 3395466 h 3469895"/>
+              <a:gd name="connsiteX4" fmla="*/ 2193679 w 2463317"/>
+              <a:gd name="connsiteY4" fmla="*/ 3469895 h 3469895"/>
+              <a:gd name="connsiteX5" fmla="*/ 1288004 w 2463317"/>
+              <a:gd name="connsiteY5" fmla="*/ 2849480 h 3469895"/>
+              <a:gd name="connsiteX6" fmla="*/ 75213 w 2463317"/>
+              <a:gd name="connsiteY6" fmla="*/ 2659964 h 3469895"/>
+              <a:gd name="connsiteX7" fmla="*/ 120108 w 2463317"/>
+              <a:gd name="connsiteY7" fmla="*/ 2537302 h 3469895"/>
+              <a:gd name="connsiteX8" fmla="*/ 196217 w 2463317"/>
+              <a:gd name="connsiteY8" fmla="*/ 2033885 h 3469895"/>
+              <a:gd name="connsiteX9" fmla="*/ 63181 w 2463317"/>
+              <a:gd name="connsiteY9" fmla="*/ 1374932 h 3469895"/>
+              <a:gd name="connsiteX10" fmla="*/ 0 w 2463317"/>
+              <a:gd name="connsiteY10" fmla="*/ 1243777 h 3469895"/>
+              <a:gd name="connsiteX11" fmla="*/ 837829 w 2463317"/>
+              <a:gd name="connsiteY11" fmla="*/ 388384 h 3469895"/>
+              <a:gd name="connsiteX12" fmla="*/ 1901238 w 2463317"/>
+              <a:gd name="connsiteY12" fmla="*/ 0 h 3469895"/>
+            </a:gdLst>
+            <a:ahLst/>
+            <a:cxnLst>
+              <a:cxn ang="0">
+                <a:pos x="connsiteX0" y="connsiteY0"/>
+              </a:cxn>
+              <a:cxn ang="0">
+                <a:pos x="connsiteX1" y="connsiteY1"/>
+              </a:cxn>
+              <a:cxn ang="0">
+                <a:pos x="connsiteX2" y="connsiteY2"/>
+              </a:cxn>
+              <a:cxn ang="0">
+                <a:pos x="connsiteX3" y="connsiteY3"/>
+              </a:cxn>
+              <a:cxn ang="0">
+                <a:pos x="connsiteX4" y="connsiteY4"/>
+              </a:cxn>
+              <a:cxn ang="0">
+                <a:pos x="connsiteX5" y="connsiteY5"/>
+              </a:cxn>
+              <a:cxn ang="0">
+                <a:pos x="connsiteX6" y="connsiteY6"/>
+              </a:cxn>
+              <a:cxn ang="0">
+                <a:pos x="connsiteX7" y="connsiteY7"/>
+              </a:cxn>
+              <a:cxn ang="0">
+                <a:pos x="connsiteX8" y="connsiteY8"/>
+              </a:cxn>
+              <a:cxn ang="0">
+                <a:pos x="connsiteX9" y="connsiteY9"/>
+              </a:cxn>
+              <a:cxn ang="0">
+                <a:pos x="connsiteX10" y="connsiteY10"/>
+              </a:cxn>
+              <a:cxn ang="0">
+                <a:pos x="connsiteX11" y="connsiteY11"/>
+              </a:cxn>
+              <a:cxn ang="0">
+                <a:pos x="connsiteX12" y="connsiteY12"/>
+              </a:cxn>
+            </a:cxnLst>
+            <a:rect l="l" t="t" r="r" b="b"/>
+            <a:pathLst>
+              <a:path w="2463317" h="3469895">
+                <a:moveTo>
+                  <a:pt x="1901238" y="0"/>
+                </a:moveTo>
+                <a:lnTo>
+                  <a:pt x="1985366" y="146314"/>
+                </a:lnTo>
+                <a:cubicBezTo>
+                  <a:pt x="2290177" y="707419"/>
+                  <a:pt x="2463317" y="1350433"/>
+                  <a:pt x="2463317" y="2033885"/>
+                </a:cubicBezTo>
+                <a:cubicBezTo>
+                  <a:pt x="2463317" y="2512302"/>
+                  <a:pt x="2378478" y="2970904"/>
+                  <a:pt x="2223025" y="3395466"/>
+                </a:cubicBezTo>
+                <a:lnTo>
+                  <a:pt x="2193679" y="3469895"/>
+                </a:lnTo>
+                <a:lnTo>
+                  <a:pt x="1288004" y="2849480"/>
+                </a:lnTo>
+                <a:lnTo>
+                  <a:pt x="75213" y="2659964"/>
+                </a:lnTo>
+                <a:lnTo>
+                  <a:pt x="120108" y="2537302"/>
+                </a:lnTo>
+                <a:cubicBezTo>
+                  <a:pt x="169571" y="2378273"/>
+                  <a:pt x="196217" y="2209191"/>
+                  <a:pt x="196217" y="2033885"/>
+                </a:cubicBezTo>
+                <a:cubicBezTo>
+                  <a:pt x="196217" y="1800144"/>
+                  <a:pt x="148846" y="1577468"/>
+                  <a:pt x="63181" y="1374932"/>
+                </a:cubicBezTo>
+                <a:lnTo>
+                  <a:pt x="0" y="1243777"/>
+                </a:lnTo>
+                <a:lnTo>
+                  <a:pt x="837829" y="388384"/>
+                </a:lnTo>
+                <a:lnTo>
+                  <a:pt x="1901238" y="0"/>
+                </a:lnTo>
+                <a:close/>
+              </a:path>
+            </a:pathLst>
+          </a:custGeom>
+          <a:solidFill>
+            <a:srgbClr val="2F5597"/>
+          </a:solidFill>
+          <a:ln>
+            <a:solidFill>
+              <a:srgbClr val="2F5597"/>
+            </a:solidFill>
+          </a:ln>
+        </p:spPr>
+        <p:style>
+          <a:lnRef idx="2">
+            <a:schemeClr val="accent1">
+              <a:shade val="50000"/>
+            </a:schemeClr>
+          </a:lnRef>
+          <a:fillRef idx="1">
+            <a:schemeClr val="accent1"/>
+          </a:fillRef>
+          <a:effectRef idx="0">
+            <a:schemeClr val="accent1"/>
+          </a:effectRef>
+          <a:fontRef idx="minor">
+            <a:schemeClr val="lt1"/>
+          </a:fontRef>
+        </p:style>
+        <p:txBody>
+          <a:bodyPr wrap="square" rtlCol="0" anchor="ctr">
+            <a:noAutofit/>
+          </a:bodyPr>
+          <a:lstStyle/>
+          <a:p>
+            <a:pPr algn="ctr"/>
+            <a:endParaRPr lang="nb-NO" sz="3000">
+              <a:solidFill>
+                <a:schemeClr val="tx1"/>
+              </a:solidFill>
+            </a:endParaRPr>
+          </a:p>
+        </p:txBody>
+      </p:sp>
+      <p:sp>
+        <p:nvSpPr>
+          <p:cNvPr id="91" name="Frihåndsform: figur 90">
+            <a:extLst>
+              <a:ext uri="{FF2B5EF4-FFF2-40B4-BE49-F238E27FC236}">
+                <a16:creationId xmlns:a16="http://schemas.microsoft.com/office/drawing/2014/main" id="{D3F0E2AF-0FB0-4F20-AB2F-25255E47C882}"/>
+              </a:ext>
+            </a:extLst>
+          </p:cNvPr>
+          <p:cNvSpPr/>
+          <p:nvPr/>
+        </p:nvSpPr>
+        <p:spPr>
+          <a:xfrm>
+            <a:off x="6030003" y="4784807"/>
+            <a:ext cx="34634" cy="1890241"/>
+          </a:xfrm>
+          <a:custGeom>
+            <a:avLst/>
+            <a:gdLst>
+              <a:gd name="connsiteX0" fmla="*/ 41563 w 41563"/>
+              <a:gd name="connsiteY0" fmla="*/ 0 h 2268437"/>
+              <a:gd name="connsiteX1" fmla="*/ 41563 w 41563"/>
+              <a:gd name="connsiteY1" fmla="*/ 2267667 h 2268437"/>
+              <a:gd name="connsiteX2" fmla="*/ 20359 w 41563"/>
+              <a:gd name="connsiteY2" fmla="*/ 2268437 h 2268437"/>
+              <a:gd name="connsiteX3" fmla="*/ 0 w 41563"/>
+              <a:gd name="connsiteY3" fmla="*/ 2267698 h 2268437"/>
+              <a:gd name="connsiteX4" fmla="*/ 0 w 41563"/>
+              <a:gd name="connsiteY4" fmla="*/ 630 h 2268437"/>
+              <a:gd name="connsiteX5" fmla="*/ 20359 w 41563"/>
+              <a:gd name="connsiteY5" fmla="*/ 1337 h 2268437"/>
+              <a:gd name="connsiteX6" fmla="*/ 41563 w 41563"/>
+              <a:gd name="connsiteY6" fmla="*/ 0 h 2268437"/>
+            </a:gdLst>
+            <a:ahLst/>
+            <a:cxnLst>
+              <a:cxn ang="0">
+                <a:pos x="connsiteX0" y="connsiteY0"/>
+              </a:cxn>
+              <a:cxn ang="0">
+                <a:pos x="connsiteX1" y="connsiteY1"/>
+              </a:cxn>
+              <a:cxn ang="0">
+                <a:pos x="connsiteX2" y="connsiteY2"/>
+              </a:cxn>
+              <a:cxn ang="0">
+                <a:pos x="connsiteX3" y="connsiteY3"/>
+              </a:cxn>
+              <a:cxn ang="0">
+                <a:pos x="connsiteX4" y="connsiteY4"/>
+              </a:cxn>
+              <a:cxn ang="0">
+                <a:pos x="connsiteX5" y="connsiteY5"/>
+              </a:cxn>
+              <a:cxn ang="0">
+                <a:pos x="connsiteX6" y="connsiteY6"/>
+              </a:cxn>
+            </a:cxnLst>
+            <a:rect l="l" t="t" r="r" b="b"/>
+            <a:pathLst>
+              <a:path w="41563" h="2268437">
+                <a:moveTo>
+                  <a:pt x="41563" y="0"/>
+                </a:moveTo>
+                <a:lnTo>
+                  <a:pt x="41563" y="2267667"/>
+                </a:lnTo>
+                <a:lnTo>
+                  <a:pt x="20359" y="2268437"/>
+                </a:lnTo>
+                <a:lnTo>
+                  <a:pt x="0" y="2267698"/>
+                </a:lnTo>
+                <a:lnTo>
+                  <a:pt x="0" y="630"/>
+                </a:lnTo>
+                <a:lnTo>
+                  <a:pt x="20359" y="1337"/>
+                </a:lnTo>
+                <a:lnTo>
+                  <a:pt x="41563" y="0"/>
+                </a:lnTo>
+                <a:close/>
+              </a:path>
+            </a:pathLst>
+          </a:custGeom>
+          <a:solidFill>
+            <a:srgbClr val="DAE3F3"/>
+          </a:solidFill>
+          <a:ln>
+            <a:solidFill>
+              <a:srgbClr val="DAE3F3"/>
+            </a:solidFill>
+          </a:ln>
+        </p:spPr>
+        <p:style>
+          <a:lnRef idx="2">
+            <a:schemeClr val="accent1">
+              <a:shade val="50000"/>
+            </a:schemeClr>
+          </a:lnRef>
+          <a:fillRef idx="1">
+            <a:schemeClr val="accent1"/>
+          </a:fillRef>
+          <a:effectRef idx="0">
+            <a:schemeClr val="accent1"/>
+          </a:effectRef>
+          <a:fontRef idx="minor">
+            <a:schemeClr val="lt1"/>
+          </a:fontRef>
+        </p:style>
+        <p:txBody>
+          <a:bodyPr wrap="square" rtlCol="0" anchor="ctr">
+            <a:noAutofit/>
+          </a:bodyPr>
+          <a:lstStyle/>
+          <a:p>
+            <a:pPr algn="ctr"/>
+            <a:endParaRPr lang="nb-NO" sz="3000"/>
+          </a:p>
+        </p:txBody>
+      </p:sp>
+      <p:sp>
+        <p:nvSpPr>
+          <p:cNvPr id="90" name="Frihåndsform: figur 89">
+            <a:extLst>
+              <a:ext uri="{FF2B5EF4-FFF2-40B4-BE49-F238E27FC236}">
+                <a16:creationId xmlns:a16="http://schemas.microsoft.com/office/drawing/2014/main" id="{AD483787-DFF6-40CB-A0E9-82F5815E9187}"/>
+              </a:ext>
+            </a:extLst>
+          </p:cNvPr>
+          <p:cNvSpPr/>
+          <p:nvPr/>
+        </p:nvSpPr>
+        <p:spPr>
+          <a:xfrm>
+            <a:off x="3044698" y="4001028"/>
+            <a:ext cx="2985305" cy="2673404"/>
+          </a:xfrm>
+          <a:custGeom>
+            <a:avLst/>
+            <a:gdLst>
+              <a:gd name="connsiteX0" fmla="*/ 2087420 w 3582599"/>
+              <a:gd name="connsiteY0" fmla="*/ 0 h 3208293"/>
+              <a:gd name="connsiteX1" fmla="*/ 2114382 w 3582599"/>
+              <a:gd name="connsiteY1" fmla="*/ 55969 h 3208293"/>
+              <a:gd name="connsiteX2" fmla="*/ 3483462 w 3582599"/>
+              <a:gd name="connsiteY2" fmla="*/ 937780 h 3208293"/>
+              <a:gd name="connsiteX3" fmla="*/ 3582599 w 3582599"/>
+              <a:gd name="connsiteY3" fmla="*/ 941225 h 3208293"/>
+              <a:gd name="connsiteX4" fmla="*/ 3582599 w 3582599"/>
+              <a:gd name="connsiteY4" fmla="*/ 3208293 h 3208293"/>
+              <a:gd name="connsiteX5" fmla="*/ 3310849 w 3582599"/>
+              <a:gd name="connsiteY5" fmla="*/ 3198422 h 3208293"/>
+              <a:gd name="connsiteX6" fmla="*/ 33457 w 3582599"/>
+              <a:gd name="connsiteY6" fmla="*/ 965856 h 3208293"/>
+              <a:gd name="connsiteX7" fmla="*/ 0 w 3582599"/>
+              <a:gd name="connsiteY7" fmla="*/ 891851 h 3208293"/>
+              <a:gd name="connsiteX8" fmla="*/ 1150860 w 3582599"/>
+              <a:gd name="connsiteY8" fmla="*/ 679764 h 3208293"/>
+              <a:gd name="connsiteX9" fmla="*/ 2087420 w 3582599"/>
+              <a:gd name="connsiteY9" fmla="*/ 0 h 3208293"/>
+            </a:gdLst>
+            <a:ahLst/>
+            <a:cxnLst>
+              <a:cxn ang="0">
+                <a:pos x="connsiteX0" y="connsiteY0"/>
+              </a:cxn>
+              <a:cxn ang="0">
+                <a:pos x="connsiteX1" y="connsiteY1"/>
+              </a:cxn>
+              <a:cxn ang="0">
+                <a:pos x="connsiteX2" y="connsiteY2"/>
+              </a:cxn>
+              <a:cxn ang="0">
+                <a:pos x="connsiteX3" y="connsiteY3"/>
+              </a:cxn>
+              <a:cxn ang="0">
+                <a:pos x="connsiteX4" y="connsiteY4"/>
+              </a:cxn>
+              <a:cxn ang="0">
+                <a:pos x="connsiteX5" y="connsiteY5"/>
+              </a:cxn>
+              <a:cxn ang="0">
+                <a:pos x="connsiteX6" y="connsiteY6"/>
+              </a:cxn>
+              <a:cxn ang="0">
+                <a:pos x="connsiteX7" y="connsiteY7"/>
+              </a:cxn>
+              <a:cxn ang="0">
+                <a:pos x="connsiteX8" y="connsiteY8"/>
+              </a:cxn>
+              <a:cxn ang="0">
+                <a:pos x="connsiteX9" y="connsiteY9"/>
+              </a:cxn>
+            </a:cxnLst>
+            <a:rect l="l" t="t" r="r" b="b"/>
+            <a:pathLst>
+              <a:path w="3582599" h="3208293">
+                <a:moveTo>
+                  <a:pt x="2087420" y="0"/>
+                </a:moveTo>
+                <a:lnTo>
+                  <a:pt x="2114382" y="55969"/>
+                </a:lnTo>
+                <a:cubicBezTo>
+                  <a:pt x="2383140" y="550706"/>
+                  <a:pt x="2891346" y="896490"/>
+                  <a:pt x="3483462" y="937780"/>
+                </a:cubicBezTo>
+                <a:lnTo>
+                  <a:pt x="3582599" y="941225"/>
+                </a:lnTo>
+                <a:lnTo>
+                  <a:pt x="3582599" y="3208293"/>
+                </a:lnTo>
+                <a:lnTo>
+                  <a:pt x="3310849" y="3198422"/>
+                </a:lnTo>
+                <a:cubicBezTo>
+                  <a:pt x="1864071" y="3092937"/>
+                  <a:pt x="633027" y="2210168"/>
+                  <a:pt x="33457" y="965856"/>
+                </a:cubicBezTo>
+                <a:lnTo>
+                  <a:pt x="0" y="891851"/>
+                </a:lnTo>
+                <a:lnTo>
+                  <a:pt x="1150860" y="679764"/>
+                </a:lnTo>
+                <a:lnTo>
+                  <a:pt x="2087420" y="0"/>
+                </a:lnTo>
+                <a:close/>
+              </a:path>
+            </a:pathLst>
+          </a:custGeom>
+          <a:solidFill>
+            <a:srgbClr val="DAE3F3"/>
+          </a:solidFill>
+          <a:ln>
+            <a:solidFill>
+              <a:srgbClr val="DAE3F3"/>
+            </a:solidFill>
+          </a:ln>
+        </p:spPr>
+        <p:style>
+          <a:lnRef idx="2">
+            <a:schemeClr val="accent1">
+              <a:shade val="50000"/>
+            </a:schemeClr>
+          </a:lnRef>
+          <a:fillRef idx="1">
+            <a:schemeClr val="accent1"/>
+          </a:fillRef>
+          <a:effectRef idx="0">
+            <a:schemeClr val="accent1"/>
+          </a:effectRef>
+          <a:fontRef idx="minor">
+            <a:schemeClr val="lt1"/>
+          </a:fontRef>
+        </p:style>
+        <p:txBody>
+          <a:bodyPr wrap="square" rtlCol="0" anchor="ctr">
+            <a:noAutofit/>
+          </a:bodyPr>
+          <a:lstStyle/>
+          <a:p>
+            <a:pPr algn="ctr"/>
+            <a:endParaRPr lang="nb-NO" sz="3000"/>
+          </a:p>
+        </p:txBody>
+      </p:sp>
+      <p:sp>
+        <p:nvSpPr>
+          <p:cNvPr id="89" name="Frihåndsform: figur 88">
+            <a:extLst>
+              <a:ext uri="{FF2B5EF4-FFF2-40B4-BE49-F238E27FC236}">
+                <a16:creationId xmlns:a16="http://schemas.microsoft.com/office/drawing/2014/main" id="{41F2255F-C65B-45EF-A93B-9868C420312B}"/>
+              </a:ext>
+            </a:extLst>
+          </p:cNvPr>
+          <p:cNvSpPr/>
+          <p:nvPr/>
+        </p:nvSpPr>
+        <p:spPr>
+          <a:xfrm>
+            <a:off x="6064637" y="4061252"/>
+            <a:ext cx="2988373" cy="2613154"/>
+          </a:xfrm>
+          <a:custGeom>
+            <a:avLst/>
+            <a:gdLst>
+              <a:gd name="connsiteX0" fmla="*/ 1457467 w 3586281"/>
+              <a:gd name="connsiteY0" fmla="*/ 0 h 3135989"/>
+              <a:gd name="connsiteX1" fmla="*/ 2684360 w 3586281"/>
+              <a:gd name="connsiteY1" fmla="*/ 191720 h 3135989"/>
+              <a:gd name="connsiteX2" fmla="*/ 3586281 w 3586281"/>
+              <a:gd name="connsiteY2" fmla="*/ 809565 h 3135989"/>
+              <a:gd name="connsiteX3" fmla="*/ 3548297 w 3586281"/>
+              <a:gd name="connsiteY3" fmla="*/ 893583 h 3135989"/>
+              <a:gd name="connsiteX4" fmla="*/ 270905 w 3586281"/>
+              <a:gd name="connsiteY4" fmla="*/ 3126149 h 3135989"/>
+              <a:gd name="connsiteX5" fmla="*/ 0 w 3586281"/>
+              <a:gd name="connsiteY5" fmla="*/ 3135989 h 3135989"/>
+              <a:gd name="connsiteX6" fmla="*/ 0 w 3586281"/>
+              <a:gd name="connsiteY6" fmla="*/ 868322 h 3135989"/>
+              <a:gd name="connsiteX7" fmla="*/ 194410 w 3586281"/>
+              <a:gd name="connsiteY7" fmla="*/ 856058 h 3135989"/>
+              <a:gd name="connsiteX8" fmla="*/ 1382575 w 3586281"/>
+              <a:gd name="connsiteY8" fmla="*/ 123276 h 3135989"/>
+              <a:gd name="connsiteX9" fmla="*/ 1457467 w 3586281"/>
+              <a:gd name="connsiteY9" fmla="*/ 0 h 3135989"/>
+            </a:gdLst>
+            <a:ahLst/>
+            <a:cxnLst>
+              <a:cxn ang="0">
+                <a:pos x="connsiteX0" y="connsiteY0"/>
+              </a:cxn>
+              <a:cxn ang="0">
+                <a:pos x="connsiteX1" y="connsiteY1"/>
+              </a:cxn>
+              <a:cxn ang="0">
+                <a:pos x="connsiteX2" y="connsiteY2"/>
+              </a:cxn>
+              <a:cxn ang="0">
+                <a:pos x="connsiteX3" y="connsiteY3"/>
+              </a:cxn>
+              <a:cxn ang="0">
+                <a:pos x="connsiteX4" y="connsiteY4"/>
+              </a:cxn>
+              <a:cxn ang="0">
+                <a:pos x="connsiteX5" y="connsiteY5"/>
+              </a:cxn>
+              <a:cxn ang="0">
+                <a:pos x="connsiteX6" y="connsiteY6"/>
+              </a:cxn>
+              <a:cxn ang="0">
+                <a:pos x="connsiteX7" y="connsiteY7"/>
+              </a:cxn>
+              <a:cxn ang="0">
+                <a:pos x="connsiteX8" y="connsiteY8"/>
+              </a:cxn>
+              <a:cxn ang="0">
+                <a:pos x="connsiteX9" y="connsiteY9"/>
+              </a:cxn>
+            </a:cxnLst>
+            <a:rect l="l" t="t" r="r" b="b"/>
+            <a:pathLst>
+              <a:path w="3586281" h="3135989">
+                <a:moveTo>
+                  <a:pt x="1457467" y="0"/>
+                </a:moveTo>
+                <a:lnTo>
+                  <a:pt x="2684360" y="191720"/>
+                </a:lnTo>
+                <a:lnTo>
+                  <a:pt x="3586281" y="809565"/>
+                </a:lnTo>
+                <a:lnTo>
+                  <a:pt x="3548297" y="893583"/>
+                </a:lnTo>
+                <a:cubicBezTo>
+                  <a:pt x="2948726" y="2137895"/>
+                  <a:pt x="1717683" y="3020664"/>
+                  <a:pt x="270905" y="3126149"/>
+                </a:cubicBezTo>
+                <a:lnTo>
+                  <a:pt x="0" y="3135989"/>
+                </a:lnTo>
+                <a:lnTo>
+                  <a:pt x="0" y="868322"/>
+                </a:lnTo>
+                <a:lnTo>
+                  <a:pt x="194410" y="856058"/>
+                </a:lnTo>
+                <a:cubicBezTo>
+                  <a:pt x="688652" y="793231"/>
+                  <a:pt x="1116377" y="517301"/>
+                  <a:pt x="1382575" y="123276"/>
+                </a:cubicBezTo>
+                <a:lnTo>
+                  <a:pt x="1457467" y="0"/>
+                </a:lnTo>
+                <a:close/>
+              </a:path>
+            </a:pathLst>
+          </a:custGeom>
+          <a:solidFill>
+            <a:srgbClr val="2F5597"/>
+          </a:solidFill>
+          <a:ln>
+            <a:solidFill>
+              <a:srgbClr val="2F5597"/>
+            </a:solidFill>
+          </a:ln>
+        </p:spPr>
+        <p:style>
+          <a:lnRef idx="2">
+            <a:schemeClr val="accent1">
+              <a:shade val="50000"/>
+            </a:schemeClr>
+          </a:lnRef>
+          <a:fillRef idx="1">
+            <a:schemeClr val="accent1"/>
+          </a:fillRef>
+          <a:effectRef idx="0">
+            <a:schemeClr val="accent1"/>
+          </a:effectRef>
+          <a:fontRef idx="minor">
+            <a:schemeClr val="lt1"/>
+          </a:fontRef>
+        </p:style>
+        <p:txBody>
+          <a:bodyPr wrap="square" rtlCol="0" anchor="ctr">
+            <a:noAutofit/>
+          </a:bodyPr>
+          <a:lstStyle/>
+          <a:p>
+            <a:pPr algn="ctr"/>
+            <a:endParaRPr lang="nb-NO" sz="3000"/>
+          </a:p>
+        </p:txBody>
+      </p:sp>
+      <p:sp>
+        <p:nvSpPr>
+          <p:cNvPr id="38" name="Pil: femkant 37">
+            <a:extLst>
+              <a:ext uri="{FF2B5EF4-FFF2-40B4-BE49-F238E27FC236}">
+                <a16:creationId xmlns:a16="http://schemas.microsoft.com/office/drawing/2014/main" id="{26049CBD-FD25-44FC-B9DE-C34D99B5669E}"/>
+              </a:ext>
+            </a:extLst>
+          </p:cNvPr>
+          <p:cNvSpPr/>
+          <p:nvPr/>
+        </p:nvSpPr>
+        <p:spPr>
+          <a:xfrm>
+            <a:off x="2167723" y="4784807"/>
+            <a:ext cx="4266922" cy="1893585"/>
+          </a:xfrm>
+          <a:prstGeom prst="homePlate">
+            <a:avLst>
+              <a:gd name="adj" fmla="val 16471"/>
+            </a:avLst>
+          </a:prstGeom>
+          <a:solidFill>
+            <a:srgbClr val="2F5597"/>
+          </a:solidFill>
+          <a:ln>
+            <a:solidFill>
+              <a:srgbClr val="2F5597"/>
+            </a:solidFill>
+          </a:ln>
+        </p:spPr>
+        <p:style>
+          <a:lnRef idx="2">
+            <a:schemeClr val="accent1">
+              <a:shade val="50000"/>
+            </a:schemeClr>
+          </a:lnRef>
+          <a:fillRef idx="1">
+            <a:schemeClr val="accent1"/>
+          </a:fillRef>
+          <a:effectRef idx="0">
+            <a:schemeClr val="accent1"/>
+          </a:effectRef>
+          <a:fontRef idx="minor">
+            <a:schemeClr val="lt1"/>
+          </a:fontRef>
+        </p:style>
+        <p:txBody>
+          <a:bodyPr rtlCol="0" anchor="ctr"/>
+          <a:lstStyle/>
+          <a:p>
+            <a:pPr algn="ctr" defTabSz="914056">
+              <a:defRPr/>
+            </a:pPr>
+            <a:r>
+              <a:rPr lang="nb-NO" sz="3200" dirty="0">
+                <a:solidFill>
+                  <a:prstClr val="white"/>
+                </a:solidFill>
+                <a:latin typeface="Calibri" panose="020F0502020204030204" pitchFamily="34" charset="0"/>
+                <a:cs typeface="Calibri" panose="020F0502020204030204" pitchFamily="34" charset="0"/>
+              </a:rPr>
+              <a:t> </a:t>
+            </a:r>
+            <a:r>
+              <a:rPr lang="nb-NO" sz="3200" dirty="0" err="1">
+                <a:solidFill>
+                  <a:prstClr val="white"/>
+                </a:solidFill>
+                <a:latin typeface="Calibri" panose="020F0502020204030204" pitchFamily="34" charset="0"/>
+                <a:cs typeface="Calibri" panose="020F0502020204030204" pitchFamily="34" charset="0"/>
+              </a:rPr>
+              <a:t>Needs</a:t>
+            </a:r>
+            <a:r>
+              <a:rPr lang="nb-NO" sz="3200" dirty="0">
+                <a:solidFill>
+                  <a:prstClr val="white"/>
+                </a:solidFill>
+                <a:latin typeface="Calibri" panose="020F0502020204030204" pitchFamily="34" charset="0"/>
+                <a:cs typeface="Calibri" panose="020F0502020204030204" pitchFamily="34" charset="0"/>
+              </a:rPr>
+              <a:t> and</a:t>
+            </a:r>
+          </a:p>
+          <a:p>
+            <a:pPr algn="ctr" defTabSz="914056">
+              <a:defRPr/>
+            </a:pPr>
+            <a:r>
+              <a:rPr lang="nb-NO" sz="3200" dirty="0" err="1">
+                <a:solidFill>
+                  <a:prstClr val="white"/>
+                </a:solidFill>
+                <a:latin typeface="Calibri" panose="020F0502020204030204" pitchFamily="34" charset="0"/>
+                <a:cs typeface="Calibri" panose="020F0502020204030204" pitchFamily="34" charset="0"/>
+              </a:rPr>
+              <a:t>requirements</a:t>
+            </a:r>
+            <a:endParaRPr lang="nb-NO" sz="3200" dirty="0">
+              <a:solidFill>
+                <a:prstClr val="white"/>
+              </a:solidFill>
+              <a:latin typeface="Calibri" panose="020F0502020204030204" pitchFamily="34" charset="0"/>
+              <a:cs typeface="Calibri" panose="020F0502020204030204" pitchFamily="34" charset="0"/>
+            </a:endParaRPr>
+          </a:p>
+        </p:txBody>
+      </p:sp>
+      <p:sp>
+        <p:nvSpPr>
+          <p:cNvPr id="95" name="TekstSylinder 94">
+            <a:extLst>
+              <a:ext uri="{FF2B5EF4-FFF2-40B4-BE49-F238E27FC236}">
+                <a16:creationId xmlns:a16="http://schemas.microsoft.com/office/drawing/2014/main" id="{2973BEA6-17C4-40BE-90AC-B8238CB507C2}"/>
+              </a:ext>
+            </a:extLst>
+          </p:cNvPr>
+          <p:cNvSpPr txBox="1"/>
+          <p:nvPr/>
+        </p:nvSpPr>
+        <p:spPr>
+          <a:xfrm>
+            <a:off x="7377467" y="2844225"/>
+            <a:ext cx="2052631" cy="584775"/>
+          </a:xfrm>
+          <a:prstGeom prst="rect">
+            <a:avLst/>
+          </a:prstGeom>
+          <a:noFill/>
+        </p:spPr>
+        <p:txBody>
+          <a:bodyPr wrap="square" rtlCol="0">
+            <a:spAutoFit/>
+          </a:bodyPr>
+          <a:lstStyle/>
+          <a:p>
+            <a:pPr algn="ctr"/>
+            <a:r>
+              <a:rPr lang="nb-NO" sz="3200" dirty="0" err="1">
+                <a:solidFill>
+                  <a:prstClr val="white"/>
+                </a:solidFill>
+                <a:latin typeface="Calibri" panose="020F0502020204030204"/>
+              </a:rPr>
+              <a:t>Investigate</a:t>
+            </a:r>
+            <a:endParaRPr lang="nb-NO" sz="3200" dirty="0">
+              <a:solidFill>
+                <a:prstClr val="white"/>
+              </a:solidFill>
+              <a:latin typeface="Calibri" panose="020F0502020204030204"/>
+            </a:endParaRPr>
+          </a:p>
+        </p:txBody>
+      </p:sp>
+      <p:sp>
+        <p:nvSpPr>
+          <p:cNvPr id="96" name="TekstSylinder 95">
+            <a:extLst>
+              <a:ext uri="{FF2B5EF4-FFF2-40B4-BE49-F238E27FC236}">
+                <a16:creationId xmlns:a16="http://schemas.microsoft.com/office/drawing/2014/main" id="{93B008C5-DC3E-476D-AC29-186129EE80AB}"/>
+              </a:ext>
+            </a:extLst>
+          </p:cNvPr>
+          <p:cNvSpPr txBox="1"/>
+          <p:nvPr/>
+        </p:nvSpPr>
+        <p:spPr>
+          <a:xfrm>
+            <a:off x="5739136" y="933140"/>
+            <a:ext cx="2709018" cy="584775"/>
+          </a:xfrm>
+          <a:prstGeom prst="rect">
+            <a:avLst/>
+          </a:prstGeom>
+          <a:noFill/>
+        </p:spPr>
+        <p:txBody>
+          <a:bodyPr wrap="square" rtlCol="0">
+            <a:spAutoFit/>
+          </a:bodyPr>
+          <a:lstStyle/>
+          <a:p>
+            <a:pPr algn="ctr"/>
+            <a:r>
+              <a:rPr lang="nb-NO" sz="3200" dirty="0" err="1">
+                <a:solidFill>
+                  <a:prstClr val="white"/>
+                </a:solidFill>
+                <a:latin typeface="Calibri" panose="020F0502020204030204"/>
+              </a:rPr>
+              <a:t>Develop</a:t>
+            </a:r>
+            <a:endParaRPr lang="nb-NO" sz="3200" dirty="0">
+              <a:solidFill>
+                <a:prstClr val="white"/>
+              </a:solidFill>
+              <a:latin typeface="Calibri" panose="020F0502020204030204"/>
+            </a:endParaRPr>
+          </a:p>
+        </p:txBody>
+      </p:sp>
+      <p:sp>
+        <p:nvSpPr>
+          <p:cNvPr id="97" name="TekstSylinder 96">
+            <a:extLst>
+              <a:ext uri="{FF2B5EF4-FFF2-40B4-BE49-F238E27FC236}">
+                <a16:creationId xmlns:a16="http://schemas.microsoft.com/office/drawing/2014/main" id="{112FA768-9B09-43EA-B258-BF0707735B8A}"/>
+              </a:ext>
+            </a:extLst>
+          </p:cNvPr>
+          <p:cNvSpPr txBox="1"/>
+          <p:nvPr/>
+        </p:nvSpPr>
+        <p:spPr>
+          <a:xfrm>
+            <a:off x="2663779" y="2958941"/>
+            <a:ext cx="1957871" cy="584775"/>
+          </a:xfrm>
+          <a:prstGeom prst="rect">
+            <a:avLst/>
+          </a:prstGeom>
+          <a:noFill/>
+        </p:spPr>
+        <p:txBody>
+          <a:bodyPr wrap="square" rtlCol="0">
+            <a:spAutoFit/>
+          </a:bodyPr>
+          <a:lstStyle/>
+          <a:p>
+            <a:pPr algn="ctr"/>
+            <a:r>
+              <a:rPr lang="nb-NO" sz="3200" dirty="0" err="1">
+                <a:solidFill>
+                  <a:prstClr val="white"/>
+                </a:solidFill>
+                <a:latin typeface="Calibri" panose="020F0502020204030204"/>
+              </a:rPr>
+              <a:t>Realize</a:t>
+            </a:r>
+            <a:endParaRPr lang="nb-NO" sz="3200" dirty="0">
+              <a:solidFill>
+                <a:prstClr val="white"/>
+              </a:solidFill>
+              <a:latin typeface="Calibri" panose="020F0502020204030204"/>
+            </a:endParaRPr>
+          </a:p>
+        </p:txBody>
+      </p:sp>
+      <p:sp>
+        <p:nvSpPr>
+          <p:cNvPr id="98" name="TekstSylinder 97">
+            <a:extLst>
+              <a:ext uri="{FF2B5EF4-FFF2-40B4-BE49-F238E27FC236}">
+                <a16:creationId xmlns:a16="http://schemas.microsoft.com/office/drawing/2014/main" id="{F8CA7A5C-7524-4C20-932E-C47D9AEAF466}"/>
+              </a:ext>
+            </a:extLst>
+          </p:cNvPr>
+          <p:cNvSpPr txBox="1"/>
+          <p:nvPr/>
+        </p:nvSpPr>
+        <p:spPr>
+          <a:xfrm>
+            <a:off x="3621172" y="939279"/>
+            <a:ext cx="2259486" cy="584775"/>
+          </a:xfrm>
+          <a:prstGeom prst="rect">
+            <a:avLst/>
+          </a:prstGeom>
+          <a:noFill/>
+        </p:spPr>
+        <p:txBody>
+          <a:bodyPr wrap="square" rtlCol="0">
+            <a:spAutoFit/>
+          </a:bodyPr>
+          <a:lstStyle/>
+          <a:p>
+            <a:pPr algn="ctr"/>
+            <a:r>
+              <a:rPr lang="nb-NO" sz="3200" dirty="0">
+                <a:solidFill>
+                  <a:prstClr val="white"/>
+                </a:solidFill>
+                <a:latin typeface="Calibri" panose="020F0502020204030204"/>
+              </a:rPr>
+              <a:t>Testing</a:t>
+            </a:r>
+          </a:p>
+        </p:txBody>
+      </p:sp>
+      <p:sp>
+        <p:nvSpPr>
+          <p:cNvPr id="99" name="TekstSylinder 98">
+            <a:extLst>
+              <a:ext uri="{FF2B5EF4-FFF2-40B4-BE49-F238E27FC236}">
+                <a16:creationId xmlns:a16="http://schemas.microsoft.com/office/drawing/2014/main" id="{0B2EA7A5-8B8E-4F05-8D5F-2233297ED3C2}"/>
+              </a:ext>
+            </a:extLst>
+          </p:cNvPr>
+          <p:cNvSpPr txBox="1"/>
+          <p:nvPr/>
+        </p:nvSpPr>
+        <p:spPr>
+          <a:xfrm>
+            <a:off x="8356403" y="5504256"/>
+            <a:ext cx="2259486" cy="584775"/>
+          </a:xfrm>
+          <a:prstGeom prst="rect">
+            <a:avLst/>
+          </a:prstGeom>
+          <a:noFill/>
+        </p:spPr>
+        <p:txBody>
+          <a:bodyPr wrap="square" rtlCol="0">
+            <a:spAutoFit/>
+          </a:bodyPr>
+          <a:lstStyle/>
+          <a:p>
+            <a:pPr algn="ctr"/>
+            <a:r>
+              <a:rPr lang="nb-NO" sz="3200" dirty="0" err="1">
+                <a:solidFill>
+                  <a:prstClr val="white"/>
+                </a:solidFill>
+                <a:latin typeface="Calibri" panose="020F0502020204030204"/>
+              </a:rPr>
+              <a:t>Evaluate</a:t>
+            </a:r>
+            <a:endParaRPr lang="nb-NO" sz="3200" dirty="0">
+              <a:solidFill>
+                <a:prstClr val="white"/>
+              </a:solidFill>
+              <a:latin typeface="Calibri" panose="020F0502020204030204"/>
+            </a:endParaRPr>
+          </a:p>
+        </p:txBody>
+      </p:sp>
+      <p:sp>
+        <p:nvSpPr>
+          <p:cNvPr id="100" name="Ellipse 99">
+            <a:extLst>
+              <a:ext uri="{FF2B5EF4-FFF2-40B4-BE49-F238E27FC236}">
+                <a16:creationId xmlns:a16="http://schemas.microsoft.com/office/drawing/2014/main" id="{63210F0C-AFAF-4FFE-9000-21FA96310608}"/>
+              </a:ext>
+            </a:extLst>
+          </p:cNvPr>
+          <p:cNvSpPr/>
+          <p:nvPr/>
+        </p:nvSpPr>
+        <p:spPr>
+          <a:xfrm>
+            <a:off x="4800063" y="2115141"/>
+            <a:ext cx="2502224" cy="2501837"/>
+          </a:xfrm>
+          <a:prstGeom prst="ellipse">
+            <a:avLst/>
+          </a:prstGeom>
+          <a:solidFill>
+            <a:srgbClr val="203864"/>
+          </a:solidFill>
+          <a:ln>
+            <a:solidFill>
+              <a:srgbClr val="203864"/>
+            </a:solidFill>
+          </a:ln>
+        </p:spPr>
+        <p:style>
+          <a:lnRef idx="2">
+            <a:schemeClr val="accent1">
+              <a:shade val="50000"/>
+            </a:schemeClr>
+          </a:lnRef>
+          <a:fillRef idx="1">
+            <a:schemeClr val="accent1"/>
+          </a:fillRef>
+          <a:effectRef idx="0">
+            <a:schemeClr val="accent1"/>
+          </a:effectRef>
+          <a:fontRef idx="minor">
+            <a:schemeClr val="lt1"/>
+          </a:fontRef>
+        </p:style>
+        <p:txBody>
+          <a:bodyPr lIns="0" rIns="0" rtlCol="0" anchor="ctr"/>
+          <a:lstStyle/>
+          <a:p>
+            <a:pPr algn="ctr"/>
+            <a:endParaRPr lang="nb-NO" sz="2600" dirty="0">
+              <a:solidFill>
+                <a:prstClr val="white"/>
+              </a:solidFill>
+              <a:latin typeface="Calibri" panose="020F0502020204030204"/>
+            </a:endParaRPr>
+          </a:p>
+        </p:txBody>
+      </p:sp>
+      <p:sp>
+        <p:nvSpPr>
+          <p:cNvPr id="2" name="TekstSylinder 1">
+            <a:extLst>
+              <a:ext uri="{FF2B5EF4-FFF2-40B4-BE49-F238E27FC236}">
+                <a16:creationId xmlns:a16="http://schemas.microsoft.com/office/drawing/2014/main" id="{64FEFE5F-3648-B05C-5026-000E43335B1C}"/>
+              </a:ext>
+            </a:extLst>
+          </p:cNvPr>
+          <p:cNvSpPr txBox="1"/>
+          <p:nvPr/>
+        </p:nvSpPr>
+        <p:spPr>
+          <a:xfrm>
+            <a:off x="4926964" y="3062587"/>
+            <a:ext cx="2196545" cy="584775"/>
+          </a:xfrm>
+          <a:prstGeom prst="rect">
+            <a:avLst/>
+          </a:prstGeom>
+          <a:noFill/>
+        </p:spPr>
+        <p:txBody>
+          <a:bodyPr wrap="square" rtlCol="0">
+            <a:spAutoFit/>
+          </a:bodyPr>
+          <a:lstStyle/>
+          <a:p>
+            <a:pPr algn="ctr"/>
+            <a:r>
+              <a:rPr lang="nb-NO" sz="3200" dirty="0" err="1">
+                <a:solidFill>
+                  <a:prstClr val="white"/>
+                </a:solidFill>
+                <a:latin typeface="Calibri" panose="020F0502020204030204"/>
+              </a:rPr>
+              <a:t>Standardize</a:t>
+            </a:r>
+            <a:endParaRPr lang="nb-NO" sz="3200" dirty="0">
+              <a:solidFill>
+                <a:prstClr val="white"/>
+              </a:solidFill>
+              <a:latin typeface="Calibri" panose="020F0502020204030204"/>
+            </a:endParaRPr>
+          </a:p>
+        </p:txBody>
+      </p:sp>
+    </p:spTree>
+    <p:extLst>
+      <p:ext uri="{BB962C8B-B14F-4D97-AF65-F5344CB8AC3E}">
+        <p14:creationId xmlns:p14="http://schemas.microsoft.com/office/powerpoint/2010/main" val="1222657062"/>
+      </p:ext>
+    </p:extLst>
+  </p:cSld>
+  <p:clrMapOvr>
+    <a:masterClrMapping/>
+  </p:clrMapOvr>
+</p:sld>
+</file>
+
+<file path=ppt/slides/slide7.xml><?xml version="1.0" encoding="utf-8"?>
+<p:sld xmlns:a="http://schemas.openxmlformats.org/drawingml/2006/main" xmlns:r="http://schemas.openxmlformats.org/officeDocument/2006/relationships" xmlns:p="http://schemas.openxmlformats.org/presentationml/2006/main" show="0">
+  <p:cSld>
+    <p:spTree>
+      <p:nvGrpSpPr>
+        <p:cNvPr id="1" name=""/>
+        <p:cNvGrpSpPr/>
+        <p:nvPr/>
+      </p:nvGrpSpPr>
+      <p:grpSpPr>
+        <a:xfrm>
+          <a:off x="0" y="0"/>
+          <a:ext cx="0" cy="0"/>
+          <a:chOff x="0" y="0"/>
+          <a:chExt cx="0" cy="0"/>
+        </a:xfrm>
+      </p:grpSpPr>
+      <p:sp>
+        <p:nvSpPr>
+          <p:cNvPr id="93" name="Pil: femkant 92">
+            <a:extLst>
+              <a:ext uri="{FF2B5EF4-FFF2-40B4-BE49-F238E27FC236}">
+                <a16:creationId xmlns:a16="http://schemas.microsoft.com/office/drawing/2014/main" id="{C3DDAA4B-4665-49FD-9BFC-C92C62BE57D6}"/>
+              </a:ext>
+            </a:extLst>
+          </p:cNvPr>
+          <p:cNvSpPr/>
+          <p:nvPr/>
+        </p:nvSpPr>
+        <p:spPr>
+          <a:xfrm>
+            <a:off x="6064637" y="4794066"/>
+            <a:ext cx="4516619" cy="1893585"/>
+          </a:xfrm>
+          <a:prstGeom prst="homePlate">
+            <a:avLst>
+              <a:gd name="adj" fmla="val 16471"/>
+            </a:avLst>
+          </a:prstGeom>
+          <a:solidFill>
+            <a:srgbClr val="DAE3F3"/>
+          </a:solidFill>
+          <a:ln>
+            <a:solidFill>
+              <a:srgbClr val="DAE3F3"/>
+            </a:solidFill>
+          </a:ln>
+        </p:spPr>
+        <p:style>
+          <a:lnRef idx="2">
+            <a:schemeClr val="accent1">
+              <a:shade val="50000"/>
+            </a:schemeClr>
+          </a:lnRef>
+          <a:fillRef idx="1">
+            <a:schemeClr val="accent1"/>
+          </a:fillRef>
+          <a:effectRef idx="0">
+            <a:schemeClr val="accent1"/>
+          </a:effectRef>
+          <a:fontRef idx="minor">
+            <a:schemeClr val="lt1"/>
+          </a:fontRef>
+        </p:style>
+        <p:txBody>
+          <a:bodyPr rtlCol="0" anchor="ctr"/>
+          <a:lstStyle/>
+          <a:p>
+            <a:pPr algn="ctr" defTabSz="914056">
+              <a:defRPr/>
+            </a:pPr>
+            <a:endParaRPr lang="nb-NO" sz="2667" dirty="0">
+              <a:solidFill>
+                <a:prstClr val="white"/>
+              </a:solidFill>
+              <a:latin typeface="Arial" panose="020B0604020202020204"/>
+            </a:endParaRPr>
+          </a:p>
+        </p:txBody>
+      </p:sp>
+      <p:sp>
+        <p:nvSpPr>
+          <p:cNvPr id="74" name="Frihåndsform: figur 73">
+            <a:extLst>
+              <a:ext uri="{FF2B5EF4-FFF2-40B4-BE49-F238E27FC236}">
+                <a16:creationId xmlns:a16="http://schemas.microsoft.com/office/drawing/2014/main" id="{26023464-0182-49AA-82E8-345400CB787E}"/>
+              </a:ext>
+            </a:extLst>
+          </p:cNvPr>
+          <p:cNvSpPr/>
+          <p:nvPr/>
+        </p:nvSpPr>
+        <p:spPr>
+          <a:xfrm>
+            <a:off x="5902575" y="77068"/>
+            <a:ext cx="2880234" cy="2486944"/>
+          </a:xfrm>
+          <a:custGeom>
+            <a:avLst/>
+            <a:gdLst>
+              <a:gd name="connsiteX0" fmla="*/ 248745 w 3456506"/>
+              <a:gd name="connsiteY0" fmla="*/ 0 h 2984527"/>
+              <a:gd name="connsiteX1" fmla="*/ 377062 w 3456506"/>
+              <a:gd name="connsiteY1" fmla="*/ 3245 h 2984527"/>
+              <a:gd name="connsiteX2" fmla="*/ 3229010 w 3456506"/>
+              <a:gd name="connsiteY2" fmla="*/ 1439164 h 2984527"/>
+              <a:gd name="connsiteX3" fmla="*/ 3456506 w 3456506"/>
+              <a:gd name="connsiteY3" fmla="*/ 1743390 h 2984527"/>
+              <a:gd name="connsiteX4" fmla="*/ 2391510 w 3456506"/>
+              <a:gd name="connsiteY4" fmla="*/ 2132354 h 2984527"/>
+              <a:gd name="connsiteX5" fmla="*/ 1556834 w 3456506"/>
+              <a:gd name="connsiteY5" fmla="*/ 2984527 h 2984527"/>
+              <a:gd name="connsiteX6" fmla="*/ 1479605 w 3456506"/>
+              <a:gd name="connsiteY6" fmla="*/ 2881250 h 2984527"/>
+              <a:gd name="connsiteX7" fmla="*/ 346370 w 3456506"/>
+              <a:gd name="connsiteY7" fmla="*/ 2273932 h 2984527"/>
+              <a:gd name="connsiteX8" fmla="*/ 265513 w 3456506"/>
+              <a:gd name="connsiteY8" fmla="*/ 2269849 h 2984527"/>
+              <a:gd name="connsiteX9" fmla="*/ 0 w 3456506"/>
+              <a:gd name="connsiteY9" fmla="*/ 1097919 h 2984527"/>
+              <a:gd name="connsiteX10" fmla="*/ 248745 w 3456506"/>
+              <a:gd name="connsiteY10" fmla="*/ 0 h 2984527"/>
+            </a:gdLst>
+            <a:ahLst/>
+            <a:cxnLst>
+              <a:cxn ang="0">
+                <a:pos x="connsiteX0" y="connsiteY0"/>
+              </a:cxn>
+              <a:cxn ang="0">
+                <a:pos x="connsiteX1" y="connsiteY1"/>
+              </a:cxn>
+              <a:cxn ang="0">
+                <a:pos x="connsiteX2" y="connsiteY2"/>
+              </a:cxn>
+              <a:cxn ang="0">
+                <a:pos x="connsiteX3" y="connsiteY3"/>
+              </a:cxn>
+              <a:cxn ang="0">
+                <a:pos x="connsiteX4" y="connsiteY4"/>
+              </a:cxn>
+              <a:cxn ang="0">
+                <a:pos x="connsiteX5" y="connsiteY5"/>
+              </a:cxn>
+              <a:cxn ang="0">
+                <a:pos x="connsiteX6" y="connsiteY6"/>
+              </a:cxn>
+              <a:cxn ang="0">
+                <a:pos x="connsiteX7" y="connsiteY7"/>
+              </a:cxn>
+              <a:cxn ang="0">
+                <a:pos x="connsiteX8" y="connsiteY8"/>
+              </a:cxn>
+              <a:cxn ang="0">
+                <a:pos x="connsiteX9" y="connsiteY9"/>
+              </a:cxn>
+              <a:cxn ang="0">
+                <a:pos x="connsiteX10" y="connsiteY10"/>
+              </a:cxn>
+            </a:cxnLst>
+            <a:rect l="l" t="t" r="r" b="b"/>
+            <a:pathLst>
+              <a:path w="3456506" h="2984527">
+                <a:moveTo>
+                  <a:pt x="248745" y="0"/>
+                </a:moveTo>
+                <a:lnTo>
+                  <a:pt x="377062" y="3245"/>
+                </a:lnTo>
+                <a:cubicBezTo>
+                  <a:pt x="1524477" y="61407"/>
+                  <a:pt x="2543039" y="607960"/>
+                  <a:pt x="3229010" y="1439164"/>
+                </a:cubicBezTo>
+                <a:lnTo>
+                  <a:pt x="3456506" y="1743390"/>
+                </a:lnTo>
+                <a:lnTo>
+                  <a:pt x="2391510" y="2132354"/>
+                </a:lnTo>
+                <a:lnTo>
+                  <a:pt x="1556834" y="2984527"/>
+                </a:lnTo>
+                <a:lnTo>
+                  <a:pt x="1479605" y="2881250"/>
+                </a:lnTo>
+                <a:cubicBezTo>
+                  <a:pt x="1203603" y="2546813"/>
+                  <a:pt x="801653" y="2320169"/>
+                  <a:pt x="346370" y="2273932"/>
+                </a:cubicBezTo>
+                <a:lnTo>
+                  <a:pt x="265513" y="2269849"/>
+                </a:lnTo>
+                <a:lnTo>
+                  <a:pt x="0" y="1097919"/>
+                </a:lnTo>
+                <a:lnTo>
+                  <a:pt x="248745" y="0"/>
+                </a:lnTo>
+                <a:close/>
+              </a:path>
+            </a:pathLst>
+          </a:custGeom>
+          <a:solidFill>
+            <a:srgbClr val="2F5597"/>
+          </a:solidFill>
+          <a:ln>
+            <a:solidFill>
+              <a:srgbClr val="2F5597"/>
+            </a:solidFill>
+          </a:ln>
+        </p:spPr>
+        <p:style>
+          <a:lnRef idx="2">
+            <a:schemeClr val="accent1">
+              <a:shade val="50000"/>
+            </a:schemeClr>
+          </a:lnRef>
+          <a:fillRef idx="1">
+            <a:schemeClr val="accent1"/>
+          </a:fillRef>
+          <a:effectRef idx="0">
+            <a:schemeClr val="accent1"/>
+          </a:effectRef>
+          <a:fontRef idx="minor">
+            <a:schemeClr val="lt1"/>
+          </a:fontRef>
+        </p:style>
+        <p:txBody>
+          <a:bodyPr wrap="square" rtlCol="0" anchor="ctr">
+            <a:noAutofit/>
+          </a:bodyPr>
+          <a:lstStyle/>
+          <a:p>
+            <a:pPr algn="ctr"/>
+            <a:endParaRPr lang="nb-NO" sz="3000">
+              <a:solidFill>
+                <a:schemeClr val="tx1"/>
+              </a:solidFill>
+            </a:endParaRPr>
+          </a:p>
+        </p:txBody>
+      </p:sp>
+      <p:sp>
+        <p:nvSpPr>
+          <p:cNvPr id="73" name="Frihåndsform: figur 72">
+            <a:extLst>
+              <a:ext uri="{FF2B5EF4-FFF2-40B4-BE49-F238E27FC236}">
+                <a16:creationId xmlns:a16="http://schemas.microsoft.com/office/drawing/2014/main" id="{5755F5B5-A084-47F8-AA71-927AD33C2420}"/>
+              </a:ext>
+            </a:extLst>
+          </p:cNvPr>
+          <p:cNvSpPr/>
+          <p:nvPr/>
+        </p:nvSpPr>
+        <p:spPr>
+          <a:xfrm>
+            <a:off x="3356997" y="78415"/>
+            <a:ext cx="2588376" cy="2487726"/>
+          </a:xfrm>
+          <a:custGeom>
+            <a:avLst/>
+            <a:gdLst>
+              <a:gd name="connsiteX0" fmla="*/ 3088779 w 3106253"/>
+              <a:gd name="connsiteY0" fmla="*/ 0 h 2985465"/>
+              <a:gd name="connsiteX1" fmla="*/ 2840401 w 3106253"/>
+              <a:gd name="connsiteY1" fmla="*/ 1096302 h 2985465"/>
+              <a:gd name="connsiteX2" fmla="*/ 3106253 w 3106253"/>
+              <a:gd name="connsiteY2" fmla="*/ 2269731 h 2985465"/>
+              <a:gd name="connsiteX3" fmla="*/ 3055086 w 3106253"/>
+              <a:gd name="connsiteY3" fmla="*/ 2272315 h 2985465"/>
+              <a:gd name="connsiteX4" fmla="*/ 1921851 w 3106253"/>
+              <a:gd name="connsiteY4" fmla="*/ 2879633 h 2985465"/>
+              <a:gd name="connsiteX5" fmla="*/ 1842712 w 3106253"/>
+              <a:gd name="connsiteY5" fmla="*/ 2985465 h 2985465"/>
+              <a:gd name="connsiteX6" fmla="*/ 769847 w 3106253"/>
+              <a:gd name="connsiteY6" fmla="*/ 2533918 h 2985465"/>
+              <a:gd name="connsiteX7" fmla="*/ 0 w 3106253"/>
+              <a:gd name="connsiteY7" fmla="*/ 1668157 h 2985465"/>
+              <a:gd name="connsiteX8" fmla="*/ 172446 w 3106253"/>
+              <a:gd name="connsiteY8" fmla="*/ 1437547 h 2985465"/>
+              <a:gd name="connsiteX9" fmla="*/ 3024394 w 3106253"/>
+              <a:gd name="connsiteY9" fmla="*/ 1628 h 2985465"/>
+              <a:gd name="connsiteX10" fmla="*/ 3088779 w 3106253"/>
+              <a:gd name="connsiteY10" fmla="*/ 0 h 2985465"/>
+            </a:gdLst>
+            <a:ahLst/>
+            <a:cxnLst>
+              <a:cxn ang="0">
+                <a:pos x="connsiteX0" y="connsiteY0"/>
+              </a:cxn>
+              <a:cxn ang="0">
+                <a:pos x="connsiteX1" y="connsiteY1"/>
+              </a:cxn>
+              <a:cxn ang="0">
+                <a:pos x="connsiteX2" y="connsiteY2"/>
+              </a:cxn>
+              <a:cxn ang="0">
+                <a:pos x="connsiteX3" y="connsiteY3"/>
+              </a:cxn>
+              <a:cxn ang="0">
+                <a:pos x="connsiteX4" y="connsiteY4"/>
+              </a:cxn>
+              <a:cxn ang="0">
+                <a:pos x="connsiteX5" y="connsiteY5"/>
+              </a:cxn>
+              <a:cxn ang="0">
+                <a:pos x="connsiteX6" y="connsiteY6"/>
+              </a:cxn>
+              <a:cxn ang="0">
+                <a:pos x="connsiteX7" y="connsiteY7"/>
+              </a:cxn>
+              <a:cxn ang="0">
+                <a:pos x="connsiteX8" y="connsiteY8"/>
+              </a:cxn>
+              <a:cxn ang="0">
+                <a:pos x="connsiteX9" y="connsiteY9"/>
+              </a:cxn>
+              <a:cxn ang="0">
+                <a:pos x="connsiteX10" y="connsiteY10"/>
+              </a:cxn>
+            </a:cxnLst>
+            <a:rect l="l" t="t" r="r" b="b"/>
+            <a:pathLst>
+              <a:path w="3106253" h="2985465">
+                <a:moveTo>
+                  <a:pt x="3088779" y="0"/>
+                </a:moveTo>
+                <a:lnTo>
+                  <a:pt x="2840401" y="1096302"/>
+                </a:lnTo>
+                <a:lnTo>
+                  <a:pt x="3106253" y="2269731"/>
+                </a:lnTo>
+                <a:lnTo>
+                  <a:pt x="3055086" y="2272315"/>
+                </a:lnTo>
+                <a:cubicBezTo>
+                  <a:pt x="2599803" y="2318552"/>
+                  <a:pt x="2197854" y="2545196"/>
+                  <a:pt x="1921851" y="2879633"/>
+                </a:cubicBezTo>
+                <a:lnTo>
+                  <a:pt x="1842712" y="2985465"/>
+                </a:lnTo>
+                <a:lnTo>
+                  <a:pt x="769847" y="2533918"/>
+                </a:lnTo>
+                <a:lnTo>
+                  <a:pt x="0" y="1668157"/>
+                </a:lnTo>
+                <a:lnTo>
+                  <a:pt x="172446" y="1437547"/>
+                </a:lnTo>
+                <a:cubicBezTo>
+                  <a:pt x="858418" y="606343"/>
+                  <a:pt x="1876979" y="59790"/>
+                  <a:pt x="3024394" y="1628"/>
+                </a:cubicBezTo>
+                <a:lnTo>
+                  <a:pt x="3088779" y="0"/>
+                </a:lnTo>
+                <a:close/>
+              </a:path>
+            </a:pathLst>
+          </a:custGeom>
+          <a:solidFill>
+            <a:srgbClr val="8FAADC"/>
+          </a:solidFill>
+          <a:ln>
+            <a:solidFill>
+              <a:srgbClr val="8FAADC"/>
+            </a:solidFill>
+          </a:ln>
+        </p:spPr>
+        <p:style>
+          <a:lnRef idx="2">
+            <a:schemeClr val="accent1">
+              <a:shade val="50000"/>
+            </a:schemeClr>
+          </a:lnRef>
+          <a:fillRef idx="1">
+            <a:schemeClr val="accent1"/>
+          </a:fillRef>
+          <a:effectRef idx="0">
+            <a:schemeClr val="accent1"/>
+          </a:effectRef>
+          <a:fontRef idx="minor">
+            <a:schemeClr val="lt1"/>
+          </a:fontRef>
+        </p:style>
+        <p:txBody>
+          <a:bodyPr wrap="square" rtlCol="0" anchor="ctr">
+            <a:noAutofit/>
+          </a:bodyPr>
+          <a:lstStyle/>
+          <a:p>
+            <a:pPr algn="ctr"/>
+            <a:endParaRPr lang="nb-NO" sz="3000">
+              <a:solidFill>
+                <a:schemeClr val="tx1"/>
+              </a:solidFill>
+            </a:endParaRPr>
+          </a:p>
+        </p:txBody>
+      </p:sp>
+      <p:sp>
+        <p:nvSpPr>
+          <p:cNvPr id="70" name="Frihåndsform: figur 69">
+            <a:extLst>
+              <a:ext uri="{FF2B5EF4-FFF2-40B4-BE49-F238E27FC236}">
+                <a16:creationId xmlns:a16="http://schemas.microsoft.com/office/drawing/2014/main" id="{6B9369A2-C8EC-4A83-A608-D9B19BBE5CCF}"/>
+              </a:ext>
+            </a:extLst>
+          </p:cNvPr>
+          <p:cNvSpPr/>
+          <p:nvPr/>
+        </p:nvSpPr>
+        <p:spPr>
+          <a:xfrm>
+            <a:off x="2747183" y="1616571"/>
+            <a:ext cx="2052881" cy="2963215"/>
+          </a:xfrm>
+          <a:custGeom>
+            <a:avLst/>
+            <a:gdLst>
+              <a:gd name="connsiteX0" fmla="*/ 609949 w 2463617"/>
+              <a:gd name="connsiteY0" fmla="*/ 0 h 3556089"/>
+              <a:gd name="connsiteX1" fmla="*/ 1376839 w 2463617"/>
+              <a:gd name="connsiteY1" fmla="*/ 862436 h 3556089"/>
+              <a:gd name="connsiteX2" fmla="*/ 2463617 w 2463617"/>
+              <a:gd name="connsiteY2" fmla="*/ 1319838 h 3556089"/>
+              <a:gd name="connsiteX3" fmla="*/ 2400136 w 2463617"/>
+              <a:gd name="connsiteY3" fmla="*/ 1451615 h 3556089"/>
+              <a:gd name="connsiteX4" fmla="*/ 2267100 w 2463617"/>
+              <a:gd name="connsiteY4" fmla="*/ 2110568 h 3556089"/>
+              <a:gd name="connsiteX5" fmla="*/ 2343209 w 2463617"/>
+              <a:gd name="connsiteY5" fmla="*/ 2613985 h 3556089"/>
+              <a:gd name="connsiteX6" fmla="*/ 2361299 w 2463617"/>
+              <a:gd name="connsiteY6" fmla="*/ 2663411 h 3556089"/>
+              <a:gd name="connsiteX7" fmla="*/ 1423379 w 2463617"/>
+              <a:gd name="connsiteY7" fmla="*/ 3344162 h 3556089"/>
+              <a:gd name="connsiteX8" fmla="*/ 273388 w 2463617"/>
+              <a:gd name="connsiteY8" fmla="*/ 3556089 h 3556089"/>
+              <a:gd name="connsiteX9" fmla="*/ 240292 w 2463617"/>
+              <a:gd name="connsiteY9" fmla="*/ 3472149 h 3556089"/>
+              <a:gd name="connsiteX10" fmla="*/ 0 w 2463617"/>
+              <a:gd name="connsiteY10" fmla="*/ 2110568 h 3556089"/>
+              <a:gd name="connsiteX11" fmla="*/ 573302 w 2463617"/>
+              <a:gd name="connsiteY11" fmla="*/ 57164 h 3556089"/>
+              <a:gd name="connsiteX12" fmla="*/ 609949 w 2463617"/>
+              <a:gd name="connsiteY12" fmla="*/ 0 h 3556089"/>
+            </a:gdLst>
+            <a:ahLst/>
+            <a:cxnLst>
+              <a:cxn ang="0">
+                <a:pos x="connsiteX0" y="connsiteY0"/>
+              </a:cxn>
+              <a:cxn ang="0">
+                <a:pos x="connsiteX1" y="connsiteY1"/>
+              </a:cxn>
+              <a:cxn ang="0">
+                <a:pos x="connsiteX2" y="connsiteY2"/>
+              </a:cxn>
+              <a:cxn ang="0">
+                <a:pos x="connsiteX3" y="connsiteY3"/>
+              </a:cxn>
+              <a:cxn ang="0">
+                <a:pos x="connsiteX4" y="connsiteY4"/>
+              </a:cxn>
+              <a:cxn ang="0">
+                <a:pos x="connsiteX5" y="connsiteY5"/>
+              </a:cxn>
+              <a:cxn ang="0">
+                <a:pos x="connsiteX6" y="connsiteY6"/>
+              </a:cxn>
+              <a:cxn ang="0">
+                <a:pos x="connsiteX7" y="connsiteY7"/>
+              </a:cxn>
+              <a:cxn ang="0">
+                <a:pos x="connsiteX8" y="connsiteY8"/>
+              </a:cxn>
+              <a:cxn ang="0">
+                <a:pos x="connsiteX9" y="connsiteY9"/>
+              </a:cxn>
+              <a:cxn ang="0">
+                <a:pos x="connsiteX10" y="connsiteY10"/>
+              </a:cxn>
+              <a:cxn ang="0">
+                <a:pos x="connsiteX11" y="connsiteY11"/>
+              </a:cxn>
+              <a:cxn ang="0">
+                <a:pos x="connsiteX12" y="connsiteY12"/>
+              </a:cxn>
+            </a:cxnLst>
+            <a:rect l="l" t="t" r="r" b="b"/>
+            <a:pathLst>
+              <a:path w="2463617" h="3556089">
+                <a:moveTo>
+                  <a:pt x="609949" y="0"/>
+                </a:moveTo>
+                <a:lnTo>
+                  <a:pt x="1376839" y="862436"/>
+                </a:lnTo>
+                <a:lnTo>
+                  <a:pt x="2463617" y="1319838"/>
+                </a:lnTo>
+                <a:lnTo>
+                  <a:pt x="2400136" y="1451615"/>
+                </a:lnTo>
+                <a:cubicBezTo>
+                  <a:pt x="2314471" y="1654151"/>
+                  <a:pt x="2267100" y="1876827"/>
+                  <a:pt x="2267100" y="2110568"/>
+                </a:cubicBezTo>
+                <a:cubicBezTo>
+                  <a:pt x="2267100" y="2285874"/>
+                  <a:pt x="2293746" y="2454956"/>
+                  <a:pt x="2343209" y="2613985"/>
+                </a:cubicBezTo>
+                <a:lnTo>
+                  <a:pt x="2361299" y="2663411"/>
+                </a:lnTo>
+                <a:lnTo>
+                  <a:pt x="1423379" y="3344162"/>
+                </a:lnTo>
+                <a:lnTo>
+                  <a:pt x="273388" y="3556089"/>
+                </a:lnTo>
+                <a:lnTo>
+                  <a:pt x="240292" y="3472149"/>
+                </a:lnTo>
+                <a:cubicBezTo>
+                  <a:pt x="84839" y="3047587"/>
+                  <a:pt x="0" y="2588985"/>
+                  <a:pt x="0" y="2110568"/>
+                </a:cubicBezTo>
+                <a:cubicBezTo>
+                  <a:pt x="0" y="1358770"/>
+                  <a:pt x="209499" y="655904"/>
+                  <a:pt x="573302" y="57164"/>
+                </a:cubicBezTo>
+                <a:lnTo>
+                  <a:pt x="609949" y="0"/>
+                </a:lnTo>
+                <a:close/>
+              </a:path>
+            </a:pathLst>
+          </a:custGeom>
+          <a:solidFill>
+            <a:srgbClr val="B4C7E7"/>
+          </a:solidFill>
+          <a:ln>
+            <a:solidFill>
+              <a:srgbClr val="B4C7E7"/>
+            </a:solidFill>
+          </a:ln>
+        </p:spPr>
+        <p:style>
+          <a:lnRef idx="2">
+            <a:schemeClr val="accent1">
+              <a:shade val="50000"/>
+            </a:schemeClr>
+          </a:lnRef>
+          <a:fillRef idx="1">
+            <a:schemeClr val="accent1"/>
+          </a:fillRef>
+          <a:effectRef idx="0">
+            <a:schemeClr val="accent1"/>
+          </a:effectRef>
+          <a:fontRef idx="minor">
+            <a:schemeClr val="lt1"/>
+          </a:fontRef>
+        </p:style>
+        <p:txBody>
+          <a:bodyPr wrap="square" rtlCol="0" anchor="ctr">
+            <a:noAutofit/>
+          </a:bodyPr>
+          <a:lstStyle/>
+          <a:p>
+            <a:pPr algn="ctr"/>
+            <a:endParaRPr lang="nb-NO" sz="3000">
+              <a:solidFill>
+                <a:schemeClr val="tx1"/>
+              </a:solidFill>
+            </a:endParaRPr>
+          </a:p>
+        </p:txBody>
+      </p:sp>
+      <p:sp>
+        <p:nvSpPr>
+          <p:cNvPr id="69" name="Frihåndsform: figur 68">
+            <a:extLst>
+              <a:ext uri="{FF2B5EF4-FFF2-40B4-BE49-F238E27FC236}">
+                <a16:creationId xmlns:a16="http://schemas.microsoft.com/office/drawing/2014/main" id="{3EC80368-2D8C-4017-904A-8E51DEA9C8F2}"/>
+              </a:ext>
+            </a:extLst>
+          </p:cNvPr>
+          <p:cNvSpPr/>
+          <p:nvPr/>
+        </p:nvSpPr>
+        <p:spPr>
+          <a:xfrm>
+            <a:off x="7294123" y="1680469"/>
+            <a:ext cx="2052631" cy="2891391"/>
+          </a:xfrm>
+          <a:custGeom>
+            <a:avLst/>
+            <a:gdLst>
+              <a:gd name="connsiteX0" fmla="*/ 1901238 w 2463317"/>
+              <a:gd name="connsiteY0" fmla="*/ 0 h 3469895"/>
+              <a:gd name="connsiteX1" fmla="*/ 1985366 w 2463317"/>
+              <a:gd name="connsiteY1" fmla="*/ 146314 h 3469895"/>
+              <a:gd name="connsiteX2" fmla="*/ 2463317 w 2463317"/>
+              <a:gd name="connsiteY2" fmla="*/ 2033885 h 3469895"/>
+              <a:gd name="connsiteX3" fmla="*/ 2223025 w 2463317"/>
+              <a:gd name="connsiteY3" fmla="*/ 3395466 h 3469895"/>
+              <a:gd name="connsiteX4" fmla="*/ 2193679 w 2463317"/>
+              <a:gd name="connsiteY4" fmla="*/ 3469895 h 3469895"/>
+              <a:gd name="connsiteX5" fmla="*/ 1288004 w 2463317"/>
+              <a:gd name="connsiteY5" fmla="*/ 2849480 h 3469895"/>
+              <a:gd name="connsiteX6" fmla="*/ 75213 w 2463317"/>
+              <a:gd name="connsiteY6" fmla="*/ 2659964 h 3469895"/>
+              <a:gd name="connsiteX7" fmla="*/ 120108 w 2463317"/>
+              <a:gd name="connsiteY7" fmla="*/ 2537302 h 3469895"/>
+              <a:gd name="connsiteX8" fmla="*/ 196217 w 2463317"/>
+              <a:gd name="connsiteY8" fmla="*/ 2033885 h 3469895"/>
+              <a:gd name="connsiteX9" fmla="*/ 63181 w 2463317"/>
+              <a:gd name="connsiteY9" fmla="*/ 1374932 h 3469895"/>
+              <a:gd name="connsiteX10" fmla="*/ 0 w 2463317"/>
+              <a:gd name="connsiteY10" fmla="*/ 1243777 h 3469895"/>
+              <a:gd name="connsiteX11" fmla="*/ 837829 w 2463317"/>
+              <a:gd name="connsiteY11" fmla="*/ 388384 h 3469895"/>
+              <a:gd name="connsiteX12" fmla="*/ 1901238 w 2463317"/>
+              <a:gd name="connsiteY12" fmla="*/ 0 h 3469895"/>
+            </a:gdLst>
+            <a:ahLst/>
+            <a:cxnLst>
+              <a:cxn ang="0">
+                <a:pos x="connsiteX0" y="connsiteY0"/>
+              </a:cxn>
+              <a:cxn ang="0">
+                <a:pos x="connsiteX1" y="connsiteY1"/>
+              </a:cxn>
+              <a:cxn ang="0">
+                <a:pos x="connsiteX2" y="connsiteY2"/>
+              </a:cxn>
+              <a:cxn ang="0">
+                <a:pos x="connsiteX3" y="connsiteY3"/>
+              </a:cxn>
+              <a:cxn ang="0">
+                <a:pos x="connsiteX4" y="connsiteY4"/>
+              </a:cxn>
+              <a:cxn ang="0">
+                <a:pos x="connsiteX5" y="connsiteY5"/>
+              </a:cxn>
+              <a:cxn ang="0">
+                <a:pos x="connsiteX6" y="connsiteY6"/>
+              </a:cxn>
+              <a:cxn ang="0">
+                <a:pos x="connsiteX7" y="connsiteY7"/>
+              </a:cxn>
+              <a:cxn ang="0">
+                <a:pos x="connsiteX8" y="connsiteY8"/>
+              </a:cxn>
+              <a:cxn ang="0">
+                <a:pos x="connsiteX9" y="connsiteY9"/>
+              </a:cxn>
+              <a:cxn ang="0">
+                <a:pos x="connsiteX10" y="connsiteY10"/>
+              </a:cxn>
+              <a:cxn ang="0">
+                <a:pos x="connsiteX11" y="connsiteY11"/>
+              </a:cxn>
+              <a:cxn ang="0">
+                <a:pos x="connsiteX12" y="connsiteY12"/>
+              </a:cxn>
+            </a:cxnLst>
+            <a:rect l="l" t="t" r="r" b="b"/>
+            <a:pathLst>
+              <a:path w="2463317" h="3469895">
+                <a:moveTo>
+                  <a:pt x="1901238" y="0"/>
+                </a:moveTo>
+                <a:lnTo>
+                  <a:pt x="1985366" y="146314"/>
+                </a:lnTo>
+                <a:cubicBezTo>
+                  <a:pt x="2290177" y="707419"/>
+                  <a:pt x="2463317" y="1350433"/>
+                  <a:pt x="2463317" y="2033885"/>
+                </a:cubicBezTo>
+                <a:cubicBezTo>
+                  <a:pt x="2463317" y="2512302"/>
+                  <a:pt x="2378478" y="2970904"/>
+                  <a:pt x="2223025" y="3395466"/>
+                </a:cubicBezTo>
+                <a:lnTo>
+                  <a:pt x="2193679" y="3469895"/>
+                </a:lnTo>
+                <a:lnTo>
+                  <a:pt x="1288004" y="2849480"/>
+                </a:lnTo>
+                <a:lnTo>
+                  <a:pt x="75213" y="2659964"/>
+                </a:lnTo>
+                <a:lnTo>
+                  <a:pt x="120108" y="2537302"/>
+                </a:lnTo>
+                <a:cubicBezTo>
+                  <a:pt x="169571" y="2378273"/>
+                  <a:pt x="196217" y="2209191"/>
+                  <a:pt x="196217" y="2033885"/>
+                </a:cubicBezTo>
+                <a:cubicBezTo>
+                  <a:pt x="196217" y="1800144"/>
+                  <a:pt x="148846" y="1577468"/>
+                  <a:pt x="63181" y="1374932"/>
+                </a:cubicBezTo>
+                <a:lnTo>
+                  <a:pt x="0" y="1243777"/>
+                </a:lnTo>
+                <a:lnTo>
+                  <a:pt x="837829" y="388384"/>
+                </a:lnTo>
+                <a:lnTo>
+                  <a:pt x="1901238" y="0"/>
+                </a:lnTo>
+                <a:close/>
+              </a:path>
+            </a:pathLst>
+          </a:custGeom>
+          <a:solidFill>
+            <a:srgbClr val="2F5597"/>
+          </a:solidFill>
+          <a:ln>
+            <a:solidFill>
+              <a:srgbClr val="2F5597"/>
+            </a:solidFill>
+          </a:ln>
+        </p:spPr>
+        <p:style>
+          <a:lnRef idx="2">
+            <a:schemeClr val="accent1">
+              <a:shade val="50000"/>
+            </a:schemeClr>
+          </a:lnRef>
+          <a:fillRef idx="1">
+            <a:schemeClr val="accent1"/>
+          </a:fillRef>
+          <a:effectRef idx="0">
+            <a:schemeClr val="accent1"/>
+          </a:effectRef>
+          <a:fontRef idx="minor">
+            <a:schemeClr val="lt1"/>
+          </a:fontRef>
+        </p:style>
+        <p:txBody>
+          <a:bodyPr wrap="square" rtlCol="0" anchor="ctr">
+            <a:noAutofit/>
+          </a:bodyPr>
+          <a:lstStyle/>
+          <a:p>
+            <a:pPr algn="ctr"/>
+            <a:endParaRPr lang="nb-NO" sz="3000">
+              <a:solidFill>
+                <a:schemeClr val="tx1"/>
+              </a:solidFill>
+            </a:endParaRPr>
+          </a:p>
+        </p:txBody>
+      </p:sp>
+      <p:sp>
+        <p:nvSpPr>
+          <p:cNvPr id="91" name="Frihåndsform: figur 90">
+            <a:extLst>
+              <a:ext uri="{FF2B5EF4-FFF2-40B4-BE49-F238E27FC236}">
+                <a16:creationId xmlns:a16="http://schemas.microsoft.com/office/drawing/2014/main" id="{D3F0E2AF-0FB0-4F20-AB2F-25255E47C882}"/>
+              </a:ext>
+            </a:extLst>
+          </p:cNvPr>
+          <p:cNvSpPr/>
+          <p:nvPr/>
+        </p:nvSpPr>
+        <p:spPr>
+          <a:xfrm>
+            <a:off x="6030003" y="4784807"/>
+            <a:ext cx="34634" cy="1890241"/>
+          </a:xfrm>
+          <a:custGeom>
+            <a:avLst/>
+            <a:gdLst>
+              <a:gd name="connsiteX0" fmla="*/ 41563 w 41563"/>
+              <a:gd name="connsiteY0" fmla="*/ 0 h 2268437"/>
+              <a:gd name="connsiteX1" fmla="*/ 41563 w 41563"/>
+              <a:gd name="connsiteY1" fmla="*/ 2267667 h 2268437"/>
+              <a:gd name="connsiteX2" fmla="*/ 20359 w 41563"/>
+              <a:gd name="connsiteY2" fmla="*/ 2268437 h 2268437"/>
+              <a:gd name="connsiteX3" fmla="*/ 0 w 41563"/>
+              <a:gd name="connsiteY3" fmla="*/ 2267698 h 2268437"/>
+              <a:gd name="connsiteX4" fmla="*/ 0 w 41563"/>
+              <a:gd name="connsiteY4" fmla="*/ 630 h 2268437"/>
+              <a:gd name="connsiteX5" fmla="*/ 20359 w 41563"/>
+              <a:gd name="connsiteY5" fmla="*/ 1337 h 2268437"/>
+              <a:gd name="connsiteX6" fmla="*/ 41563 w 41563"/>
+              <a:gd name="connsiteY6" fmla="*/ 0 h 2268437"/>
+            </a:gdLst>
+            <a:ahLst/>
+            <a:cxnLst>
+              <a:cxn ang="0">
+                <a:pos x="connsiteX0" y="connsiteY0"/>
+              </a:cxn>
+              <a:cxn ang="0">
+                <a:pos x="connsiteX1" y="connsiteY1"/>
+              </a:cxn>
+              <a:cxn ang="0">
+                <a:pos x="connsiteX2" y="connsiteY2"/>
+              </a:cxn>
+              <a:cxn ang="0">
+                <a:pos x="connsiteX3" y="connsiteY3"/>
+              </a:cxn>
+              <a:cxn ang="0">
+                <a:pos x="connsiteX4" y="connsiteY4"/>
+              </a:cxn>
+              <a:cxn ang="0">
+                <a:pos x="connsiteX5" y="connsiteY5"/>
+              </a:cxn>
+              <a:cxn ang="0">
+                <a:pos x="connsiteX6" y="connsiteY6"/>
+              </a:cxn>
+            </a:cxnLst>
+            <a:rect l="l" t="t" r="r" b="b"/>
+            <a:pathLst>
+              <a:path w="41563" h="2268437">
+                <a:moveTo>
+                  <a:pt x="41563" y="0"/>
+                </a:moveTo>
+                <a:lnTo>
+                  <a:pt x="41563" y="2267667"/>
+                </a:lnTo>
+                <a:lnTo>
+                  <a:pt x="20359" y="2268437"/>
+                </a:lnTo>
+                <a:lnTo>
+                  <a:pt x="0" y="2267698"/>
+                </a:lnTo>
+                <a:lnTo>
+                  <a:pt x="0" y="630"/>
+                </a:lnTo>
+                <a:lnTo>
+                  <a:pt x="20359" y="1337"/>
+                </a:lnTo>
+                <a:lnTo>
+                  <a:pt x="41563" y="0"/>
+                </a:lnTo>
+                <a:close/>
+              </a:path>
+            </a:pathLst>
+          </a:custGeom>
+          <a:solidFill>
+            <a:srgbClr val="DAE3F3"/>
+          </a:solidFill>
+          <a:ln>
+            <a:solidFill>
+              <a:srgbClr val="DAE3F3"/>
+            </a:solidFill>
+          </a:ln>
+        </p:spPr>
+        <p:style>
+          <a:lnRef idx="2">
+            <a:schemeClr val="accent1">
+              <a:shade val="50000"/>
+            </a:schemeClr>
+          </a:lnRef>
+          <a:fillRef idx="1">
+            <a:schemeClr val="accent1"/>
+          </a:fillRef>
+          <a:effectRef idx="0">
+            <a:schemeClr val="accent1"/>
+          </a:effectRef>
+          <a:fontRef idx="minor">
+            <a:schemeClr val="lt1"/>
+          </a:fontRef>
+        </p:style>
+        <p:txBody>
+          <a:bodyPr wrap="square" rtlCol="0" anchor="ctr">
+            <a:noAutofit/>
+          </a:bodyPr>
+          <a:lstStyle/>
+          <a:p>
+            <a:pPr algn="ctr"/>
+            <a:endParaRPr lang="nb-NO" sz="3000"/>
+          </a:p>
+        </p:txBody>
+      </p:sp>
+      <p:sp>
+        <p:nvSpPr>
+          <p:cNvPr id="90" name="Frihåndsform: figur 89">
+            <a:extLst>
+              <a:ext uri="{FF2B5EF4-FFF2-40B4-BE49-F238E27FC236}">
+                <a16:creationId xmlns:a16="http://schemas.microsoft.com/office/drawing/2014/main" id="{AD483787-DFF6-40CB-A0E9-82F5815E9187}"/>
+              </a:ext>
+            </a:extLst>
+          </p:cNvPr>
+          <p:cNvSpPr/>
+          <p:nvPr/>
+        </p:nvSpPr>
+        <p:spPr>
+          <a:xfrm>
+            <a:off x="3044698" y="4001028"/>
+            <a:ext cx="2985305" cy="2673404"/>
+          </a:xfrm>
+          <a:custGeom>
+            <a:avLst/>
+            <a:gdLst>
+              <a:gd name="connsiteX0" fmla="*/ 2087420 w 3582599"/>
+              <a:gd name="connsiteY0" fmla="*/ 0 h 3208293"/>
+              <a:gd name="connsiteX1" fmla="*/ 2114382 w 3582599"/>
+              <a:gd name="connsiteY1" fmla="*/ 55969 h 3208293"/>
+              <a:gd name="connsiteX2" fmla="*/ 3483462 w 3582599"/>
+              <a:gd name="connsiteY2" fmla="*/ 937780 h 3208293"/>
+              <a:gd name="connsiteX3" fmla="*/ 3582599 w 3582599"/>
+              <a:gd name="connsiteY3" fmla="*/ 941225 h 3208293"/>
+              <a:gd name="connsiteX4" fmla="*/ 3582599 w 3582599"/>
+              <a:gd name="connsiteY4" fmla="*/ 3208293 h 3208293"/>
+              <a:gd name="connsiteX5" fmla="*/ 3310849 w 3582599"/>
+              <a:gd name="connsiteY5" fmla="*/ 3198422 h 3208293"/>
+              <a:gd name="connsiteX6" fmla="*/ 33457 w 3582599"/>
+              <a:gd name="connsiteY6" fmla="*/ 965856 h 3208293"/>
+              <a:gd name="connsiteX7" fmla="*/ 0 w 3582599"/>
+              <a:gd name="connsiteY7" fmla="*/ 891851 h 3208293"/>
+              <a:gd name="connsiteX8" fmla="*/ 1150860 w 3582599"/>
+              <a:gd name="connsiteY8" fmla="*/ 679764 h 3208293"/>
+              <a:gd name="connsiteX9" fmla="*/ 2087420 w 3582599"/>
+              <a:gd name="connsiteY9" fmla="*/ 0 h 3208293"/>
+            </a:gdLst>
+            <a:ahLst/>
+            <a:cxnLst>
+              <a:cxn ang="0">
+                <a:pos x="connsiteX0" y="connsiteY0"/>
+              </a:cxn>
+              <a:cxn ang="0">
+                <a:pos x="connsiteX1" y="connsiteY1"/>
+              </a:cxn>
+              <a:cxn ang="0">
+                <a:pos x="connsiteX2" y="connsiteY2"/>
+              </a:cxn>
+              <a:cxn ang="0">
+                <a:pos x="connsiteX3" y="connsiteY3"/>
+              </a:cxn>
+              <a:cxn ang="0">
+                <a:pos x="connsiteX4" y="connsiteY4"/>
+              </a:cxn>
+              <a:cxn ang="0">
+                <a:pos x="connsiteX5" y="connsiteY5"/>
+              </a:cxn>
+              <a:cxn ang="0">
+                <a:pos x="connsiteX6" y="connsiteY6"/>
+              </a:cxn>
+              <a:cxn ang="0">
+                <a:pos x="connsiteX7" y="connsiteY7"/>
+              </a:cxn>
+              <a:cxn ang="0">
+                <a:pos x="connsiteX8" y="connsiteY8"/>
+              </a:cxn>
+              <a:cxn ang="0">
+                <a:pos x="connsiteX9" y="connsiteY9"/>
+              </a:cxn>
+            </a:cxnLst>
+            <a:rect l="l" t="t" r="r" b="b"/>
+            <a:pathLst>
+              <a:path w="3582599" h="3208293">
+                <a:moveTo>
+                  <a:pt x="2087420" y="0"/>
+                </a:moveTo>
+                <a:lnTo>
+                  <a:pt x="2114382" y="55969"/>
+                </a:lnTo>
+                <a:cubicBezTo>
+                  <a:pt x="2383140" y="550706"/>
+                  <a:pt x="2891346" y="896490"/>
+                  <a:pt x="3483462" y="937780"/>
+                </a:cubicBezTo>
+                <a:lnTo>
+                  <a:pt x="3582599" y="941225"/>
+                </a:lnTo>
+                <a:lnTo>
+                  <a:pt x="3582599" y="3208293"/>
+                </a:lnTo>
+                <a:lnTo>
+                  <a:pt x="3310849" y="3198422"/>
+                </a:lnTo>
+                <a:cubicBezTo>
+                  <a:pt x="1864071" y="3092937"/>
+                  <a:pt x="633027" y="2210168"/>
+                  <a:pt x="33457" y="965856"/>
+                </a:cubicBezTo>
+                <a:lnTo>
+                  <a:pt x="0" y="891851"/>
+                </a:lnTo>
+                <a:lnTo>
+                  <a:pt x="1150860" y="679764"/>
+                </a:lnTo>
+                <a:lnTo>
+                  <a:pt x="2087420" y="0"/>
+                </a:lnTo>
+                <a:close/>
+              </a:path>
+            </a:pathLst>
+          </a:custGeom>
+          <a:solidFill>
+            <a:srgbClr val="DAE3F3"/>
+          </a:solidFill>
+          <a:ln>
+            <a:solidFill>
+              <a:srgbClr val="DAE3F3"/>
+            </a:solidFill>
+          </a:ln>
+        </p:spPr>
+        <p:style>
+          <a:lnRef idx="2">
+            <a:schemeClr val="accent1">
+              <a:shade val="50000"/>
+            </a:schemeClr>
+          </a:lnRef>
+          <a:fillRef idx="1">
+            <a:schemeClr val="accent1"/>
+          </a:fillRef>
+          <a:effectRef idx="0">
+            <a:schemeClr val="accent1"/>
+          </a:effectRef>
+          <a:fontRef idx="minor">
+            <a:schemeClr val="lt1"/>
+          </a:fontRef>
+        </p:style>
+        <p:txBody>
+          <a:bodyPr wrap="square" rtlCol="0" anchor="ctr">
+            <a:noAutofit/>
+          </a:bodyPr>
+          <a:lstStyle/>
+          <a:p>
+            <a:pPr algn="ctr"/>
+            <a:endParaRPr lang="nb-NO" sz="3000"/>
+          </a:p>
+        </p:txBody>
+      </p:sp>
+      <p:sp>
+        <p:nvSpPr>
+          <p:cNvPr id="89" name="Frihåndsform: figur 88">
+            <a:extLst>
+              <a:ext uri="{FF2B5EF4-FFF2-40B4-BE49-F238E27FC236}">
+                <a16:creationId xmlns:a16="http://schemas.microsoft.com/office/drawing/2014/main" id="{41F2255F-C65B-45EF-A93B-9868C420312B}"/>
+              </a:ext>
+            </a:extLst>
+          </p:cNvPr>
+          <p:cNvSpPr/>
+          <p:nvPr/>
+        </p:nvSpPr>
+        <p:spPr>
+          <a:xfrm>
+            <a:off x="6064637" y="4061252"/>
+            <a:ext cx="2988373" cy="2613154"/>
+          </a:xfrm>
+          <a:custGeom>
+            <a:avLst/>
+            <a:gdLst>
+              <a:gd name="connsiteX0" fmla="*/ 1457467 w 3586281"/>
+              <a:gd name="connsiteY0" fmla="*/ 0 h 3135989"/>
+              <a:gd name="connsiteX1" fmla="*/ 2684360 w 3586281"/>
+              <a:gd name="connsiteY1" fmla="*/ 191720 h 3135989"/>
+              <a:gd name="connsiteX2" fmla="*/ 3586281 w 3586281"/>
+              <a:gd name="connsiteY2" fmla="*/ 809565 h 3135989"/>
+              <a:gd name="connsiteX3" fmla="*/ 3548297 w 3586281"/>
+              <a:gd name="connsiteY3" fmla="*/ 893583 h 3135989"/>
+              <a:gd name="connsiteX4" fmla="*/ 270905 w 3586281"/>
+              <a:gd name="connsiteY4" fmla="*/ 3126149 h 3135989"/>
+              <a:gd name="connsiteX5" fmla="*/ 0 w 3586281"/>
+              <a:gd name="connsiteY5" fmla="*/ 3135989 h 3135989"/>
+              <a:gd name="connsiteX6" fmla="*/ 0 w 3586281"/>
+              <a:gd name="connsiteY6" fmla="*/ 868322 h 3135989"/>
+              <a:gd name="connsiteX7" fmla="*/ 194410 w 3586281"/>
+              <a:gd name="connsiteY7" fmla="*/ 856058 h 3135989"/>
+              <a:gd name="connsiteX8" fmla="*/ 1382575 w 3586281"/>
+              <a:gd name="connsiteY8" fmla="*/ 123276 h 3135989"/>
+              <a:gd name="connsiteX9" fmla="*/ 1457467 w 3586281"/>
+              <a:gd name="connsiteY9" fmla="*/ 0 h 3135989"/>
+            </a:gdLst>
+            <a:ahLst/>
+            <a:cxnLst>
+              <a:cxn ang="0">
+                <a:pos x="connsiteX0" y="connsiteY0"/>
+              </a:cxn>
+              <a:cxn ang="0">
+                <a:pos x="connsiteX1" y="connsiteY1"/>
+              </a:cxn>
+              <a:cxn ang="0">
+                <a:pos x="connsiteX2" y="connsiteY2"/>
+              </a:cxn>
+              <a:cxn ang="0">
+                <a:pos x="connsiteX3" y="connsiteY3"/>
+              </a:cxn>
+              <a:cxn ang="0">
+                <a:pos x="connsiteX4" y="connsiteY4"/>
+              </a:cxn>
+              <a:cxn ang="0">
+                <a:pos x="connsiteX5" y="connsiteY5"/>
+              </a:cxn>
+              <a:cxn ang="0">
+                <a:pos x="connsiteX6" y="connsiteY6"/>
+              </a:cxn>
+              <a:cxn ang="0">
+                <a:pos x="connsiteX7" y="connsiteY7"/>
+              </a:cxn>
+              <a:cxn ang="0">
+                <a:pos x="connsiteX8" y="connsiteY8"/>
+              </a:cxn>
+              <a:cxn ang="0">
+                <a:pos x="connsiteX9" y="connsiteY9"/>
+              </a:cxn>
+            </a:cxnLst>
+            <a:rect l="l" t="t" r="r" b="b"/>
+            <a:pathLst>
+              <a:path w="3586281" h="3135989">
+                <a:moveTo>
+                  <a:pt x="1457467" y="0"/>
+                </a:moveTo>
+                <a:lnTo>
+                  <a:pt x="2684360" y="191720"/>
+                </a:lnTo>
+                <a:lnTo>
+                  <a:pt x="3586281" y="809565"/>
+                </a:lnTo>
+                <a:lnTo>
+                  <a:pt x="3548297" y="893583"/>
+                </a:lnTo>
+                <a:cubicBezTo>
+                  <a:pt x="2948726" y="2137895"/>
+                  <a:pt x="1717683" y="3020664"/>
+                  <a:pt x="270905" y="3126149"/>
+                </a:cubicBezTo>
+                <a:lnTo>
+                  <a:pt x="0" y="3135989"/>
+                </a:lnTo>
+                <a:lnTo>
+                  <a:pt x="0" y="868322"/>
+                </a:lnTo>
+                <a:lnTo>
+                  <a:pt x="194410" y="856058"/>
+                </a:lnTo>
+                <a:cubicBezTo>
+                  <a:pt x="688652" y="793231"/>
+                  <a:pt x="1116377" y="517301"/>
+                  <a:pt x="1382575" y="123276"/>
+                </a:cubicBezTo>
+                <a:lnTo>
+                  <a:pt x="1457467" y="0"/>
+                </a:lnTo>
+                <a:close/>
+              </a:path>
+            </a:pathLst>
+          </a:custGeom>
+          <a:solidFill>
+            <a:srgbClr val="2F5597"/>
+          </a:solidFill>
+          <a:ln>
+            <a:solidFill>
+              <a:srgbClr val="2F5597"/>
+            </a:solidFill>
+          </a:ln>
+        </p:spPr>
+        <p:style>
+          <a:lnRef idx="2">
+            <a:schemeClr val="accent1">
+              <a:shade val="50000"/>
+            </a:schemeClr>
+          </a:lnRef>
+          <a:fillRef idx="1">
+            <a:schemeClr val="accent1"/>
+          </a:fillRef>
+          <a:effectRef idx="0">
+            <a:schemeClr val="accent1"/>
+          </a:effectRef>
+          <a:fontRef idx="minor">
+            <a:schemeClr val="lt1"/>
+          </a:fontRef>
+        </p:style>
+        <p:txBody>
+          <a:bodyPr wrap="square" rtlCol="0" anchor="ctr">
+            <a:noAutofit/>
+          </a:bodyPr>
+          <a:lstStyle/>
+          <a:p>
+            <a:pPr algn="ctr"/>
+            <a:endParaRPr lang="nb-NO" sz="3000"/>
+          </a:p>
+        </p:txBody>
+      </p:sp>
+      <p:sp>
+        <p:nvSpPr>
+          <p:cNvPr id="38" name="Pil: femkant 37">
+            <a:extLst>
+              <a:ext uri="{FF2B5EF4-FFF2-40B4-BE49-F238E27FC236}">
+                <a16:creationId xmlns:a16="http://schemas.microsoft.com/office/drawing/2014/main" id="{26049CBD-FD25-44FC-B9DE-C34D99B5669E}"/>
+              </a:ext>
+            </a:extLst>
+          </p:cNvPr>
+          <p:cNvSpPr/>
+          <p:nvPr/>
+        </p:nvSpPr>
+        <p:spPr>
+          <a:xfrm>
+            <a:off x="2167723" y="4784807"/>
+            <a:ext cx="4266922" cy="1893585"/>
+          </a:xfrm>
+          <a:prstGeom prst="homePlate">
+            <a:avLst>
+              <a:gd name="adj" fmla="val 16471"/>
+            </a:avLst>
+          </a:prstGeom>
+          <a:solidFill>
+            <a:srgbClr val="2F5597"/>
+          </a:solidFill>
+          <a:ln>
+            <a:solidFill>
+              <a:srgbClr val="2F5597"/>
+            </a:solidFill>
+          </a:ln>
+        </p:spPr>
+        <p:style>
+          <a:lnRef idx="2">
+            <a:schemeClr val="accent1">
+              <a:shade val="50000"/>
+            </a:schemeClr>
+          </a:lnRef>
+          <a:fillRef idx="1">
+            <a:schemeClr val="accent1"/>
+          </a:fillRef>
+          <a:effectRef idx="0">
+            <a:schemeClr val="accent1"/>
+          </a:effectRef>
+          <a:fontRef idx="minor">
+            <a:schemeClr val="lt1"/>
+          </a:fontRef>
+        </p:style>
+        <p:txBody>
+          <a:bodyPr rtlCol="0" anchor="ctr"/>
+          <a:lstStyle/>
+          <a:p>
+            <a:pPr algn="ctr" defTabSz="914056">
+              <a:defRPr/>
+            </a:pPr>
+            <a:r>
+              <a:rPr lang="nb-NO" sz="3200" dirty="0">
+                <a:solidFill>
+                  <a:prstClr val="white"/>
+                </a:solidFill>
+                <a:latin typeface="Calibri" panose="020F0502020204030204" pitchFamily="34" charset="0"/>
+                <a:cs typeface="Calibri" panose="020F0502020204030204" pitchFamily="34" charset="0"/>
+              </a:rPr>
+              <a:t> Behov og krav</a:t>
+            </a:r>
+          </a:p>
+        </p:txBody>
+      </p:sp>
+      <p:sp>
+        <p:nvSpPr>
+          <p:cNvPr id="95" name="TekstSylinder 94">
+            <a:extLst>
+              <a:ext uri="{FF2B5EF4-FFF2-40B4-BE49-F238E27FC236}">
+                <a16:creationId xmlns:a16="http://schemas.microsoft.com/office/drawing/2014/main" id="{2973BEA6-17C4-40BE-90AC-B8238CB507C2}"/>
+              </a:ext>
+            </a:extLst>
+          </p:cNvPr>
+          <p:cNvSpPr txBox="1"/>
+          <p:nvPr/>
+        </p:nvSpPr>
+        <p:spPr>
+          <a:xfrm>
+            <a:off x="7377467" y="2794691"/>
+            <a:ext cx="1957871" cy="584775"/>
+          </a:xfrm>
+          <a:prstGeom prst="rect">
+            <a:avLst/>
+          </a:prstGeom>
+          <a:noFill/>
+        </p:spPr>
+        <p:txBody>
+          <a:bodyPr wrap="square" rtlCol="0">
+            <a:spAutoFit/>
+          </a:bodyPr>
+          <a:lstStyle/>
+          <a:p>
+            <a:pPr algn="ctr"/>
+            <a:r>
+              <a:rPr lang="nb-NO" sz="3200" dirty="0">
+                <a:solidFill>
+                  <a:prstClr val="white"/>
+                </a:solidFill>
+                <a:latin typeface="Calibri" panose="020F0502020204030204"/>
+              </a:rPr>
+              <a:t>Utrede</a:t>
+            </a:r>
+          </a:p>
+        </p:txBody>
+      </p:sp>
+      <p:sp>
+        <p:nvSpPr>
+          <p:cNvPr id="96" name="TekstSylinder 95">
+            <a:extLst>
+              <a:ext uri="{FF2B5EF4-FFF2-40B4-BE49-F238E27FC236}">
+                <a16:creationId xmlns:a16="http://schemas.microsoft.com/office/drawing/2014/main" id="{93B008C5-DC3E-476D-AC29-186129EE80AB}"/>
+              </a:ext>
+            </a:extLst>
+          </p:cNvPr>
+          <p:cNvSpPr txBox="1"/>
+          <p:nvPr/>
+        </p:nvSpPr>
+        <p:spPr>
+          <a:xfrm>
+            <a:off x="5739136" y="933140"/>
+            <a:ext cx="2709018" cy="584775"/>
+          </a:xfrm>
+          <a:prstGeom prst="rect">
+            <a:avLst/>
+          </a:prstGeom>
+          <a:noFill/>
+        </p:spPr>
+        <p:txBody>
+          <a:bodyPr wrap="square" rtlCol="0">
+            <a:spAutoFit/>
+          </a:bodyPr>
+          <a:lstStyle/>
+          <a:p>
+            <a:pPr algn="ctr"/>
+            <a:r>
+              <a:rPr lang="nb-NO" sz="3200" dirty="0">
+                <a:solidFill>
+                  <a:prstClr val="white"/>
+                </a:solidFill>
+                <a:latin typeface="Calibri" panose="020F0502020204030204"/>
+              </a:rPr>
+              <a:t>Utvikle</a:t>
+            </a:r>
+          </a:p>
+        </p:txBody>
+      </p:sp>
+      <p:sp>
+        <p:nvSpPr>
+          <p:cNvPr id="97" name="TekstSylinder 96">
+            <a:extLst>
+              <a:ext uri="{FF2B5EF4-FFF2-40B4-BE49-F238E27FC236}">
+                <a16:creationId xmlns:a16="http://schemas.microsoft.com/office/drawing/2014/main" id="{112FA768-9B09-43EA-B258-BF0707735B8A}"/>
+              </a:ext>
+            </a:extLst>
+          </p:cNvPr>
+          <p:cNvSpPr txBox="1"/>
+          <p:nvPr/>
+        </p:nvSpPr>
+        <p:spPr>
+          <a:xfrm>
+            <a:off x="2663779" y="2958941"/>
+            <a:ext cx="1957871" cy="584775"/>
+          </a:xfrm>
+          <a:prstGeom prst="rect">
+            <a:avLst/>
+          </a:prstGeom>
+          <a:noFill/>
+        </p:spPr>
+        <p:txBody>
+          <a:bodyPr wrap="square" rtlCol="0">
+            <a:spAutoFit/>
+          </a:bodyPr>
+          <a:lstStyle/>
+          <a:p>
+            <a:pPr algn="ctr"/>
+            <a:r>
+              <a:rPr lang="nb-NO" sz="3200" dirty="0">
+                <a:solidFill>
+                  <a:prstClr val="white"/>
+                </a:solidFill>
+                <a:latin typeface="Calibri" panose="020F0502020204030204"/>
+              </a:rPr>
+              <a:t>Realisere</a:t>
+            </a:r>
+          </a:p>
+        </p:txBody>
+      </p:sp>
+      <p:sp>
+        <p:nvSpPr>
+          <p:cNvPr id="98" name="TekstSylinder 97">
+            <a:extLst>
+              <a:ext uri="{FF2B5EF4-FFF2-40B4-BE49-F238E27FC236}">
+                <a16:creationId xmlns:a16="http://schemas.microsoft.com/office/drawing/2014/main" id="{F8CA7A5C-7524-4C20-932E-C47D9AEAF466}"/>
+              </a:ext>
+            </a:extLst>
+          </p:cNvPr>
+          <p:cNvSpPr txBox="1"/>
+          <p:nvPr/>
+        </p:nvSpPr>
+        <p:spPr>
+          <a:xfrm>
+            <a:off x="3621172" y="939279"/>
+            <a:ext cx="2259486" cy="584775"/>
+          </a:xfrm>
+          <a:prstGeom prst="rect">
+            <a:avLst/>
+          </a:prstGeom>
+          <a:noFill/>
+        </p:spPr>
+        <p:txBody>
+          <a:bodyPr wrap="square" rtlCol="0">
+            <a:spAutoFit/>
+          </a:bodyPr>
+          <a:lstStyle/>
+          <a:p>
+            <a:pPr algn="ctr"/>
+            <a:r>
+              <a:rPr lang="nb-NO" sz="3200" dirty="0">
+                <a:solidFill>
+                  <a:prstClr val="white"/>
+                </a:solidFill>
+                <a:latin typeface="Calibri" panose="020F0502020204030204"/>
+              </a:rPr>
+              <a:t>Utprøve</a:t>
+            </a:r>
+          </a:p>
+        </p:txBody>
+      </p:sp>
+      <p:sp>
+        <p:nvSpPr>
+          <p:cNvPr id="99" name="TekstSylinder 98">
+            <a:extLst>
+              <a:ext uri="{FF2B5EF4-FFF2-40B4-BE49-F238E27FC236}">
+                <a16:creationId xmlns:a16="http://schemas.microsoft.com/office/drawing/2014/main" id="{0B2EA7A5-8B8E-4F05-8D5F-2233297ED3C2}"/>
+              </a:ext>
+            </a:extLst>
+          </p:cNvPr>
+          <p:cNvSpPr txBox="1"/>
+          <p:nvPr/>
+        </p:nvSpPr>
+        <p:spPr>
+          <a:xfrm>
+            <a:off x="8356403" y="5504256"/>
+            <a:ext cx="2259486" cy="584775"/>
+          </a:xfrm>
+          <a:prstGeom prst="rect">
+            <a:avLst/>
+          </a:prstGeom>
+          <a:noFill/>
+        </p:spPr>
+        <p:txBody>
+          <a:bodyPr wrap="square" rtlCol="0">
+            <a:spAutoFit/>
+          </a:bodyPr>
+          <a:lstStyle/>
+          <a:p>
+            <a:pPr algn="ctr"/>
+            <a:r>
+              <a:rPr lang="nb-NO" sz="3200" dirty="0">
+                <a:solidFill>
+                  <a:prstClr val="white"/>
+                </a:solidFill>
+                <a:latin typeface="Calibri" panose="020F0502020204030204"/>
+              </a:rPr>
+              <a:t>Evaluere</a:t>
+            </a:r>
+          </a:p>
+        </p:txBody>
+      </p:sp>
+      <p:sp>
+        <p:nvSpPr>
+          <p:cNvPr id="100" name="Ellipse 99">
+            <a:extLst>
+              <a:ext uri="{FF2B5EF4-FFF2-40B4-BE49-F238E27FC236}">
+                <a16:creationId xmlns:a16="http://schemas.microsoft.com/office/drawing/2014/main" id="{63210F0C-AFAF-4FFE-9000-21FA96310608}"/>
+              </a:ext>
+            </a:extLst>
+          </p:cNvPr>
+          <p:cNvSpPr/>
+          <p:nvPr/>
+        </p:nvSpPr>
+        <p:spPr>
+          <a:xfrm>
+            <a:off x="4800063" y="2115141"/>
+            <a:ext cx="2502224" cy="2501837"/>
+          </a:xfrm>
+          <a:prstGeom prst="ellipse">
+            <a:avLst/>
+          </a:prstGeom>
+          <a:solidFill>
+            <a:srgbClr val="203864"/>
+          </a:solidFill>
+          <a:ln>
+            <a:solidFill>
+              <a:srgbClr val="203864"/>
+            </a:solidFill>
+          </a:ln>
+        </p:spPr>
+        <p:style>
+          <a:lnRef idx="2">
+            <a:schemeClr val="accent1">
+              <a:shade val="50000"/>
+            </a:schemeClr>
+          </a:lnRef>
+          <a:fillRef idx="1">
+            <a:schemeClr val="accent1"/>
+          </a:fillRef>
+          <a:effectRef idx="0">
+            <a:schemeClr val="accent1"/>
+          </a:effectRef>
+          <a:fontRef idx="minor">
+            <a:schemeClr val="lt1"/>
+          </a:fontRef>
+        </p:style>
+        <p:txBody>
+          <a:bodyPr lIns="0" rIns="0" rtlCol="0" anchor="ctr"/>
+          <a:lstStyle/>
+          <a:p>
+            <a:pPr algn="ctr"/>
+            <a:endParaRPr lang="nb-NO" sz="2600" dirty="0">
+              <a:solidFill>
+                <a:prstClr val="white"/>
+              </a:solidFill>
+              <a:latin typeface="Calibri" panose="020F0502020204030204"/>
+            </a:endParaRPr>
+          </a:p>
+        </p:txBody>
+      </p:sp>
+      <p:sp>
+        <p:nvSpPr>
+          <p:cNvPr id="2" name="TekstSylinder 1">
+            <a:extLst>
+              <a:ext uri="{FF2B5EF4-FFF2-40B4-BE49-F238E27FC236}">
+                <a16:creationId xmlns:a16="http://schemas.microsoft.com/office/drawing/2014/main" id="{64FEFE5F-3648-B05C-5026-000E43335B1C}"/>
+              </a:ext>
+            </a:extLst>
+          </p:cNvPr>
+          <p:cNvSpPr txBox="1"/>
+          <p:nvPr/>
+        </p:nvSpPr>
+        <p:spPr>
+          <a:xfrm>
+            <a:off x="4926964" y="3062587"/>
+            <a:ext cx="2196545" cy="584775"/>
+          </a:xfrm>
+          <a:prstGeom prst="rect">
+            <a:avLst/>
+          </a:prstGeom>
+          <a:noFill/>
+        </p:spPr>
+        <p:txBody>
+          <a:bodyPr wrap="square" rtlCol="0">
+            <a:spAutoFit/>
+          </a:bodyPr>
+          <a:lstStyle/>
+          <a:p>
+            <a:pPr algn="ctr"/>
+            <a:r>
+              <a:rPr lang="nb-NO" sz="3200" dirty="0">
+                <a:solidFill>
+                  <a:prstClr val="white"/>
+                </a:solidFill>
+                <a:latin typeface="Calibri" panose="020F0502020204030204"/>
+              </a:rPr>
+              <a:t>Normere</a:t>
+            </a:r>
+          </a:p>
+        </p:txBody>
+      </p:sp>
+    </p:spTree>
+    <p:extLst>
+      <p:ext uri="{BB962C8B-B14F-4D97-AF65-F5344CB8AC3E}">
+        <p14:creationId xmlns:p14="http://schemas.microsoft.com/office/powerpoint/2010/main" val="2248329903"/>
+      </p:ext>
+    </p:extLst>
+  </p:cSld>
+  <p:clrMapOvr>
+    <a:masterClrMapping/>
+  </p:clrMapOvr>
+</p:sld>
+</file>
+
+<file path=ppt/slides/slide8.xml><?xml version="1.0" encoding="utf-8"?>
 <p:sld xmlns:a="http://schemas.openxmlformats.org/drawingml/2006/main" xmlns:r="http://schemas.openxmlformats.org/officeDocument/2006/relationships" xmlns:p="http://schemas.openxmlformats.org/presentationml/2006/main">
   <p:cSld>
     <p:spTree>
@@ -5620,7 +9648,7 @@
 </p:sld>
 </file>
 
-<file path=ppt/slides/slide5.xml><?xml version="1.0" encoding="utf-8"?>
+<file path=ppt/slides/slide9.xml><?xml version="1.0" encoding="utf-8"?>
 <p:sld xmlns:a="http://schemas.openxmlformats.org/drawingml/2006/main" xmlns:r="http://schemas.openxmlformats.org/officeDocument/2006/relationships" xmlns:p="http://schemas.openxmlformats.org/presentationml/2006/main">
   <p:cSld>
     <p:spTree>
@@ -5712,244 +9740,6 @@
       <p:transition/>
     </mc:Fallback>
   </mc:AlternateContent>
-</p:sld>
-</file>
-
-<file path=ppt/slides/slide6.xml><?xml version="1.0" encoding="utf-8"?>
-<p:sld xmlns:a="http://schemas.openxmlformats.org/drawingml/2006/main" xmlns:r="http://schemas.openxmlformats.org/officeDocument/2006/relationships" xmlns:p="http://schemas.openxmlformats.org/presentationml/2006/main">
-  <p:cSld>
-    <p:spTree>
-      <p:nvGrpSpPr>
-        <p:cNvPr id="1" name=""/>
-        <p:cNvGrpSpPr/>
-        <p:nvPr/>
-      </p:nvGrpSpPr>
-      <p:grpSpPr>
-        <a:xfrm>
-          <a:off x="0" y="0"/>
-          <a:ext cx="0" cy="0"/>
-          <a:chOff x="0" y="0"/>
-          <a:chExt cx="0" cy="0"/>
-        </a:xfrm>
-      </p:grpSpPr>
-      <p:sp>
-        <p:nvSpPr>
-          <p:cNvPr id="4" name="Title 3">
-            <a:extLst>
-              <a:ext uri="{FF2B5EF4-FFF2-40B4-BE49-F238E27FC236}">
-                <a16:creationId xmlns:a16="http://schemas.microsoft.com/office/drawing/2014/main" id="{AAE5B366-C483-AC40-9C83-C256E4453750}"/>
-              </a:ext>
-            </a:extLst>
-          </p:cNvPr>
-          <p:cNvSpPr>
-            <a:spLocks noGrp="1"/>
-          </p:cNvSpPr>
-          <p:nvPr>
-            <p:ph type="title"/>
-          </p:nvPr>
-        </p:nvSpPr>
-        <p:spPr>
-          <a:xfrm>
-            <a:off x="838200" y="1043753"/>
-            <a:ext cx="10515600" cy="886732"/>
-          </a:xfrm>
-          <a:prstGeom prst="rect">
-            <a:avLst/>
-          </a:prstGeom>
-        </p:spPr>
-        <p:txBody>
-          <a:bodyPr/>
-          <a:lstStyle/>
-          <a:p>
-            <a:r>
-              <a:rPr lang="en-US" dirty="0"/>
-              <a:t>Title for slide</a:t>
-            </a:r>
-            <a:endParaRPr lang="en-NL" dirty="0"/>
-          </a:p>
-        </p:txBody>
-      </p:sp>
-      <p:sp>
-        <p:nvSpPr>
-          <p:cNvPr id="6" name="Text Placeholder 5">
-            <a:extLst>
-              <a:ext uri="{FF2B5EF4-FFF2-40B4-BE49-F238E27FC236}">
-                <a16:creationId xmlns:a16="http://schemas.microsoft.com/office/drawing/2014/main" id="{26D08BE9-171B-AA4B-9FA8-85C994D1CD80}"/>
-              </a:ext>
-            </a:extLst>
-          </p:cNvPr>
-          <p:cNvSpPr>
-            <a:spLocks noGrp="1"/>
-          </p:cNvSpPr>
-          <p:nvPr>
-            <p:ph type="body" sz="quarter" idx="4294967295"/>
-          </p:nvPr>
-        </p:nvSpPr>
-        <p:spPr>
-          <a:xfrm>
-            <a:off x="838199" y="1997236"/>
-            <a:ext cx="5257801" cy="4225143"/>
-          </a:xfrm>
-          <a:prstGeom prst="rect">
-            <a:avLst/>
-          </a:prstGeom>
-        </p:spPr>
-        <p:txBody>
-          <a:bodyPr/>
-          <a:lstStyle/>
-          <a:p>
-            <a:r>
-              <a:rPr lang="en-US" dirty="0"/>
-              <a:t>Text to add to slide</a:t>
-            </a:r>
-          </a:p>
-          <a:p>
-            <a:pPr lvl="1"/>
-            <a:r>
-              <a:rPr lang="en-US" dirty="0"/>
-              <a:t>Indent item</a:t>
-            </a:r>
-          </a:p>
-          <a:p>
-            <a:r>
-              <a:rPr lang="en-US" dirty="0"/>
-              <a:t>Another item</a:t>
-            </a:r>
-          </a:p>
-          <a:p>
-            <a:endParaRPr lang="en-NL" dirty="0"/>
-          </a:p>
-        </p:txBody>
-      </p:sp>
-      <p:sp>
-        <p:nvSpPr>
-          <p:cNvPr id="5" name="Picture Placeholder 4">
-            <a:extLst>
-              <a:ext uri="{FF2B5EF4-FFF2-40B4-BE49-F238E27FC236}">
-                <a16:creationId xmlns:a16="http://schemas.microsoft.com/office/drawing/2014/main" id="{E7CD5E20-55E4-7948-B3CB-B3DA3DE8CFA7}"/>
-              </a:ext>
-            </a:extLst>
-          </p:cNvPr>
-          <p:cNvSpPr>
-            <a:spLocks noGrp="1"/>
-          </p:cNvSpPr>
-          <p:nvPr>
-            <p:ph type="pic" idx="4294967295"/>
-          </p:nvPr>
-        </p:nvSpPr>
-        <p:spPr>
-          <a:xfrm>
-            <a:off x="6177280" y="1997236"/>
-            <a:ext cx="5178108" cy="4239734"/>
-          </a:xfrm>
-          <a:prstGeom prst="rect">
-            <a:avLst/>
-          </a:prstGeom>
-        </p:spPr>
-      </p:sp>
-    </p:spTree>
-    <p:extLst>
-      <p:ext uri="{BB962C8B-B14F-4D97-AF65-F5344CB8AC3E}">
-        <p14:creationId xmlns:p14="http://schemas.microsoft.com/office/powerpoint/2010/main" val="1110545997"/>
-      </p:ext>
-    </p:extLst>
-  </p:cSld>
-  <p:clrMapOvr>
-    <a:masterClrMapping/>
-  </p:clrMapOvr>
-  <mc:AlternateContent xmlns:mc="http://schemas.openxmlformats.org/markup-compatibility/2006" xmlns:p14="http://schemas.microsoft.com/office/powerpoint/2010/main">
-    <mc:Choice Requires="p14">
-      <p:transition p14:dur="0"/>
-    </mc:Choice>
-    <mc:Fallback xmlns="">
-      <p:transition/>
-    </mc:Fallback>
-  </mc:AlternateContent>
-</p:sld>
-</file>
-
-<file path=ppt/slides/slide7.xml><?xml version="1.0" encoding="utf-8"?>
-<p:sld xmlns:a="http://schemas.openxmlformats.org/drawingml/2006/main" xmlns:r="http://schemas.openxmlformats.org/officeDocument/2006/relationships" xmlns:p="http://schemas.openxmlformats.org/presentationml/2006/main">
-  <p:cSld>
-    <p:spTree>
-      <p:nvGrpSpPr>
-        <p:cNvPr id="1" name=""/>
-        <p:cNvGrpSpPr/>
-        <p:nvPr/>
-      </p:nvGrpSpPr>
-      <p:grpSpPr>
-        <a:xfrm>
-          <a:off x="0" y="0"/>
-          <a:ext cx="0" cy="0"/>
-          <a:chOff x="0" y="0"/>
-          <a:chExt cx="0" cy="0"/>
-        </a:xfrm>
-      </p:grpSpPr>
-      <p:sp>
-        <p:nvSpPr>
-          <p:cNvPr id="3" name="Rectangle 2">
-            <a:extLst>
-              <a:ext uri="{FF2B5EF4-FFF2-40B4-BE49-F238E27FC236}">
-                <a16:creationId xmlns:a16="http://schemas.microsoft.com/office/drawing/2014/main" id="{FC4CC818-BC74-B84F-A2E4-6C01F1EA2198}"/>
-              </a:ext>
-            </a:extLst>
-          </p:cNvPr>
-          <p:cNvSpPr/>
-          <p:nvPr/>
-        </p:nvSpPr>
-        <p:spPr>
-          <a:xfrm>
-            <a:off x="0" y="714554"/>
-            <a:ext cx="12192000" cy="260618"/>
-          </a:xfrm>
-          <a:prstGeom prst="rect">
-            <a:avLst/>
-          </a:prstGeom>
-          <a:solidFill>
-            <a:srgbClr val="F2F2F2"/>
-          </a:solidFill>
-          <a:ln>
-            <a:noFill/>
-          </a:ln>
-        </p:spPr>
-        <p:style>
-          <a:lnRef idx="2">
-            <a:schemeClr val="accent1">
-              <a:shade val="50000"/>
-            </a:schemeClr>
-          </a:lnRef>
-          <a:fillRef idx="1">
-            <a:schemeClr val="accent1"/>
-          </a:fillRef>
-          <a:effectRef idx="0">
-            <a:schemeClr val="accent1"/>
-          </a:effectRef>
-          <a:fontRef idx="minor">
-            <a:schemeClr val="lt1"/>
-          </a:fontRef>
-        </p:style>
-        <p:txBody>
-          <a:bodyPr rtlCol="0" anchor="b"/>
-          <a:lstStyle/>
-          <a:p>
-            <a:pPr algn="ctr"/>
-            <a:endParaRPr lang="en-US"/>
-          </a:p>
-        </p:txBody>
-      </p:sp>
-    </p:spTree>
-    <p:extLst>
-      <p:ext uri="{BB962C8B-B14F-4D97-AF65-F5344CB8AC3E}">
-        <p14:creationId xmlns:p14="http://schemas.microsoft.com/office/powerpoint/2010/main" val="11333335"/>
-      </p:ext>
-    </p:extLst>
-  </p:cSld>
-  <p:clrMapOvr>
-    <a:masterClrMapping/>
-  </p:clrMapOvr>
-  <p:transition spd="slow">
-    <p:push dir="u"/>
-  </p:transition>
 </p:sld>
 </file>
 

--- a/docs/presentasjoner/DD23_CT_230508_Thomas_Tveit_Rosenlund_FHIR-in-Norway.pptx
+++ b/docs/presentasjoner/DD23_CT_230508_Thomas_Tveit_Rosenlund_FHIR-in-Norway.pptx
@@ -5,23 +5,24 @@
     <p:sldMasterId id="2147483648" r:id="rId1"/>
   </p:sldMasterIdLst>
   <p:notesMasterIdLst>
-    <p:notesMasterId r:id="rId13"/>
+    <p:notesMasterId r:id="rId14"/>
   </p:notesMasterIdLst>
   <p:handoutMasterIdLst>
-    <p:handoutMasterId r:id="rId14"/>
+    <p:handoutMasterId r:id="rId15"/>
   </p:handoutMasterIdLst>
   <p:sldIdLst>
     <p:sldId id="267" r:id="rId2"/>
     <p:sldId id="259" r:id="rId3"/>
     <p:sldId id="2147197778" r:id="rId4"/>
     <p:sldId id="2147197779" r:id="rId5"/>
-    <p:sldId id="269" r:id="rId6"/>
-    <p:sldId id="2147197777" r:id="rId7"/>
-    <p:sldId id="2147197776" r:id="rId8"/>
-    <p:sldId id="271" r:id="rId9"/>
-    <p:sldId id="272" r:id="rId10"/>
-    <p:sldId id="263" r:id="rId11"/>
-    <p:sldId id="266" r:id="rId12"/>
+    <p:sldId id="2147197780" r:id="rId6"/>
+    <p:sldId id="269" r:id="rId7"/>
+    <p:sldId id="2147197777" r:id="rId8"/>
+    <p:sldId id="2147197776" r:id="rId9"/>
+    <p:sldId id="271" r:id="rId10"/>
+    <p:sldId id="272" r:id="rId11"/>
+    <p:sldId id="263" r:id="rId12"/>
+    <p:sldId id="266" r:id="rId13"/>
   </p:sldIdLst>
   <p:sldSz cx="12192000" cy="6858000"/>
   <p:notesSz cx="6858000" cy="9144000"/>
@@ -224,7 +225,7 @@
           <a:p>
             <a:fld id="{602FAFB1-094A-5D42-8886-B282110F4595}" type="datetimeFigureOut">
               <a:rPr lang="en-US" smtClean="0"/>
-              <a:t>5/30/2023</a:t>
+              <a:t>6/2/2023</a:t>
             </a:fld>
             <a:endParaRPr lang="en-US"/>
           </a:p>
@@ -389,7 +390,7 @@
           <a:p>
             <a:fld id="{E128261A-6A60-FE4F-8563-E0524938461B}" type="datetimeFigureOut">
               <a:rPr lang="en-US" smtClean="0"/>
-              <a:t>5/30/2023</a:t>
+              <a:t>6/2/2023</a:t>
             </a:fld>
             <a:endParaRPr lang="en-US"/>
           </a:p>
@@ -654,6 +655,114 @@
     </a:lvl9pPr>
   </p:notesStyle>
 </p:notesMaster>
+</file>
+
+<file path=ppt/notesSlides/notesSlide1.xml><?xml version="1.0" encoding="utf-8"?>
+<p:notes xmlns:a="http://schemas.openxmlformats.org/drawingml/2006/main" xmlns:r="http://schemas.openxmlformats.org/officeDocument/2006/relationships" xmlns:p="http://schemas.openxmlformats.org/presentationml/2006/main">
+  <p:cSld>
+    <p:spTree>
+      <p:nvGrpSpPr>
+        <p:cNvPr id="1" name=""/>
+        <p:cNvGrpSpPr/>
+        <p:nvPr/>
+      </p:nvGrpSpPr>
+      <p:grpSpPr>
+        <a:xfrm>
+          <a:off x="0" y="0"/>
+          <a:ext cx="0" cy="0"/>
+          <a:chOff x="0" y="0"/>
+          <a:chExt cx="0" cy="0"/>
+        </a:xfrm>
+      </p:grpSpPr>
+      <p:sp>
+        <p:nvSpPr>
+          <p:cNvPr id="2" name="Plassholder for lysbilde 1"/>
+          <p:cNvSpPr>
+            <a:spLocks noGrp="1" noRot="1" noChangeAspect="1"/>
+          </p:cNvSpPr>
+          <p:nvPr>
+            <p:ph type="sldImg"/>
+          </p:nvPr>
+        </p:nvSpPr>
+        <p:spPr/>
+      </p:sp>
+      <p:sp>
+        <p:nvSpPr>
+          <p:cNvPr id="3" name="Plassholder for notater 2"/>
+          <p:cNvSpPr>
+            <a:spLocks noGrp="1"/>
+          </p:cNvSpPr>
+          <p:nvPr>
+            <p:ph type="body" idx="1"/>
+          </p:nvPr>
+        </p:nvSpPr>
+        <p:spPr/>
+        <p:txBody>
+          <a:bodyPr/>
+          <a:lstStyle/>
+          <a:p>
+            <a:r>
+              <a:rPr lang="nb-NO" dirty="0"/>
+              <a:t>Top-</a:t>
+            </a:r>
+            <a:r>
+              <a:rPr lang="nb-NO" dirty="0" err="1"/>
+              <a:t>down</a:t>
+            </a:r>
+            <a:r>
+              <a:rPr lang="nb-NO" dirty="0"/>
+              <a:t> and </a:t>
+            </a:r>
+            <a:r>
+              <a:rPr lang="nb-NO" dirty="0" err="1"/>
+              <a:t>bottom</a:t>
+            </a:r>
+            <a:r>
+              <a:rPr lang="nb-NO" dirty="0"/>
+              <a:t>-up </a:t>
+            </a:r>
+            <a:r>
+              <a:rPr lang="nb-NO" dirty="0" err="1"/>
+              <a:t>approach</a:t>
+            </a:r>
+            <a:endParaRPr lang="nb-NO" dirty="0"/>
+          </a:p>
+        </p:txBody>
+      </p:sp>
+      <p:sp>
+        <p:nvSpPr>
+          <p:cNvPr id="4" name="Plassholder for lysbildenummer 3"/>
+          <p:cNvSpPr>
+            <a:spLocks noGrp="1"/>
+          </p:cNvSpPr>
+          <p:nvPr>
+            <p:ph type="sldNum" sz="quarter" idx="5"/>
+          </p:nvPr>
+        </p:nvSpPr>
+        <p:spPr/>
+        <p:txBody>
+          <a:bodyPr/>
+          <a:lstStyle/>
+          <a:p>
+            <a:fld id="{A69C946F-C9B2-9B49-8DCA-D38D97C43A2F}" type="slidenum">
+              <a:rPr lang="en-US" smtClean="0"/>
+              <a:t>3</a:t>
+            </a:fld>
+            <a:endParaRPr lang="en-US"/>
+          </a:p>
+        </p:txBody>
+      </p:sp>
+    </p:spTree>
+    <p:extLst>
+      <p:ext uri="{BB962C8B-B14F-4D97-AF65-F5344CB8AC3E}">
+        <p14:creationId xmlns:p14="http://schemas.microsoft.com/office/powerpoint/2010/main" val="1298404440"/>
+      </p:ext>
+    </p:extLst>
+  </p:cSld>
+  <p:clrMapOvr>
+    <a:masterClrMapping/>
+  </p:clrMapOvr>
+</p:notes>
 </file>
 
 <file path=ppt/slideLayouts/slideLayout1.xml><?xml version="1.0" encoding="utf-8"?>
@@ -5327,6 +5436,101 @@
       </p:grpSpPr>
       <p:sp>
         <p:nvSpPr>
+          <p:cNvPr id="2" name="Title 1"/>
+          <p:cNvSpPr>
+            <a:spLocks noGrp="1"/>
+          </p:cNvSpPr>
+          <p:nvPr>
+            <p:ph type="title"/>
+          </p:nvPr>
+        </p:nvSpPr>
+        <p:spPr>
+          <a:xfrm>
+            <a:off x="838200" y="1043753"/>
+            <a:ext cx="10515600" cy="886732"/>
+          </a:xfrm>
+          <a:prstGeom prst="rect">
+            <a:avLst/>
+          </a:prstGeom>
+        </p:spPr>
+        <p:txBody>
+          <a:bodyPr/>
+          <a:lstStyle/>
+          <a:p>
+            <a:r>
+              <a:rPr lang="en-US" dirty="0"/>
+              <a:t>Q&amp;A</a:t>
+            </a:r>
+          </a:p>
+        </p:txBody>
+      </p:sp>
+      <p:sp>
+        <p:nvSpPr>
+          <p:cNvPr id="3" name="Text Placeholder 2"/>
+          <p:cNvSpPr>
+            <a:spLocks noGrp="1"/>
+          </p:cNvSpPr>
+          <p:nvPr>
+            <p:ph type="body" sz="quarter" idx="4294967295"/>
+          </p:nvPr>
+        </p:nvSpPr>
+        <p:spPr>
+          <a:xfrm>
+            <a:off x="838199" y="1997236"/>
+            <a:ext cx="10515600" cy="4225143"/>
+          </a:xfrm>
+          <a:prstGeom prst="rect">
+            <a:avLst/>
+          </a:prstGeom>
+        </p:spPr>
+        <p:txBody>
+          <a:bodyPr/>
+          <a:lstStyle/>
+          <a:p>
+            <a:endParaRPr lang="en-US" dirty="0"/>
+          </a:p>
+        </p:txBody>
+      </p:sp>
+    </p:spTree>
+    <p:extLst>
+      <p:ext uri="{BB962C8B-B14F-4D97-AF65-F5344CB8AC3E}">
+        <p14:creationId xmlns:p14="http://schemas.microsoft.com/office/powerpoint/2010/main" val="1264902426"/>
+      </p:ext>
+    </p:extLst>
+  </p:cSld>
+  <p:clrMapOvr>
+    <a:masterClrMapping/>
+  </p:clrMapOvr>
+  <mc:AlternateContent xmlns:mc="http://schemas.openxmlformats.org/markup-compatibility/2006" xmlns:p14="http://schemas.microsoft.com/office/powerpoint/2010/main">
+    <mc:Choice Requires="p14">
+      <p:transition p14:dur="0"/>
+    </mc:Choice>
+    <mc:Fallback xmlns="">
+      <p:transition/>
+    </mc:Fallback>
+  </mc:AlternateContent>
+</p:sld>
+</file>
+
+<file path=ppt/slides/slide11.xml><?xml version="1.0" encoding="utf-8"?>
+<p:sld xmlns:a="http://schemas.openxmlformats.org/drawingml/2006/main" xmlns:r="http://schemas.openxmlformats.org/officeDocument/2006/relationships" xmlns:p="http://schemas.openxmlformats.org/presentationml/2006/main">
+  <p:cSld>
+    <p:spTree>
+      <p:nvGrpSpPr>
+        <p:cNvPr id="1" name=""/>
+        <p:cNvGrpSpPr/>
+        <p:nvPr/>
+      </p:nvGrpSpPr>
+      <p:grpSpPr>
+        <a:xfrm>
+          <a:off x="0" y="0"/>
+          <a:ext cx="0" cy="0"/>
+          <a:chOff x="0" y="0"/>
+          <a:chExt cx="0" cy="0"/>
+        </a:xfrm>
+      </p:grpSpPr>
+      <p:sp>
+        <p:nvSpPr>
           <p:cNvPr id="4" name="Title 3">
             <a:extLst>
               <a:ext uri="{FF2B5EF4-FFF2-40B4-BE49-F238E27FC236}">
@@ -5461,7 +5665,7 @@
 </p:sld>
 </file>
 
-<file path=ppt/slides/slide11.xml><?xml version="1.0" encoding="utf-8"?>
+<file path=ppt/slides/slide12.xml><?xml version="1.0" encoding="utf-8"?>
 <p:sld xmlns:a="http://schemas.openxmlformats.org/drawingml/2006/main" xmlns:r="http://schemas.openxmlformats.org/officeDocument/2006/relationships" xmlns:p="http://schemas.openxmlformats.org/presentationml/2006/main">
   <p:cSld>
     <p:spTree>
@@ -5762,13 +5966,44 @@
             <p:ph type="body" sz="quarter" idx="10"/>
           </p:nvPr>
         </p:nvSpPr>
-        <p:spPr/>
+        <p:spPr>
+          <a:xfrm>
+            <a:off x="838199" y="1997236"/>
+            <a:ext cx="6707294" cy="4225143"/>
+          </a:xfrm>
+        </p:spPr>
         <p:txBody>
           <a:bodyPr/>
           <a:lstStyle/>
           <a:p>
             <a:r>
               <a:rPr lang="nb-NO" dirty="0" err="1"/>
+              <a:t>Strategy</a:t>
+            </a:r>
+            <a:r>
+              <a:rPr lang="nb-NO" dirty="0"/>
+              <a:t> for FHIR profiling and </a:t>
+            </a:r>
+            <a:r>
+              <a:rPr lang="nb-NO" dirty="0" err="1"/>
+              <a:t>governance</a:t>
+            </a:r>
+            <a:endParaRPr lang="nb-NO" dirty="0"/>
+          </a:p>
+          <a:p>
+            <a:r>
+              <a:rPr lang="nb-NO" dirty="0"/>
+              <a:t>Method for </a:t>
+            </a:r>
+            <a:r>
+              <a:rPr lang="nb-NO" dirty="0" err="1"/>
+              <a:t>development</a:t>
+            </a:r>
+            <a:endParaRPr lang="nb-NO" dirty="0"/>
+          </a:p>
+          <a:p>
+            <a:r>
+              <a:rPr lang="nb-NO" dirty="0" err="1"/>
               <a:t>Guidance</a:t>
             </a:r>
             <a:r>
@@ -5795,44 +6030,30 @@
           <a:p>
             <a:r>
               <a:rPr lang="nb-NO" dirty="0" err="1"/>
-              <a:t>Strategy</a:t>
+              <a:t>Standardization</a:t>
+            </a:r>
+            <a:endParaRPr lang="nb-NO" dirty="0"/>
+          </a:p>
+          <a:p>
+            <a:r>
+              <a:rPr lang="nb-NO" dirty="0" err="1"/>
+              <a:t>Building</a:t>
             </a:r>
             <a:r>
               <a:rPr lang="nb-NO" dirty="0"/>
-              <a:t> for FHIR profiling and </a:t>
+              <a:t> </a:t>
             </a:r>
             <a:r>
               <a:rPr lang="nb-NO" dirty="0" err="1"/>
-              <a:t>governance</a:t>
-            </a:r>
-            <a:endParaRPr lang="nb-NO" dirty="0"/>
-          </a:p>
-          <a:p>
+              <a:t>the</a:t>
+            </a:r>
             <a:r>
               <a:rPr lang="nb-NO" dirty="0"/>
-              <a:t>Method for </a:t>
+              <a:t> FHIR </a:t>
             </a:r>
             <a:r>
               <a:rPr lang="nb-NO" dirty="0" err="1"/>
-              <a:t>development</a:t>
-            </a:r>
-            <a:endParaRPr lang="nb-NO" dirty="0"/>
-          </a:p>
-          <a:p>
-            <a:r>
-              <a:rPr lang="nb-NO" dirty="0" err="1"/>
-              <a:t>Standardization</a:t>
-            </a:r>
-            <a:endParaRPr lang="nb-NO" dirty="0"/>
-          </a:p>
-          <a:p>
-            <a:r>
-              <a:rPr lang="nb-NO" dirty="0"/>
-              <a:t>Cooperation and </a:t>
-            </a:r>
-            <a:r>
-              <a:rPr lang="nb-NO" dirty="0" err="1"/>
-              <a:t>sharing</a:t>
+              <a:t>community</a:t>
             </a:r>
             <a:endParaRPr lang="nb-NO" dirty="0"/>
           </a:p>
@@ -5848,6 +6069,186 @@
           </a:p>
         </p:txBody>
       </p:sp>
+      <p:pic>
+        <p:nvPicPr>
+          <p:cNvPr id="5" name="Grafikk 4" descr="Strategiplan med heldekkende fyll">
+            <a:extLst>
+              <a:ext uri="{FF2B5EF4-FFF2-40B4-BE49-F238E27FC236}">
+                <a16:creationId xmlns:a16="http://schemas.microsoft.com/office/drawing/2014/main" id="{61106311-6C41-9768-0AC5-E274B49CA9D2}"/>
+              </a:ext>
+            </a:extLst>
+          </p:cNvPr>
+          <p:cNvPicPr>
+            <a:picLocks noChangeAspect="1"/>
+          </p:cNvPicPr>
+          <p:nvPr/>
+        </p:nvPicPr>
+        <p:blipFill>
+          <a:blip r:embed="rId2">
+            <a:extLst>
+              <a:ext uri="{96DAC541-7B7A-43D3-8B79-37D633B846F1}">
+                <asvg:svgBlip xmlns:asvg="http://schemas.microsoft.com/office/drawing/2016/SVG/main" r:embed="rId3"/>
+              </a:ext>
+            </a:extLst>
+          </a:blip>
+          <a:stretch>
+            <a:fillRect/>
+          </a:stretch>
+        </p:blipFill>
+        <p:spPr>
+          <a:xfrm>
+            <a:off x="8321039" y="1997236"/>
+            <a:ext cx="914400" cy="914400"/>
+          </a:xfrm>
+          <a:prstGeom prst="rect">
+            <a:avLst/>
+          </a:prstGeom>
+        </p:spPr>
+      </p:pic>
+      <p:pic>
+        <p:nvPicPr>
+          <p:cNvPr id="7" name="Grafikk 6" descr="Sirkler med piler med heldekkende fyll">
+            <a:extLst>
+              <a:ext uri="{FF2B5EF4-FFF2-40B4-BE49-F238E27FC236}">
+                <a16:creationId xmlns:a16="http://schemas.microsoft.com/office/drawing/2014/main" id="{C6F5BE7C-2B33-9AF8-1819-10DA8F1FA9F0}"/>
+              </a:ext>
+            </a:extLst>
+          </p:cNvPr>
+          <p:cNvPicPr>
+            <a:picLocks noChangeAspect="1"/>
+          </p:cNvPicPr>
+          <p:nvPr/>
+        </p:nvPicPr>
+        <p:blipFill>
+          <a:blip r:embed="rId4">
+            <a:extLst>
+              <a:ext uri="{96DAC541-7B7A-43D3-8B79-37D633B846F1}">
+                <asvg:svgBlip xmlns:asvg="http://schemas.microsoft.com/office/drawing/2016/SVG/main" r:embed="rId5"/>
+              </a:ext>
+            </a:extLst>
+          </a:blip>
+          <a:stretch>
+            <a:fillRect/>
+          </a:stretch>
+        </p:blipFill>
+        <p:spPr>
+          <a:xfrm>
+            <a:off x="10237893" y="2057400"/>
+            <a:ext cx="914400" cy="914400"/>
+          </a:xfrm>
+          <a:prstGeom prst="rect">
+            <a:avLst/>
+          </a:prstGeom>
+        </p:spPr>
+      </p:pic>
+      <p:pic>
+        <p:nvPicPr>
+          <p:cNvPr id="9" name="Grafikk 8" descr="Kompass med heldekkende fyll">
+            <a:extLst>
+              <a:ext uri="{FF2B5EF4-FFF2-40B4-BE49-F238E27FC236}">
+                <a16:creationId xmlns:a16="http://schemas.microsoft.com/office/drawing/2014/main" id="{EA79DD89-56A7-77D5-5EAD-B10C31AFC8F5}"/>
+              </a:ext>
+            </a:extLst>
+          </p:cNvPr>
+          <p:cNvPicPr>
+            <a:picLocks noChangeAspect="1"/>
+          </p:cNvPicPr>
+          <p:nvPr/>
+        </p:nvPicPr>
+        <p:blipFill>
+          <a:blip r:embed="rId6">
+            <a:extLst>
+              <a:ext uri="{96DAC541-7B7A-43D3-8B79-37D633B846F1}">
+                <asvg:svgBlip xmlns:asvg="http://schemas.microsoft.com/office/drawing/2016/SVG/main" r:embed="rId7"/>
+              </a:ext>
+            </a:extLst>
+          </a:blip>
+          <a:stretch>
+            <a:fillRect/>
+          </a:stretch>
+        </p:blipFill>
+        <p:spPr>
+          <a:xfrm>
+            <a:off x="8315960" y="3276600"/>
+            <a:ext cx="914400" cy="914400"/>
+          </a:xfrm>
+          <a:prstGeom prst="rect">
+            <a:avLst/>
+          </a:prstGeom>
+        </p:spPr>
+      </p:pic>
+      <p:pic>
+        <p:nvPicPr>
+          <p:cNvPr id="11" name="Grafikk 10" descr="Klubbe med heldekkende fyll">
+            <a:extLst>
+              <a:ext uri="{FF2B5EF4-FFF2-40B4-BE49-F238E27FC236}">
+                <a16:creationId xmlns:a16="http://schemas.microsoft.com/office/drawing/2014/main" id="{C34A9135-F8B3-8ECD-B252-AA72A06D37A3}"/>
+              </a:ext>
+            </a:extLst>
+          </p:cNvPr>
+          <p:cNvPicPr>
+            <a:picLocks noChangeAspect="1"/>
+          </p:cNvPicPr>
+          <p:nvPr/>
+        </p:nvPicPr>
+        <p:blipFill>
+          <a:blip r:embed="rId8">
+            <a:extLst>
+              <a:ext uri="{96DAC541-7B7A-43D3-8B79-37D633B846F1}">
+                <asvg:svgBlip xmlns:asvg="http://schemas.microsoft.com/office/drawing/2016/SVG/main" r:embed="rId9"/>
+              </a:ext>
+            </a:extLst>
+          </a:blip>
+          <a:stretch>
+            <a:fillRect/>
+          </a:stretch>
+        </p:blipFill>
+        <p:spPr>
+          <a:xfrm>
+            <a:off x="10000827" y="3276600"/>
+            <a:ext cx="914400" cy="914400"/>
+          </a:xfrm>
+          <a:prstGeom prst="rect">
+            <a:avLst/>
+          </a:prstGeom>
+        </p:spPr>
+      </p:pic>
+      <p:pic>
+        <p:nvPicPr>
+          <p:cNvPr id="13" name="Grafikk 12" descr="Gruppe idédugnad med heldekkende fyll">
+            <a:extLst>
+              <a:ext uri="{FF2B5EF4-FFF2-40B4-BE49-F238E27FC236}">
+                <a16:creationId xmlns:a16="http://schemas.microsoft.com/office/drawing/2014/main" id="{0042736D-9B56-5C02-20B2-A89241BA4AA5}"/>
+              </a:ext>
+            </a:extLst>
+          </p:cNvPr>
+          <p:cNvPicPr>
+            <a:picLocks noChangeAspect="1"/>
+          </p:cNvPicPr>
+          <p:nvPr/>
+        </p:nvPicPr>
+        <p:blipFill>
+          <a:blip r:embed="rId10">
+            <a:extLst>
+              <a:ext uri="{96DAC541-7B7A-43D3-8B79-37D633B846F1}">
+                <asvg:svgBlip xmlns:asvg="http://schemas.microsoft.com/office/drawing/2016/SVG/main" r:embed="rId11"/>
+              </a:ext>
+            </a:extLst>
+          </a:blip>
+          <a:stretch>
+            <a:fillRect/>
+          </a:stretch>
+        </p:blipFill>
+        <p:spPr>
+          <a:xfrm>
+            <a:off x="8321039" y="4555964"/>
+            <a:ext cx="914400" cy="914400"/>
+          </a:xfrm>
+          <a:prstGeom prst="rect">
+            <a:avLst/>
+          </a:prstGeom>
+        </p:spPr>
+      </p:pic>
     </p:spTree>
     <p:extLst>
       <p:ext uri="{BB962C8B-B14F-4D97-AF65-F5344CB8AC3E}">
@@ -6124,7 +6525,7 @@
               <a:t> by </a:t>
             </a:r>
             <a:r>
-              <a:rPr lang="nb-NO"/>
+              <a:rPr lang="nb-NO" dirty="0" err="1"/>
               <a:t>everyone</a:t>
             </a:r>
             <a:endParaRPr lang="nb-NO" dirty="0"/>
@@ -6146,7 +6547,7 @@
           <p:nvPr/>
         </p:nvPicPr>
         <p:blipFill>
-          <a:blip r:embed="rId2"/>
+          <a:blip r:embed="rId3"/>
           <a:stretch>
             <a:fillRect/>
           </a:stretch>
@@ -6196,6 +6597,312 @@
       </p:grpSpPr>
       <p:sp>
         <p:nvSpPr>
+          <p:cNvPr id="2" name="Tittel 1">
+            <a:extLst>
+              <a:ext uri="{FF2B5EF4-FFF2-40B4-BE49-F238E27FC236}">
+                <a16:creationId xmlns:a16="http://schemas.microsoft.com/office/drawing/2014/main" id="{D8915681-E2C1-A3F4-D8A6-E42E67C9F0AA}"/>
+              </a:ext>
+            </a:extLst>
+          </p:cNvPr>
+          <p:cNvSpPr>
+            <a:spLocks noGrp="1"/>
+          </p:cNvSpPr>
+          <p:nvPr>
+            <p:ph type="title"/>
+          </p:nvPr>
+        </p:nvSpPr>
+        <p:spPr/>
+        <p:txBody>
+          <a:bodyPr/>
+          <a:lstStyle/>
+          <a:p>
+            <a:r>
+              <a:rPr lang="nb-NO" dirty="0"/>
+              <a:t>Norwegian base </a:t>
+            </a:r>
+            <a:r>
+              <a:rPr lang="nb-NO" dirty="0" err="1"/>
+              <a:t>profiles</a:t>
+            </a:r>
+            <a:endParaRPr lang="nb-NO" dirty="0"/>
+          </a:p>
+        </p:txBody>
+      </p:sp>
+      <p:sp>
+        <p:nvSpPr>
+          <p:cNvPr id="3" name="Plassholder for tekst 2">
+            <a:extLst>
+              <a:ext uri="{FF2B5EF4-FFF2-40B4-BE49-F238E27FC236}">
+                <a16:creationId xmlns:a16="http://schemas.microsoft.com/office/drawing/2014/main" id="{8AA1DDD9-D564-F2BF-A026-191172D7276A}"/>
+              </a:ext>
+            </a:extLst>
+          </p:cNvPr>
+          <p:cNvSpPr>
+            <a:spLocks noGrp="1"/>
+          </p:cNvSpPr>
+          <p:nvPr>
+            <p:ph type="body" sz="quarter" idx="10"/>
+          </p:nvPr>
+        </p:nvSpPr>
+        <p:spPr/>
+        <p:txBody>
+          <a:bodyPr/>
+          <a:lstStyle/>
+          <a:p>
+            <a:r>
+              <a:rPr lang="nb-NO" dirty="0"/>
+              <a:t>Suggestive not </a:t>
+            </a:r>
+            <a:r>
+              <a:rPr lang="nb-NO" dirty="0" err="1"/>
+              <a:t>implementation</a:t>
+            </a:r>
+            <a:r>
+              <a:rPr lang="nb-NO" dirty="0"/>
+              <a:t> </a:t>
+            </a:r>
+            <a:r>
+              <a:rPr lang="nb-NO" dirty="0" err="1"/>
+              <a:t>rules</a:t>
+            </a:r>
+            <a:endParaRPr lang="nb-NO" dirty="0"/>
+          </a:p>
+          <a:p>
+            <a:r>
+              <a:rPr lang="nb-NO" dirty="0"/>
+              <a:t>Best </a:t>
+            </a:r>
+            <a:r>
+              <a:rPr lang="nb-NO" dirty="0" err="1"/>
+              <a:t>practice</a:t>
+            </a:r>
+            <a:r>
+              <a:rPr lang="nb-NO" dirty="0"/>
+              <a:t> for </a:t>
+            </a:r>
+            <a:r>
+              <a:rPr lang="nb-NO" dirty="0" err="1"/>
+              <a:t>how</a:t>
+            </a:r>
+            <a:r>
+              <a:rPr lang="nb-NO" dirty="0"/>
+              <a:t> to </a:t>
+            </a:r>
+            <a:r>
+              <a:rPr lang="nb-NO" dirty="0" err="1"/>
+              <a:t>use</a:t>
+            </a:r>
+            <a:r>
+              <a:rPr lang="nb-NO" dirty="0"/>
+              <a:t> FHIR in Norway </a:t>
+            </a:r>
+            <a:r>
+              <a:rPr lang="nb-NO" dirty="0" err="1"/>
+              <a:t>integrated</a:t>
+            </a:r>
+            <a:r>
+              <a:rPr lang="nb-NO" dirty="0"/>
+              <a:t> in </a:t>
+            </a:r>
+            <a:r>
+              <a:rPr lang="nb-NO" dirty="0" err="1"/>
+              <a:t>the</a:t>
+            </a:r>
+            <a:r>
+              <a:rPr lang="nb-NO" dirty="0"/>
+              <a:t> base </a:t>
+            </a:r>
+            <a:r>
+              <a:rPr lang="nb-NO" dirty="0" err="1"/>
+              <a:t>profiles</a:t>
+            </a:r>
+            <a:endParaRPr lang="nb-NO" dirty="0"/>
+          </a:p>
+          <a:p>
+            <a:pPr lvl="1"/>
+            <a:r>
+              <a:rPr lang="nb-NO" dirty="0" err="1"/>
+              <a:t>Identification</a:t>
+            </a:r>
+            <a:r>
+              <a:rPr lang="nb-NO" dirty="0"/>
+              <a:t> for person/</a:t>
+            </a:r>
+            <a:r>
+              <a:rPr lang="nb-NO" dirty="0" err="1"/>
+              <a:t>patients</a:t>
+            </a:r>
+            <a:r>
+              <a:rPr lang="nb-NO" dirty="0"/>
+              <a:t> </a:t>
+            </a:r>
+            <a:r>
+              <a:rPr lang="nb-NO" dirty="0" err="1"/>
+              <a:t>with</a:t>
+            </a:r>
+            <a:r>
+              <a:rPr lang="nb-NO" dirty="0"/>
+              <a:t> Norwegian </a:t>
+            </a:r>
+            <a:r>
+              <a:rPr lang="nb-NO" dirty="0" err="1"/>
+              <a:t>specific</a:t>
+            </a:r>
+            <a:r>
+              <a:rPr lang="nb-NO" dirty="0"/>
+              <a:t> </a:t>
+            </a:r>
+            <a:r>
+              <a:rPr lang="nb-NO" dirty="0" err="1"/>
+              <a:t>identifiers</a:t>
+            </a:r>
+            <a:endParaRPr lang="nb-NO" dirty="0"/>
+          </a:p>
+          <a:p>
+            <a:pPr lvl="1"/>
+            <a:r>
+              <a:rPr lang="nb-NO" dirty="0" err="1"/>
+              <a:t>Coding</a:t>
+            </a:r>
+            <a:r>
+              <a:rPr lang="nb-NO" dirty="0"/>
+              <a:t> </a:t>
+            </a:r>
+            <a:r>
+              <a:rPr lang="nb-NO" dirty="0" err="1"/>
+              <a:t>of</a:t>
+            </a:r>
+            <a:r>
+              <a:rPr lang="nb-NO" dirty="0"/>
+              <a:t> </a:t>
+            </a:r>
+            <a:r>
+              <a:rPr lang="nb-NO" dirty="0" err="1"/>
+              <a:t>HealthcareProfessional</a:t>
+            </a:r>
+            <a:r>
+              <a:rPr lang="nb-NO" dirty="0"/>
+              <a:t> </a:t>
+            </a:r>
+            <a:r>
+              <a:rPr lang="nb-NO" dirty="0" err="1"/>
+              <a:t>qualification</a:t>
+            </a:r>
+            <a:r>
+              <a:rPr lang="nb-NO" dirty="0"/>
+              <a:t> and </a:t>
+            </a:r>
+            <a:r>
+              <a:rPr lang="nb-NO" dirty="0" err="1"/>
+              <a:t>role</a:t>
+            </a:r>
+            <a:endParaRPr lang="nb-NO" dirty="0"/>
+          </a:p>
+          <a:p>
+            <a:pPr lvl="1"/>
+            <a:r>
+              <a:rPr lang="nb-NO" dirty="0" err="1"/>
+              <a:t>Use</a:t>
+            </a:r>
+            <a:r>
+              <a:rPr lang="nb-NO" dirty="0"/>
+              <a:t> </a:t>
+            </a:r>
+            <a:r>
+              <a:rPr lang="nb-NO" dirty="0" err="1"/>
+              <a:t>of</a:t>
+            </a:r>
+            <a:r>
+              <a:rPr lang="nb-NO" dirty="0"/>
+              <a:t> </a:t>
+            </a:r>
+            <a:r>
+              <a:rPr lang="nb-NO" dirty="0" err="1"/>
+              <a:t>RelatedPerson</a:t>
+            </a:r>
+            <a:endParaRPr lang="nb-NO" dirty="0"/>
+          </a:p>
+          <a:p>
+            <a:pPr lvl="1"/>
+            <a:r>
+              <a:rPr lang="nb-NO" dirty="0" err="1"/>
+              <a:t>Identification</a:t>
+            </a:r>
+            <a:r>
+              <a:rPr lang="nb-NO" dirty="0"/>
+              <a:t> </a:t>
+            </a:r>
+            <a:r>
+              <a:rPr lang="nb-NO" dirty="0" err="1"/>
+              <a:t>of</a:t>
+            </a:r>
+            <a:r>
+              <a:rPr lang="nb-NO" dirty="0"/>
+              <a:t> Organizations </a:t>
+            </a:r>
+            <a:r>
+              <a:rPr lang="nb-NO" dirty="0" err="1"/>
+              <a:t>with</a:t>
+            </a:r>
+            <a:r>
+              <a:rPr lang="nb-NO" dirty="0"/>
+              <a:t> Norwegian </a:t>
+            </a:r>
+            <a:r>
+              <a:rPr lang="nb-NO" dirty="0" err="1"/>
+              <a:t>specific</a:t>
+            </a:r>
+            <a:r>
+              <a:rPr lang="nb-NO" dirty="0"/>
+              <a:t> </a:t>
+            </a:r>
+            <a:r>
+              <a:rPr lang="nb-NO" dirty="0" err="1"/>
+              <a:t>identifiers</a:t>
+            </a:r>
+            <a:endParaRPr lang="nb-NO" dirty="0"/>
+          </a:p>
+          <a:p>
+            <a:pPr lvl="1"/>
+            <a:endParaRPr lang="nb-NO" dirty="0"/>
+          </a:p>
+        </p:txBody>
+      </p:sp>
+    </p:spTree>
+    <p:extLst>
+      <p:ext uri="{BB962C8B-B14F-4D97-AF65-F5344CB8AC3E}">
+        <p14:creationId xmlns:p14="http://schemas.microsoft.com/office/powerpoint/2010/main" val="1121190279"/>
+      </p:ext>
+    </p:extLst>
+  </p:cSld>
+  <p:clrMapOvr>
+    <a:masterClrMapping/>
+  </p:clrMapOvr>
+  <p:transition spd="slow">
+    <p:push dir="u"/>
+  </p:transition>
+</p:sld>
+</file>
+
+<file path=ppt/slides/slide6.xml><?xml version="1.0" encoding="utf-8"?>
+<p:sld xmlns:a="http://schemas.openxmlformats.org/drawingml/2006/main" xmlns:r="http://schemas.openxmlformats.org/officeDocument/2006/relationships" xmlns:p="http://schemas.openxmlformats.org/presentationml/2006/main">
+  <p:cSld>
+    <p:spTree>
+      <p:nvGrpSpPr>
+        <p:cNvPr id="1" name=""/>
+        <p:cNvGrpSpPr/>
+        <p:nvPr/>
+      </p:nvGrpSpPr>
+      <p:grpSpPr>
+        <a:xfrm>
+          <a:off x="0" y="0"/>
+          <a:ext cx="0" cy="0"/>
+          <a:chOff x="0" y="0"/>
+          <a:chExt cx="0" cy="0"/>
+        </a:xfrm>
+      </p:grpSpPr>
+      <p:sp>
+        <p:nvSpPr>
           <p:cNvPr id="2" name="Title 1"/>
           <p:cNvSpPr>
             <a:spLocks noGrp="1"/>
@@ -6219,17 +6926,17 @@
           <a:p>
             <a:r>
               <a:rPr lang="en-US" dirty="0"/>
-              <a:t>Method</a:t>
+              <a:t>Method no-domain</a:t>
             </a:r>
           </a:p>
         </p:txBody>
       </p:sp>
       <p:pic>
         <p:nvPicPr>
-          <p:cNvPr id="5" name="Bilde 4">
-            <a:extLst>
-              <a:ext uri="{FF2B5EF4-FFF2-40B4-BE49-F238E27FC236}">
-                <a16:creationId xmlns:a16="http://schemas.microsoft.com/office/drawing/2014/main" id="{305E9DAE-6032-F1D0-8670-88B1ECA92B0E}"/>
+          <p:cNvPr id="4" name="Bilde 3">
+            <a:extLst>
+              <a:ext uri="{FF2B5EF4-FFF2-40B4-BE49-F238E27FC236}">
+                <a16:creationId xmlns:a16="http://schemas.microsoft.com/office/drawing/2014/main" id="{74B34CE1-59E1-1458-CC68-573926829468}"/>
               </a:ext>
             </a:extLst>
           </p:cNvPr>
@@ -6257,8 +6964,8 @@
         </p:blipFill>
         <p:spPr>
           <a:xfrm>
-            <a:off x="5584106" y="876118"/>
-            <a:ext cx="6544051" cy="5160157"/>
+            <a:off x="5575409" y="970927"/>
+            <a:ext cx="6616591" cy="5222903"/>
           </a:xfrm>
           <a:prstGeom prst="rect">
             <a:avLst/>
@@ -6286,7 +6993,7 @@
 </p:sld>
 </file>
 
-<file path=ppt/slides/slide6.xml><?xml version="1.0" encoding="utf-8"?>
+<file path=ppt/slides/slide7.xml><?xml version="1.0" encoding="utf-8"?>
 <p:sld xmlns:a="http://schemas.openxmlformats.org/drawingml/2006/main" xmlns:r="http://schemas.openxmlformats.org/officeDocument/2006/relationships" xmlns:p="http://schemas.openxmlformats.org/presentationml/2006/main" show="0">
   <p:cSld>
     <p:spTree>
@@ -7606,8 +8313,8 @@
         </p:nvSpPr>
         <p:spPr>
           <a:xfrm>
-            <a:off x="7377467" y="2844225"/>
-            <a:ext cx="2052631" cy="584775"/>
+            <a:off x="7342692" y="2628939"/>
+            <a:ext cx="2052631" cy="1077218"/>
           </a:xfrm>
           <a:prstGeom prst="rect">
             <a:avLst/>
@@ -7637,6 +8344,18 @@
               <a:latin typeface="Calibri" panose="020F0502020204030204"/>
             </a:endParaRPr>
           </a:p>
+          <a:p>
+            <a:pPr algn="ctr"/>
+            <a:r>
+              <a:rPr lang="nb-NO" sz="3200" dirty="0">
+                <a:solidFill>
+                  <a:prstClr val="white"/>
+                </a:solidFill>
+                <a:latin typeface="Calibri" panose="020F0502020204030204"/>
+              </a:rPr>
+              <a:t>&amp; design</a:t>
+            </a:r>
+          </a:p>
         </p:txBody>
       </p:sp>
       <p:sp>
@@ -7653,7 +8372,7 @@
         </p:nvSpPr>
         <p:spPr>
           <a:xfrm>
-            <a:off x="5739136" y="933140"/>
+            <a:off x="5769000" y="955587"/>
             <a:ext cx="2709018" cy="584775"/>
           </a:xfrm>
           <a:prstGeom prst="rect">
@@ -7747,7 +8466,7 @@
         </p:nvSpPr>
         <p:spPr>
           <a:xfrm>
-            <a:off x="3621172" y="939279"/>
+            <a:off x="3642714" y="988691"/>
             <a:ext cx="2259486" cy="584775"/>
           </a:xfrm>
           <a:prstGeom prst="rect">
@@ -7769,7 +8488,7 @@
                 </a:solidFill>
                 <a:latin typeface="Calibri" panose="020F0502020204030204"/>
               </a:rPr>
-              <a:t>Testing</a:t>
+              <a:t>Test</a:t>
             </a:r>
           </a:p>
         </p:txBody>
@@ -7940,7 +8659,7 @@
 </p:sld>
 </file>
 
-<file path=ppt/slides/slide7.xml><?xml version="1.0" encoding="utf-8"?>
+<file path=ppt/slides/slide8.xml><?xml version="1.0" encoding="utf-8"?>
 <p:sld xmlns:a="http://schemas.openxmlformats.org/drawingml/2006/main" xmlns:r="http://schemas.openxmlformats.org/officeDocument/2006/relationships" xmlns:p="http://schemas.openxmlformats.org/presentationml/2006/main" show="0">
   <p:cSld>
     <p:spTree>
@@ -9522,132 +10241,6 @@
 </p:sld>
 </file>
 
-<file path=ppt/slides/slide8.xml><?xml version="1.0" encoding="utf-8"?>
-<p:sld xmlns:a="http://schemas.openxmlformats.org/drawingml/2006/main" xmlns:r="http://schemas.openxmlformats.org/officeDocument/2006/relationships" xmlns:p="http://schemas.openxmlformats.org/presentationml/2006/main">
-  <p:cSld>
-    <p:spTree>
-      <p:nvGrpSpPr>
-        <p:cNvPr id="1" name=""/>
-        <p:cNvGrpSpPr/>
-        <p:nvPr/>
-      </p:nvGrpSpPr>
-      <p:grpSpPr>
-        <a:xfrm>
-          <a:off x="0" y="0"/>
-          <a:ext cx="0" cy="0"/>
-          <a:chOff x="0" y="0"/>
-          <a:chExt cx="0" cy="0"/>
-        </a:xfrm>
-      </p:grpSpPr>
-      <p:sp>
-        <p:nvSpPr>
-          <p:cNvPr id="2" name="Title 1"/>
-          <p:cNvSpPr>
-            <a:spLocks noGrp="1"/>
-          </p:cNvSpPr>
-          <p:nvPr>
-            <p:ph type="title"/>
-          </p:nvPr>
-        </p:nvSpPr>
-        <p:spPr>
-          <a:xfrm>
-            <a:off x="838200" y="1043753"/>
-            <a:ext cx="10515600" cy="886732"/>
-          </a:xfrm>
-          <a:prstGeom prst="rect">
-            <a:avLst/>
-          </a:prstGeom>
-        </p:spPr>
-        <p:txBody>
-          <a:bodyPr/>
-          <a:lstStyle/>
-          <a:p>
-            <a:r>
-              <a:rPr lang="en-US" dirty="0"/>
-              <a:t>Contact</a:t>
-            </a:r>
-          </a:p>
-        </p:txBody>
-      </p:sp>
-      <p:sp>
-        <p:nvSpPr>
-          <p:cNvPr id="3" name="Text Placeholder 2"/>
-          <p:cNvSpPr>
-            <a:spLocks noGrp="1"/>
-          </p:cNvSpPr>
-          <p:nvPr>
-            <p:ph type="body" sz="quarter" idx="4294967295"/>
-          </p:nvPr>
-        </p:nvSpPr>
-        <p:spPr>
-          <a:xfrm>
-            <a:off x="838199" y="1997236"/>
-            <a:ext cx="10515600" cy="4225143"/>
-          </a:xfrm>
-          <a:prstGeom prst="rect">
-            <a:avLst/>
-          </a:prstGeom>
-        </p:spPr>
-        <p:txBody>
-          <a:bodyPr/>
-          <a:lstStyle/>
-          <a:p>
-            <a:r>
-              <a:rPr lang="en-US" dirty="0"/>
-              <a:t>During DevDays, you can find / reach me here:</a:t>
-            </a:r>
-          </a:p>
-          <a:p>
-            <a:pPr lvl="1"/>
-            <a:r>
-              <a:rPr lang="en-US" dirty="0"/>
-              <a:t>Via Whova App – Speaker’s Gallery</a:t>
-            </a:r>
-          </a:p>
-          <a:p>
-            <a:pPr lvl="1"/>
-            <a:r>
-              <a:rPr lang="en-US" dirty="0"/>
-              <a:t>Email</a:t>
-            </a:r>
-          </a:p>
-          <a:p>
-            <a:pPr lvl="1"/>
-            <a:r>
-              <a:rPr lang="en-US" dirty="0"/>
-              <a:t>Twitter</a:t>
-            </a:r>
-          </a:p>
-          <a:p>
-            <a:pPr lvl="1"/>
-            <a:r>
-              <a:rPr lang="en-US" dirty="0"/>
-              <a:t>..</a:t>
-            </a:r>
-          </a:p>
-        </p:txBody>
-      </p:sp>
-    </p:spTree>
-    <p:extLst>
-      <p:ext uri="{BB962C8B-B14F-4D97-AF65-F5344CB8AC3E}">
-        <p14:creationId xmlns:p14="http://schemas.microsoft.com/office/powerpoint/2010/main" val="2594730718"/>
-      </p:ext>
-    </p:extLst>
-  </p:cSld>
-  <p:clrMapOvr>
-    <a:masterClrMapping/>
-  </p:clrMapOvr>
-  <mc:AlternateContent xmlns:mc="http://schemas.openxmlformats.org/markup-compatibility/2006" xmlns:p14="http://schemas.microsoft.com/office/powerpoint/2010/main">
-    <mc:Choice Requires="p14">
-      <p:transition p14:dur="0"/>
-    </mc:Choice>
-    <mc:Fallback xmlns="">
-      <p:transition/>
-    </mc:Fallback>
-  </mc:AlternateContent>
-</p:sld>
-</file>
-
 <file path=ppt/slides/slide9.xml><?xml version="1.0" encoding="utf-8"?>
 <p:sld xmlns:a="http://schemas.openxmlformats.org/drawingml/2006/main" xmlns:r="http://schemas.openxmlformats.org/officeDocument/2006/relationships" xmlns:p="http://schemas.openxmlformats.org/presentationml/2006/main">
   <p:cSld>
@@ -9690,7 +10283,7 @@
           <a:p>
             <a:r>
               <a:rPr lang="en-US" dirty="0"/>
-              <a:t>Q&amp;A</a:t>
+              <a:t>Contact</a:t>
             </a:r>
           </a:p>
         </p:txBody>
@@ -9718,14 +10311,45 @@
           <a:bodyPr/>
           <a:lstStyle/>
           <a:p>
-            <a:endParaRPr lang="en-US" dirty="0"/>
+            <a:r>
+              <a:rPr lang="en-US" dirty="0"/>
+              <a:t>During DevDays, you can find / reach me here:</a:t>
+            </a:r>
+          </a:p>
+          <a:p>
+            <a:pPr lvl="1"/>
+            <a:r>
+              <a:rPr lang="en-US" dirty="0"/>
+              <a:t>Via Whova App – Speaker’s Gallery</a:t>
+            </a:r>
+          </a:p>
+          <a:p>
+            <a:pPr lvl="1"/>
+            <a:r>
+              <a:rPr lang="en-US" dirty="0"/>
+              <a:t>Email</a:t>
+            </a:r>
+          </a:p>
+          <a:p>
+            <a:pPr lvl="1"/>
+            <a:r>
+              <a:rPr lang="en-US" dirty="0"/>
+              <a:t>Twitter</a:t>
+            </a:r>
+          </a:p>
+          <a:p>
+            <a:pPr lvl="1"/>
+            <a:r>
+              <a:rPr lang="en-US" dirty="0"/>
+              <a:t>..</a:t>
+            </a:r>
           </a:p>
         </p:txBody>
       </p:sp>
     </p:spTree>
     <p:extLst>
       <p:ext uri="{BB962C8B-B14F-4D97-AF65-F5344CB8AC3E}">
-        <p14:creationId xmlns:p14="http://schemas.microsoft.com/office/powerpoint/2010/main" val="1264902426"/>
+        <p14:creationId xmlns:p14="http://schemas.microsoft.com/office/powerpoint/2010/main" val="2594730718"/>
       </p:ext>
     </p:extLst>
   </p:cSld>

--- a/docs/presentasjoner/DD23_CT_230508_Thomas_Tveit_Rosenlund_FHIR-in-Norway.pptx
+++ b/docs/presentasjoner/DD23_CT_230508_Thomas_Tveit_Rosenlund_FHIR-in-Norway.pptx
@@ -5,24 +5,26 @@
     <p:sldMasterId id="2147483648" r:id="rId1"/>
   </p:sldMasterIdLst>
   <p:notesMasterIdLst>
-    <p:notesMasterId r:id="rId14"/>
+    <p:notesMasterId r:id="rId16"/>
   </p:notesMasterIdLst>
   <p:handoutMasterIdLst>
-    <p:handoutMasterId r:id="rId15"/>
+    <p:handoutMasterId r:id="rId17"/>
   </p:handoutMasterIdLst>
   <p:sldIdLst>
     <p:sldId id="267" r:id="rId2"/>
     <p:sldId id="259" r:id="rId3"/>
     <p:sldId id="2147197778" r:id="rId4"/>
     <p:sldId id="2147197779" r:id="rId5"/>
-    <p:sldId id="2147197780" r:id="rId6"/>
-    <p:sldId id="269" r:id="rId7"/>
-    <p:sldId id="2147197777" r:id="rId8"/>
-    <p:sldId id="2147197776" r:id="rId9"/>
-    <p:sldId id="271" r:id="rId10"/>
-    <p:sldId id="272" r:id="rId11"/>
-    <p:sldId id="263" r:id="rId12"/>
+    <p:sldId id="269" r:id="rId6"/>
+    <p:sldId id="2147197783" r:id="rId7"/>
+    <p:sldId id="2147197781" r:id="rId8"/>
+    <p:sldId id="2147197782" r:id="rId9"/>
+    <p:sldId id="2147197780" r:id="rId10"/>
+    <p:sldId id="2147197784" r:id="rId11"/>
+    <p:sldId id="272" r:id="rId12"/>
     <p:sldId id="266" r:id="rId13"/>
+    <p:sldId id="2147197777" r:id="rId14"/>
+    <p:sldId id="2147197776" r:id="rId15"/>
   </p:sldIdLst>
   <p:sldSz cx="12192000" cy="6858000"/>
   <p:notesSz cx="6858000" cy="9144000"/>
@@ -225,7 +227,7 @@
           <a:p>
             <a:fld id="{602FAFB1-094A-5D42-8886-B282110F4595}" type="datetimeFigureOut">
               <a:rPr lang="en-US" smtClean="0"/>
-              <a:t>6/2/2023</a:t>
+              <a:t>6/4/2023</a:t>
             </a:fld>
             <a:endParaRPr lang="en-US"/>
           </a:p>
@@ -390,7 +392,7 @@
           <a:p>
             <a:fld id="{E128261A-6A60-FE4F-8563-E0524938461B}" type="datetimeFigureOut">
               <a:rPr lang="en-US" smtClean="0"/>
-              <a:t>6/2/2023</a:t>
+              <a:t>6/4/2023</a:t>
             </a:fld>
             <a:endParaRPr lang="en-US"/>
           </a:p>
@@ -5436,7 +5438,13 @@
       </p:grpSpPr>
       <p:sp>
         <p:nvSpPr>
-          <p:cNvPr id="2" name="Title 1"/>
+          <p:cNvPr id="2" name="Tittel 1">
+            <a:extLst>
+              <a:ext uri="{FF2B5EF4-FFF2-40B4-BE49-F238E27FC236}">
+                <a16:creationId xmlns:a16="http://schemas.microsoft.com/office/drawing/2014/main" id="{EC9663BF-AA97-5FFC-A96A-263BA055C740}"/>
+              </a:ext>
+            </a:extLst>
+          </p:cNvPr>
           <p:cNvSpPr>
             <a:spLocks noGrp="1"/>
           </p:cNvSpPr>
@@ -5444,68 +5452,99 @@
             <p:ph type="title"/>
           </p:nvPr>
         </p:nvSpPr>
-        <p:spPr>
-          <a:xfrm>
-            <a:off x="838200" y="1043753"/>
-            <a:ext cx="10515600" cy="886732"/>
-          </a:xfrm>
-          <a:prstGeom prst="rect">
-            <a:avLst/>
-          </a:prstGeom>
-        </p:spPr>
+        <p:spPr/>
         <p:txBody>
           <a:bodyPr/>
           <a:lstStyle/>
           <a:p>
             <a:r>
-              <a:rPr lang="en-US" dirty="0"/>
-              <a:t>Q&amp;A</a:t>
-            </a:r>
+              <a:rPr lang="nb-NO" dirty="0"/>
+              <a:t>Using FHIR in </a:t>
+            </a:r>
+            <a:r>
+              <a:rPr lang="nb-NO" dirty="0" err="1"/>
+              <a:t>solutions</a:t>
+            </a:r>
+            <a:endParaRPr lang="nb-NO" dirty="0"/>
           </a:p>
         </p:txBody>
       </p:sp>
       <p:sp>
         <p:nvSpPr>
-          <p:cNvPr id="3" name="Text Placeholder 2"/>
+          <p:cNvPr id="3" name="Plassholder for tekst 2">
+            <a:extLst>
+              <a:ext uri="{FF2B5EF4-FFF2-40B4-BE49-F238E27FC236}">
+                <a16:creationId xmlns:a16="http://schemas.microsoft.com/office/drawing/2014/main" id="{B50AFD07-7A52-6B82-B179-F24B050F33E7}"/>
+              </a:ext>
+            </a:extLst>
+          </p:cNvPr>
           <p:cNvSpPr>
             <a:spLocks noGrp="1"/>
           </p:cNvSpPr>
           <p:nvPr>
-            <p:ph type="body" sz="quarter" idx="4294967295"/>
+            <p:ph type="body" sz="quarter" idx="10"/>
           </p:nvPr>
         </p:nvSpPr>
-        <p:spPr>
-          <a:xfrm>
-            <a:off x="838199" y="1997236"/>
-            <a:ext cx="10515600" cy="4225143"/>
-          </a:xfrm>
-          <a:prstGeom prst="rect">
-            <a:avLst/>
-          </a:prstGeom>
-        </p:spPr>
+        <p:spPr/>
         <p:txBody>
           <a:bodyPr/>
           <a:lstStyle/>
           <a:p>
-            <a:endParaRPr lang="en-US" dirty="0"/>
+            <a:endParaRPr lang="nb-NO"/>
           </a:p>
         </p:txBody>
       </p:sp>
+      <p:pic>
+        <p:nvPicPr>
+          <p:cNvPr id="4" name="Grafikk 3" descr="Puslespillbiter">
+            <a:extLst>
+              <a:ext uri="{FF2B5EF4-FFF2-40B4-BE49-F238E27FC236}">
+                <a16:creationId xmlns:a16="http://schemas.microsoft.com/office/drawing/2014/main" id="{C8BF5442-7682-3AD7-C6E3-A9996F4F51B8}"/>
+              </a:ext>
+            </a:extLst>
+          </p:cNvPr>
+          <p:cNvPicPr>
+            <a:picLocks noChangeAspect="1"/>
+          </p:cNvPicPr>
+          <p:nvPr/>
+        </p:nvPicPr>
+        <p:blipFill>
+          <a:blip r:embed="rId2">
+            <a:extLst>
+              <a:ext uri="{96DAC541-7B7A-43D3-8B79-37D633B846F1}">
+                <asvg:svgBlip xmlns:asvg="http://schemas.microsoft.com/office/drawing/2016/SVG/main" r:embed="rId3"/>
+              </a:ext>
+            </a:extLst>
+          </a:blip>
+          <a:stretch>
+            <a:fillRect/>
+          </a:stretch>
+        </p:blipFill>
+        <p:spPr>
+          <a:xfrm>
+            <a:off x="10344316" y="719585"/>
+            <a:ext cx="1149223" cy="1149223"/>
+          </a:xfrm>
+          <a:prstGeom prst="rect">
+            <a:avLst/>
+          </a:prstGeom>
+        </p:spPr>
+      </p:pic>
     </p:spTree>
     <p:extLst>
       <p:ext uri="{BB962C8B-B14F-4D97-AF65-F5344CB8AC3E}">
-        <p14:creationId xmlns:p14="http://schemas.microsoft.com/office/powerpoint/2010/main" val="1264902426"/>
+        <p14:creationId xmlns:p14="http://schemas.microsoft.com/office/powerpoint/2010/main" val="1359945359"/>
       </p:ext>
     </p:extLst>
   </p:cSld>
   <p:clrMapOvr>
     <a:masterClrMapping/>
   </p:clrMapOvr>
-  <mc:AlternateContent xmlns:mc="http://schemas.openxmlformats.org/markup-compatibility/2006" xmlns:p14="http://schemas.microsoft.com/office/powerpoint/2010/main">
-    <mc:Choice Requires="p14">
+  <mc:AlternateContent xmlns:mc="http://schemas.openxmlformats.org/markup-compatibility/2006">
+    <mc:Choice xmlns:p14="http://schemas.microsoft.com/office/powerpoint/2010/main" Requires="p14">
       <p:transition p14:dur="0"/>
     </mc:Choice>
-    <mc:Fallback xmlns="">
+    <mc:Fallback>
       <p:transition/>
     </mc:Fallback>
   </mc:AlternateContent>
@@ -5531,13 +5570,7 @@
       </p:grpSpPr>
       <p:sp>
         <p:nvSpPr>
-          <p:cNvPr id="4" name="Title 3">
-            <a:extLst>
-              <a:ext uri="{FF2B5EF4-FFF2-40B4-BE49-F238E27FC236}">
-                <a16:creationId xmlns:a16="http://schemas.microsoft.com/office/drawing/2014/main" id="{AAE5B366-C483-AC40-9C83-C256E4453750}"/>
-              </a:ext>
-            </a:extLst>
-          </p:cNvPr>
+          <p:cNvPr id="2" name="Title 1"/>
           <p:cNvSpPr>
             <a:spLocks noGrp="1"/>
           </p:cNvSpPr>
@@ -5560,21 +5593,14 @@
           <a:p>
             <a:r>
               <a:rPr lang="en-US" dirty="0"/>
-              <a:t>Title for slide</a:t>
-            </a:r>
-            <a:endParaRPr lang="en-NL" dirty="0"/>
+              <a:t>Q&amp;A</a:t>
+            </a:r>
           </a:p>
         </p:txBody>
       </p:sp>
       <p:sp>
         <p:nvSpPr>
-          <p:cNvPr id="6" name="Text Placeholder 5">
-            <a:extLst>
-              <a:ext uri="{FF2B5EF4-FFF2-40B4-BE49-F238E27FC236}">
-                <a16:creationId xmlns:a16="http://schemas.microsoft.com/office/drawing/2014/main" id="{26D08BE9-171B-AA4B-9FA8-85C994D1CD80}"/>
-              </a:ext>
-            </a:extLst>
-          </p:cNvPr>
+          <p:cNvPr id="3" name="Text Placeholder 2"/>
           <p:cNvSpPr>
             <a:spLocks noGrp="1"/>
           </p:cNvSpPr>
@@ -5585,7 +5611,7 @@
         <p:spPr>
           <a:xfrm>
             <a:off x="838199" y="1997236"/>
-            <a:ext cx="5257801" cy="4225143"/>
+            <a:ext cx="10515600" cy="4225143"/>
           </a:xfrm>
           <a:prstGeom prst="rect">
             <a:avLst/>
@@ -5595,70 +5621,25 @@
           <a:bodyPr/>
           <a:lstStyle/>
           <a:p>
-            <a:r>
-              <a:rPr lang="en-US" dirty="0"/>
-              <a:t>Text to add to slide</a:t>
-            </a:r>
-          </a:p>
-          <a:p>
-            <a:pPr lvl="1"/>
-            <a:r>
-              <a:rPr lang="en-US" dirty="0"/>
-              <a:t>Indent item</a:t>
-            </a:r>
-          </a:p>
-          <a:p>
-            <a:r>
-              <a:rPr lang="en-US" dirty="0"/>
-              <a:t>Another item</a:t>
-            </a:r>
-          </a:p>
-          <a:p>
-            <a:endParaRPr lang="en-NL" dirty="0"/>
+            <a:endParaRPr lang="en-US" dirty="0"/>
           </a:p>
         </p:txBody>
-      </p:sp>
-      <p:sp>
-        <p:nvSpPr>
-          <p:cNvPr id="5" name="Picture Placeholder 4">
-            <a:extLst>
-              <a:ext uri="{FF2B5EF4-FFF2-40B4-BE49-F238E27FC236}">
-                <a16:creationId xmlns:a16="http://schemas.microsoft.com/office/drawing/2014/main" id="{E7CD5E20-55E4-7948-B3CB-B3DA3DE8CFA7}"/>
-              </a:ext>
-            </a:extLst>
-          </p:cNvPr>
-          <p:cNvSpPr>
-            <a:spLocks noGrp="1"/>
-          </p:cNvSpPr>
-          <p:nvPr>
-            <p:ph type="pic" idx="4294967295"/>
-          </p:nvPr>
-        </p:nvSpPr>
-        <p:spPr>
-          <a:xfrm>
-            <a:off x="6177280" y="1997236"/>
-            <a:ext cx="5178108" cy="4239734"/>
-          </a:xfrm>
-          <a:prstGeom prst="rect">
-            <a:avLst/>
-          </a:prstGeom>
-        </p:spPr>
       </p:sp>
     </p:spTree>
     <p:extLst>
       <p:ext uri="{BB962C8B-B14F-4D97-AF65-F5344CB8AC3E}">
-        <p14:creationId xmlns:p14="http://schemas.microsoft.com/office/powerpoint/2010/main" val="1110545997"/>
+        <p14:creationId xmlns:p14="http://schemas.microsoft.com/office/powerpoint/2010/main" val="1264902426"/>
       </p:ext>
     </p:extLst>
   </p:cSld>
   <p:clrMapOvr>
     <a:masterClrMapping/>
   </p:clrMapOvr>
-  <mc:AlternateContent xmlns:mc="http://schemas.openxmlformats.org/markup-compatibility/2006" xmlns:p14="http://schemas.microsoft.com/office/powerpoint/2010/main">
-    <mc:Choice Requires="p14">
+  <mc:AlternateContent xmlns:mc="http://schemas.openxmlformats.org/markup-compatibility/2006">
+    <mc:Choice xmlns:p14="http://schemas.microsoft.com/office/powerpoint/2010/main" Requires="p14">
       <p:transition p14:dur="0"/>
     </mc:Choice>
-    <mc:Fallback xmlns="">
+    <mc:Fallback>
       <p:transition/>
     </mc:Fallback>
   </mc:AlternateContent>
@@ -5744,1256 +5725,18 @@
   <p:clrMapOvr>
     <a:masterClrMapping/>
   </p:clrMapOvr>
-  <p:transition spd="slow">
-    <p:push dir="u"/>
-  </p:transition>
-</p:sld>
-</file>
-
-<file path=ppt/slides/slide2.xml><?xml version="1.0" encoding="utf-8"?>
-<p:sld xmlns:a="http://schemas.openxmlformats.org/drawingml/2006/main" xmlns:r="http://schemas.openxmlformats.org/officeDocument/2006/relationships" xmlns:p="http://schemas.openxmlformats.org/presentationml/2006/main">
-  <p:cSld>
-    <p:spTree>
-      <p:nvGrpSpPr>
-        <p:cNvPr id="1" name=""/>
-        <p:cNvGrpSpPr/>
-        <p:nvPr/>
-      </p:nvGrpSpPr>
-      <p:grpSpPr>
-        <a:xfrm>
-          <a:off x="0" y="0"/>
-          <a:ext cx="0" cy="0"/>
-          <a:chOff x="0" y="0"/>
-          <a:chExt cx="0" cy="0"/>
-        </a:xfrm>
-      </p:grpSpPr>
-      <p:sp>
-        <p:nvSpPr>
-          <p:cNvPr id="2" name="Title 1"/>
-          <p:cNvSpPr>
-            <a:spLocks noGrp="1"/>
-          </p:cNvSpPr>
-          <p:nvPr>
-            <p:ph type="title"/>
-          </p:nvPr>
-        </p:nvSpPr>
-        <p:spPr>
-          <a:xfrm>
-            <a:off x="838200" y="1043753"/>
-            <a:ext cx="10515600" cy="886732"/>
-          </a:xfrm>
-          <a:prstGeom prst="rect">
-            <a:avLst/>
-          </a:prstGeom>
-        </p:spPr>
-        <p:txBody>
-          <a:bodyPr/>
-          <a:lstStyle/>
-          <a:p>
-            <a:r>
-              <a:rPr lang="en-US" dirty="0"/>
-              <a:t>Who am I?</a:t>
-            </a:r>
-          </a:p>
-        </p:txBody>
-      </p:sp>
-      <p:sp>
-        <p:nvSpPr>
-          <p:cNvPr id="3" name="Text Placeholder 2"/>
-          <p:cNvSpPr>
-            <a:spLocks noGrp="1"/>
-          </p:cNvSpPr>
-          <p:nvPr>
-            <p:ph type="body" sz="quarter" idx="4294967295"/>
-          </p:nvPr>
-        </p:nvSpPr>
-        <p:spPr>
-          <a:xfrm>
-            <a:off x="838199" y="1997236"/>
-            <a:ext cx="4821196" cy="4225143"/>
-          </a:xfrm>
-          <a:prstGeom prst="rect">
-            <a:avLst/>
-          </a:prstGeom>
-        </p:spPr>
-        <p:txBody>
-          <a:bodyPr/>
-          <a:lstStyle/>
-          <a:p>
-            <a:r>
-              <a:rPr lang="en-US" dirty="0"/>
-              <a:t>Thomas Tveit Rosenlund</a:t>
-            </a:r>
-          </a:p>
-          <a:p>
-            <a:r>
-              <a:rPr lang="en-US" dirty="0"/>
-              <a:t>Senior </a:t>
-            </a:r>
-            <a:r>
-              <a:rPr lang="en-US" dirty="0" err="1"/>
-              <a:t>advicer</a:t>
-            </a:r>
-            <a:r>
-              <a:rPr lang="en-US" dirty="0"/>
-              <a:t> employed at the Norwegian directorate of e-health</a:t>
-            </a:r>
-          </a:p>
-          <a:p>
-            <a:r>
-              <a:rPr lang="en-US" dirty="0"/>
-              <a:t>Enterprise architect</a:t>
-            </a:r>
-          </a:p>
-          <a:p>
-            <a:pPr marL="0" indent="0">
-              <a:buNone/>
-            </a:pPr>
-            <a:endParaRPr lang="en-US" dirty="0"/>
-          </a:p>
-        </p:txBody>
-      </p:sp>
-      <p:pic>
-        <p:nvPicPr>
-          <p:cNvPr id="5" name="Bilde 4">
-            <a:extLst>
-              <a:ext uri="{FF2B5EF4-FFF2-40B4-BE49-F238E27FC236}">
-                <a16:creationId xmlns:a16="http://schemas.microsoft.com/office/drawing/2014/main" id="{59D21E76-4A4C-ABF1-D795-7AC23A54CE03}"/>
-              </a:ext>
-            </a:extLst>
-          </p:cNvPr>
-          <p:cNvPicPr>
-            <a:picLocks noChangeAspect="1"/>
-          </p:cNvPicPr>
-          <p:nvPr/>
-        </p:nvPicPr>
-        <p:blipFill>
-          <a:blip r:embed="rId2"/>
-          <a:stretch>
-            <a:fillRect/>
-          </a:stretch>
-        </p:blipFill>
-        <p:spPr>
-          <a:xfrm>
-            <a:off x="6777630" y="1487119"/>
-            <a:ext cx="4711436" cy="4459554"/>
-          </a:xfrm>
-          <a:prstGeom prst="rect">
-            <a:avLst/>
-          </a:prstGeom>
-        </p:spPr>
-      </p:pic>
-    </p:spTree>
-    <p:extLst>
-      <p:ext uri="{BB962C8B-B14F-4D97-AF65-F5344CB8AC3E}">
-        <p14:creationId xmlns:p14="http://schemas.microsoft.com/office/powerpoint/2010/main" val="974662055"/>
-      </p:ext>
-    </p:extLst>
-  </p:cSld>
-  <p:clrMapOvr>
-    <a:masterClrMapping/>
-  </p:clrMapOvr>
-  <mc:AlternateContent xmlns:mc="http://schemas.openxmlformats.org/markup-compatibility/2006" xmlns:p14="http://schemas.microsoft.com/office/powerpoint/2010/main">
-    <mc:Choice Requires="p14">
+  <mc:AlternateContent xmlns:mc="http://schemas.openxmlformats.org/markup-compatibility/2006">
+    <mc:Choice xmlns:p14="http://schemas.microsoft.com/office/powerpoint/2010/main" Requires="p14">
       <p:transition p14:dur="0"/>
     </mc:Choice>
-    <mc:Fallback xmlns="">
+    <mc:Fallback>
       <p:transition/>
     </mc:Fallback>
   </mc:AlternateContent>
 </p:sld>
 </file>
 
-<file path=ppt/slides/slide3.xml><?xml version="1.0" encoding="utf-8"?>
-<p:sld xmlns:a="http://schemas.openxmlformats.org/drawingml/2006/main" xmlns:r="http://schemas.openxmlformats.org/officeDocument/2006/relationships" xmlns:p="http://schemas.openxmlformats.org/presentationml/2006/main">
-  <p:cSld>
-    <p:spTree>
-      <p:nvGrpSpPr>
-        <p:cNvPr id="1" name=""/>
-        <p:cNvGrpSpPr/>
-        <p:nvPr/>
-      </p:nvGrpSpPr>
-      <p:grpSpPr>
-        <a:xfrm>
-          <a:off x="0" y="0"/>
-          <a:ext cx="0" cy="0"/>
-          <a:chOff x="0" y="0"/>
-          <a:chExt cx="0" cy="0"/>
-        </a:xfrm>
-      </p:grpSpPr>
-      <p:sp>
-        <p:nvSpPr>
-          <p:cNvPr id="2" name="Tittel 1">
-            <a:extLst>
-              <a:ext uri="{FF2B5EF4-FFF2-40B4-BE49-F238E27FC236}">
-                <a16:creationId xmlns:a16="http://schemas.microsoft.com/office/drawing/2014/main" id="{D678A987-ABC3-A179-4183-95AB8AB1EA9C}"/>
-              </a:ext>
-            </a:extLst>
-          </p:cNvPr>
-          <p:cNvSpPr>
-            <a:spLocks noGrp="1"/>
-          </p:cNvSpPr>
-          <p:nvPr>
-            <p:ph type="title"/>
-          </p:nvPr>
-        </p:nvSpPr>
-        <p:spPr/>
-        <p:txBody>
-          <a:bodyPr/>
-          <a:lstStyle/>
-          <a:p>
-            <a:r>
-              <a:rPr lang="nb-NO" dirty="0" err="1"/>
-              <a:t>Overview</a:t>
-            </a:r>
-            <a:endParaRPr lang="nb-NO" dirty="0"/>
-          </a:p>
-        </p:txBody>
-      </p:sp>
-      <p:sp>
-        <p:nvSpPr>
-          <p:cNvPr id="3" name="Plassholder for tekst 2">
-            <a:extLst>
-              <a:ext uri="{FF2B5EF4-FFF2-40B4-BE49-F238E27FC236}">
-                <a16:creationId xmlns:a16="http://schemas.microsoft.com/office/drawing/2014/main" id="{F1DBE1D5-E404-1800-2291-B803203DF974}"/>
-              </a:ext>
-            </a:extLst>
-          </p:cNvPr>
-          <p:cNvSpPr>
-            <a:spLocks noGrp="1"/>
-          </p:cNvSpPr>
-          <p:nvPr>
-            <p:ph type="body" sz="quarter" idx="10"/>
-          </p:nvPr>
-        </p:nvSpPr>
-        <p:spPr>
-          <a:xfrm>
-            <a:off x="838199" y="1997236"/>
-            <a:ext cx="6707294" cy="4225143"/>
-          </a:xfrm>
-        </p:spPr>
-        <p:txBody>
-          <a:bodyPr/>
-          <a:lstStyle/>
-          <a:p>
-            <a:r>
-              <a:rPr lang="nb-NO" dirty="0" err="1"/>
-              <a:t>Strategy</a:t>
-            </a:r>
-            <a:r>
-              <a:rPr lang="nb-NO" dirty="0"/>
-              <a:t> for FHIR profiling and </a:t>
-            </a:r>
-            <a:r>
-              <a:rPr lang="nb-NO" dirty="0" err="1"/>
-              <a:t>governance</a:t>
-            </a:r>
-            <a:endParaRPr lang="nb-NO" dirty="0"/>
-          </a:p>
-          <a:p>
-            <a:r>
-              <a:rPr lang="nb-NO" dirty="0"/>
-              <a:t>Method for </a:t>
-            </a:r>
-            <a:r>
-              <a:rPr lang="nb-NO" dirty="0" err="1"/>
-              <a:t>development</a:t>
-            </a:r>
-            <a:endParaRPr lang="nb-NO" dirty="0"/>
-          </a:p>
-          <a:p>
-            <a:r>
-              <a:rPr lang="nb-NO" dirty="0" err="1"/>
-              <a:t>Guidance</a:t>
-            </a:r>
-            <a:r>
-              <a:rPr lang="nb-NO" dirty="0"/>
-              <a:t> for </a:t>
-            </a:r>
-            <a:r>
-              <a:rPr lang="nb-NO" dirty="0" err="1"/>
-              <a:t>use</a:t>
-            </a:r>
-            <a:r>
-              <a:rPr lang="nb-NO" dirty="0"/>
-              <a:t> </a:t>
-            </a:r>
-            <a:r>
-              <a:rPr lang="nb-NO" dirty="0" err="1"/>
-              <a:t>of</a:t>
-            </a:r>
-            <a:r>
-              <a:rPr lang="nb-NO" dirty="0"/>
-              <a:t> FHIR</a:t>
-            </a:r>
-          </a:p>
-          <a:p>
-            <a:r>
-              <a:rPr lang="nb-NO" dirty="0" err="1"/>
-              <a:t>Standardization</a:t>
-            </a:r>
-            <a:endParaRPr lang="nb-NO" dirty="0"/>
-          </a:p>
-          <a:p>
-            <a:r>
-              <a:rPr lang="nb-NO" dirty="0" err="1"/>
-              <a:t>Building</a:t>
-            </a:r>
-            <a:r>
-              <a:rPr lang="nb-NO" dirty="0"/>
-              <a:t> </a:t>
-            </a:r>
-            <a:r>
-              <a:rPr lang="nb-NO" dirty="0" err="1"/>
-              <a:t>the</a:t>
-            </a:r>
-            <a:r>
-              <a:rPr lang="nb-NO" dirty="0"/>
-              <a:t> FHIR </a:t>
-            </a:r>
-            <a:r>
-              <a:rPr lang="nb-NO" dirty="0" err="1"/>
-              <a:t>community</a:t>
-            </a:r>
-            <a:endParaRPr lang="nb-NO" dirty="0"/>
-          </a:p>
-          <a:p>
-            <a:r>
-              <a:rPr lang="nb-NO" dirty="0" err="1"/>
-              <a:t>Results</a:t>
-            </a:r>
-            <a:endParaRPr lang="nb-NO" dirty="0"/>
-          </a:p>
-          <a:p>
-            <a:endParaRPr lang="nb-NO" dirty="0"/>
-          </a:p>
-        </p:txBody>
-      </p:sp>
-      <p:pic>
-        <p:nvPicPr>
-          <p:cNvPr id="5" name="Grafikk 4" descr="Strategiplan med heldekkende fyll">
-            <a:extLst>
-              <a:ext uri="{FF2B5EF4-FFF2-40B4-BE49-F238E27FC236}">
-                <a16:creationId xmlns:a16="http://schemas.microsoft.com/office/drawing/2014/main" id="{61106311-6C41-9768-0AC5-E274B49CA9D2}"/>
-              </a:ext>
-            </a:extLst>
-          </p:cNvPr>
-          <p:cNvPicPr>
-            <a:picLocks noChangeAspect="1"/>
-          </p:cNvPicPr>
-          <p:nvPr/>
-        </p:nvPicPr>
-        <p:blipFill>
-          <a:blip r:embed="rId2">
-            <a:extLst>
-              <a:ext uri="{96DAC541-7B7A-43D3-8B79-37D633B846F1}">
-                <asvg:svgBlip xmlns:asvg="http://schemas.microsoft.com/office/drawing/2016/SVG/main" r:embed="rId3"/>
-              </a:ext>
-            </a:extLst>
-          </a:blip>
-          <a:stretch>
-            <a:fillRect/>
-          </a:stretch>
-        </p:blipFill>
-        <p:spPr>
-          <a:xfrm>
-            <a:off x="8321039" y="1997236"/>
-            <a:ext cx="914400" cy="914400"/>
-          </a:xfrm>
-          <a:prstGeom prst="rect">
-            <a:avLst/>
-          </a:prstGeom>
-        </p:spPr>
-      </p:pic>
-      <p:pic>
-        <p:nvPicPr>
-          <p:cNvPr id="7" name="Grafikk 6" descr="Sirkler med piler med heldekkende fyll">
-            <a:extLst>
-              <a:ext uri="{FF2B5EF4-FFF2-40B4-BE49-F238E27FC236}">
-                <a16:creationId xmlns:a16="http://schemas.microsoft.com/office/drawing/2014/main" id="{C6F5BE7C-2B33-9AF8-1819-10DA8F1FA9F0}"/>
-              </a:ext>
-            </a:extLst>
-          </p:cNvPr>
-          <p:cNvPicPr>
-            <a:picLocks noChangeAspect="1"/>
-          </p:cNvPicPr>
-          <p:nvPr/>
-        </p:nvPicPr>
-        <p:blipFill>
-          <a:blip r:embed="rId4">
-            <a:extLst>
-              <a:ext uri="{96DAC541-7B7A-43D3-8B79-37D633B846F1}">
-                <asvg:svgBlip xmlns:asvg="http://schemas.microsoft.com/office/drawing/2016/SVG/main" r:embed="rId5"/>
-              </a:ext>
-            </a:extLst>
-          </a:blip>
-          <a:stretch>
-            <a:fillRect/>
-          </a:stretch>
-        </p:blipFill>
-        <p:spPr>
-          <a:xfrm>
-            <a:off x="10237893" y="2057400"/>
-            <a:ext cx="914400" cy="914400"/>
-          </a:xfrm>
-          <a:prstGeom prst="rect">
-            <a:avLst/>
-          </a:prstGeom>
-        </p:spPr>
-      </p:pic>
-      <p:pic>
-        <p:nvPicPr>
-          <p:cNvPr id="9" name="Grafikk 8" descr="Kompass med heldekkende fyll">
-            <a:extLst>
-              <a:ext uri="{FF2B5EF4-FFF2-40B4-BE49-F238E27FC236}">
-                <a16:creationId xmlns:a16="http://schemas.microsoft.com/office/drawing/2014/main" id="{EA79DD89-56A7-77D5-5EAD-B10C31AFC8F5}"/>
-              </a:ext>
-            </a:extLst>
-          </p:cNvPr>
-          <p:cNvPicPr>
-            <a:picLocks noChangeAspect="1"/>
-          </p:cNvPicPr>
-          <p:nvPr/>
-        </p:nvPicPr>
-        <p:blipFill>
-          <a:blip r:embed="rId6">
-            <a:extLst>
-              <a:ext uri="{96DAC541-7B7A-43D3-8B79-37D633B846F1}">
-                <asvg:svgBlip xmlns:asvg="http://schemas.microsoft.com/office/drawing/2016/SVG/main" r:embed="rId7"/>
-              </a:ext>
-            </a:extLst>
-          </a:blip>
-          <a:stretch>
-            <a:fillRect/>
-          </a:stretch>
-        </p:blipFill>
-        <p:spPr>
-          <a:xfrm>
-            <a:off x="8315960" y="3276600"/>
-            <a:ext cx="914400" cy="914400"/>
-          </a:xfrm>
-          <a:prstGeom prst="rect">
-            <a:avLst/>
-          </a:prstGeom>
-        </p:spPr>
-      </p:pic>
-      <p:pic>
-        <p:nvPicPr>
-          <p:cNvPr id="11" name="Grafikk 10" descr="Klubbe med heldekkende fyll">
-            <a:extLst>
-              <a:ext uri="{FF2B5EF4-FFF2-40B4-BE49-F238E27FC236}">
-                <a16:creationId xmlns:a16="http://schemas.microsoft.com/office/drawing/2014/main" id="{C34A9135-F8B3-8ECD-B252-AA72A06D37A3}"/>
-              </a:ext>
-            </a:extLst>
-          </p:cNvPr>
-          <p:cNvPicPr>
-            <a:picLocks noChangeAspect="1"/>
-          </p:cNvPicPr>
-          <p:nvPr/>
-        </p:nvPicPr>
-        <p:blipFill>
-          <a:blip r:embed="rId8">
-            <a:extLst>
-              <a:ext uri="{96DAC541-7B7A-43D3-8B79-37D633B846F1}">
-                <asvg:svgBlip xmlns:asvg="http://schemas.microsoft.com/office/drawing/2016/SVG/main" r:embed="rId9"/>
-              </a:ext>
-            </a:extLst>
-          </a:blip>
-          <a:stretch>
-            <a:fillRect/>
-          </a:stretch>
-        </p:blipFill>
-        <p:spPr>
-          <a:xfrm>
-            <a:off x="10000827" y="3276600"/>
-            <a:ext cx="914400" cy="914400"/>
-          </a:xfrm>
-          <a:prstGeom prst="rect">
-            <a:avLst/>
-          </a:prstGeom>
-        </p:spPr>
-      </p:pic>
-      <p:pic>
-        <p:nvPicPr>
-          <p:cNvPr id="13" name="Grafikk 12" descr="Gruppe idédugnad med heldekkende fyll">
-            <a:extLst>
-              <a:ext uri="{FF2B5EF4-FFF2-40B4-BE49-F238E27FC236}">
-                <a16:creationId xmlns:a16="http://schemas.microsoft.com/office/drawing/2014/main" id="{0042736D-9B56-5C02-20B2-A89241BA4AA5}"/>
-              </a:ext>
-            </a:extLst>
-          </p:cNvPr>
-          <p:cNvPicPr>
-            <a:picLocks noChangeAspect="1"/>
-          </p:cNvPicPr>
-          <p:nvPr/>
-        </p:nvPicPr>
-        <p:blipFill>
-          <a:blip r:embed="rId10">
-            <a:extLst>
-              <a:ext uri="{96DAC541-7B7A-43D3-8B79-37D633B846F1}">
-                <asvg:svgBlip xmlns:asvg="http://schemas.microsoft.com/office/drawing/2016/SVG/main" r:embed="rId11"/>
-              </a:ext>
-            </a:extLst>
-          </a:blip>
-          <a:stretch>
-            <a:fillRect/>
-          </a:stretch>
-        </p:blipFill>
-        <p:spPr>
-          <a:xfrm>
-            <a:off x="8321039" y="4555964"/>
-            <a:ext cx="914400" cy="914400"/>
-          </a:xfrm>
-          <a:prstGeom prst="rect">
-            <a:avLst/>
-          </a:prstGeom>
-        </p:spPr>
-      </p:pic>
-    </p:spTree>
-    <p:extLst>
-      <p:ext uri="{BB962C8B-B14F-4D97-AF65-F5344CB8AC3E}">
-        <p14:creationId xmlns:p14="http://schemas.microsoft.com/office/powerpoint/2010/main" val="1319330167"/>
-      </p:ext>
-    </p:extLst>
-  </p:cSld>
-  <p:clrMapOvr>
-    <a:masterClrMapping/>
-  </p:clrMapOvr>
-  <p:transition spd="slow">
-    <p:push dir="u"/>
-  </p:transition>
-</p:sld>
-</file>
-
-<file path=ppt/slides/slide4.xml><?xml version="1.0" encoding="utf-8"?>
-<p:sld xmlns:a="http://schemas.openxmlformats.org/drawingml/2006/main" xmlns:r="http://schemas.openxmlformats.org/officeDocument/2006/relationships" xmlns:p="http://schemas.openxmlformats.org/presentationml/2006/main">
-  <p:cSld>
-    <p:spTree>
-      <p:nvGrpSpPr>
-        <p:cNvPr id="1" name=""/>
-        <p:cNvGrpSpPr/>
-        <p:nvPr/>
-      </p:nvGrpSpPr>
-      <p:grpSpPr>
-        <a:xfrm>
-          <a:off x="0" y="0"/>
-          <a:ext cx="0" cy="0"/>
-          <a:chOff x="0" y="0"/>
-          <a:chExt cx="0" cy="0"/>
-        </a:xfrm>
-      </p:grpSpPr>
-      <p:sp>
-        <p:nvSpPr>
-          <p:cNvPr id="2" name="Tittel 1">
-            <a:extLst>
-              <a:ext uri="{FF2B5EF4-FFF2-40B4-BE49-F238E27FC236}">
-                <a16:creationId xmlns:a16="http://schemas.microsoft.com/office/drawing/2014/main" id="{48DBD2BC-6E31-886F-0DC5-A006C415C472}"/>
-              </a:ext>
-            </a:extLst>
-          </p:cNvPr>
-          <p:cNvSpPr>
-            <a:spLocks noGrp="1"/>
-          </p:cNvSpPr>
-          <p:nvPr>
-            <p:ph type="title"/>
-          </p:nvPr>
-        </p:nvSpPr>
-        <p:spPr/>
-        <p:txBody>
-          <a:bodyPr/>
-          <a:lstStyle/>
-          <a:p>
-            <a:r>
-              <a:rPr lang="nb-NO" dirty="0"/>
-              <a:t>Profiling </a:t>
-            </a:r>
-            <a:r>
-              <a:rPr lang="nb-NO" dirty="0" err="1"/>
-              <a:t>strategy</a:t>
-            </a:r>
-            <a:endParaRPr lang="nb-NO" dirty="0"/>
-          </a:p>
-        </p:txBody>
-      </p:sp>
-      <p:sp>
-        <p:nvSpPr>
-          <p:cNvPr id="3" name="Plassholder for tekst 2">
-            <a:extLst>
-              <a:ext uri="{FF2B5EF4-FFF2-40B4-BE49-F238E27FC236}">
-                <a16:creationId xmlns:a16="http://schemas.microsoft.com/office/drawing/2014/main" id="{BDA343DD-40E1-21E0-9E72-1C074B67CDC5}"/>
-              </a:ext>
-            </a:extLst>
-          </p:cNvPr>
-          <p:cNvSpPr>
-            <a:spLocks noGrp="1"/>
-          </p:cNvSpPr>
-          <p:nvPr>
-            <p:ph type="body" sz="quarter" idx="10"/>
-          </p:nvPr>
-        </p:nvSpPr>
-        <p:spPr>
-          <a:xfrm>
-            <a:off x="838199" y="1997236"/>
-            <a:ext cx="4913871" cy="4225143"/>
-          </a:xfrm>
-        </p:spPr>
-        <p:txBody>
-          <a:bodyPr/>
-          <a:lstStyle/>
-          <a:p>
-            <a:r>
-              <a:rPr lang="nb-NO" dirty="0"/>
-              <a:t>Top </a:t>
-            </a:r>
-            <a:r>
-              <a:rPr lang="nb-NO" dirty="0" err="1"/>
-              <a:t>level</a:t>
-            </a:r>
-            <a:r>
-              <a:rPr lang="nb-NO" dirty="0"/>
-              <a:t> </a:t>
-            </a:r>
-            <a:r>
-              <a:rPr lang="nb-NO" dirty="0" err="1"/>
-              <a:t>view</a:t>
-            </a:r>
-            <a:r>
-              <a:rPr lang="nb-NO" dirty="0"/>
-              <a:t> </a:t>
-            </a:r>
-            <a:r>
-              <a:rPr lang="nb-NO" dirty="0" err="1"/>
-              <a:t>of</a:t>
-            </a:r>
-            <a:r>
-              <a:rPr lang="nb-NO" dirty="0"/>
-              <a:t> </a:t>
-            </a:r>
-            <a:r>
-              <a:rPr lang="nb-NO" dirty="0" err="1"/>
-              <a:t>governance</a:t>
-            </a:r>
-            <a:r>
-              <a:rPr lang="nb-NO" dirty="0"/>
-              <a:t> and </a:t>
-            </a:r>
-            <a:r>
-              <a:rPr lang="nb-NO" dirty="0" err="1"/>
-              <a:t>development</a:t>
-            </a:r>
-            <a:r>
-              <a:rPr lang="nb-NO" dirty="0"/>
-              <a:t> for FHIR </a:t>
-            </a:r>
-            <a:r>
-              <a:rPr lang="nb-NO" dirty="0" err="1"/>
-              <a:t>development</a:t>
-            </a:r>
-            <a:r>
-              <a:rPr lang="nb-NO" dirty="0"/>
-              <a:t> in Norway</a:t>
-            </a:r>
-          </a:p>
-          <a:p>
-            <a:r>
-              <a:rPr lang="nb-NO" dirty="0" err="1"/>
-              <a:t>Everything</a:t>
-            </a:r>
-            <a:r>
-              <a:rPr lang="nb-NO" dirty="0"/>
-              <a:t> </a:t>
-            </a:r>
-            <a:r>
-              <a:rPr lang="nb-NO" dirty="0" err="1"/>
-              <a:t>builds</a:t>
-            </a:r>
-            <a:r>
-              <a:rPr lang="nb-NO" dirty="0"/>
-              <a:t> </a:t>
-            </a:r>
-            <a:r>
-              <a:rPr lang="nb-NO" dirty="0" err="1"/>
-              <a:t>on</a:t>
-            </a:r>
-            <a:r>
-              <a:rPr lang="nb-NO" dirty="0"/>
-              <a:t> a </a:t>
-            </a:r>
-            <a:r>
-              <a:rPr lang="nb-NO" dirty="0" err="1"/>
-              <a:t>collection</a:t>
-            </a:r>
-            <a:r>
-              <a:rPr lang="nb-NO" dirty="0"/>
-              <a:t> </a:t>
-            </a:r>
-            <a:r>
-              <a:rPr lang="nb-NO" dirty="0" err="1"/>
-              <a:t>of</a:t>
-            </a:r>
-            <a:r>
-              <a:rPr lang="nb-NO" dirty="0"/>
-              <a:t> base </a:t>
-            </a:r>
-            <a:r>
-              <a:rPr lang="nb-NO" dirty="0" err="1"/>
-              <a:t>profiles</a:t>
-            </a:r>
-            <a:r>
-              <a:rPr lang="nb-NO" dirty="0"/>
-              <a:t> (</a:t>
-            </a:r>
-            <a:r>
-              <a:rPr lang="nb-NO" dirty="0" err="1"/>
-              <a:t>no</a:t>
-            </a:r>
-            <a:r>
-              <a:rPr lang="nb-NO" dirty="0"/>
-              <a:t>-basis)</a:t>
-            </a:r>
-          </a:p>
-          <a:p>
-            <a:r>
-              <a:rPr lang="nb-NO" dirty="0" err="1"/>
-              <a:t>Domain</a:t>
-            </a:r>
-            <a:r>
-              <a:rPr lang="nb-NO" dirty="0"/>
-              <a:t> </a:t>
-            </a:r>
-            <a:r>
-              <a:rPr lang="nb-NO" dirty="0" err="1"/>
-              <a:t>profiles</a:t>
-            </a:r>
-            <a:r>
-              <a:rPr lang="nb-NO" dirty="0"/>
-              <a:t> </a:t>
-            </a:r>
-            <a:r>
-              <a:rPr lang="nb-NO" dirty="0" err="1"/>
-              <a:t>are</a:t>
-            </a:r>
-            <a:r>
-              <a:rPr lang="nb-NO" dirty="0"/>
-              <a:t> </a:t>
-            </a:r>
-            <a:r>
-              <a:rPr lang="nb-NO" dirty="0" err="1"/>
-              <a:t>developed</a:t>
-            </a:r>
-            <a:r>
-              <a:rPr lang="nb-NO" dirty="0"/>
-              <a:t> as </a:t>
-            </a:r>
-            <a:r>
-              <a:rPr lang="nb-NO" dirty="0" err="1"/>
-              <a:t>needed</a:t>
-            </a:r>
-            <a:endParaRPr lang="nb-NO" dirty="0"/>
-          </a:p>
-          <a:p>
-            <a:r>
-              <a:rPr lang="nb-NO" dirty="0" err="1"/>
-              <a:t>Implemented</a:t>
-            </a:r>
-            <a:r>
-              <a:rPr lang="nb-NO" dirty="0"/>
-              <a:t> </a:t>
-            </a:r>
-            <a:r>
-              <a:rPr lang="nb-NO" dirty="0" err="1"/>
-              <a:t>profiles</a:t>
-            </a:r>
-            <a:r>
-              <a:rPr lang="nb-NO" dirty="0"/>
-              <a:t> </a:t>
-            </a:r>
-            <a:r>
-              <a:rPr lang="nb-NO" dirty="0" err="1"/>
-              <a:t>are</a:t>
-            </a:r>
-            <a:r>
-              <a:rPr lang="nb-NO" dirty="0"/>
-              <a:t> </a:t>
-            </a:r>
-            <a:r>
-              <a:rPr lang="nb-NO" dirty="0" err="1"/>
-              <a:t>made</a:t>
-            </a:r>
-            <a:r>
-              <a:rPr lang="nb-NO" dirty="0"/>
-              <a:t> by </a:t>
-            </a:r>
-            <a:r>
-              <a:rPr lang="nb-NO" dirty="0" err="1"/>
-              <a:t>everyone</a:t>
-            </a:r>
-            <a:endParaRPr lang="nb-NO" dirty="0"/>
-          </a:p>
-        </p:txBody>
-      </p:sp>
-      <p:pic>
-        <p:nvPicPr>
-          <p:cNvPr id="20" name="Bilde 19">
-            <a:extLst>
-              <a:ext uri="{FF2B5EF4-FFF2-40B4-BE49-F238E27FC236}">
-                <a16:creationId xmlns:a16="http://schemas.microsoft.com/office/drawing/2014/main" id="{9167F262-7966-6E00-B72B-ED923983E240}"/>
-              </a:ext>
-            </a:extLst>
-          </p:cNvPr>
-          <p:cNvPicPr>
-            <a:picLocks noChangeAspect="1"/>
-          </p:cNvPicPr>
-          <p:nvPr/>
-        </p:nvPicPr>
-        <p:blipFill>
-          <a:blip r:embed="rId3"/>
-          <a:stretch>
-            <a:fillRect/>
-          </a:stretch>
-        </p:blipFill>
-        <p:spPr>
-          <a:xfrm>
-            <a:off x="6050049" y="1805657"/>
-            <a:ext cx="5985408" cy="3906605"/>
-          </a:xfrm>
-          <a:prstGeom prst="rect">
-            <a:avLst/>
-          </a:prstGeom>
-        </p:spPr>
-      </p:pic>
-    </p:spTree>
-    <p:extLst>
-      <p:ext uri="{BB962C8B-B14F-4D97-AF65-F5344CB8AC3E}">
-        <p14:creationId xmlns:p14="http://schemas.microsoft.com/office/powerpoint/2010/main" val="1732795402"/>
-      </p:ext>
-    </p:extLst>
-  </p:cSld>
-  <p:clrMapOvr>
-    <a:masterClrMapping/>
-  </p:clrMapOvr>
-  <p:transition spd="slow">
-    <p:push dir="u"/>
-  </p:transition>
-</p:sld>
-</file>
-
-<file path=ppt/slides/slide5.xml><?xml version="1.0" encoding="utf-8"?>
-<p:sld xmlns:a="http://schemas.openxmlformats.org/drawingml/2006/main" xmlns:r="http://schemas.openxmlformats.org/officeDocument/2006/relationships" xmlns:p="http://schemas.openxmlformats.org/presentationml/2006/main">
-  <p:cSld>
-    <p:spTree>
-      <p:nvGrpSpPr>
-        <p:cNvPr id="1" name=""/>
-        <p:cNvGrpSpPr/>
-        <p:nvPr/>
-      </p:nvGrpSpPr>
-      <p:grpSpPr>
-        <a:xfrm>
-          <a:off x="0" y="0"/>
-          <a:ext cx="0" cy="0"/>
-          <a:chOff x="0" y="0"/>
-          <a:chExt cx="0" cy="0"/>
-        </a:xfrm>
-      </p:grpSpPr>
-      <p:sp>
-        <p:nvSpPr>
-          <p:cNvPr id="2" name="Tittel 1">
-            <a:extLst>
-              <a:ext uri="{FF2B5EF4-FFF2-40B4-BE49-F238E27FC236}">
-                <a16:creationId xmlns:a16="http://schemas.microsoft.com/office/drawing/2014/main" id="{D8915681-E2C1-A3F4-D8A6-E42E67C9F0AA}"/>
-              </a:ext>
-            </a:extLst>
-          </p:cNvPr>
-          <p:cNvSpPr>
-            <a:spLocks noGrp="1"/>
-          </p:cNvSpPr>
-          <p:nvPr>
-            <p:ph type="title"/>
-          </p:nvPr>
-        </p:nvSpPr>
-        <p:spPr/>
-        <p:txBody>
-          <a:bodyPr/>
-          <a:lstStyle/>
-          <a:p>
-            <a:r>
-              <a:rPr lang="nb-NO" dirty="0"/>
-              <a:t>Norwegian base </a:t>
-            </a:r>
-            <a:r>
-              <a:rPr lang="nb-NO" dirty="0" err="1"/>
-              <a:t>profiles</a:t>
-            </a:r>
-            <a:endParaRPr lang="nb-NO" dirty="0"/>
-          </a:p>
-        </p:txBody>
-      </p:sp>
-      <p:sp>
-        <p:nvSpPr>
-          <p:cNvPr id="3" name="Plassholder for tekst 2">
-            <a:extLst>
-              <a:ext uri="{FF2B5EF4-FFF2-40B4-BE49-F238E27FC236}">
-                <a16:creationId xmlns:a16="http://schemas.microsoft.com/office/drawing/2014/main" id="{8AA1DDD9-D564-F2BF-A026-191172D7276A}"/>
-              </a:ext>
-            </a:extLst>
-          </p:cNvPr>
-          <p:cNvSpPr>
-            <a:spLocks noGrp="1"/>
-          </p:cNvSpPr>
-          <p:nvPr>
-            <p:ph type="body" sz="quarter" idx="10"/>
-          </p:nvPr>
-        </p:nvSpPr>
-        <p:spPr/>
-        <p:txBody>
-          <a:bodyPr/>
-          <a:lstStyle/>
-          <a:p>
-            <a:r>
-              <a:rPr lang="nb-NO" dirty="0"/>
-              <a:t>Suggestive not </a:t>
-            </a:r>
-            <a:r>
-              <a:rPr lang="nb-NO" dirty="0" err="1"/>
-              <a:t>implementation</a:t>
-            </a:r>
-            <a:r>
-              <a:rPr lang="nb-NO" dirty="0"/>
-              <a:t> </a:t>
-            </a:r>
-            <a:r>
-              <a:rPr lang="nb-NO" dirty="0" err="1"/>
-              <a:t>rules</a:t>
-            </a:r>
-            <a:endParaRPr lang="nb-NO" dirty="0"/>
-          </a:p>
-          <a:p>
-            <a:r>
-              <a:rPr lang="nb-NO" dirty="0"/>
-              <a:t>Best </a:t>
-            </a:r>
-            <a:r>
-              <a:rPr lang="nb-NO" dirty="0" err="1"/>
-              <a:t>practice</a:t>
-            </a:r>
-            <a:r>
-              <a:rPr lang="nb-NO" dirty="0"/>
-              <a:t> for </a:t>
-            </a:r>
-            <a:r>
-              <a:rPr lang="nb-NO" dirty="0" err="1"/>
-              <a:t>how</a:t>
-            </a:r>
-            <a:r>
-              <a:rPr lang="nb-NO" dirty="0"/>
-              <a:t> to </a:t>
-            </a:r>
-            <a:r>
-              <a:rPr lang="nb-NO" dirty="0" err="1"/>
-              <a:t>use</a:t>
-            </a:r>
-            <a:r>
-              <a:rPr lang="nb-NO" dirty="0"/>
-              <a:t> FHIR in Norway </a:t>
-            </a:r>
-            <a:r>
-              <a:rPr lang="nb-NO" dirty="0" err="1"/>
-              <a:t>integrated</a:t>
-            </a:r>
-            <a:r>
-              <a:rPr lang="nb-NO" dirty="0"/>
-              <a:t> in </a:t>
-            </a:r>
-            <a:r>
-              <a:rPr lang="nb-NO" dirty="0" err="1"/>
-              <a:t>the</a:t>
-            </a:r>
-            <a:r>
-              <a:rPr lang="nb-NO" dirty="0"/>
-              <a:t> base </a:t>
-            </a:r>
-            <a:r>
-              <a:rPr lang="nb-NO" dirty="0" err="1"/>
-              <a:t>profiles</a:t>
-            </a:r>
-            <a:endParaRPr lang="nb-NO" dirty="0"/>
-          </a:p>
-          <a:p>
-            <a:pPr lvl="1"/>
-            <a:r>
-              <a:rPr lang="nb-NO" dirty="0" err="1"/>
-              <a:t>Identification</a:t>
-            </a:r>
-            <a:r>
-              <a:rPr lang="nb-NO" dirty="0"/>
-              <a:t> for person/</a:t>
-            </a:r>
-            <a:r>
-              <a:rPr lang="nb-NO" dirty="0" err="1"/>
-              <a:t>patients</a:t>
-            </a:r>
-            <a:r>
-              <a:rPr lang="nb-NO" dirty="0"/>
-              <a:t> </a:t>
-            </a:r>
-            <a:r>
-              <a:rPr lang="nb-NO" dirty="0" err="1"/>
-              <a:t>with</a:t>
-            </a:r>
-            <a:r>
-              <a:rPr lang="nb-NO" dirty="0"/>
-              <a:t> Norwegian </a:t>
-            </a:r>
-            <a:r>
-              <a:rPr lang="nb-NO" dirty="0" err="1"/>
-              <a:t>specific</a:t>
-            </a:r>
-            <a:r>
-              <a:rPr lang="nb-NO" dirty="0"/>
-              <a:t> </a:t>
-            </a:r>
-            <a:r>
-              <a:rPr lang="nb-NO" dirty="0" err="1"/>
-              <a:t>identifiers</a:t>
-            </a:r>
-            <a:endParaRPr lang="nb-NO" dirty="0"/>
-          </a:p>
-          <a:p>
-            <a:pPr lvl="1"/>
-            <a:r>
-              <a:rPr lang="nb-NO" dirty="0" err="1"/>
-              <a:t>Coding</a:t>
-            </a:r>
-            <a:r>
-              <a:rPr lang="nb-NO" dirty="0"/>
-              <a:t> </a:t>
-            </a:r>
-            <a:r>
-              <a:rPr lang="nb-NO" dirty="0" err="1"/>
-              <a:t>of</a:t>
-            </a:r>
-            <a:r>
-              <a:rPr lang="nb-NO" dirty="0"/>
-              <a:t> </a:t>
-            </a:r>
-            <a:r>
-              <a:rPr lang="nb-NO" dirty="0" err="1"/>
-              <a:t>HealthcareProfessional</a:t>
-            </a:r>
-            <a:r>
-              <a:rPr lang="nb-NO" dirty="0"/>
-              <a:t> </a:t>
-            </a:r>
-            <a:r>
-              <a:rPr lang="nb-NO" dirty="0" err="1"/>
-              <a:t>qualification</a:t>
-            </a:r>
-            <a:r>
-              <a:rPr lang="nb-NO" dirty="0"/>
-              <a:t> and </a:t>
-            </a:r>
-            <a:r>
-              <a:rPr lang="nb-NO" dirty="0" err="1"/>
-              <a:t>role</a:t>
-            </a:r>
-            <a:endParaRPr lang="nb-NO" dirty="0"/>
-          </a:p>
-          <a:p>
-            <a:pPr lvl="1"/>
-            <a:r>
-              <a:rPr lang="nb-NO" dirty="0" err="1"/>
-              <a:t>Use</a:t>
-            </a:r>
-            <a:r>
-              <a:rPr lang="nb-NO" dirty="0"/>
-              <a:t> </a:t>
-            </a:r>
-            <a:r>
-              <a:rPr lang="nb-NO" dirty="0" err="1"/>
-              <a:t>of</a:t>
-            </a:r>
-            <a:r>
-              <a:rPr lang="nb-NO" dirty="0"/>
-              <a:t> </a:t>
-            </a:r>
-            <a:r>
-              <a:rPr lang="nb-NO" dirty="0" err="1"/>
-              <a:t>RelatedPerson</a:t>
-            </a:r>
-            <a:endParaRPr lang="nb-NO" dirty="0"/>
-          </a:p>
-          <a:p>
-            <a:pPr lvl="1"/>
-            <a:r>
-              <a:rPr lang="nb-NO" dirty="0" err="1"/>
-              <a:t>Identification</a:t>
-            </a:r>
-            <a:r>
-              <a:rPr lang="nb-NO" dirty="0"/>
-              <a:t> </a:t>
-            </a:r>
-            <a:r>
-              <a:rPr lang="nb-NO" dirty="0" err="1"/>
-              <a:t>of</a:t>
-            </a:r>
-            <a:r>
-              <a:rPr lang="nb-NO" dirty="0"/>
-              <a:t> Organizations </a:t>
-            </a:r>
-            <a:r>
-              <a:rPr lang="nb-NO" dirty="0" err="1"/>
-              <a:t>with</a:t>
-            </a:r>
-            <a:r>
-              <a:rPr lang="nb-NO" dirty="0"/>
-              <a:t> Norwegian </a:t>
-            </a:r>
-            <a:r>
-              <a:rPr lang="nb-NO" dirty="0" err="1"/>
-              <a:t>specific</a:t>
-            </a:r>
-            <a:r>
-              <a:rPr lang="nb-NO" dirty="0"/>
-              <a:t> </a:t>
-            </a:r>
-            <a:r>
-              <a:rPr lang="nb-NO" dirty="0" err="1"/>
-              <a:t>identifiers</a:t>
-            </a:r>
-            <a:endParaRPr lang="nb-NO" dirty="0"/>
-          </a:p>
-          <a:p>
-            <a:pPr lvl="1"/>
-            <a:endParaRPr lang="nb-NO" dirty="0"/>
-          </a:p>
-        </p:txBody>
-      </p:sp>
-    </p:spTree>
-    <p:extLst>
-      <p:ext uri="{BB962C8B-B14F-4D97-AF65-F5344CB8AC3E}">
-        <p14:creationId xmlns:p14="http://schemas.microsoft.com/office/powerpoint/2010/main" val="1121190279"/>
-      </p:ext>
-    </p:extLst>
-  </p:cSld>
-  <p:clrMapOvr>
-    <a:masterClrMapping/>
-  </p:clrMapOvr>
-  <p:transition spd="slow">
-    <p:push dir="u"/>
-  </p:transition>
-</p:sld>
-</file>
-
-<file path=ppt/slides/slide6.xml><?xml version="1.0" encoding="utf-8"?>
-<p:sld xmlns:a="http://schemas.openxmlformats.org/drawingml/2006/main" xmlns:r="http://schemas.openxmlformats.org/officeDocument/2006/relationships" xmlns:p="http://schemas.openxmlformats.org/presentationml/2006/main">
-  <p:cSld>
-    <p:spTree>
-      <p:nvGrpSpPr>
-        <p:cNvPr id="1" name=""/>
-        <p:cNvGrpSpPr/>
-        <p:nvPr/>
-      </p:nvGrpSpPr>
-      <p:grpSpPr>
-        <a:xfrm>
-          <a:off x="0" y="0"/>
-          <a:ext cx="0" cy="0"/>
-          <a:chOff x="0" y="0"/>
-          <a:chExt cx="0" cy="0"/>
-        </a:xfrm>
-      </p:grpSpPr>
-      <p:sp>
-        <p:nvSpPr>
-          <p:cNvPr id="2" name="Title 1"/>
-          <p:cNvSpPr>
-            <a:spLocks noGrp="1"/>
-          </p:cNvSpPr>
-          <p:nvPr>
-            <p:ph type="title"/>
-          </p:nvPr>
-        </p:nvSpPr>
-        <p:spPr>
-          <a:xfrm>
-            <a:off x="838200" y="1043753"/>
-            <a:ext cx="10515600" cy="886732"/>
-          </a:xfrm>
-          <a:prstGeom prst="rect">
-            <a:avLst/>
-          </a:prstGeom>
-        </p:spPr>
-        <p:txBody>
-          <a:bodyPr/>
-          <a:lstStyle/>
-          <a:p>
-            <a:r>
-              <a:rPr lang="en-US" dirty="0"/>
-              <a:t>Method no-domain</a:t>
-            </a:r>
-          </a:p>
-        </p:txBody>
-      </p:sp>
-      <p:pic>
-        <p:nvPicPr>
-          <p:cNvPr id="4" name="Bilde 3">
-            <a:extLst>
-              <a:ext uri="{FF2B5EF4-FFF2-40B4-BE49-F238E27FC236}">
-                <a16:creationId xmlns:a16="http://schemas.microsoft.com/office/drawing/2014/main" id="{74B34CE1-59E1-1458-CC68-573926829468}"/>
-              </a:ext>
-            </a:extLst>
-          </p:cNvPr>
-          <p:cNvPicPr>
-            <a:picLocks noChangeAspect="1"/>
-          </p:cNvPicPr>
-          <p:nvPr/>
-        </p:nvPicPr>
-        <p:blipFill>
-          <a:blip r:embed="rId2">
-            <a:clrChange>
-              <a:clrFrom>
-                <a:srgbClr val="FFFFFF"/>
-              </a:clrFrom>
-              <a:clrTo>
-                <a:srgbClr val="FFFFFF">
-                  <a:alpha val="0"/>
-                </a:srgbClr>
-              </a:clrTo>
-            </a:clrChange>
-          </a:blip>
-          <a:stretch>
-            <a:fillRect/>
-          </a:stretch>
-        </p:blipFill>
-        <p:spPr>
-          <a:xfrm>
-            <a:off x="5575409" y="970927"/>
-            <a:ext cx="6616591" cy="5222903"/>
-          </a:xfrm>
-          <a:prstGeom prst="rect">
-            <a:avLst/>
-          </a:prstGeom>
-        </p:spPr>
-      </p:pic>
-    </p:spTree>
-    <p:extLst>
-      <p:ext uri="{BB962C8B-B14F-4D97-AF65-F5344CB8AC3E}">
-        <p14:creationId xmlns:p14="http://schemas.microsoft.com/office/powerpoint/2010/main" val="3644598006"/>
-      </p:ext>
-    </p:extLst>
-  </p:cSld>
-  <p:clrMapOvr>
-    <a:masterClrMapping/>
-  </p:clrMapOvr>
-  <mc:AlternateContent xmlns:mc="http://schemas.openxmlformats.org/markup-compatibility/2006" xmlns:p14="http://schemas.microsoft.com/office/powerpoint/2010/main">
-    <mc:Choice Requires="p14">
-      <p:transition p14:dur="0"/>
-    </mc:Choice>
-    <mc:Fallback xmlns="">
-      <p:transition/>
-    </mc:Fallback>
-  </mc:AlternateContent>
-</p:sld>
-</file>
-
-<file path=ppt/slides/slide7.xml><?xml version="1.0" encoding="utf-8"?>
+<file path=ppt/slides/slide13.xml><?xml version="1.0" encoding="utf-8"?>
 <p:sld xmlns:a="http://schemas.openxmlformats.org/drawingml/2006/main" xmlns:r="http://schemas.openxmlformats.org/officeDocument/2006/relationships" xmlns:p="http://schemas.openxmlformats.org/presentationml/2006/main" show="0">
   <p:cSld>
     <p:spTree>
@@ -8659,7 +7402,7 @@
 </p:sld>
 </file>
 
-<file path=ppt/slides/slide8.xml><?xml version="1.0" encoding="utf-8"?>
+<file path=ppt/slides/slide14.xml><?xml version="1.0" encoding="utf-8"?>
 <p:sld xmlns:a="http://schemas.openxmlformats.org/drawingml/2006/main" xmlns:r="http://schemas.openxmlformats.org/officeDocument/2006/relationships" xmlns:p="http://schemas.openxmlformats.org/presentationml/2006/main" show="0">
   <p:cSld>
     <p:spTree>
@@ -10241,7 +8984,7 @@
 </p:sld>
 </file>
 
-<file path=ppt/slides/slide9.xml><?xml version="1.0" encoding="utf-8"?>
+<file path=ppt/slides/slide2.xml><?xml version="1.0" encoding="utf-8"?>
 <p:sld xmlns:a="http://schemas.openxmlformats.org/drawingml/2006/main" xmlns:r="http://schemas.openxmlformats.org/officeDocument/2006/relationships" xmlns:p="http://schemas.openxmlformats.org/presentationml/2006/main">
   <p:cSld>
     <p:spTree>
@@ -10283,7 +9026,7 @@
           <a:p>
             <a:r>
               <a:rPr lang="en-US" dirty="0"/>
-              <a:t>Contact</a:t>
+              <a:t>Who am I?</a:t>
             </a:r>
           </a:p>
         </p:txBody>
@@ -10301,7 +9044,7 @@
         <p:spPr>
           <a:xfrm>
             <a:off x="838199" y="1997236"/>
-            <a:ext cx="10515600" cy="4225143"/>
+            <a:ext cx="4821196" cy="4225143"/>
           </a:xfrm>
           <a:prstGeom prst="rect">
             <a:avLst/>
@@ -10313,43 +9056,71 @@
           <a:p>
             <a:r>
               <a:rPr lang="en-US" dirty="0"/>
-              <a:t>During DevDays, you can find / reach me here:</a:t>
-            </a:r>
-          </a:p>
-          <a:p>
-            <a:pPr lvl="1"/>
+              <a:t>Thomas Tveit Rosenlund</a:t>
+            </a:r>
+          </a:p>
+          <a:p>
             <a:r>
               <a:rPr lang="en-US" dirty="0"/>
-              <a:t>Via Whova App – Speaker’s Gallery</a:t>
-            </a:r>
-          </a:p>
-          <a:p>
-            <a:pPr lvl="1"/>
+              <a:t>Senior </a:t>
+            </a:r>
+            <a:r>
+              <a:rPr lang="en-US" dirty="0" err="1"/>
+              <a:t>advicer</a:t>
+            </a:r>
             <a:r>
               <a:rPr lang="en-US" dirty="0"/>
-              <a:t>Email</a:t>
-            </a:r>
-          </a:p>
-          <a:p>
-            <a:pPr lvl="1"/>
+              <a:t> employed at the Norwegian directorate of e-health</a:t>
+            </a:r>
+          </a:p>
+          <a:p>
             <a:r>
               <a:rPr lang="en-US" dirty="0"/>
-              <a:t>Twitter</a:t>
-            </a:r>
-          </a:p>
-          <a:p>
-            <a:pPr lvl="1"/>
-            <a:r>
-              <a:rPr lang="en-US" dirty="0"/>
-              <a:t>..</a:t>
-            </a:r>
+              <a:t>Enterprise architect</a:t>
+            </a:r>
+          </a:p>
+          <a:p>
+            <a:pPr marL="0" indent="0">
+              <a:buNone/>
+            </a:pPr>
+            <a:endParaRPr lang="en-US" dirty="0"/>
           </a:p>
         </p:txBody>
       </p:sp>
+      <p:pic>
+        <p:nvPicPr>
+          <p:cNvPr id="5" name="Bilde 4">
+            <a:extLst>
+              <a:ext uri="{FF2B5EF4-FFF2-40B4-BE49-F238E27FC236}">
+                <a16:creationId xmlns:a16="http://schemas.microsoft.com/office/drawing/2014/main" id="{59D21E76-4A4C-ABF1-D795-7AC23A54CE03}"/>
+              </a:ext>
+            </a:extLst>
+          </p:cNvPr>
+          <p:cNvPicPr>
+            <a:picLocks noChangeAspect="1"/>
+          </p:cNvPicPr>
+          <p:nvPr/>
+        </p:nvPicPr>
+        <p:blipFill>
+          <a:blip r:embed="rId2"/>
+          <a:stretch>
+            <a:fillRect/>
+          </a:stretch>
+        </p:blipFill>
+        <p:spPr>
+          <a:xfrm>
+            <a:off x="6777630" y="1487119"/>
+            <a:ext cx="4711436" cy="4459554"/>
+          </a:xfrm>
+          <a:prstGeom prst="rect">
+            <a:avLst/>
+          </a:prstGeom>
+        </p:spPr>
+      </p:pic>
     </p:spTree>
     <p:extLst>
       <p:ext uri="{BB962C8B-B14F-4D97-AF65-F5344CB8AC3E}">
-        <p14:creationId xmlns:p14="http://schemas.microsoft.com/office/powerpoint/2010/main" val="2594730718"/>
+        <p14:creationId xmlns:p14="http://schemas.microsoft.com/office/powerpoint/2010/main" val="974662055"/>
       </p:ext>
     </p:extLst>
   </p:cSld>
@@ -10361,6 +9132,2090 @@
       <p:transition p14:dur="0"/>
     </mc:Choice>
     <mc:Fallback xmlns="">
+      <p:transition/>
+    </mc:Fallback>
+  </mc:AlternateContent>
+</p:sld>
+</file>
+
+<file path=ppt/slides/slide3.xml><?xml version="1.0" encoding="utf-8"?>
+<p:sld xmlns:a="http://schemas.openxmlformats.org/drawingml/2006/main" xmlns:r="http://schemas.openxmlformats.org/officeDocument/2006/relationships" xmlns:p="http://schemas.openxmlformats.org/presentationml/2006/main">
+  <p:cSld>
+    <p:spTree>
+      <p:nvGrpSpPr>
+        <p:cNvPr id="1" name=""/>
+        <p:cNvGrpSpPr/>
+        <p:nvPr/>
+      </p:nvGrpSpPr>
+      <p:grpSpPr>
+        <a:xfrm>
+          <a:off x="0" y="0"/>
+          <a:ext cx="0" cy="0"/>
+          <a:chOff x="0" y="0"/>
+          <a:chExt cx="0" cy="0"/>
+        </a:xfrm>
+      </p:grpSpPr>
+      <p:pic>
+        <p:nvPicPr>
+          <p:cNvPr id="6" name="Bilde 5">
+            <a:extLst>
+              <a:ext uri="{FF2B5EF4-FFF2-40B4-BE49-F238E27FC236}">
+                <a16:creationId xmlns:a16="http://schemas.microsoft.com/office/drawing/2014/main" id="{83E9E449-6157-8FD5-9382-6B7893B869F0}"/>
+              </a:ext>
+            </a:extLst>
+          </p:cNvPr>
+          <p:cNvPicPr>
+            <a:picLocks noChangeAspect="1"/>
+          </p:cNvPicPr>
+          <p:nvPr/>
+        </p:nvPicPr>
+        <p:blipFill>
+          <a:blip r:embed="rId2"/>
+          <a:stretch>
+            <a:fillRect/>
+          </a:stretch>
+        </p:blipFill>
+        <p:spPr>
+          <a:xfrm>
+            <a:off x="7981895" y="1172946"/>
+            <a:ext cx="3664790" cy="4365937"/>
+          </a:xfrm>
+          <a:prstGeom prst="rect">
+            <a:avLst/>
+          </a:prstGeom>
+        </p:spPr>
+      </p:pic>
+      <p:sp>
+        <p:nvSpPr>
+          <p:cNvPr id="2" name="Tittel 1">
+            <a:extLst>
+              <a:ext uri="{FF2B5EF4-FFF2-40B4-BE49-F238E27FC236}">
+                <a16:creationId xmlns:a16="http://schemas.microsoft.com/office/drawing/2014/main" id="{D678A987-ABC3-A179-4183-95AB8AB1EA9C}"/>
+              </a:ext>
+            </a:extLst>
+          </p:cNvPr>
+          <p:cNvSpPr>
+            <a:spLocks noGrp="1"/>
+          </p:cNvSpPr>
+          <p:nvPr>
+            <p:ph type="title"/>
+          </p:nvPr>
+        </p:nvSpPr>
+        <p:spPr/>
+        <p:txBody>
+          <a:bodyPr/>
+          <a:lstStyle/>
+          <a:p>
+            <a:r>
+              <a:rPr lang="nb-NO" dirty="0" err="1"/>
+              <a:t>Overview</a:t>
+            </a:r>
+            <a:endParaRPr lang="nb-NO" dirty="0"/>
+          </a:p>
+        </p:txBody>
+      </p:sp>
+      <p:sp>
+        <p:nvSpPr>
+          <p:cNvPr id="3" name="Plassholder for tekst 2">
+            <a:extLst>
+              <a:ext uri="{FF2B5EF4-FFF2-40B4-BE49-F238E27FC236}">
+                <a16:creationId xmlns:a16="http://schemas.microsoft.com/office/drawing/2014/main" id="{F1DBE1D5-E404-1800-2291-B803203DF974}"/>
+              </a:ext>
+            </a:extLst>
+          </p:cNvPr>
+          <p:cNvSpPr>
+            <a:spLocks noGrp="1"/>
+          </p:cNvSpPr>
+          <p:nvPr>
+            <p:ph type="body" sz="quarter" idx="10"/>
+          </p:nvPr>
+        </p:nvSpPr>
+        <p:spPr>
+          <a:xfrm>
+            <a:off x="838199" y="1997236"/>
+            <a:ext cx="6707294" cy="4225143"/>
+          </a:xfrm>
+        </p:spPr>
+        <p:txBody>
+          <a:bodyPr/>
+          <a:lstStyle/>
+          <a:p>
+            <a:r>
+              <a:rPr lang="nb-NO" dirty="0" err="1"/>
+              <a:t>Strategy</a:t>
+            </a:r>
+            <a:r>
+              <a:rPr lang="nb-NO" dirty="0"/>
+              <a:t> for FHIR profiling and </a:t>
+            </a:r>
+            <a:r>
+              <a:rPr lang="nb-NO" dirty="0" err="1"/>
+              <a:t>governance</a:t>
+            </a:r>
+            <a:endParaRPr lang="nb-NO" dirty="0"/>
+          </a:p>
+          <a:p>
+            <a:r>
+              <a:rPr lang="nb-NO" dirty="0"/>
+              <a:t>Method for </a:t>
+            </a:r>
+            <a:r>
+              <a:rPr lang="nb-NO" dirty="0" err="1"/>
+              <a:t>development</a:t>
+            </a:r>
+            <a:endParaRPr lang="nb-NO" dirty="0"/>
+          </a:p>
+          <a:p>
+            <a:r>
+              <a:rPr lang="nb-NO" dirty="0" err="1"/>
+              <a:t>Guidance</a:t>
+            </a:r>
+            <a:r>
+              <a:rPr lang="nb-NO" dirty="0"/>
+              <a:t> for </a:t>
+            </a:r>
+            <a:r>
+              <a:rPr lang="nb-NO" dirty="0" err="1"/>
+              <a:t>use</a:t>
+            </a:r>
+            <a:r>
+              <a:rPr lang="nb-NO" dirty="0"/>
+              <a:t> </a:t>
+            </a:r>
+            <a:r>
+              <a:rPr lang="nb-NO" dirty="0" err="1"/>
+              <a:t>of</a:t>
+            </a:r>
+            <a:r>
+              <a:rPr lang="nb-NO" dirty="0"/>
+              <a:t> FHIR</a:t>
+            </a:r>
+          </a:p>
+          <a:p>
+            <a:r>
+              <a:rPr lang="nb-NO" dirty="0" err="1"/>
+              <a:t>Building</a:t>
+            </a:r>
+            <a:r>
+              <a:rPr lang="nb-NO" dirty="0"/>
+              <a:t> </a:t>
+            </a:r>
+            <a:r>
+              <a:rPr lang="nb-NO" dirty="0" err="1"/>
+              <a:t>the</a:t>
+            </a:r>
+            <a:r>
+              <a:rPr lang="nb-NO" dirty="0"/>
+              <a:t> FHIR </a:t>
+            </a:r>
+            <a:r>
+              <a:rPr lang="nb-NO" dirty="0" err="1"/>
+              <a:t>community</a:t>
+            </a:r>
+            <a:endParaRPr lang="nb-NO" dirty="0"/>
+          </a:p>
+          <a:p>
+            <a:r>
+              <a:rPr lang="nb-NO" dirty="0" err="1"/>
+              <a:t>Standardization</a:t>
+            </a:r>
+            <a:endParaRPr lang="nb-NO" dirty="0"/>
+          </a:p>
+          <a:p>
+            <a:r>
+              <a:rPr lang="nb-NO" dirty="0" err="1"/>
+              <a:t>Use</a:t>
+            </a:r>
+            <a:r>
+              <a:rPr lang="nb-NO" dirty="0"/>
+              <a:t> FHIR in </a:t>
+            </a:r>
+            <a:r>
+              <a:rPr lang="nb-NO" dirty="0" err="1"/>
+              <a:t>solutions</a:t>
+            </a:r>
+            <a:endParaRPr lang="nb-NO" dirty="0"/>
+          </a:p>
+        </p:txBody>
+      </p:sp>
+      <p:pic>
+        <p:nvPicPr>
+          <p:cNvPr id="5" name="Grafikk 4" descr="Strategiplan med heldekkende fyll">
+            <a:extLst>
+              <a:ext uri="{FF2B5EF4-FFF2-40B4-BE49-F238E27FC236}">
+                <a16:creationId xmlns:a16="http://schemas.microsoft.com/office/drawing/2014/main" id="{61106311-6C41-9768-0AC5-E274B49CA9D2}"/>
+              </a:ext>
+            </a:extLst>
+          </p:cNvPr>
+          <p:cNvPicPr>
+            <a:picLocks noChangeAspect="1"/>
+          </p:cNvPicPr>
+          <p:nvPr/>
+        </p:nvPicPr>
+        <p:blipFill>
+          <a:blip r:embed="rId3">
+            <a:extLst>
+              <a:ext uri="{96DAC541-7B7A-43D3-8B79-37D633B846F1}">
+                <asvg:svgBlip xmlns:asvg="http://schemas.microsoft.com/office/drawing/2016/SVG/main" r:embed="rId4"/>
+              </a:ext>
+            </a:extLst>
+          </a:blip>
+          <a:stretch>
+            <a:fillRect/>
+          </a:stretch>
+        </p:blipFill>
+        <p:spPr>
+          <a:xfrm>
+            <a:off x="8309457" y="1686954"/>
+            <a:ext cx="1149225" cy="1149225"/>
+          </a:xfrm>
+          <a:prstGeom prst="rect">
+            <a:avLst/>
+          </a:prstGeom>
+        </p:spPr>
+      </p:pic>
+      <p:pic>
+        <p:nvPicPr>
+          <p:cNvPr id="7" name="Grafikk 6" descr="Sirkler med piler med heldekkende fyll">
+            <a:extLst>
+              <a:ext uri="{FF2B5EF4-FFF2-40B4-BE49-F238E27FC236}">
+                <a16:creationId xmlns:a16="http://schemas.microsoft.com/office/drawing/2014/main" id="{C6F5BE7C-2B33-9AF8-1819-10DA8F1FA9F0}"/>
+              </a:ext>
+            </a:extLst>
+          </p:cNvPr>
+          <p:cNvPicPr>
+            <a:picLocks noChangeAspect="1"/>
+          </p:cNvPicPr>
+          <p:nvPr/>
+        </p:nvPicPr>
+        <p:blipFill>
+          <a:blip r:embed="rId5">
+            <a:extLst>
+              <a:ext uri="{96DAC541-7B7A-43D3-8B79-37D633B846F1}">
+                <asvg:svgBlip xmlns:asvg="http://schemas.microsoft.com/office/drawing/2016/SVG/main" r:embed="rId6"/>
+              </a:ext>
+            </a:extLst>
+          </a:blip>
+          <a:stretch>
+            <a:fillRect/>
+          </a:stretch>
+        </p:blipFill>
+        <p:spPr>
+          <a:xfrm>
+            <a:off x="10253923" y="1686955"/>
+            <a:ext cx="1149225" cy="1149225"/>
+          </a:xfrm>
+          <a:prstGeom prst="rect">
+            <a:avLst/>
+          </a:prstGeom>
+        </p:spPr>
+      </p:pic>
+      <p:pic>
+        <p:nvPicPr>
+          <p:cNvPr id="9" name="Grafikk 8" descr="Kompass med heldekkende fyll">
+            <a:extLst>
+              <a:ext uri="{FF2B5EF4-FFF2-40B4-BE49-F238E27FC236}">
+                <a16:creationId xmlns:a16="http://schemas.microsoft.com/office/drawing/2014/main" id="{EA79DD89-56A7-77D5-5EAD-B10C31AFC8F5}"/>
+              </a:ext>
+            </a:extLst>
+          </p:cNvPr>
+          <p:cNvPicPr>
+            <a:picLocks noChangeAspect="1"/>
+          </p:cNvPicPr>
+          <p:nvPr/>
+        </p:nvPicPr>
+        <p:blipFill>
+          <a:blip r:embed="rId7">
+            <a:extLst>
+              <a:ext uri="{96DAC541-7B7A-43D3-8B79-37D633B846F1}">
+                <asvg:svgBlip xmlns:asvg="http://schemas.microsoft.com/office/drawing/2016/SVG/main" r:embed="rId8"/>
+              </a:ext>
+            </a:extLst>
+          </a:blip>
+          <a:stretch>
+            <a:fillRect/>
+          </a:stretch>
+        </p:blipFill>
+        <p:spPr>
+          <a:xfrm>
+            <a:off x="10253924" y="3171752"/>
+            <a:ext cx="1149224" cy="1149224"/>
+          </a:xfrm>
+          <a:prstGeom prst="rect">
+            <a:avLst/>
+          </a:prstGeom>
+        </p:spPr>
+      </p:pic>
+      <p:pic>
+        <p:nvPicPr>
+          <p:cNvPr id="13" name="Grafikk 12" descr="Gruppe idédugnad med heldekkende fyll">
+            <a:extLst>
+              <a:ext uri="{FF2B5EF4-FFF2-40B4-BE49-F238E27FC236}">
+                <a16:creationId xmlns:a16="http://schemas.microsoft.com/office/drawing/2014/main" id="{0042736D-9B56-5C02-20B2-A89241BA4AA5}"/>
+              </a:ext>
+            </a:extLst>
+          </p:cNvPr>
+          <p:cNvPicPr>
+            <a:picLocks noChangeAspect="1"/>
+          </p:cNvPicPr>
+          <p:nvPr/>
+        </p:nvPicPr>
+        <p:blipFill>
+          <a:blip r:embed="rId9">
+            <a:extLst>
+              <a:ext uri="{96DAC541-7B7A-43D3-8B79-37D633B846F1}">
+                <asvg:svgBlip xmlns:asvg="http://schemas.microsoft.com/office/drawing/2016/SVG/main" r:embed="rId10"/>
+              </a:ext>
+            </a:extLst>
+          </a:blip>
+          <a:stretch>
+            <a:fillRect/>
+          </a:stretch>
+        </p:blipFill>
+        <p:spPr>
+          <a:xfrm>
+            <a:off x="8309454" y="3160071"/>
+            <a:ext cx="1149226" cy="1149226"/>
+          </a:xfrm>
+          <a:prstGeom prst="rect">
+            <a:avLst/>
+          </a:prstGeom>
+        </p:spPr>
+      </p:pic>
+      <p:pic>
+        <p:nvPicPr>
+          <p:cNvPr id="10" name="Grafikk 9" descr="Puslespillbiter">
+            <a:extLst>
+              <a:ext uri="{FF2B5EF4-FFF2-40B4-BE49-F238E27FC236}">
+                <a16:creationId xmlns:a16="http://schemas.microsoft.com/office/drawing/2014/main" id="{2E245248-2946-E178-7ED5-9443212E5156}"/>
+              </a:ext>
+            </a:extLst>
+          </p:cNvPr>
+          <p:cNvPicPr>
+            <a:picLocks noChangeAspect="1"/>
+          </p:cNvPicPr>
+          <p:nvPr/>
+        </p:nvPicPr>
+        <p:blipFill>
+          <a:blip r:embed="rId11">
+            <a:extLst>
+              <a:ext uri="{96DAC541-7B7A-43D3-8B79-37D633B846F1}">
+                <asvg:svgBlip xmlns:asvg="http://schemas.microsoft.com/office/drawing/2016/SVG/main" r:embed="rId12"/>
+              </a:ext>
+            </a:extLst>
+          </a:blip>
+          <a:stretch>
+            <a:fillRect/>
+          </a:stretch>
+        </p:blipFill>
+        <p:spPr>
+          <a:xfrm>
+            <a:off x="8309454" y="4518852"/>
+            <a:ext cx="1149223" cy="1149223"/>
+          </a:xfrm>
+          <a:prstGeom prst="rect">
+            <a:avLst/>
+          </a:prstGeom>
+        </p:spPr>
+      </p:pic>
+      <p:pic>
+        <p:nvPicPr>
+          <p:cNvPr id="14" name="Grafikk 13" descr="Diplomrull">
+            <a:extLst>
+              <a:ext uri="{FF2B5EF4-FFF2-40B4-BE49-F238E27FC236}">
+                <a16:creationId xmlns:a16="http://schemas.microsoft.com/office/drawing/2014/main" id="{8627DDD3-669D-527B-30BB-E29155A2C829}"/>
+              </a:ext>
+            </a:extLst>
+          </p:cNvPr>
+          <p:cNvPicPr>
+            <a:picLocks noChangeAspect="1"/>
+          </p:cNvPicPr>
+          <p:nvPr/>
+        </p:nvPicPr>
+        <p:blipFill>
+          <a:blip r:embed="rId13">
+            <a:extLst>
+              <a:ext uri="{96DAC541-7B7A-43D3-8B79-37D633B846F1}">
+                <asvg:svgBlip xmlns:asvg="http://schemas.microsoft.com/office/drawing/2016/SVG/main" r:embed="rId14"/>
+              </a:ext>
+            </a:extLst>
+          </a:blip>
+          <a:stretch>
+            <a:fillRect/>
+          </a:stretch>
+        </p:blipFill>
+        <p:spPr>
+          <a:xfrm>
+            <a:off x="10253923" y="4656548"/>
+            <a:ext cx="1145240" cy="1145240"/>
+          </a:xfrm>
+          <a:prstGeom prst="rect">
+            <a:avLst/>
+          </a:prstGeom>
+        </p:spPr>
+      </p:pic>
+    </p:spTree>
+    <p:extLst>
+      <p:ext uri="{BB962C8B-B14F-4D97-AF65-F5344CB8AC3E}">
+        <p14:creationId xmlns:p14="http://schemas.microsoft.com/office/powerpoint/2010/main" val="1319330167"/>
+      </p:ext>
+    </p:extLst>
+  </p:cSld>
+  <p:clrMapOvr>
+    <a:masterClrMapping/>
+  </p:clrMapOvr>
+  <mc:AlternateContent xmlns:mc="http://schemas.openxmlformats.org/markup-compatibility/2006">
+    <mc:Choice xmlns:p14="http://schemas.microsoft.com/office/powerpoint/2010/main" Requires="p14">
+      <p:transition p14:dur="0"/>
+    </mc:Choice>
+    <mc:Fallback>
+      <p:transition/>
+    </mc:Fallback>
+  </mc:AlternateContent>
+</p:sld>
+</file>
+
+<file path=ppt/slides/slide4.xml><?xml version="1.0" encoding="utf-8"?>
+<p:sld xmlns:a="http://schemas.openxmlformats.org/drawingml/2006/main" xmlns:r="http://schemas.openxmlformats.org/officeDocument/2006/relationships" xmlns:p="http://schemas.openxmlformats.org/presentationml/2006/main">
+  <p:cSld>
+    <p:spTree>
+      <p:nvGrpSpPr>
+        <p:cNvPr id="1" name=""/>
+        <p:cNvGrpSpPr/>
+        <p:nvPr/>
+      </p:nvGrpSpPr>
+      <p:grpSpPr>
+        <a:xfrm>
+          <a:off x="0" y="0"/>
+          <a:ext cx="0" cy="0"/>
+          <a:chOff x="0" y="0"/>
+          <a:chExt cx="0" cy="0"/>
+        </a:xfrm>
+      </p:grpSpPr>
+      <p:sp>
+        <p:nvSpPr>
+          <p:cNvPr id="2" name="Tittel 1">
+            <a:extLst>
+              <a:ext uri="{FF2B5EF4-FFF2-40B4-BE49-F238E27FC236}">
+                <a16:creationId xmlns:a16="http://schemas.microsoft.com/office/drawing/2014/main" id="{48DBD2BC-6E31-886F-0DC5-A006C415C472}"/>
+              </a:ext>
+            </a:extLst>
+          </p:cNvPr>
+          <p:cNvSpPr>
+            <a:spLocks noGrp="1"/>
+          </p:cNvSpPr>
+          <p:nvPr>
+            <p:ph type="title"/>
+          </p:nvPr>
+        </p:nvSpPr>
+        <p:spPr/>
+        <p:txBody>
+          <a:bodyPr/>
+          <a:lstStyle/>
+          <a:p>
+            <a:r>
+              <a:rPr lang="nb-NO" dirty="0"/>
+              <a:t>Profiling </a:t>
+            </a:r>
+            <a:r>
+              <a:rPr lang="nb-NO" dirty="0" err="1"/>
+              <a:t>strategy</a:t>
+            </a:r>
+            <a:endParaRPr lang="nb-NO" dirty="0"/>
+          </a:p>
+        </p:txBody>
+      </p:sp>
+      <p:sp>
+        <p:nvSpPr>
+          <p:cNvPr id="3" name="Plassholder for tekst 2">
+            <a:extLst>
+              <a:ext uri="{FF2B5EF4-FFF2-40B4-BE49-F238E27FC236}">
+                <a16:creationId xmlns:a16="http://schemas.microsoft.com/office/drawing/2014/main" id="{BDA343DD-40E1-21E0-9E72-1C074B67CDC5}"/>
+              </a:ext>
+            </a:extLst>
+          </p:cNvPr>
+          <p:cNvSpPr>
+            <a:spLocks noGrp="1"/>
+          </p:cNvSpPr>
+          <p:nvPr>
+            <p:ph type="body" sz="quarter" idx="10"/>
+          </p:nvPr>
+        </p:nvSpPr>
+        <p:spPr>
+          <a:xfrm>
+            <a:off x="838199" y="1997236"/>
+            <a:ext cx="4913871" cy="4225143"/>
+          </a:xfrm>
+        </p:spPr>
+        <p:txBody>
+          <a:bodyPr/>
+          <a:lstStyle/>
+          <a:p>
+            <a:r>
+              <a:rPr lang="nb-NO" dirty="0"/>
+              <a:t>Top </a:t>
+            </a:r>
+            <a:r>
+              <a:rPr lang="nb-NO" dirty="0" err="1"/>
+              <a:t>level</a:t>
+            </a:r>
+            <a:r>
+              <a:rPr lang="nb-NO" dirty="0"/>
+              <a:t> </a:t>
+            </a:r>
+            <a:r>
+              <a:rPr lang="nb-NO" dirty="0" err="1"/>
+              <a:t>view</a:t>
+            </a:r>
+            <a:r>
+              <a:rPr lang="nb-NO" dirty="0"/>
+              <a:t> </a:t>
+            </a:r>
+            <a:r>
+              <a:rPr lang="nb-NO" dirty="0" err="1"/>
+              <a:t>of</a:t>
+            </a:r>
+            <a:r>
+              <a:rPr lang="nb-NO" dirty="0"/>
+              <a:t> </a:t>
+            </a:r>
+            <a:r>
+              <a:rPr lang="nb-NO" dirty="0" err="1"/>
+              <a:t>governance</a:t>
+            </a:r>
+            <a:r>
+              <a:rPr lang="nb-NO" dirty="0"/>
+              <a:t> and </a:t>
+            </a:r>
+            <a:r>
+              <a:rPr lang="nb-NO" dirty="0" err="1"/>
+              <a:t>development</a:t>
+            </a:r>
+            <a:r>
+              <a:rPr lang="nb-NO" dirty="0"/>
+              <a:t> for FHIR </a:t>
+            </a:r>
+            <a:r>
+              <a:rPr lang="nb-NO" dirty="0" err="1"/>
+              <a:t>development</a:t>
+            </a:r>
+            <a:r>
+              <a:rPr lang="nb-NO" dirty="0"/>
+              <a:t> in Norway</a:t>
+            </a:r>
+          </a:p>
+          <a:p>
+            <a:r>
+              <a:rPr lang="nb-NO" dirty="0" err="1"/>
+              <a:t>Everything</a:t>
+            </a:r>
+            <a:r>
+              <a:rPr lang="nb-NO" dirty="0"/>
+              <a:t> </a:t>
+            </a:r>
+            <a:r>
+              <a:rPr lang="nb-NO" dirty="0" err="1"/>
+              <a:t>builds</a:t>
+            </a:r>
+            <a:r>
+              <a:rPr lang="nb-NO" dirty="0"/>
+              <a:t> </a:t>
+            </a:r>
+            <a:r>
+              <a:rPr lang="nb-NO" dirty="0" err="1"/>
+              <a:t>on</a:t>
+            </a:r>
+            <a:r>
+              <a:rPr lang="nb-NO" dirty="0"/>
+              <a:t> a </a:t>
+            </a:r>
+            <a:r>
+              <a:rPr lang="nb-NO" dirty="0" err="1"/>
+              <a:t>collection</a:t>
+            </a:r>
+            <a:r>
+              <a:rPr lang="nb-NO" dirty="0"/>
+              <a:t> </a:t>
+            </a:r>
+            <a:r>
+              <a:rPr lang="nb-NO" dirty="0" err="1"/>
+              <a:t>of</a:t>
+            </a:r>
+            <a:r>
+              <a:rPr lang="nb-NO" dirty="0"/>
+              <a:t> base </a:t>
+            </a:r>
+            <a:r>
+              <a:rPr lang="nb-NO" dirty="0" err="1"/>
+              <a:t>profiles</a:t>
+            </a:r>
+            <a:r>
+              <a:rPr lang="nb-NO" dirty="0"/>
+              <a:t> (</a:t>
+            </a:r>
+            <a:r>
+              <a:rPr lang="nb-NO" dirty="0" err="1"/>
+              <a:t>no</a:t>
+            </a:r>
+            <a:r>
+              <a:rPr lang="nb-NO" dirty="0"/>
+              <a:t>-basis)</a:t>
+            </a:r>
+          </a:p>
+          <a:p>
+            <a:r>
+              <a:rPr lang="nb-NO" dirty="0" err="1"/>
+              <a:t>Domain</a:t>
+            </a:r>
+            <a:r>
+              <a:rPr lang="nb-NO" dirty="0"/>
+              <a:t> </a:t>
+            </a:r>
+            <a:r>
+              <a:rPr lang="nb-NO" dirty="0" err="1"/>
+              <a:t>profiles</a:t>
+            </a:r>
+            <a:r>
+              <a:rPr lang="nb-NO" dirty="0"/>
+              <a:t> </a:t>
+            </a:r>
+            <a:r>
+              <a:rPr lang="nb-NO" dirty="0" err="1"/>
+              <a:t>are</a:t>
+            </a:r>
+            <a:r>
+              <a:rPr lang="nb-NO" dirty="0"/>
+              <a:t> </a:t>
+            </a:r>
+            <a:r>
+              <a:rPr lang="nb-NO" dirty="0" err="1"/>
+              <a:t>developed</a:t>
+            </a:r>
+            <a:r>
+              <a:rPr lang="nb-NO" dirty="0"/>
+              <a:t> as </a:t>
+            </a:r>
+            <a:r>
+              <a:rPr lang="nb-NO" dirty="0" err="1"/>
+              <a:t>needed</a:t>
+            </a:r>
+            <a:endParaRPr lang="nb-NO" dirty="0"/>
+          </a:p>
+          <a:p>
+            <a:r>
+              <a:rPr lang="nb-NO" dirty="0" err="1"/>
+              <a:t>Implemented</a:t>
+            </a:r>
+            <a:r>
+              <a:rPr lang="nb-NO" dirty="0"/>
+              <a:t> </a:t>
+            </a:r>
+            <a:r>
+              <a:rPr lang="nb-NO" dirty="0" err="1"/>
+              <a:t>profiles</a:t>
+            </a:r>
+            <a:r>
+              <a:rPr lang="nb-NO" dirty="0"/>
+              <a:t> </a:t>
+            </a:r>
+            <a:r>
+              <a:rPr lang="nb-NO" dirty="0" err="1"/>
+              <a:t>are</a:t>
+            </a:r>
+            <a:r>
+              <a:rPr lang="nb-NO" dirty="0"/>
+              <a:t> </a:t>
+            </a:r>
+            <a:r>
+              <a:rPr lang="nb-NO" dirty="0" err="1"/>
+              <a:t>made</a:t>
+            </a:r>
+            <a:r>
+              <a:rPr lang="nb-NO" dirty="0"/>
+              <a:t> by </a:t>
+            </a:r>
+            <a:r>
+              <a:rPr lang="nb-NO" dirty="0" err="1"/>
+              <a:t>everyone</a:t>
+            </a:r>
+            <a:endParaRPr lang="nb-NO" dirty="0"/>
+          </a:p>
+        </p:txBody>
+      </p:sp>
+      <p:pic>
+        <p:nvPicPr>
+          <p:cNvPr id="20" name="Bilde 19">
+            <a:extLst>
+              <a:ext uri="{FF2B5EF4-FFF2-40B4-BE49-F238E27FC236}">
+                <a16:creationId xmlns:a16="http://schemas.microsoft.com/office/drawing/2014/main" id="{9167F262-7966-6E00-B72B-ED923983E240}"/>
+              </a:ext>
+            </a:extLst>
+          </p:cNvPr>
+          <p:cNvPicPr>
+            <a:picLocks noChangeAspect="1"/>
+          </p:cNvPicPr>
+          <p:nvPr/>
+        </p:nvPicPr>
+        <p:blipFill>
+          <a:blip r:embed="rId3"/>
+          <a:stretch>
+            <a:fillRect/>
+          </a:stretch>
+        </p:blipFill>
+        <p:spPr>
+          <a:xfrm>
+            <a:off x="6050049" y="1805657"/>
+            <a:ext cx="5985408" cy="3906605"/>
+          </a:xfrm>
+          <a:prstGeom prst="rect">
+            <a:avLst/>
+          </a:prstGeom>
+        </p:spPr>
+      </p:pic>
+      <p:pic>
+        <p:nvPicPr>
+          <p:cNvPr id="4" name="Grafikk 3" descr="Strategiplan med heldekkende fyll">
+            <a:extLst>
+              <a:ext uri="{FF2B5EF4-FFF2-40B4-BE49-F238E27FC236}">
+                <a16:creationId xmlns:a16="http://schemas.microsoft.com/office/drawing/2014/main" id="{56DF699A-F3C6-2291-EFAF-34343512BF24}"/>
+              </a:ext>
+            </a:extLst>
+          </p:cNvPr>
+          <p:cNvPicPr>
+            <a:picLocks noChangeAspect="1"/>
+          </p:cNvPicPr>
+          <p:nvPr/>
+        </p:nvPicPr>
+        <p:blipFill>
+          <a:blip r:embed="rId4">
+            <a:extLst>
+              <a:ext uri="{96DAC541-7B7A-43D3-8B79-37D633B846F1}">
+                <asvg:svgBlip xmlns:asvg="http://schemas.microsoft.com/office/drawing/2016/SVG/main" r:embed="rId5"/>
+              </a:ext>
+            </a:extLst>
+          </a:blip>
+          <a:stretch>
+            <a:fillRect/>
+          </a:stretch>
+        </p:blipFill>
+        <p:spPr>
+          <a:xfrm>
+            <a:off x="10933732" y="656432"/>
+            <a:ext cx="1149225" cy="1149225"/>
+          </a:xfrm>
+          <a:prstGeom prst="rect">
+            <a:avLst/>
+          </a:prstGeom>
+        </p:spPr>
+      </p:pic>
+    </p:spTree>
+    <p:extLst>
+      <p:ext uri="{BB962C8B-B14F-4D97-AF65-F5344CB8AC3E}">
+        <p14:creationId xmlns:p14="http://schemas.microsoft.com/office/powerpoint/2010/main" val="1732795402"/>
+      </p:ext>
+    </p:extLst>
+  </p:cSld>
+  <p:clrMapOvr>
+    <a:masterClrMapping/>
+  </p:clrMapOvr>
+  <mc:AlternateContent xmlns:mc="http://schemas.openxmlformats.org/markup-compatibility/2006">
+    <mc:Choice xmlns:p14="http://schemas.microsoft.com/office/powerpoint/2010/main" Requires="p14">
+      <p:transition p14:dur="0"/>
+    </mc:Choice>
+    <mc:Fallback>
+      <p:transition/>
+    </mc:Fallback>
+  </mc:AlternateContent>
+</p:sld>
+</file>
+
+<file path=ppt/slides/slide5.xml><?xml version="1.0" encoding="utf-8"?>
+<p:sld xmlns:a="http://schemas.openxmlformats.org/drawingml/2006/main" xmlns:r="http://schemas.openxmlformats.org/officeDocument/2006/relationships" xmlns:p="http://schemas.openxmlformats.org/presentationml/2006/main">
+  <p:cSld>
+    <p:spTree>
+      <p:nvGrpSpPr>
+        <p:cNvPr id="1" name=""/>
+        <p:cNvGrpSpPr/>
+        <p:nvPr/>
+      </p:nvGrpSpPr>
+      <p:grpSpPr>
+        <a:xfrm>
+          <a:off x="0" y="0"/>
+          <a:ext cx="0" cy="0"/>
+          <a:chOff x="0" y="0"/>
+          <a:chExt cx="0" cy="0"/>
+        </a:xfrm>
+      </p:grpSpPr>
+      <p:sp>
+        <p:nvSpPr>
+          <p:cNvPr id="2" name="Title 1"/>
+          <p:cNvSpPr>
+            <a:spLocks noGrp="1"/>
+          </p:cNvSpPr>
+          <p:nvPr>
+            <p:ph type="title"/>
+          </p:nvPr>
+        </p:nvSpPr>
+        <p:spPr>
+          <a:xfrm>
+            <a:off x="838200" y="1043753"/>
+            <a:ext cx="10515600" cy="886732"/>
+          </a:xfrm>
+          <a:prstGeom prst="rect">
+            <a:avLst/>
+          </a:prstGeom>
+        </p:spPr>
+        <p:txBody>
+          <a:bodyPr/>
+          <a:lstStyle/>
+          <a:p>
+            <a:r>
+              <a:rPr lang="en-US" dirty="0"/>
+              <a:t>Method no-domain</a:t>
+            </a:r>
+          </a:p>
+        </p:txBody>
+      </p:sp>
+      <p:pic>
+        <p:nvPicPr>
+          <p:cNvPr id="4" name="Bilde 3">
+            <a:extLst>
+              <a:ext uri="{FF2B5EF4-FFF2-40B4-BE49-F238E27FC236}">
+                <a16:creationId xmlns:a16="http://schemas.microsoft.com/office/drawing/2014/main" id="{74B34CE1-59E1-1458-CC68-573926829468}"/>
+              </a:ext>
+            </a:extLst>
+          </p:cNvPr>
+          <p:cNvPicPr>
+            <a:picLocks noChangeAspect="1"/>
+          </p:cNvPicPr>
+          <p:nvPr/>
+        </p:nvPicPr>
+        <p:blipFill>
+          <a:blip r:embed="rId2">
+            <a:clrChange>
+              <a:clrFrom>
+                <a:srgbClr val="FFFFFF"/>
+              </a:clrFrom>
+              <a:clrTo>
+                <a:srgbClr val="FFFFFF">
+                  <a:alpha val="0"/>
+                </a:srgbClr>
+              </a:clrTo>
+            </a:clrChange>
+          </a:blip>
+          <a:stretch>
+            <a:fillRect/>
+          </a:stretch>
+        </p:blipFill>
+        <p:spPr>
+          <a:xfrm>
+            <a:off x="5575409" y="970927"/>
+            <a:ext cx="6616591" cy="5222903"/>
+          </a:xfrm>
+          <a:prstGeom prst="rect">
+            <a:avLst/>
+          </a:prstGeom>
+        </p:spPr>
+      </p:pic>
+      <p:pic>
+        <p:nvPicPr>
+          <p:cNvPr id="3" name="Grafikk 2" descr="Sirkler med piler med heldekkende fyll">
+            <a:extLst>
+              <a:ext uri="{FF2B5EF4-FFF2-40B4-BE49-F238E27FC236}">
+                <a16:creationId xmlns:a16="http://schemas.microsoft.com/office/drawing/2014/main" id="{7667CB53-BCC2-9945-C121-0D789CC62D50}"/>
+              </a:ext>
+            </a:extLst>
+          </p:cNvPr>
+          <p:cNvPicPr>
+            <a:picLocks noChangeAspect="1"/>
+          </p:cNvPicPr>
+          <p:nvPr/>
+        </p:nvPicPr>
+        <p:blipFill>
+          <a:blip r:embed="rId3">
+            <a:extLst>
+              <a:ext uri="{96DAC541-7B7A-43D3-8B79-37D633B846F1}">
+                <asvg:svgBlip xmlns:asvg="http://schemas.microsoft.com/office/drawing/2016/SVG/main" r:embed="rId4"/>
+              </a:ext>
+            </a:extLst>
+          </a:blip>
+          <a:stretch>
+            <a:fillRect/>
+          </a:stretch>
+        </p:blipFill>
+        <p:spPr>
+          <a:xfrm>
+            <a:off x="10973465" y="912506"/>
+            <a:ext cx="1149225" cy="1149225"/>
+          </a:xfrm>
+          <a:prstGeom prst="rect">
+            <a:avLst/>
+          </a:prstGeom>
+        </p:spPr>
+      </p:pic>
+    </p:spTree>
+    <p:extLst>
+      <p:ext uri="{BB962C8B-B14F-4D97-AF65-F5344CB8AC3E}">
+        <p14:creationId xmlns:p14="http://schemas.microsoft.com/office/powerpoint/2010/main" val="3644598006"/>
+      </p:ext>
+    </p:extLst>
+  </p:cSld>
+  <p:clrMapOvr>
+    <a:masterClrMapping/>
+  </p:clrMapOvr>
+  <mc:AlternateContent xmlns:mc="http://schemas.openxmlformats.org/markup-compatibility/2006">
+    <mc:Choice xmlns:p14="http://schemas.microsoft.com/office/powerpoint/2010/main" Requires="p14">
+      <p:transition p14:dur="0"/>
+    </mc:Choice>
+    <mc:Fallback>
+      <p:transition/>
+    </mc:Fallback>
+  </mc:AlternateContent>
+</p:sld>
+</file>
+
+<file path=ppt/slides/slide6.xml><?xml version="1.0" encoding="utf-8"?>
+<p:sld xmlns:a="http://schemas.openxmlformats.org/drawingml/2006/main" xmlns:r="http://schemas.openxmlformats.org/officeDocument/2006/relationships" xmlns:p="http://schemas.openxmlformats.org/presentationml/2006/main">
+  <p:cSld>
+    <p:spTree>
+      <p:nvGrpSpPr>
+        <p:cNvPr id="1" name=""/>
+        <p:cNvGrpSpPr/>
+        <p:nvPr/>
+      </p:nvGrpSpPr>
+      <p:grpSpPr>
+        <a:xfrm>
+          <a:off x="0" y="0"/>
+          <a:ext cx="0" cy="0"/>
+          <a:chOff x="0" y="0"/>
+          <a:chExt cx="0" cy="0"/>
+        </a:xfrm>
+      </p:grpSpPr>
+      <p:sp>
+        <p:nvSpPr>
+          <p:cNvPr id="2" name="Tittel 1">
+            <a:extLst>
+              <a:ext uri="{FF2B5EF4-FFF2-40B4-BE49-F238E27FC236}">
+                <a16:creationId xmlns:a16="http://schemas.microsoft.com/office/drawing/2014/main" id="{D31AD031-5134-B6FB-581F-00CDE07C0FFB}"/>
+              </a:ext>
+            </a:extLst>
+          </p:cNvPr>
+          <p:cNvSpPr>
+            <a:spLocks noGrp="1"/>
+          </p:cNvSpPr>
+          <p:nvPr>
+            <p:ph type="title"/>
+          </p:nvPr>
+        </p:nvSpPr>
+        <p:spPr/>
+        <p:txBody>
+          <a:bodyPr/>
+          <a:lstStyle/>
+          <a:p>
+            <a:r>
+              <a:rPr lang="nb-NO" dirty="0" err="1"/>
+              <a:t>Building</a:t>
+            </a:r>
+            <a:r>
+              <a:rPr lang="nb-NO" dirty="0"/>
+              <a:t> </a:t>
+            </a:r>
+            <a:r>
+              <a:rPr lang="nb-NO" dirty="0" err="1"/>
+              <a:t>the</a:t>
+            </a:r>
+            <a:r>
+              <a:rPr lang="nb-NO" dirty="0"/>
+              <a:t> FHIR </a:t>
+            </a:r>
+            <a:r>
+              <a:rPr lang="nb-NO" dirty="0" err="1"/>
+              <a:t>community</a:t>
+            </a:r>
+            <a:endParaRPr lang="nb-NO" dirty="0"/>
+          </a:p>
+        </p:txBody>
+      </p:sp>
+      <p:sp>
+        <p:nvSpPr>
+          <p:cNvPr id="3" name="Plassholder for tekst 2">
+            <a:extLst>
+              <a:ext uri="{FF2B5EF4-FFF2-40B4-BE49-F238E27FC236}">
+                <a16:creationId xmlns:a16="http://schemas.microsoft.com/office/drawing/2014/main" id="{0B591A09-F4B7-163A-6591-435A76E59E39}"/>
+              </a:ext>
+            </a:extLst>
+          </p:cNvPr>
+          <p:cNvSpPr>
+            <a:spLocks noGrp="1"/>
+          </p:cNvSpPr>
+          <p:nvPr>
+            <p:ph type="body" sz="quarter" idx="10"/>
+          </p:nvPr>
+        </p:nvSpPr>
+        <p:spPr/>
+        <p:txBody>
+          <a:bodyPr/>
+          <a:lstStyle/>
+          <a:p>
+            <a:r>
+              <a:rPr lang="nb-NO" dirty="0" err="1"/>
+              <a:t>Mostly</a:t>
+            </a:r>
+            <a:r>
+              <a:rPr lang="nb-NO" dirty="0"/>
+              <a:t> </a:t>
+            </a:r>
+            <a:r>
+              <a:rPr lang="nb-NO" dirty="0" err="1"/>
+              <a:t>organized</a:t>
+            </a:r>
+            <a:r>
+              <a:rPr lang="nb-NO" dirty="0"/>
+              <a:t> </a:t>
+            </a:r>
+            <a:r>
+              <a:rPr lang="nb-NO" dirty="0" err="1"/>
+              <a:t>through</a:t>
+            </a:r>
+            <a:r>
+              <a:rPr lang="nb-NO" dirty="0"/>
+              <a:t> HL7 Norway</a:t>
+            </a:r>
+          </a:p>
+          <a:p>
+            <a:pPr lvl="1"/>
+            <a:r>
+              <a:rPr lang="nb-NO" dirty="0"/>
+              <a:t>Workshops base and </a:t>
+            </a:r>
+            <a:r>
+              <a:rPr lang="nb-NO" dirty="0" err="1"/>
+              <a:t>domain</a:t>
+            </a:r>
+            <a:r>
+              <a:rPr lang="nb-NO" dirty="0"/>
+              <a:t> profiling</a:t>
+            </a:r>
+          </a:p>
+          <a:p>
+            <a:pPr lvl="1"/>
+            <a:r>
+              <a:rPr lang="nb-NO" dirty="0"/>
+              <a:t>Courses in FHIR and profiling</a:t>
+            </a:r>
+          </a:p>
+          <a:p>
+            <a:pPr lvl="1"/>
+            <a:endParaRPr lang="nb-NO" dirty="0"/>
+          </a:p>
+          <a:p>
+            <a:r>
+              <a:rPr lang="nb-NO" dirty="0"/>
+              <a:t>The Norwegian FHIR forum (</a:t>
+            </a:r>
+            <a:r>
+              <a:rPr lang="nb-NO" dirty="0" err="1"/>
+              <a:t>aka</a:t>
+            </a:r>
+            <a:r>
+              <a:rPr lang="nb-NO" dirty="0"/>
+              <a:t> «fagforum»)</a:t>
+            </a:r>
+          </a:p>
+          <a:p>
+            <a:pPr lvl="1"/>
+            <a:r>
+              <a:rPr lang="nb-NO" dirty="0" err="1"/>
+              <a:t>About</a:t>
+            </a:r>
+            <a:r>
+              <a:rPr lang="nb-NO" dirty="0"/>
+              <a:t> </a:t>
+            </a:r>
+            <a:r>
+              <a:rPr lang="nb-NO" dirty="0" err="1"/>
+              <a:t>six</a:t>
+            </a:r>
+            <a:r>
+              <a:rPr lang="nb-NO" dirty="0"/>
+              <a:t> </a:t>
+            </a:r>
+            <a:r>
+              <a:rPr lang="nb-NO" dirty="0" err="1"/>
+              <a:t>meetins</a:t>
+            </a:r>
+            <a:r>
+              <a:rPr lang="nb-NO" dirty="0"/>
+              <a:t> a </a:t>
+            </a:r>
+            <a:r>
+              <a:rPr lang="nb-NO" dirty="0" err="1"/>
+              <a:t>year</a:t>
+            </a:r>
+            <a:endParaRPr lang="nb-NO" dirty="0"/>
+          </a:p>
+          <a:p>
+            <a:pPr lvl="1"/>
+            <a:r>
+              <a:rPr lang="nb-NO" dirty="0"/>
+              <a:t>Open </a:t>
+            </a:r>
+            <a:r>
+              <a:rPr lang="nb-NO" dirty="0" err="1"/>
+              <a:t>disussions</a:t>
+            </a:r>
+            <a:r>
+              <a:rPr lang="nb-NO" dirty="0"/>
+              <a:t> and </a:t>
+            </a:r>
+            <a:r>
+              <a:rPr lang="nb-NO" dirty="0" err="1"/>
+              <a:t>lectures</a:t>
+            </a:r>
+            <a:r>
+              <a:rPr lang="nb-NO" dirty="0"/>
+              <a:t> from </a:t>
+            </a:r>
+            <a:r>
+              <a:rPr lang="nb-NO" dirty="0" err="1"/>
+              <a:t>vendors</a:t>
+            </a:r>
+            <a:r>
+              <a:rPr lang="nb-NO" dirty="0"/>
+              <a:t> </a:t>
+            </a:r>
+            <a:r>
+              <a:rPr lang="nb-NO" dirty="0" err="1"/>
+              <a:t>building</a:t>
+            </a:r>
+            <a:r>
+              <a:rPr lang="nb-NO" dirty="0"/>
+              <a:t> </a:t>
+            </a:r>
+            <a:r>
+              <a:rPr lang="nb-NO" dirty="0" err="1"/>
+              <a:t>solutions</a:t>
+            </a:r>
+            <a:endParaRPr lang="nb-NO" dirty="0"/>
+          </a:p>
+        </p:txBody>
+      </p:sp>
+      <p:pic>
+        <p:nvPicPr>
+          <p:cNvPr id="4" name="Grafikk 3" descr="Gruppe idédugnad med heldekkende fyll">
+            <a:extLst>
+              <a:ext uri="{FF2B5EF4-FFF2-40B4-BE49-F238E27FC236}">
+                <a16:creationId xmlns:a16="http://schemas.microsoft.com/office/drawing/2014/main" id="{3D6CD9B5-0CC4-AF04-4DC7-FD6267CDBCF7}"/>
+              </a:ext>
+            </a:extLst>
+          </p:cNvPr>
+          <p:cNvPicPr>
+            <a:picLocks noChangeAspect="1"/>
+          </p:cNvPicPr>
+          <p:nvPr/>
+        </p:nvPicPr>
+        <p:blipFill>
+          <a:blip r:embed="rId2">
+            <a:extLst>
+              <a:ext uri="{96DAC541-7B7A-43D3-8B79-37D633B846F1}">
+                <asvg:svgBlip xmlns:asvg="http://schemas.microsoft.com/office/drawing/2016/SVG/main" r:embed="rId3"/>
+              </a:ext>
+            </a:extLst>
+          </a:blip>
+          <a:stretch>
+            <a:fillRect/>
+          </a:stretch>
+        </p:blipFill>
+        <p:spPr>
+          <a:xfrm>
+            <a:off x="10279922" y="635621"/>
+            <a:ext cx="1149226" cy="1149226"/>
+          </a:xfrm>
+          <a:prstGeom prst="rect">
+            <a:avLst/>
+          </a:prstGeom>
+        </p:spPr>
+      </p:pic>
+      <p:pic>
+        <p:nvPicPr>
+          <p:cNvPr id="6" name="Bilde 5">
+            <a:extLst>
+              <a:ext uri="{FF2B5EF4-FFF2-40B4-BE49-F238E27FC236}">
+                <a16:creationId xmlns:a16="http://schemas.microsoft.com/office/drawing/2014/main" id="{1B243E71-8375-EB1A-0484-5417D53FFC0C}"/>
+              </a:ext>
+            </a:extLst>
+          </p:cNvPr>
+          <p:cNvPicPr>
+            <a:picLocks noChangeAspect="1"/>
+          </p:cNvPicPr>
+          <p:nvPr/>
+        </p:nvPicPr>
+        <p:blipFill>
+          <a:blip r:embed="rId4">
+            <a:clrChange>
+              <a:clrFrom>
+                <a:srgbClr val="B7B9B8"/>
+              </a:clrFrom>
+              <a:clrTo>
+                <a:srgbClr val="B7B9B8">
+                  <a:alpha val="0"/>
+                </a:srgbClr>
+              </a:clrTo>
+            </a:clrChange>
+          </a:blip>
+          <a:stretch>
+            <a:fillRect/>
+          </a:stretch>
+        </p:blipFill>
+        <p:spPr>
+          <a:xfrm>
+            <a:off x="838200" y="5222942"/>
+            <a:ext cx="5604456" cy="982286"/>
+          </a:xfrm>
+          <a:prstGeom prst="rect">
+            <a:avLst/>
+          </a:prstGeom>
+        </p:spPr>
+      </p:pic>
+    </p:spTree>
+    <p:extLst>
+      <p:ext uri="{BB962C8B-B14F-4D97-AF65-F5344CB8AC3E}">
+        <p14:creationId xmlns:p14="http://schemas.microsoft.com/office/powerpoint/2010/main" val="2809865325"/>
+      </p:ext>
+    </p:extLst>
+  </p:cSld>
+  <p:clrMapOvr>
+    <a:masterClrMapping/>
+  </p:clrMapOvr>
+  <mc:AlternateContent xmlns:mc="http://schemas.openxmlformats.org/markup-compatibility/2006">
+    <mc:Choice xmlns:p14="http://schemas.microsoft.com/office/powerpoint/2010/main" Requires="p14">
+      <p:transition p14:dur="0"/>
+    </mc:Choice>
+    <mc:Fallback>
+      <p:transition/>
+    </mc:Fallback>
+  </mc:AlternateContent>
+</p:sld>
+</file>
+
+<file path=ppt/slides/slide7.xml><?xml version="1.0" encoding="utf-8"?>
+<p:sld xmlns:a="http://schemas.openxmlformats.org/drawingml/2006/main" xmlns:r="http://schemas.openxmlformats.org/officeDocument/2006/relationships" xmlns:p="http://schemas.openxmlformats.org/presentationml/2006/main">
+  <p:cSld>
+    <p:spTree>
+      <p:nvGrpSpPr>
+        <p:cNvPr id="1" name=""/>
+        <p:cNvGrpSpPr/>
+        <p:nvPr/>
+      </p:nvGrpSpPr>
+      <p:grpSpPr>
+        <a:xfrm>
+          <a:off x="0" y="0"/>
+          <a:ext cx="0" cy="0"/>
+          <a:chOff x="0" y="0"/>
+          <a:chExt cx="0" cy="0"/>
+        </a:xfrm>
+      </p:grpSpPr>
+      <p:sp>
+        <p:nvSpPr>
+          <p:cNvPr id="2" name="Tittel 1">
+            <a:extLst>
+              <a:ext uri="{FF2B5EF4-FFF2-40B4-BE49-F238E27FC236}">
+                <a16:creationId xmlns:a16="http://schemas.microsoft.com/office/drawing/2014/main" id="{E4FCB8FE-D722-285B-2922-B636BB3285B8}"/>
+              </a:ext>
+            </a:extLst>
+          </p:cNvPr>
+          <p:cNvSpPr>
+            <a:spLocks noGrp="1"/>
+          </p:cNvSpPr>
+          <p:nvPr>
+            <p:ph type="title"/>
+          </p:nvPr>
+        </p:nvSpPr>
+        <p:spPr/>
+        <p:txBody>
+          <a:bodyPr/>
+          <a:lstStyle/>
+          <a:p>
+            <a:r>
+              <a:rPr lang="nb-NO" dirty="0" err="1"/>
+              <a:t>Guideance</a:t>
+            </a:r>
+            <a:endParaRPr lang="nb-NO" dirty="0"/>
+          </a:p>
+        </p:txBody>
+      </p:sp>
+      <p:sp>
+        <p:nvSpPr>
+          <p:cNvPr id="3" name="Plassholder for tekst 2">
+            <a:extLst>
+              <a:ext uri="{FF2B5EF4-FFF2-40B4-BE49-F238E27FC236}">
+                <a16:creationId xmlns:a16="http://schemas.microsoft.com/office/drawing/2014/main" id="{A57576DF-A867-CE3A-71A1-5FF250EE3490}"/>
+              </a:ext>
+            </a:extLst>
+          </p:cNvPr>
+          <p:cNvSpPr>
+            <a:spLocks noGrp="1"/>
+          </p:cNvSpPr>
+          <p:nvPr>
+            <p:ph type="body" sz="quarter" idx="10"/>
+          </p:nvPr>
+        </p:nvSpPr>
+        <p:spPr>
+          <a:xfrm>
+            <a:off x="838199" y="1997236"/>
+            <a:ext cx="6406167" cy="4225143"/>
+          </a:xfrm>
+        </p:spPr>
+        <p:txBody>
+          <a:bodyPr/>
+          <a:lstStyle/>
+          <a:p>
+            <a:r>
+              <a:rPr lang="nb-NO" dirty="0" err="1"/>
+              <a:t>Ongoing</a:t>
+            </a:r>
+            <a:r>
+              <a:rPr lang="nb-NO" dirty="0"/>
+              <a:t> </a:t>
+            </a:r>
+            <a:r>
+              <a:rPr lang="nb-NO" dirty="0" err="1"/>
+              <a:t>work</a:t>
+            </a:r>
+            <a:r>
+              <a:rPr lang="nb-NO" dirty="0"/>
+              <a:t> </a:t>
+            </a:r>
+            <a:r>
+              <a:rPr lang="nb-NO" dirty="0" err="1"/>
+              <a:t>of</a:t>
+            </a:r>
+            <a:r>
+              <a:rPr lang="nb-NO" dirty="0"/>
+              <a:t> </a:t>
+            </a:r>
+            <a:r>
+              <a:rPr lang="nb-NO" dirty="0" err="1"/>
+              <a:t>documenting</a:t>
+            </a:r>
+            <a:r>
+              <a:rPr lang="nb-NO" dirty="0"/>
+              <a:t> best-</a:t>
+            </a:r>
+            <a:r>
+              <a:rPr lang="nb-NO" dirty="0" err="1"/>
+              <a:t>practice</a:t>
+            </a:r>
+            <a:r>
+              <a:rPr lang="nb-NO" dirty="0"/>
+              <a:t> for </a:t>
+            </a:r>
+            <a:r>
+              <a:rPr lang="nb-NO" dirty="0" err="1"/>
+              <a:t>using</a:t>
+            </a:r>
+            <a:r>
+              <a:rPr lang="nb-NO" dirty="0"/>
+              <a:t> FHIR in </a:t>
+            </a:r>
+            <a:r>
+              <a:rPr lang="nb-NO" dirty="0" err="1"/>
+              <a:t>the</a:t>
+            </a:r>
+            <a:r>
+              <a:rPr lang="nb-NO" dirty="0"/>
+              <a:t> Norwegian </a:t>
+            </a:r>
+            <a:r>
+              <a:rPr lang="nb-NO" dirty="0" err="1"/>
+              <a:t>realm</a:t>
+            </a:r>
+            <a:endParaRPr lang="nb-NO" dirty="0"/>
+          </a:p>
+          <a:p>
+            <a:pPr lvl="1"/>
+            <a:r>
+              <a:rPr lang="nb-NO" dirty="0"/>
+              <a:t>Rules for profiling</a:t>
+            </a:r>
+          </a:p>
+          <a:p>
+            <a:pPr lvl="1"/>
+            <a:r>
+              <a:rPr lang="nb-NO" dirty="0" err="1"/>
+              <a:t>Pointing</a:t>
+            </a:r>
+            <a:r>
+              <a:rPr lang="nb-NO" dirty="0"/>
+              <a:t> to </a:t>
+            </a:r>
+            <a:r>
+              <a:rPr lang="nb-NO" dirty="0" err="1"/>
+              <a:t>the</a:t>
+            </a:r>
+            <a:r>
+              <a:rPr lang="nb-NO" dirty="0"/>
+              <a:t> right </a:t>
+            </a:r>
+            <a:r>
+              <a:rPr lang="nb-NO" dirty="0" err="1"/>
+              <a:t>places</a:t>
+            </a:r>
+            <a:endParaRPr lang="nb-NO" dirty="0"/>
+          </a:p>
+          <a:p>
+            <a:pPr lvl="1"/>
+            <a:r>
+              <a:rPr lang="nb-NO" dirty="0" err="1"/>
+              <a:t>Coding</a:t>
+            </a:r>
+            <a:r>
+              <a:rPr lang="nb-NO" dirty="0"/>
+              <a:t> and </a:t>
+            </a:r>
+            <a:r>
+              <a:rPr lang="nb-NO" dirty="0" err="1"/>
+              <a:t>terminology</a:t>
+            </a:r>
+            <a:endParaRPr lang="nb-NO" dirty="0"/>
+          </a:p>
+          <a:p>
+            <a:pPr lvl="1"/>
+            <a:endParaRPr lang="nb-NO" dirty="0"/>
+          </a:p>
+          <a:p>
+            <a:r>
+              <a:rPr lang="nb-NO" dirty="0"/>
+              <a:t>The </a:t>
+            </a:r>
+            <a:r>
+              <a:rPr lang="nb-NO" dirty="0" err="1"/>
+              <a:t>actual</a:t>
+            </a:r>
+            <a:r>
+              <a:rPr lang="nb-NO" dirty="0"/>
+              <a:t> </a:t>
+            </a:r>
+            <a:r>
+              <a:rPr lang="nb-NO" dirty="0" err="1"/>
+              <a:t>norwegian</a:t>
+            </a:r>
+            <a:r>
+              <a:rPr lang="nb-NO" dirty="0"/>
+              <a:t> </a:t>
+            </a:r>
+            <a:r>
+              <a:rPr lang="nb-NO" dirty="0" err="1"/>
+              <a:t>profiles</a:t>
+            </a:r>
+            <a:r>
+              <a:rPr lang="nb-NO" dirty="0"/>
+              <a:t>…</a:t>
+            </a:r>
+          </a:p>
+          <a:p>
+            <a:endParaRPr lang="nb-NO" dirty="0"/>
+          </a:p>
+        </p:txBody>
+      </p:sp>
+      <p:pic>
+        <p:nvPicPr>
+          <p:cNvPr id="4" name="Grafikk 3" descr="Kompass med heldekkende fyll">
+            <a:extLst>
+              <a:ext uri="{FF2B5EF4-FFF2-40B4-BE49-F238E27FC236}">
+                <a16:creationId xmlns:a16="http://schemas.microsoft.com/office/drawing/2014/main" id="{5598405D-D7EC-C729-0C00-318595087463}"/>
+              </a:ext>
+            </a:extLst>
+          </p:cNvPr>
+          <p:cNvPicPr>
+            <a:picLocks noChangeAspect="1"/>
+          </p:cNvPicPr>
+          <p:nvPr/>
+        </p:nvPicPr>
+        <p:blipFill>
+          <a:blip r:embed="rId2">
+            <a:extLst>
+              <a:ext uri="{96DAC541-7B7A-43D3-8B79-37D633B846F1}">
+                <asvg:svgBlip xmlns:asvg="http://schemas.microsoft.com/office/drawing/2016/SVG/main" r:embed="rId3"/>
+              </a:ext>
+            </a:extLst>
+          </a:blip>
+          <a:stretch>
+            <a:fillRect/>
+          </a:stretch>
+        </p:blipFill>
+        <p:spPr>
+          <a:xfrm>
+            <a:off x="10715890" y="781261"/>
+            <a:ext cx="1149224" cy="1149224"/>
+          </a:xfrm>
+          <a:prstGeom prst="rect">
+            <a:avLst/>
+          </a:prstGeom>
+        </p:spPr>
+      </p:pic>
+    </p:spTree>
+    <p:extLst>
+      <p:ext uri="{BB962C8B-B14F-4D97-AF65-F5344CB8AC3E}">
+        <p14:creationId xmlns:p14="http://schemas.microsoft.com/office/powerpoint/2010/main" val="3024177269"/>
+      </p:ext>
+    </p:extLst>
+  </p:cSld>
+  <p:clrMapOvr>
+    <a:masterClrMapping/>
+  </p:clrMapOvr>
+  <mc:AlternateContent xmlns:mc="http://schemas.openxmlformats.org/markup-compatibility/2006">
+    <mc:Choice xmlns:p14="http://schemas.microsoft.com/office/powerpoint/2010/main" Requires="p14">
+      <p:transition p14:dur="0"/>
+    </mc:Choice>
+    <mc:Fallback>
+      <p:transition/>
+    </mc:Fallback>
+  </mc:AlternateContent>
+</p:sld>
+</file>
+
+<file path=ppt/slides/slide8.xml><?xml version="1.0" encoding="utf-8"?>
+<p:sld xmlns:a="http://schemas.openxmlformats.org/drawingml/2006/main" xmlns:r="http://schemas.openxmlformats.org/officeDocument/2006/relationships" xmlns:p="http://schemas.openxmlformats.org/presentationml/2006/main">
+  <p:cSld>
+    <p:spTree>
+      <p:nvGrpSpPr>
+        <p:cNvPr id="1" name=""/>
+        <p:cNvGrpSpPr/>
+        <p:nvPr/>
+      </p:nvGrpSpPr>
+      <p:grpSpPr>
+        <a:xfrm>
+          <a:off x="0" y="0"/>
+          <a:ext cx="0" cy="0"/>
+          <a:chOff x="0" y="0"/>
+          <a:chExt cx="0" cy="0"/>
+        </a:xfrm>
+      </p:grpSpPr>
+      <p:sp>
+        <p:nvSpPr>
+          <p:cNvPr id="2" name="Tittel 1">
+            <a:extLst>
+              <a:ext uri="{FF2B5EF4-FFF2-40B4-BE49-F238E27FC236}">
+                <a16:creationId xmlns:a16="http://schemas.microsoft.com/office/drawing/2014/main" id="{53663933-6B2F-9E8C-773D-6A15D21F1D5D}"/>
+              </a:ext>
+            </a:extLst>
+          </p:cNvPr>
+          <p:cNvSpPr>
+            <a:spLocks noGrp="1"/>
+          </p:cNvSpPr>
+          <p:nvPr>
+            <p:ph type="title"/>
+          </p:nvPr>
+        </p:nvSpPr>
+        <p:spPr/>
+        <p:txBody>
+          <a:bodyPr/>
+          <a:lstStyle/>
+          <a:p>
+            <a:r>
+              <a:rPr lang="nb-NO" dirty="0" err="1"/>
+              <a:t>Standardization</a:t>
+            </a:r>
+            <a:endParaRPr lang="nb-NO" dirty="0"/>
+          </a:p>
+        </p:txBody>
+      </p:sp>
+      <p:sp>
+        <p:nvSpPr>
+          <p:cNvPr id="3" name="Plassholder for tekst 2">
+            <a:extLst>
+              <a:ext uri="{FF2B5EF4-FFF2-40B4-BE49-F238E27FC236}">
+                <a16:creationId xmlns:a16="http://schemas.microsoft.com/office/drawing/2014/main" id="{1EF0DCA1-E3B4-7931-65BA-06B625E85DB9}"/>
+              </a:ext>
+            </a:extLst>
+          </p:cNvPr>
+          <p:cNvSpPr>
+            <a:spLocks noGrp="1"/>
+          </p:cNvSpPr>
+          <p:nvPr>
+            <p:ph type="body" sz="quarter" idx="10"/>
+          </p:nvPr>
+        </p:nvSpPr>
+        <p:spPr/>
+        <p:txBody>
+          <a:bodyPr/>
+          <a:lstStyle/>
+          <a:p>
+            <a:r>
+              <a:rPr lang="nb-NO" dirty="0"/>
+              <a:t>Norwegian base </a:t>
+            </a:r>
+            <a:r>
+              <a:rPr lang="nb-NO" dirty="0" err="1"/>
+              <a:t>profiles</a:t>
+            </a:r>
+            <a:endParaRPr lang="nb-NO" dirty="0"/>
+          </a:p>
+          <a:p>
+            <a:r>
+              <a:rPr lang="nb-NO" dirty="0"/>
+              <a:t>Guideline for standardisering av API </a:t>
+            </a:r>
+            <a:r>
+              <a:rPr lang="nb-NO" dirty="0" err="1"/>
+              <a:t>using</a:t>
+            </a:r>
+            <a:r>
+              <a:rPr lang="nb-NO" dirty="0"/>
+              <a:t> HL7 FHIR</a:t>
+            </a:r>
+          </a:p>
+          <a:p>
+            <a:r>
+              <a:rPr lang="nb-NO" dirty="0"/>
+              <a:t>Retningslinje for bruk av SMART </a:t>
+            </a:r>
+            <a:r>
+              <a:rPr lang="nb-NO" dirty="0" err="1"/>
+              <a:t>on</a:t>
+            </a:r>
+            <a:r>
+              <a:rPr lang="nb-NO" dirty="0"/>
+              <a:t> FHIR</a:t>
+            </a:r>
+          </a:p>
+          <a:p>
+            <a:endParaRPr lang="nb-NO" dirty="0"/>
+          </a:p>
+          <a:p>
+            <a:endParaRPr lang="nb-NO" dirty="0"/>
+          </a:p>
+          <a:p>
+            <a:r>
+              <a:rPr lang="nb-NO" dirty="0"/>
+              <a:t>In </a:t>
+            </a:r>
+            <a:r>
+              <a:rPr lang="nb-NO" dirty="0" err="1"/>
+              <a:t>development</a:t>
+            </a:r>
+            <a:r>
+              <a:rPr lang="nb-NO" dirty="0"/>
+              <a:t>: Norwegian </a:t>
+            </a:r>
+            <a:r>
+              <a:rPr lang="nb-NO" dirty="0" err="1"/>
+              <a:t>domain</a:t>
+            </a:r>
+            <a:r>
+              <a:rPr lang="nb-NO" dirty="0"/>
+              <a:t> </a:t>
+            </a:r>
+            <a:r>
+              <a:rPr lang="nb-NO" dirty="0" err="1"/>
+              <a:t>profiles</a:t>
+            </a:r>
+            <a:endParaRPr lang="nb-NO" dirty="0"/>
+          </a:p>
+          <a:p>
+            <a:endParaRPr lang="nb-NO" dirty="0"/>
+          </a:p>
+        </p:txBody>
+      </p:sp>
+      <p:pic>
+        <p:nvPicPr>
+          <p:cNvPr id="4" name="Grafikk 3" descr="Diplomrull">
+            <a:extLst>
+              <a:ext uri="{FF2B5EF4-FFF2-40B4-BE49-F238E27FC236}">
+                <a16:creationId xmlns:a16="http://schemas.microsoft.com/office/drawing/2014/main" id="{988A79E7-FAC3-2E1B-A9DC-385897B7BCD4}"/>
+              </a:ext>
+            </a:extLst>
+          </p:cNvPr>
+          <p:cNvPicPr>
+            <a:picLocks noChangeAspect="1"/>
+          </p:cNvPicPr>
+          <p:nvPr/>
+        </p:nvPicPr>
+        <p:blipFill>
+          <a:blip r:embed="rId2">
+            <a:extLst>
+              <a:ext uri="{96DAC541-7B7A-43D3-8B79-37D633B846F1}">
+                <asvg:svgBlip xmlns:asvg="http://schemas.microsoft.com/office/drawing/2016/SVG/main" r:embed="rId3"/>
+              </a:ext>
+            </a:extLst>
+          </a:blip>
+          <a:stretch>
+            <a:fillRect/>
+          </a:stretch>
+        </p:blipFill>
+        <p:spPr>
+          <a:xfrm>
+            <a:off x="10253923" y="785245"/>
+            <a:ext cx="1145240" cy="1145240"/>
+          </a:xfrm>
+          <a:prstGeom prst="rect">
+            <a:avLst/>
+          </a:prstGeom>
+        </p:spPr>
+      </p:pic>
+    </p:spTree>
+    <p:extLst>
+      <p:ext uri="{BB962C8B-B14F-4D97-AF65-F5344CB8AC3E}">
+        <p14:creationId xmlns:p14="http://schemas.microsoft.com/office/powerpoint/2010/main" val="1046960571"/>
+      </p:ext>
+    </p:extLst>
+  </p:cSld>
+  <p:clrMapOvr>
+    <a:masterClrMapping/>
+  </p:clrMapOvr>
+  <mc:AlternateContent xmlns:mc="http://schemas.openxmlformats.org/markup-compatibility/2006">
+    <mc:Choice xmlns:p14="http://schemas.microsoft.com/office/powerpoint/2010/main" Requires="p14">
+      <p:transition p14:dur="0"/>
+    </mc:Choice>
+    <mc:Fallback>
+      <p:transition/>
+    </mc:Fallback>
+  </mc:AlternateContent>
+</p:sld>
+</file>
+
+<file path=ppt/slides/slide9.xml><?xml version="1.0" encoding="utf-8"?>
+<p:sld xmlns:a="http://schemas.openxmlformats.org/drawingml/2006/main" xmlns:r="http://schemas.openxmlformats.org/officeDocument/2006/relationships" xmlns:p="http://schemas.openxmlformats.org/presentationml/2006/main">
+  <p:cSld>
+    <p:spTree>
+      <p:nvGrpSpPr>
+        <p:cNvPr id="1" name=""/>
+        <p:cNvGrpSpPr/>
+        <p:nvPr/>
+      </p:nvGrpSpPr>
+      <p:grpSpPr>
+        <a:xfrm>
+          <a:off x="0" y="0"/>
+          <a:ext cx="0" cy="0"/>
+          <a:chOff x="0" y="0"/>
+          <a:chExt cx="0" cy="0"/>
+        </a:xfrm>
+      </p:grpSpPr>
+      <p:sp>
+        <p:nvSpPr>
+          <p:cNvPr id="2" name="Tittel 1">
+            <a:extLst>
+              <a:ext uri="{FF2B5EF4-FFF2-40B4-BE49-F238E27FC236}">
+                <a16:creationId xmlns:a16="http://schemas.microsoft.com/office/drawing/2014/main" id="{D8915681-E2C1-A3F4-D8A6-E42E67C9F0AA}"/>
+              </a:ext>
+            </a:extLst>
+          </p:cNvPr>
+          <p:cNvSpPr>
+            <a:spLocks noGrp="1"/>
+          </p:cNvSpPr>
+          <p:nvPr>
+            <p:ph type="title"/>
+          </p:nvPr>
+        </p:nvSpPr>
+        <p:spPr/>
+        <p:txBody>
+          <a:bodyPr/>
+          <a:lstStyle/>
+          <a:p>
+            <a:r>
+              <a:rPr lang="nb-NO" dirty="0"/>
+              <a:t>Norwegian base </a:t>
+            </a:r>
+            <a:r>
+              <a:rPr lang="nb-NO" dirty="0" err="1"/>
+              <a:t>profiles</a:t>
+            </a:r>
+            <a:endParaRPr lang="nb-NO" dirty="0"/>
+          </a:p>
+        </p:txBody>
+      </p:sp>
+      <p:sp>
+        <p:nvSpPr>
+          <p:cNvPr id="3" name="Plassholder for tekst 2">
+            <a:extLst>
+              <a:ext uri="{FF2B5EF4-FFF2-40B4-BE49-F238E27FC236}">
+                <a16:creationId xmlns:a16="http://schemas.microsoft.com/office/drawing/2014/main" id="{8AA1DDD9-D564-F2BF-A026-191172D7276A}"/>
+              </a:ext>
+            </a:extLst>
+          </p:cNvPr>
+          <p:cNvSpPr>
+            <a:spLocks noGrp="1"/>
+          </p:cNvSpPr>
+          <p:nvPr>
+            <p:ph type="body" sz="quarter" idx="10"/>
+          </p:nvPr>
+        </p:nvSpPr>
+        <p:spPr/>
+        <p:txBody>
+          <a:bodyPr/>
+          <a:lstStyle/>
+          <a:p>
+            <a:r>
+              <a:rPr lang="nb-NO" dirty="0"/>
+              <a:t>Suggestive not </a:t>
+            </a:r>
+            <a:r>
+              <a:rPr lang="nb-NO" dirty="0" err="1"/>
+              <a:t>implementation</a:t>
+            </a:r>
+            <a:r>
+              <a:rPr lang="nb-NO" dirty="0"/>
+              <a:t> </a:t>
+            </a:r>
+            <a:r>
+              <a:rPr lang="nb-NO" dirty="0" err="1"/>
+              <a:t>rules</a:t>
+            </a:r>
+            <a:endParaRPr lang="nb-NO" dirty="0"/>
+          </a:p>
+          <a:p>
+            <a:r>
+              <a:rPr lang="nb-NO" dirty="0"/>
+              <a:t>Best </a:t>
+            </a:r>
+            <a:r>
+              <a:rPr lang="nb-NO" dirty="0" err="1"/>
+              <a:t>practice</a:t>
+            </a:r>
+            <a:r>
+              <a:rPr lang="nb-NO" dirty="0"/>
+              <a:t> for </a:t>
+            </a:r>
+            <a:r>
+              <a:rPr lang="nb-NO" dirty="0" err="1"/>
+              <a:t>how</a:t>
+            </a:r>
+            <a:r>
+              <a:rPr lang="nb-NO" dirty="0"/>
+              <a:t> to </a:t>
+            </a:r>
+            <a:r>
+              <a:rPr lang="nb-NO" dirty="0" err="1"/>
+              <a:t>use</a:t>
+            </a:r>
+            <a:r>
+              <a:rPr lang="nb-NO" dirty="0"/>
+              <a:t> FHIR in Norway </a:t>
+            </a:r>
+            <a:r>
+              <a:rPr lang="nb-NO" dirty="0" err="1"/>
+              <a:t>integrated</a:t>
+            </a:r>
+            <a:r>
+              <a:rPr lang="nb-NO" dirty="0"/>
+              <a:t> in </a:t>
+            </a:r>
+            <a:r>
+              <a:rPr lang="nb-NO" dirty="0" err="1"/>
+              <a:t>the</a:t>
+            </a:r>
+            <a:r>
+              <a:rPr lang="nb-NO" dirty="0"/>
+              <a:t> base </a:t>
+            </a:r>
+            <a:r>
+              <a:rPr lang="nb-NO" dirty="0" err="1"/>
+              <a:t>profiles</a:t>
+            </a:r>
+            <a:endParaRPr lang="nb-NO" dirty="0"/>
+          </a:p>
+          <a:p>
+            <a:pPr lvl="1"/>
+            <a:r>
+              <a:rPr lang="nb-NO" dirty="0" err="1"/>
+              <a:t>Identification</a:t>
+            </a:r>
+            <a:r>
+              <a:rPr lang="nb-NO" dirty="0"/>
+              <a:t> for person/</a:t>
+            </a:r>
+            <a:r>
+              <a:rPr lang="nb-NO" dirty="0" err="1"/>
+              <a:t>patients</a:t>
+            </a:r>
+            <a:r>
+              <a:rPr lang="nb-NO" dirty="0"/>
+              <a:t> </a:t>
+            </a:r>
+            <a:r>
+              <a:rPr lang="nb-NO" dirty="0" err="1"/>
+              <a:t>with</a:t>
+            </a:r>
+            <a:r>
+              <a:rPr lang="nb-NO" dirty="0"/>
+              <a:t> Norwegian </a:t>
+            </a:r>
+            <a:r>
+              <a:rPr lang="nb-NO" dirty="0" err="1"/>
+              <a:t>specific</a:t>
+            </a:r>
+            <a:r>
+              <a:rPr lang="nb-NO" dirty="0"/>
+              <a:t> </a:t>
+            </a:r>
+            <a:r>
+              <a:rPr lang="nb-NO" dirty="0" err="1"/>
+              <a:t>identifiers</a:t>
+            </a:r>
+            <a:endParaRPr lang="nb-NO" dirty="0"/>
+          </a:p>
+          <a:p>
+            <a:pPr lvl="1"/>
+            <a:r>
+              <a:rPr lang="nb-NO" dirty="0" err="1"/>
+              <a:t>Coding</a:t>
+            </a:r>
+            <a:r>
+              <a:rPr lang="nb-NO" dirty="0"/>
+              <a:t> </a:t>
+            </a:r>
+            <a:r>
+              <a:rPr lang="nb-NO" dirty="0" err="1"/>
+              <a:t>of</a:t>
+            </a:r>
+            <a:r>
+              <a:rPr lang="nb-NO" dirty="0"/>
+              <a:t> </a:t>
+            </a:r>
+            <a:r>
+              <a:rPr lang="nb-NO" dirty="0" err="1"/>
+              <a:t>HealthcareProfessional</a:t>
+            </a:r>
+            <a:r>
+              <a:rPr lang="nb-NO" dirty="0"/>
+              <a:t> </a:t>
+            </a:r>
+            <a:r>
+              <a:rPr lang="nb-NO" dirty="0" err="1"/>
+              <a:t>qualification</a:t>
+            </a:r>
+            <a:r>
+              <a:rPr lang="nb-NO" dirty="0"/>
+              <a:t> and </a:t>
+            </a:r>
+            <a:r>
+              <a:rPr lang="nb-NO" dirty="0" err="1"/>
+              <a:t>role</a:t>
+            </a:r>
+            <a:endParaRPr lang="nb-NO" dirty="0"/>
+          </a:p>
+          <a:p>
+            <a:pPr lvl="1"/>
+            <a:r>
+              <a:rPr lang="nb-NO" dirty="0" err="1"/>
+              <a:t>Use</a:t>
+            </a:r>
+            <a:r>
+              <a:rPr lang="nb-NO" dirty="0"/>
+              <a:t> </a:t>
+            </a:r>
+            <a:r>
+              <a:rPr lang="nb-NO" dirty="0" err="1"/>
+              <a:t>of</a:t>
+            </a:r>
+            <a:r>
+              <a:rPr lang="nb-NO" dirty="0"/>
+              <a:t> </a:t>
+            </a:r>
+            <a:r>
+              <a:rPr lang="nb-NO" dirty="0" err="1"/>
+              <a:t>RelatedPerson</a:t>
+            </a:r>
+            <a:endParaRPr lang="nb-NO" dirty="0"/>
+          </a:p>
+          <a:p>
+            <a:pPr lvl="1"/>
+            <a:r>
+              <a:rPr lang="nb-NO" dirty="0" err="1"/>
+              <a:t>Identification</a:t>
+            </a:r>
+            <a:r>
+              <a:rPr lang="nb-NO" dirty="0"/>
+              <a:t> </a:t>
+            </a:r>
+            <a:r>
+              <a:rPr lang="nb-NO" dirty="0" err="1"/>
+              <a:t>of</a:t>
+            </a:r>
+            <a:r>
+              <a:rPr lang="nb-NO" dirty="0"/>
+              <a:t> Organizations </a:t>
+            </a:r>
+            <a:r>
+              <a:rPr lang="nb-NO" dirty="0" err="1"/>
+              <a:t>with</a:t>
+            </a:r>
+            <a:r>
+              <a:rPr lang="nb-NO" dirty="0"/>
+              <a:t> Norwegian </a:t>
+            </a:r>
+            <a:r>
+              <a:rPr lang="nb-NO" dirty="0" err="1"/>
+              <a:t>specific</a:t>
+            </a:r>
+            <a:r>
+              <a:rPr lang="nb-NO" dirty="0"/>
+              <a:t> </a:t>
+            </a:r>
+            <a:r>
+              <a:rPr lang="nb-NO" dirty="0" err="1"/>
+              <a:t>identifiers</a:t>
+            </a:r>
+            <a:endParaRPr lang="nb-NO" dirty="0"/>
+          </a:p>
+          <a:p>
+            <a:pPr lvl="1"/>
+            <a:endParaRPr lang="nb-NO" dirty="0"/>
+          </a:p>
+        </p:txBody>
+      </p:sp>
+      <p:pic>
+        <p:nvPicPr>
+          <p:cNvPr id="4" name="Grafikk 3" descr="Diplomrull">
+            <a:extLst>
+              <a:ext uri="{FF2B5EF4-FFF2-40B4-BE49-F238E27FC236}">
+                <a16:creationId xmlns:a16="http://schemas.microsoft.com/office/drawing/2014/main" id="{EA36BBDB-C1BC-A962-98DE-079CC6AC0E08}"/>
+              </a:ext>
+            </a:extLst>
+          </p:cNvPr>
+          <p:cNvPicPr>
+            <a:picLocks noChangeAspect="1"/>
+          </p:cNvPicPr>
+          <p:nvPr/>
+        </p:nvPicPr>
+        <p:blipFill>
+          <a:blip r:embed="rId2">
+            <a:extLst>
+              <a:ext uri="{96DAC541-7B7A-43D3-8B79-37D633B846F1}">
+                <asvg:svgBlip xmlns:asvg="http://schemas.microsoft.com/office/drawing/2016/SVG/main" r:embed="rId3"/>
+              </a:ext>
+            </a:extLst>
+          </a:blip>
+          <a:stretch>
+            <a:fillRect/>
+          </a:stretch>
+        </p:blipFill>
+        <p:spPr>
+          <a:xfrm>
+            <a:off x="10466424" y="851996"/>
+            <a:ext cx="1145240" cy="1145240"/>
+          </a:xfrm>
+          <a:prstGeom prst="rect">
+            <a:avLst/>
+          </a:prstGeom>
+        </p:spPr>
+      </p:pic>
+    </p:spTree>
+    <p:extLst>
+      <p:ext uri="{BB962C8B-B14F-4D97-AF65-F5344CB8AC3E}">
+        <p14:creationId xmlns:p14="http://schemas.microsoft.com/office/powerpoint/2010/main" val="1121190279"/>
+      </p:ext>
+    </p:extLst>
+  </p:cSld>
+  <p:clrMapOvr>
+    <a:masterClrMapping/>
+  </p:clrMapOvr>
+  <mc:AlternateContent xmlns:mc="http://schemas.openxmlformats.org/markup-compatibility/2006">
+    <mc:Choice xmlns:p14="http://schemas.microsoft.com/office/powerpoint/2010/main" Requires="p14">
+      <p:transition p14:dur="0"/>
+    </mc:Choice>
+    <mc:Fallback>
       <p:transition/>
     </mc:Fallback>
   </mc:AlternateContent>

--- a/docs/presentasjoner/DD23_CT_230508_Thomas_Tveit_Rosenlund_FHIR-in-Norway.pptx
+++ b/docs/presentasjoner/DD23_CT_230508_Thomas_Tveit_Rosenlund_FHIR-in-Norway.pptx
@@ -227,7 +227,7 @@
           <a:p>
             <a:fld id="{602FAFB1-094A-5D42-8886-B282110F4595}" type="datetimeFigureOut">
               <a:rPr lang="en-US" smtClean="0"/>
-              <a:t>6/4/2023</a:t>
+              <a:t>6/5/2023</a:t>
             </a:fld>
             <a:endParaRPr lang="en-US"/>
           </a:p>
@@ -392,7 +392,7 @@
           <a:p>
             <a:fld id="{E128261A-6A60-FE4F-8563-E0524938461B}" type="datetimeFigureOut">
               <a:rPr lang="en-US" smtClean="0"/>
-              <a:t>6/4/2023</a:t>
+              <a:t>6/5/2023</a:t>
             </a:fld>
             <a:endParaRPr lang="en-US"/>
           </a:p>
@@ -5540,11 +5540,11 @@
   <p:clrMapOvr>
     <a:masterClrMapping/>
   </p:clrMapOvr>
-  <mc:AlternateContent xmlns:mc="http://schemas.openxmlformats.org/markup-compatibility/2006">
-    <mc:Choice xmlns:p14="http://schemas.microsoft.com/office/powerpoint/2010/main" Requires="p14">
+  <mc:AlternateContent xmlns:mc="http://schemas.openxmlformats.org/markup-compatibility/2006" xmlns:p14="http://schemas.microsoft.com/office/powerpoint/2010/main">
+    <mc:Choice Requires="p14">
       <p:transition p14:dur="0"/>
     </mc:Choice>
-    <mc:Fallback>
+    <mc:Fallback xmlns="">
       <p:transition/>
     </mc:Fallback>
   </mc:AlternateContent>
@@ -5635,11 +5635,11 @@
   <p:clrMapOvr>
     <a:masterClrMapping/>
   </p:clrMapOvr>
-  <mc:AlternateContent xmlns:mc="http://schemas.openxmlformats.org/markup-compatibility/2006">
-    <mc:Choice xmlns:p14="http://schemas.microsoft.com/office/powerpoint/2010/main" Requires="p14">
+  <mc:AlternateContent xmlns:mc="http://schemas.openxmlformats.org/markup-compatibility/2006" xmlns:p14="http://schemas.microsoft.com/office/powerpoint/2010/main">
+    <mc:Choice Requires="p14">
       <p:transition p14:dur="0"/>
     </mc:Choice>
-    <mc:Fallback>
+    <mc:Fallback xmlns="">
       <p:transition/>
     </mc:Fallback>
   </mc:AlternateContent>
@@ -5725,11 +5725,11 @@
   <p:clrMapOvr>
     <a:masterClrMapping/>
   </p:clrMapOvr>
-  <mc:AlternateContent xmlns:mc="http://schemas.openxmlformats.org/markup-compatibility/2006">
-    <mc:Choice xmlns:p14="http://schemas.microsoft.com/office/powerpoint/2010/main" Requires="p14">
+  <mc:AlternateContent xmlns:mc="http://schemas.openxmlformats.org/markup-compatibility/2006" xmlns:p14="http://schemas.microsoft.com/office/powerpoint/2010/main">
+    <mc:Choice Requires="p14">
       <p:transition p14:dur="0"/>
     </mc:Choice>
-    <mc:Fallback>
+    <mc:Fallback xmlns="">
       <p:transition/>
     </mc:Fallback>
   </mc:AlternateContent>
@@ -9564,11 +9564,11 @@
   <p:clrMapOvr>
     <a:masterClrMapping/>
   </p:clrMapOvr>
-  <mc:AlternateContent xmlns:mc="http://schemas.openxmlformats.org/markup-compatibility/2006">
-    <mc:Choice xmlns:p14="http://schemas.microsoft.com/office/powerpoint/2010/main" Requires="p14">
+  <mc:AlternateContent xmlns:mc="http://schemas.openxmlformats.org/markup-compatibility/2006" xmlns:p14="http://schemas.microsoft.com/office/powerpoint/2010/main">
+    <mc:Choice Requires="p14">
       <p:transition p14:dur="0"/>
     </mc:Choice>
-    <mc:Fallback>
+    <mc:Fallback xmlns="">
       <p:transition/>
     </mc:Fallback>
   </mc:AlternateContent>
@@ -9918,11 +9918,11 @@
   <p:clrMapOvr>
     <a:masterClrMapping/>
   </p:clrMapOvr>
-  <mc:AlternateContent xmlns:mc="http://schemas.openxmlformats.org/markup-compatibility/2006">
-    <mc:Choice xmlns:p14="http://schemas.microsoft.com/office/powerpoint/2010/main" Requires="p14">
+  <mc:AlternateContent xmlns:mc="http://schemas.openxmlformats.org/markup-compatibility/2006" xmlns:p14="http://schemas.microsoft.com/office/powerpoint/2010/main">
+    <mc:Choice Requires="p14">
       <p:transition p14:dur="0"/>
     </mc:Choice>
-    <mc:Fallback>
+    <mc:Fallback xmlns="">
       <p:transition/>
     </mc:Fallback>
   </mc:AlternateContent>
@@ -10063,11 +10063,11 @@
   <p:clrMapOvr>
     <a:masterClrMapping/>
   </p:clrMapOvr>
-  <mc:AlternateContent xmlns:mc="http://schemas.openxmlformats.org/markup-compatibility/2006">
-    <mc:Choice xmlns:p14="http://schemas.microsoft.com/office/powerpoint/2010/main" Requires="p14">
+  <mc:AlternateContent xmlns:mc="http://schemas.openxmlformats.org/markup-compatibility/2006" xmlns:p14="http://schemas.microsoft.com/office/powerpoint/2010/main">
+    <mc:Choice Requires="p14">
       <p:transition p14:dur="0"/>
     </mc:Choice>
-    <mc:Fallback>
+    <mc:Fallback xmlns="">
       <p:transition/>
     </mc:Fallback>
   </mc:AlternateContent>
@@ -10387,11 +10387,11 @@
   <p:clrMapOvr>
     <a:masterClrMapping/>
   </p:clrMapOvr>
-  <mc:AlternateContent xmlns:mc="http://schemas.openxmlformats.org/markup-compatibility/2006">
-    <mc:Choice xmlns:p14="http://schemas.microsoft.com/office/powerpoint/2010/main" Requires="p14">
+  <mc:AlternateContent xmlns:mc="http://schemas.openxmlformats.org/markup-compatibility/2006" xmlns:p14="http://schemas.microsoft.com/office/powerpoint/2010/main">
+    <mc:Choice Requires="p14">
       <p:transition p14:dur="0"/>
     </mc:Choice>
-    <mc:Fallback>
+    <mc:Fallback xmlns="">
       <p:transition/>
     </mc:Fallback>
   </mc:AlternateContent>
@@ -10561,6 +10561,14 @@
               <a:rPr lang="nb-NO" dirty="0" err="1"/>
               <a:t>places</a:t>
             </a:r>
+            <a:r>
+              <a:rPr lang="nb-NO" dirty="0"/>
+              <a:t> for </a:t>
+            </a:r>
+            <a:r>
+              <a:rPr lang="nb-NO" dirty="0" err="1"/>
+              <a:t>research</a:t>
+            </a:r>
             <a:endParaRPr lang="nb-NO" dirty="0"/>
           </a:p>
           <a:p>
@@ -10577,6 +10585,22 @@
               <a:rPr lang="nb-NO" dirty="0" err="1"/>
               <a:t>terminology</a:t>
             </a:r>
+            <a:r>
+              <a:rPr lang="nb-NO" dirty="0"/>
+              <a:t> is an </a:t>
+            </a:r>
+            <a:r>
+              <a:rPr lang="nb-NO" dirty="0" err="1"/>
+              <a:t>ongoing</a:t>
+            </a:r>
+            <a:r>
+              <a:rPr lang="nb-NO" dirty="0"/>
+              <a:t> </a:t>
+            </a:r>
+            <a:r>
+              <a:rPr lang="nb-NO" dirty="0" err="1"/>
+              <a:t>concern</a:t>
+            </a:r>
             <a:endParaRPr lang="nb-NO" dirty="0"/>
           </a:p>
           <a:p>
@@ -10610,7 +10634,23 @@
             </a:r>
             <a:r>
               <a:rPr lang="nb-NO" dirty="0"/>
-              <a:t>…</a:t>
+              <a:t>… (</a:t>
+            </a:r>
+            <a:r>
+              <a:rPr lang="nb-NO" dirty="0" err="1"/>
+              <a:t>see</a:t>
+            </a:r>
+            <a:r>
+              <a:rPr lang="nb-NO" dirty="0"/>
+              <a:t> </a:t>
+            </a:r>
+            <a:r>
+              <a:rPr lang="nb-NO" dirty="0" err="1"/>
+              <a:t>standardization</a:t>
+            </a:r>
+            <a:r>
+              <a:rPr lang="nb-NO" dirty="0"/>
+              <a:t>)</a:t>
             </a:r>
           </a:p>
           <a:p>
@@ -10664,11 +10704,11 @@
   <p:clrMapOvr>
     <a:masterClrMapping/>
   </p:clrMapOvr>
-  <mc:AlternateContent xmlns:mc="http://schemas.openxmlformats.org/markup-compatibility/2006">
-    <mc:Choice xmlns:p14="http://schemas.microsoft.com/office/powerpoint/2010/main" Requires="p14">
+  <mc:AlternateContent xmlns:mc="http://schemas.openxmlformats.org/markup-compatibility/2006" xmlns:p14="http://schemas.microsoft.com/office/powerpoint/2010/main">
+    <mc:Choice Requires="p14">
       <p:transition p14:dur="0"/>
     </mc:Choice>
-    <mc:Fallback>
+    <mc:Fallback xmlns="">
       <p:transition/>
     </mc:Fallback>
   </mc:AlternateContent>
@@ -10769,7 +10809,23 @@
           <a:p>
             <a:r>
               <a:rPr lang="nb-NO" dirty="0"/>
-              <a:t>Retningslinje for bruk av SMART </a:t>
+              <a:t>Guideline for </a:t>
+            </a:r>
+            <a:r>
+              <a:rPr lang="nb-NO" dirty="0" err="1"/>
+              <a:t>use</a:t>
+            </a:r>
+            <a:r>
+              <a:rPr lang="nb-NO" dirty="0"/>
+              <a:t> </a:t>
+            </a:r>
+            <a:r>
+              <a:rPr lang="nb-NO" dirty="0" err="1"/>
+              <a:t>of</a:t>
+            </a:r>
+            <a:r>
+              <a:rPr lang="nb-NO" dirty="0"/>
+              <a:t> SMART </a:t>
             </a:r>
             <a:r>
               <a:rPr lang="nb-NO" dirty="0" err="1"/>
@@ -10777,11 +10833,8 @@
             </a:r>
             <a:r>
               <a:rPr lang="nb-NO" dirty="0"/>
-              <a:t> FHIR</a:t>
-            </a:r>
-          </a:p>
-          <a:p>
-            <a:endParaRPr lang="nb-NO" dirty="0"/>
+              <a:t> FHIR </a:t>
+            </a:r>
           </a:p>
           <a:p>
             <a:endParaRPr lang="nb-NO" dirty="0"/>
@@ -10864,11 +10917,11 @@
   <p:clrMapOvr>
     <a:masterClrMapping/>
   </p:clrMapOvr>
-  <mc:AlternateContent xmlns:mc="http://schemas.openxmlformats.org/markup-compatibility/2006">
-    <mc:Choice xmlns:p14="http://schemas.microsoft.com/office/powerpoint/2010/main" Requires="p14">
+  <mc:AlternateContent xmlns:mc="http://schemas.openxmlformats.org/markup-compatibility/2006" xmlns:p14="http://schemas.microsoft.com/office/powerpoint/2010/main">
+    <mc:Choice Requires="p14">
       <p:transition p14:dur="0"/>
     </mc:Choice>
-    <mc:Fallback>
+    <mc:Fallback xmlns="">
       <p:transition/>
     </mc:Fallback>
   </mc:AlternateContent>
@@ -11211,11 +11264,11 @@
   <p:clrMapOvr>
     <a:masterClrMapping/>
   </p:clrMapOvr>
-  <mc:AlternateContent xmlns:mc="http://schemas.openxmlformats.org/markup-compatibility/2006">
-    <mc:Choice xmlns:p14="http://schemas.microsoft.com/office/powerpoint/2010/main" Requires="p14">
+  <mc:AlternateContent xmlns:mc="http://schemas.openxmlformats.org/markup-compatibility/2006" xmlns:p14="http://schemas.microsoft.com/office/powerpoint/2010/main">
+    <mc:Choice Requires="p14">
       <p:transition p14:dur="0"/>
     </mc:Choice>
-    <mc:Fallback>
+    <mc:Fallback xmlns="">
       <p:transition/>
     </mc:Fallback>
   </mc:AlternateContent>

--- a/docs/presentasjoner/DD23_CT_230508_Thomas_Tveit_Rosenlund_FHIR-in-Norway.pptx
+++ b/docs/presentasjoner/DD23_CT_230508_Thomas_Tveit_Rosenlund_FHIR-in-Norway.pptx
@@ -758,6 +758,129 @@
     <p:extLst>
       <p:ext uri="{BB962C8B-B14F-4D97-AF65-F5344CB8AC3E}">
         <p14:creationId xmlns:p14="http://schemas.microsoft.com/office/powerpoint/2010/main" val="1298404440"/>
+      </p:ext>
+    </p:extLst>
+  </p:cSld>
+  <p:clrMapOvr>
+    <a:masterClrMapping/>
+  </p:clrMapOvr>
+</p:notes>
+</file>
+
+<file path=ppt/notesSlides/notesSlide2.xml><?xml version="1.0" encoding="utf-8"?>
+<p:notes xmlns:a="http://schemas.openxmlformats.org/drawingml/2006/main" xmlns:r="http://schemas.openxmlformats.org/officeDocument/2006/relationships" xmlns:p="http://schemas.openxmlformats.org/presentationml/2006/main">
+  <p:cSld>
+    <p:spTree>
+      <p:nvGrpSpPr>
+        <p:cNvPr id="1" name=""/>
+        <p:cNvGrpSpPr/>
+        <p:nvPr/>
+      </p:nvGrpSpPr>
+      <p:grpSpPr>
+        <a:xfrm>
+          <a:off x="0" y="0"/>
+          <a:ext cx="0" cy="0"/>
+          <a:chOff x="0" y="0"/>
+          <a:chExt cx="0" cy="0"/>
+        </a:xfrm>
+      </p:grpSpPr>
+      <p:sp>
+        <p:nvSpPr>
+          <p:cNvPr id="2" name="Plassholder for lysbilde 1"/>
+          <p:cNvSpPr>
+            <a:spLocks noGrp="1" noRot="1" noChangeAspect="1"/>
+          </p:cNvSpPr>
+          <p:nvPr>
+            <p:ph type="sldImg"/>
+          </p:nvPr>
+        </p:nvSpPr>
+        <p:spPr/>
+      </p:sp>
+      <p:sp>
+        <p:nvSpPr>
+          <p:cNvPr id="3" name="Plassholder for notater 2"/>
+          <p:cNvSpPr>
+            <a:spLocks noGrp="1"/>
+          </p:cNvSpPr>
+          <p:nvPr>
+            <p:ph type="body" idx="1"/>
+          </p:nvPr>
+        </p:nvSpPr>
+        <p:spPr/>
+        <p:txBody>
+          <a:bodyPr/>
+          <a:lstStyle/>
+          <a:p>
+            <a:r>
+              <a:rPr lang="nb-NO" dirty="0" err="1"/>
+              <a:t>Cadastral</a:t>
+            </a:r>
+            <a:r>
+              <a:rPr lang="nb-NO" dirty="0"/>
+              <a:t> </a:t>
+            </a:r>
+            <a:r>
+              <a:rPr lang="nb-NO" dirty="0" err="1"/>
+              <a:t>adress</a:t>
+            </a:r>
+            <a:r>
+              <a:rPr lang="nb-NO" dirty="0"/>
+              <a:t> is </a:t>
+            </a:r>
+            <a:r>
+              <a:rPr lang="nb-NO" dirty="0" err="1"/>
+              <a:t>connected</a:t>
+            </a:r>
+            <a:r>
+              <a:rPr lang="nb-NO" dirty="0"/>
+              <a:t> to Norwegian </a:t>
+            </a:r>
+            <a:r>
+              <a:rPr lang="nb-NO" dirty="0" err="1"/>
+              <a:t>property</a:t>
+            </a:r>
+            <a:r>
+              <a:rPr lang="nb-NO" dirty="0"/>
+              <a:t> </a:t>
+            </a:r>
+            <a:r>
+              <a:rPr lang="nb-NO" dirty="0" err="1"/>
+              <a:t>information</a:t>
+            </a:r>
+            <a:endParaRPr lang="nb-NO" dirty="0"/>
+          </a:p>
+          <a:p>
+            <a:endParaRPr lang="nb-NO" dirty="0"/>
+          </a:p>
+        </p:txBody>
+      </p:sp>
+      <p:sp>
+        <p:nvSpPr>
+          <p:cNvPr id="4" name="Plassholder for lysbildenummer 3"/>
+          <p:cNvSpPr>
+            <a:spLocks noGrp="1"/>
+          </p:cNvSpPr>
+          <p:nvPr>
+            <p:ph type="sldNum" sz="quarter" idx="5"/>
+          </p:nvPr>
+        </p:nvSpPr>
+        <p:spPr/>
+        <p:txBody>
+          <a:bodyPr/>
+          <a:lstStyle/>
+          <a:p>
+            <a:fld id="{A69C946F-C9B2-9B49-8DCA-D38D97C43A2F}" type="slidenum">
+              <a:rPr lang="en-US" smtClean="0"/>
+              <a:t>8</a:t>
+            </a:fld>
+            <a:endParaRPr lang="en-US"/>
+          </a:p>
+        </p:txBody>
+      </p:sp>
+    </p:spTree>
+    <p:extLst>
+      <p:ext uri="{BB962C8B-B14F-4D97-AF65-F5344CB8AC3E}">
+        <p14:creationId xmlns:p14="http://schemas.microsoft.com/office/powerpoint/2010/main" val="3891098052"/>
       </p:ext>
     </p:extLst>
   </p:cSld>
@@ -5490,7 +5613,275 @@
           <a:bodyPr/>
           <a:lstStyle/>
           <a:p>
-            <a:endParaRPr lang="nb-NO"/>
+            <a:r>
+              <a:rPr lang="nb-NO" dirty="0" err="1"/>
+              <a:t>Several</a:t>
+            </a:r>
+            <a:r>
+              <a:rPr lang="nb-NO" dirty="0"/>
+              <a:t> </a:t>
+            </a:r>
+            <a:r>
+              <a:rPr lang="nb-NO" dirty="0" err="1"/>
+              <a:t>national</a:t>
+            </a:r>
+            <a:r>
+              <a:rPr lang="nb-NO" dirty="0"/>
+              <a:t> </a:t>
+            </a:r>
+            <a:r>
+              <a:rPr lang="nb-NO" dirty="0" err="1"/>
+              <a:t>solutions</a:t>
+            </a:r>
+            <a:r>
+              <a:rPr lang="nb-NO" dirty="0"/>
+              <a:t> have </a:t>
+            </a:r>
+            <a:r>
+              <a:rPr lang="nb-NO" dirty="0" err="1"/>
+              <a:t>developed</a:t>
+            </a:r>
+            <a:r>
+              <a:rPr lang="nb-NO" dirty="0"/>
+              <a:t> FHIR </a:t>
+            </a:r>
+            <a:r>
+              <a:rPr lang="nb-NO" dirty="0" err="1"/>
+              <a:t>API’s</a:t>
+            </a:r>
+            <a:endParaRPr lang="nb-NO" dirty="0"/>
+          </a:p>
+          <a:p>
+            <a:pPr lvl="1"/>
+            <a:r>
+              <a:rPr lang="nb-NO" dirty="0"/>
+              <a:t>Central </a:t>
+            </a:r>
+            <a:r>
+              <a:rPr lang="nb-NO" dirty="0" err="1"/>
+              <a:t>medication</a:t>
+            </a:r>
+            <a:r>
+              <a:rPr lang="nb-NO" dirty="0"/>
+              <a:t> </a:t>
+            </a:r>
+            <a:r>
+              <a:rPr lang="nb-NO" dirty="0" err="1"/>
+              <a:t>module</a:t>
+            </a:r>
+            <a:r>
+              <a:rPr lang="nb-NO" dirty="0"/>
+              <a:t> (SFM)</a:t>
+            </a:r>
+          </a:p>
+          <a:p>
+            <a:pPr lvl="1"/>
+            <a:r>
+              <a:rPr lang="nb-NO" dirty="0"/>
+              <a:t>The Personal Connected Health and </a:t>
+            </a:r>
+            <a:r>
+              <a:rPr lang="nb-NO" dirty="0" err="1"/>
+              <a:t>care</a:t>
+            </a:r>
+            <a:r>
+              <a:rPr lang="nb-NO" dirty="0"/>
+              <a:t> </a:t>
+            </a:r>
+            <a:r>
+              <a:rPr lang="nb-NO" dirty="0" err="1"/>
+              <a:t>hub</a:t>
+            </a:r>
+            <a:r>
+              <a:rPr lang="nb-NO" dirty="0"/>
+              <a:t> (VKP)</a:t>
+            </a:r>
+          </a:p>
+          <a:p>
+            <a:pPr lvl="1"/>
+            <a:r>
+              <a:rPr lang="nb-NO" dirty="0" err="1"/>
+              <a:t>Core</a:t>
+            </a:r>
+            <a:r>
+              <a:rPr lang="nb-NO" dirty="0"/>
+              <a:t> </a:t>
+            </a:r>
+            <a:r>
+              <a:rPr lang="nb-NO" dirty="0" err="1"/>
+              <a:t>medical</a:t>
+            </a:r>
+            <a:r>
+              <a:rPr lang="nb-NO" dirty="0"/>
+              <a:t> record (kritisk info kjernejournal)</a:t>
+            </a:r>
+          </a:p>
+          <a:p>
+            <a:pPr lvl="1"/>
+            <a:r>
+              <a:rPr lang="nb-NO" dirty="0" err="1"/>
+              <a:t>Helsenorge</a:t>
+            </a:r>
+            <a:r>
+              <a:rPr lang="nb-NO" dirty="0"/>
+              <a:t> offers </a:t>
+            </a:r>
+            <a:r>
+              <a:rPr lang="nb-NO" dirty="0" err="1"/>
+              <a:t>several</a:t>
+            </a:r>
+            <a:r>
+              <a:rPr lang="nb-NO" dirty="0"/>
+              <a:t> FHIR </a:t>
+            </a:r>
+            <a:r>
+              <a:rPr lang="nb-NO" dirty="0" err="1"/>
+              <a:t>API’s</a:t>
+            </a:r>
+            <a:r>
+              <a:rPr lang="nb-NO" dirty="0"/>
+              <a:t> (</a:t>
+            </a:r>
+            <a:r>
+              <a:rPr lang="nb-NO" dirty="0" err="1"/>
+              <a:t>Helsenorge</a:t>
+            </a:r>
+            <a:r>
+              <a:rPr lang="nb-NO" dirty="0"/>
+              <a:t>)</a:t>
+            </a:r>
+          </a:p>
+          <a:p>
+            <a:pPr lvl="1"/>
+            <a:r>
+              <a:rPr lang="nb-NO" dirty="0"/>
+              <a:t>Lab </a:t>
+            </a:r>
+            <a:r>
+              <a:rPr lang="nb-NO" dirty="0" err="1"/>
+              <a:t>results</a:t>
+            </a:r>
+            <a:r>
+              <a:rPr lang="nb-NO" dirty="0"/>
+              <a:t> (Pasientens prøvesvar)</a:t>
+            </a:r>
+          </a:p>
+          <a:p>
+            <a:pPr marL="457200" lvl="1" indent="0">
+              <a:buNone/>
+            </a:pPr>
+            <a:endParaRPr lang="nb-NO" dirty="0"/>
+          </a:p>
+          <a:p>
+            <a:pPr marL="0" indent="0">
+              <a:buNone/>
+            </a:pPr>
+            <a:r>
+              <a:rPr lang="nb-NO" dirty="0" err="1"/>
+              <a:t>Other</a:t>
+            </a:r>
+            <a:r>
+              <a:rPr lang="nb-NO" dirty="0"/>
+              <a:t> </a:t>
+            </a:r>
+            <a:r>
+              <a:rPr lang="nb-NO" dirty="0" err="1"/>
+              <a:t>solutions</a:t>
+            </a:r>
+            <a:r>
+              <a:rPr lang="nb-NO" dirty="0"/>
+              <a:t> </a:t>
+            </a:r>
+            <a:r>
+              <a:rPr lang="nb-NO" dirty="0" err="1"/>
+              <a:t>of</a:t>
+            </a:r>
+            <a:r>
+              <a:rPr lang="nb-NO" dirty="0"/>
+              <a:t> </a:t>
+            </a:r>
+            <a:r>
+              <a:rPr lang="nb-NO" dirty="0" err="1"/>
+              <a:t>notice</a:t>
+            </a:r>
+            <a:endParaRPr lang="nb-NO" dirty="0"/>
+          </a:p>
+          <a:p>
+            <a:pPr lvl="1"/>
+            <a:r>
+              <a:rPr lang="nb-NO" dirty="0"/>
+              <a:t>Vital </a:t>
+            </a:r>
+            <a:r>
+              <a:rPr lang="nb-NO" dirty="0" err="1"/>
+              <a:t>signs</a:t>
+            </a:r>
+            <a:r>
+              <a:rPr lang="nb-NO" dirty="0"/>
+              <a:t> </a:t>
+            </a:r>
+            <a:r>
+              <a:rPr lang="nb-NO" dirty="0" err="1"/>
+              <a:t>monitoring</a:t>
+            </a:r>
+            <a:r>
+              <a:rPr lang="nb-NO" dirty="0"/>
+              <a:t> (</a:t>
+            </a:r>
+            <a:r>
+              <a:rPr lang="nb-NO" dirty="0" err="1"/>
+              <a:t>no</a:t>
+            </a:r>
+            <a:r>
+              <a:rPr lang="nb-NO" dirty="0"/>
+              <a:t>-</a:t>
+            </a:r>
+            <a:r>
+              <a:rPr lang="nb-NO" dirty="0" err="1"/>
+              <a:t>domain</a:t>
+            </a:r>
+            <a:r>
+              <a:rPr lang="nb-NO" dirty="0"/>
+              <a:t>-vital-</a:t>
+            </a:r>
+            <a:r>
+              <a:rPr lang="nb-NO" dirty="0" err="1"/>
+              <a:t>signs</a:t>
+            </a:r>
+            <a:r>
+              <a:rPr lang="nb-NO" dirty="0"/>
+              <a:t>)</a:t>
+            </a:r>
+          </a:p>
+          <a:p>
+            <a:pPr lvl="1"/>
+            <a:r>
+              <a:rPr lang="nb-NO" dirty="0"/>
+              <a:t>The Norwegian </a:t>
+            </a:r>
+            <a:r>
+              <a:rPr lang="nb-NO" dirty="0" err="1"/>
+              <a:t>CarePlan</a:t>
+            </a:r>
+            <a:r>
+              <a:rPr lang="nb-NO" dirty="0"/>
+              <a:t> is in pilot (DBEP)</a:t>
+            </a:r>
+          </a:p>
+          <a:p>
+            <a:pPr lvl="1"/>
+            <a:r>
+              <a:rPr lang="nb-NO" dirty="0" err="1"/>
+              <a:t>Colonoscopy</a:t>
+            </a:r>
+            <a:r>
+              <a:rPr lang="nb-NO" dirty="0"/>
+              <a:t> report</a:t>
+            </a:r>
+          </a:p>
+          <a:p>
+            <a:pPr lvl="1"/>
+            <a:endParaRPr lang="nb-NO" dirty="0"/>
           </a:p>
         </p:txBody>
       </p:sp>
@@ -10009,8 +10400,8 @@
         </p:blipFill>
         <p:spPr>
           <a:xfrm>
-            <a:off x="5575409" y="970927"/>
-            <a:ext cx="6616591" cy="5222903"/>
+            <a:off x="6112854" y="1395167"/>
+            <a:ext cx="6079146" cy="4798663"/>
           </a:xfrm>
           <a:prstGeom prst="rect">
             <a:avLst/>
@@ -10053,6 +10444,128 @@
           </a:prstGeom>
         </p:spPr>
       </p:pic>
+      <p:sp>
+        <p:nvSpPr>
+          <p:cNvPr id="5" name="Plassholder for tekst 2">
+            <a:extLst>
+              <a:ext uri="{FF2B5EF4-FFF2-40B4-BE49-F238E27FC236}">
+                <a16:creationId xmlns:a16="http://schemas.microsoft.com/office/drawing/2014/main" id="{BBFCD1BF-E2D0-E754-1604-E2214A39D8CB}"/>
+              </a:ext>
+            </a:extLst>
+          </p:cNvPr>
+          <p:cNvSpPr>
+            <a:spLocks noGrp="1"/>
+          </p:cNvSpPr>
+          <p:nvPr>
+            <p:ph type="body" sz="quarter" idx="10"/>
+          </p:nvPr>
+        </p:nvSpPr>
+        <p:spPr>
+          <a:xfrm>
+            <a:off x="838200" y="1997236"/>
+            <a:ext cx="5257800" cy="4225143"/>
+          </a:xfrm>
+        </p:spPr>
+        <p:txBody>
+          <a:bodyPr/>
+          <a:lstStyle/>
+          <a:p>
+            <a:r>
+              <a:rPr lang="nb-NO" dirty="0"/>
+              <a:t>Agile </a:t>
+            </a:r>
+            <a:r>
+              <a:rPr lang="nb-NO" dirty="0" err="1"/>
+              <a:t>process</a:t>
+            </a:r>
+            <a:r>
+              <a:rPr lang="nb-NO" dirty="0"/>
+              <a:t> for </a:t>
+            </a:r>
+            <a:r>
+              <a:rPr lang="nb-NO" dirty="0" err="1"/>
+              <a:t>domain</a:t>
+            </a:r>
+            <a:r>
+              <a:rPr lang="nb-NO" dirty="0"/>
+              <a:t> profiling</a:t>
+            </a:r>
+          </a:p>
+          <a:p>
+            <a:r>
+              <a:rPr lang="nb-NO" dirty="0"/>
+              <a:t>Focus </a:t>
+            </a:r>
+            <a:r>
+              <a:rPr lang="nb-NO" dirty="0" err="1"/>
+              <a:t>on</a:t>
+            </a:r>
+            <a:r>
+              <a:rPr lang="nb-NO" dirty="0"/>
+              <a:t> </a:t>
+            </a:r>
+            <a:r>
+              <a:rPr lang="nb-NO" dirty="0" err="1"/>
+              <a:t>investigation</a:t>
+            </a:r>
+            <a:r>
+              <a:rPr lang="nb-NO" dirty="0"/>
+              <a:t> and re-</a:t>
+            </a:r>
+            <a:r>
+              <a:rPr lang="nb-NO" dirty="0" err="1"/>
+              <a:t>use</a:t>
+            </a:r>
+            <a:r>
+              <a:rPr lang="nb-NO" dirty="0"/>
+              <a:t> </a:t>
+            </a:r>
+            <a:r>
+              <a:rPr lang="nb-NO" dirty="0" err="1"/>
+              <a:t>of</a:t>
+            </a:r>
+            <a:r>
+              <a:rPr lang="nb-NO" dirty="0"/>
+              <a:t> </a:t>
+            </a:r>
+            <a:r>
+              <a:rPr lang="nb-NO" dirty="0" err="1"/>
+              <a:t>existing</a:t>
+            </a:r>
+            <a:r>
+              <a:rPr lang="nb-NO" dirty="0"/>
+              <a:t> </a:t>
+            </a:r>
+            <a:r>
+              <a:rPr lang="nb-NO" dirty="0" err="1"/>
+              <a:t>solutions</a:t>
+            </a:r>
+            <a:endParaRPr lang="nb-NO" dirty="0"/>
+          </a:p>
+          <a:p>
+            <a:r>
+              <a:rPr lang="nb-NO" dirty="0"/>
+              <a:t>National and </a:t>
+            </a:r>
+            <a:r>
+              <a:rPr lang="nb-NO" dirty="0" err="1"/>
+              <a:t>international</a:t>
+            </a:r>
+            <a:r>
+              <a:rPr lang="nb-NO" dirty="0"/>
+              <a:t> </a:t>
+            </a:r>
+            <a:r>
+              <a:rPr lang="nb-NO" dirty="0" err="1"/>
+              <a:t>interoperability</a:t>
+            </a:r>
+            <a:endParaRPr lang="nb-NO" dirty="0"/>
+          </a:p>
+          <a:p>
+            <a:endParaRPr lang="nb-NO" dirty="0"/>
+          </a:p>
+        </p:txBody>
+      </p:sp>
     </p:spTree>
     <p:extLst>
       <p:ext uri="{BB962C8B-B14F-4D97-AF65-F5344CB8AC3E}">
@@ -11044,11 +11557,11 @@
             </a:r>
             <a:r>
               <a:rPr lang="nb-NO" dirty="0"/>
-              <a:t> FHIR in Norway </a:t>
-            </a:r>
-            <a:r>
-              <a:rPr lang="nb-NO" dirty="0" err="1"/>
-              <a:t>integrated</a:t>
+              <a:t> FHIR in Norway is </a:t>
+            </a:r>
+            <a:r>
+              <a:rPr lang="nb-NO" dirty="0" err="1"/>
+              <a:t>stated</a:t>
             </a:r>
             <a:r>
               <a:rPr lang="nb-NO" dirty="0"/>
@@ -11210,6 +11723,93 @@
               <a:rPr lang="nb-NO" dirty="0" err="1"/>
               <a:t>identifiers</a:t>
             </a:r>
+            <a:endParaRPr lang="nb-NO" dirty="0"/>
+          </a:p>
+          <a:p>
+            <a:pPr lvl="1"/>
+            <a:r>
+              <a:rPr lang="nb-NO" dirty="0"/>
+              <a:t>Norwegian </a:t>
+            </a:r>
+            <a:r>
+              <a:rPr lang="nb-NO" dirty="0" err="1"/>
+              <a:t>adress</a:t>
+            </a:r>
+            <a:r>
+              <a:rPr lang="nb-NO" dirty="0"/>
+              <a:t> (</a:t>
+            </a:r>
+            <a:r>
+              <a:rPr lang="nb-NO" dirty="0" err="1"/>
+              <a:t>including</a:t>
+            </a:r>
+            <a:r>
+              <a:rPr lang="nb-NO" dirty="0"/>
+              <a:t> </a:t>
+            </a:r>
+            <a:r>
+              <a:rPr lang="nb-NO" dirty="0" err="1"/>
+              <a:t>cadastral</a:t>
+            </a:r>
+            <a:r>
+              <a:rPr lang="nb-NO" dirty="0"/>
+              <a:t> </a:t>
+            </a:r>
+            <a:r>
+              <a:rPr lang="nb-NO" dirty="0" err="1"/>
+              <a:t>address</a:t>
+            </a:r>
+            <a:r>
+              <a:rPr lang="nb-NO" dirty="0"/>
+              <a:t>)</a:t>
+            </a:r>
+          </a:p>
+          <a:p>
+            <a:pPr lvl="1"/>
+            <a:r>
+              <a:rPr lang="nb-NO" dirty="0"/>
+              <a:t>The Norwegian </a:t>
+            </a:r>
+            <a:r>
+              <a:rPr lang="nb-NO" dirty="0" err="1"/>
+              <a:t>middlename</a:t>
+            </a:r>
+            <a:r>
+              <a:rPr lang="nb-NO" dirty="0"/>
+              <a:t> is not </a:t>
+            </a:r>
+            <a:r>
+              <a:rPr lang="nb-NO" dirty="0" err="1"/>
+              <a:t>the</a:t>
+            </a:r>
+            <a:r>
+              <a:rPr lang="nb-NO" dirty="0"/>
+              <a:t> same as </a:t>
+            </a:r>
+            <a:r>
+              <a:rPr lang="nb-NO" dirty="0" err="1"/>
+              <a:t>the</a:t>
+            </a:r>
+            <a:r>
+              <a:rPr lang="nb-NO" dirty="0"/>
+              <a:t> HL7 </a:t>
+            </a:r>
+            <a:r>
+              <a:rPr lang="nb-NO" dirty="0" err="1"/>
+              <a:t>specified</a:t>
+            </a:r>
+            <a:r>
+              <a:rPr lang="nb-NO" dirty="0"/>
+              <a:t> </a:t>
+            </a:r>
+            <a:r>
+              <a:rPr lang="nb-NO" dirty="0" err="1"/>
+              <a:t>middlename</a:t>
+            </a:r>
+            <a:endParaRPr lang="nb-NO" dirty="0"/>
+          </a:p>
+          <a:p>
+            <a:pPr lvl="1"/>
             <a:endParaRPr lang="nb-NO" dirty="0"/>
           </a:p>
           <a:p>
@@ -11233,10 +11833,10 @@
           <p:nvPr/>
         </p:nvPicPr>
         <p:blipFill>
-          <a:blip r:embed="rId2">
+          <a:blip r:embed="rId3">
             <a:extLst>
               <a:ext uri="{96DAC541-7B7A-43D3-8B79-37D633B846F1}">
-                <asvg:svgBlip xmlns:asvg="http://schemas.microsoft.com/office/drawing/2016/SVG/main" r:embed="rId3"/>
+                <asvg:svgBlip xmlns:asvg="http://schemas.microsoft.com/office/drawing/2016/SVG/main" r:embed="rId4"/>
               </a:ext>
             </a:extLst>
           </a:blip>

--- a/docs/presentasjoner/DD23_CT_230508_Thomas_Tveit_Rosenlund_FHIR-in-Norway.pptx
+++ b/docs/presentasjoner/DD23_CT_230508_Thomas_Tveit_Rosenlund_FHIR-in-Norway.pptx
@@ -6016,6 +6016,52 @@
           </a:p>
         </p:txBody>
       </p:sp>
+      <p:pic>
+        <p:nvPicPr>
+          <p:cNvPr id="4" name="Plassholder for innhold 5">
+            <a:extLst>
+              <a:ext uri="{FF2B5EF4-FFF2-40B4-BE49-F238E27FC236}">
+                <a16:creationId xmlns:a16="http://schemas.microsoft.com/office/drawing/2014/main" id="{5A7583C4-9AED-325B-EBFD-DF77C1F90884}"/>
+              </a:ext>
+            </a:extLst>
+          </p:cNvPr>
+          <p:cNvPicPr>
+            <a:picLocks noChangeAspect="1"/>
+          </p:cNvPicPr>
+          <p:nvPr/>
+        </p:nvPicPr>
+        <p:blipFill>
+          <a:blip r:embed="rId2">
+            <a:clrChange>
+              <a:clrFrom>
+                <a:srgbClr val="FFFFFF"/>
+              </a:clrFrom>
+              <a:clrTo>
+                <a:srgbClr val="FFFFFF">
+                  <a:alpha val="0"/>
+                </a:srgbClr>
+              </a:clrTo>
+            </a:clrChange>
+            <a:extLst>
+              <a:ext uri="{28A0092B-C50C-407E-A947-70E740481C1C}">
+                <a14:useLocalDpi xmlns:a14="http://schemas.microsoft.com/office/drawing/2010/main" val="0"/>
+              </a:ext>
+            </a:extLst>
+          </a:blip>
+          <a:stretch>
+            <a:fillRect/>
+          </a:stretch>
+        </p:blipFill>
+        <p:spPr>
+          <a:xfrm>
+            <a:off x="4699522" y="700390"/>
+            <a:ext cx="2707279" cy="5635559"/>
+          </a:xfrm>
+          <a:prstGeom prst="rect">
+            <a:avLst/>
+          </a:prstGeom>
+        </p:spPr>
+      </p:pic>
     </p:spTree>
     <p:extLst>
       <p:ext uri="{BB962C8B-B14F-4D97-AF65-F5344CB8AC3E}">
@@ -10564,6 +10610,39 @@
           <a:p>
             <a:endParaRPr lang="nb-NO" dirty="0"/>
           </a:p>
+          <a:p>
+            <a:r>
+              <a:rPr lang="nb-NO" dirty="0"/>
+              <a:t>No-</a:t>
+            </a:r>
+            <a:r>
+              <a:rPr lang="nb-NO" dirty="0" err="1"/>
+              <a:t>domain</a:t>
+            </a:r>
+            <a:r>
+              <a:rPr lang="nb-NO" dirty="0"/>
+              <a:t> for vital </a:t>
+            </a:r>
+            <a:r>
+              <a:rPr lang="nb-NO" dirty="0" err="1"/>
+              <a:t>signs</a:t>
+            </a:r>
+            <a:r>
+              <a:rPr lang="nb-NO" dirty="0"/>
+              <a:t> is still in </a:t>
+            </a:r>
+            <a:r>
+              <a:rPr lang="nb-NO" dirty="0" err="1"/>
+              <a:t>development</a:t>
+            </a:r>
+            <a:r>
+              <a:rPr lang="nb-NO" dirty="0"/>
+              <a:t>..</a:t>
+            </a:r>
+          </a:p>
+          <a:p>
+            <a:endParaRPr lang="nb-NO" dirty="0"/>
+          </a:p>
         </p:txBody>
       </p:sp>
     </p:spTree>
@@ -10755,7 +10834,7 @@
             </a:r>
             <a:r>
               <a:rPr lang="nb-NO" dirty="0" err="1"/>
-              <a:t>meetins</a:t>
+              <a:t>meetings</a:t>
             </a:r>
             <a:r>
               <a:rPr lang="nb-NO" dirty="0"/>
@@ -11087,8 +11166,20 @@
           <a:p>
             <a:pPr lvl="1"/>
             <a:r>
-              <a:rPr lang="nb-NO" dirty="0" err="1"/>
-              <a:t>Coding</a:t>
+              <a:rPr lang="nb-NO" dirty="0"/>
+              <a:t>Best </a:t>
+            </a:r>
+            <a:r>
+              <a:rPr lang="nb-NO" dirty="0" err="1"/>
+              <a:t>practice</a:t>
+            </a:r>
+            <a:r>
+              <a:rPr lang="nb-NO" dirty="0"/>
+              <a:t> for </a:t>
+            </a:r>
+            <a:r>
+              <a:rPr lang="nb-NO" dirty="0" err="1"/>
+              <a:t>coding</a:t>
             </a:r>
             <a:r>
               <a:rPr lang="nb-NO" dirty="0"/>
@@ -11199,7 +11290,7 @@
         </p:blipFill>
         <p:spPr>
           <a:xfrm>
-            <a:off x="10715890" y="781261"/>
+            <a:off x="10579702" y="781261"/>
             <a:ext cx="1149224" cy="1149224"/>
           </a:xfrm>
           <a:prstGeom prst="rect">
@@ -11412,7 +11503,7 @@
         </p:blipFill>
         <p:spPr>
           <a:xfrm>
-            <a:off x="10253923" y="785245"/>
+            <a:off x="10480902" y="851996"/>
             <a:ext cx="1145240" cy="1145240"/>
           </a:xfrm>
           <a:prstGeom prst="rect">
@@ -11846,7 +11937,7 @@
         </p:blipFill>
         <p:spPr>
           <a:xfrm>
-            <a:off x="10466424" y="851996"/>
+            <a:off x="10472910" y="851996"/>
             <a:ext cx="1145240" cy="1145240"/>
           </a:xfrm>
           <a:prstGeom prst="rect">

--- a/docs/presentasjoner/DD23_CT_230508_Thomas_Tveit_Rosenlund_FHIR-in-Norway.pptx
+++ b/docs/presentasjoner/DD23_CT_230508_Thomas_Tveit_Rosenlund_FHIR-in-Norway.pptx
@@ -5,10 +5,10 @@
     <p:sldMasterId id="2147483648" r:id="rId1"/>
   </p:sldMasterIdLst>
   <p:notesMasterIdLst>
-    <p:notesMasterId r:id="rId16"/>
+    <p:notesMasterId r:id="rId18"/>
   </p:notesMasterIdLst>
   <p:handoutMasterIdLst>
-    <p:handoutMasterId r:id="rId17"/>
+    <p:handoutMasterId r:id="rId19"/>
   </p:handoutMasterIdLst>
   <p:sldIdLst>
     <p:sldId id="267" r:id="rId2"/>
@@ -21,10 +21,12 @@
     <p:sldId id="2147197782" r:id="rId9"/>
     <p:sldId id="2147197780" r:id="rId10"/>
     <p:sldId id="2147197784" r:id="rId11"/>
-    <p:sldId id="272" r:id="rId12"/>
-    <p:sldId id="266" r:id="rId13"/>
-    <p:sldId id="2147197777" r:id="rId14"/>
-    <p:sldId id="2147197776" r:id="rId15"/>
+    <p:sldId id="2147197785" r:id="rId12"/>
+    <p:sldId id="2147197786" r:id="rId13"/>
+    <p:sldId id="272" r:id="rId14"/>
+    <p:sldId id="266" r:id="rId15"/>
+    <p:sldId id="2147197777" r:id="rId16"/>
+    <p:sldId id="2147197776" r:id="rId17"/>
   </p:sldIdLst>
   <p:sldSz cx="12192000" cy="6858000"/>
   <p:notesSz cx="6858000" cy="9144000"/>
@@ -227,7 +229,7 @@
           <a:p>
             <a:fld id="{602FAFB1-094A-5D42-8886-B282110F4595}" type="datetimeFigureOut">
               <a:rPr lang="en-US" smtClean="0"/>
-              <a:t>6/5/2023</a:t>
+              <a:t>6/6/2023</a:t>
             </a:fld>
             <a:endParaRPr lang="en-US"/>
           </a:p>
@@ -392,7 +394,7 @@
           <a:p>
             <a:fld id="{E128261A-6A60-FE4F-8563-E0524938461B}" type="datetimeFigureOut">
               <a:rPr lang="en-US" smtClean="0"/>
-              <a:t>6/5/2023</a:t>
+              <a:t>6/6/2023</a:t>
             </a:fld>
             <a:endParaRPr lang="en-US"/>
           </a:p>
@@ -729,6 +731,127 @@
             </a:r>
             <a:endParaRPr lang="nb-NO" dirty="0"/>
           </a:p>
+          <a:p>
+            <a:endParaRPr lang="nb-NO" dirty="0"/>
+          </a:p>
+          <a:p>
+            <a:pPr marL="0" marR="0" lvl="0" indent="0" algn="l" defTabSz="914400" rtl="0" eaLnBrk="1" fontAlgn="auto" latinLnBrk="0" hangingPunct="1">
+              <a:lnSpc>
+                <a:spcPct val="100000"/>
+              </a:lnSpc>
+              <a:spcBef>
+                <a:spcPts val="0"/>
+              </a:spcBef>
+              <a:spcAft>
+                <a:spcPts val="0"/>
+              </a:spcAft>
+              <a:buClrTx/>
+              <a:buSzTx/>
+              <a:buFontTx/>
+              <a:buNone/>
+              <a:tabLst/>
+              <a:defRPr/>
+            </a:pPr>
+            <a:r>
+              <a:rPr lang="nb-NO" dirty="0" err="1"/>
+              <a:t>Implemented</a:t>
+            </a:r>
+            <a:r>
+              <a:rPr lang="nb-NO" dirty="0"/>
+              <a:t> </a:t>
+            </a:r>
+            <a:r>
+              <a:rPr lang="nb-NO" dirty="0" err="1"/>
+              <a:t>profiles</a:t>
+            </a:r>
+            <a:r>
+              <a:rPr lang="nb-NO" dirty="0"/>
+              <a:t> </a:t>
+            </a:r>
+            <a:r>
+              <a:rPr lang="nb-NO" dirty="0" err="1"/>
+              <a:t>are</a:t>
+            </a:r>
+            <a:r>
+              <a:rPr lang="nb-NO" dirty="0"/>
+              <a:t> </a:t>
+            </a:r>
+            <a:r>
+              <a:rPr lang="nb-NO" dirty="0" err="1"/>
+              <a:t>made</a:t>
+            </a:r>
+            <a:r>
+              <a:rPr lang="nb-NO" dirty="0"/>
+              <a:t> by </a:t>
+            </a:r>
+            <a:r>
+              <a:rPr lang="nb-NO" dirty="0" err="1"/>
+              <a:t>everyone</a:t>
+            </a:r>
+            <a:r>
+              <a:rPr lang="nb-NO" dirty="0"/>
+              <a:t>, and </a:t>
+            </a:r>
+            <a:r>
+              <a:rPr lang="nb-NO" dirty="0" err="1"/>
+              <a:t>represents</a:t>
+            </a:r>
+            <a:r>
+              <a:rPr lang="nb-NO" dirty="0"/>
+              <a:t> </a:t>
+            </a:r>
+            <a:r>
+              <a:rPr lang="nb-NO" dirty="0" err="1"/>
+              <a:t>the</a:t>
+            </a:r>
+            <a:r>
+              <a:rPr lang="nb-NO" dirty="0"/>
+              <a:t> </a:t>
+            </a:r>
+            <a:r>
+              <a:rPr lang="nb-NO" dirty="0" err="1"/>
+              <a:t>actual</a:t>
+            </a:r>
+            <a:r>
+              <a:rPr lang="nb-NO" dirty="0"/>
+              <a:t> </a:t>
+            </a:r>
+            <a:r>
+              <a:rPr lang="nb-NO" dirty="0" err="1"/>
+              <a:t>implementation</a:t>
+            </a:r>
+            <a:r>
+              <a:rPr lang="nb-NO" dirty="0"/>
+              <a:t> </a:t>
+            </a:r>
+            <a:r>
+              <a:rPr lang="nb-NO" dirty="0" err="1"/>
+              <a:t>of</a:t>
+            </a:r>
+            <a:r>
+              <a:rPr lang="nb-NO" dirty="0"/>
+              <a:t> FHIR in </a:t>
+            </a:r>
+            <a:r>
+              <a:rPr lang="nb-NO" dirty="0" err="1"/>
+              <a:t>products</a:t>
+            </a:r>
+            <a:r>
+              <a:rPr lang="nb-NO" dirty="0"/>
+              <a:t>/</a:t>
+            </a:r>
+            <a:r>
+              <a:rPr lang="nb-NO" dirty="0" err="1"/>
+              <a:t>interfaces</a:t>
+            </a:r>
+            <a:r>
+              <a:rPr lang="nb-NO" dirty="0"/>
+              <a:t>.</a:t>
+            </a:r>
+          </a:p>
+          <a:p>
+            <a:endParaRPr lang="nb-NO" dirty="0"/>
+          </a:p>
         </p:txBody>
       </p:sp>
       <p:sp>
@@ -881,6 +1004,165 @@
     <p:extLst>
       <p:ext uri="{BB962C8B-B14F-4D97-AF65-F5344CB8AC3E}">
         <p14:creationId xmlns:p14="http://schemas.microsoft.com/office/powerpoint/2010/main" val="3891098052"/>
+      </p:ext>
+    </p:extLst>
+  </p:cSld>
+  <p:clrMapOvr>
+    <a:masterClrMapping/>
+  </p:clrMapOvr>
+</p:notes>
+</file>
+
+<file path=ppt/notesSlides/notesSlide3.xml><?xml version="1.0" encoding="utf-8"?>
+<p:notes xmlns:a="http://schemas.openxmlformats.org/drawingml/2006/main" xmlns:r="http://schemas.openxmlformats.org/officeDocument/2006/relationships" xmlns:p="http://schemas.openxmlformats.org/presentationml/2006/main">
+  <p:cSld>
+    <p:spTree>
+      <p:nvGrpSpPr>
+        <p:cNvPr id="1" name=""/>
+        <p:cNvGrpSpPr/>
+        <p:nvPr/>
+      </p:nvGrpSpPr>
+      <p:grpSpPr>
+        <a:xfrm>
+          <a:off x="0" y="0"/>
+          <a:ext cx="0" cy="0"/>
+          <a:chOff x="0" y="0"/>
+          <a:chExt cx="0" cy="0"/>
+        </a:xfrm>
+      </p:grpSpPr>
+      <p:sp>
+        <p:nvSpPr>
+          <p:cNvPr id="2" name="Plassholder for lysbilde 1"/>
+          <p:cNvSpPr>
+            <a:spLocks noGrp="1" noRot="1" noChangeAspect="1"/>
+          </p:cNvSpPr>
+          <p:nvPr>
+            <p:ph type="sldImg"/>
+          </p:nvPr>
+        </p:nvSpPr>
+        <p:spPr/>
+      </p:sp>
+      <p:sp>
+        <p:nvSpPr>
+          <p:cNvPr id="3" name="Plassholder for notater 2"/>
+          <p:cNvSpPr>
+            <a:spLocks noGrp="1"/>
+          </p:cNvSpPr>
+          <p:nvPr>
+            <p:ph type="body" idx="1"/>
+          </p:nvPr>
+        </p:nvSpPr>
+        <p:spPr/>
+        <p:txBody>
+          <a:bodyPr/>
+          <a:lstStyle/>
+          <a:p>
+            <a:r>
+              <a:rPr lang="nb-NO" dirty="0"/>
+              <a:t>SFM have </a:t>
+            </a:r>
+            <a:r>
+              <a:rPr lang="nb-NO" dirty="0" err="1"/>
+              <a:t>now</a:t>
+            </a:r>
+            <a:r>
+              <a:rPr lang="nb-NO" dirty="0"/>
+              <a:t> </a:t>
+            </a:r>
+            <a:r>
+              <a:rPr lang="nb-NO" dirty="0" err="1"/>
+              <a:t>connected</a:t>
+            </a:r>
+            <a:r>
+              <a:rPr lang="nb-NO" dirty="0"/>
+              <a:t> </a:t>
+            </a:r>
+            <a:r>
+              <a:rPr lang="nb-NO" dirty="0" err="1"/>
+              <a:t>about</a:t>
+            </a:r>
+            <a:r>
+              <a:rPr lang="nb-NO" dirty="0"/>
+              <a:t> 100 different </a:t>
+            </a:r>
+            <a:r>
+              <a:rPr lang="nb-NO" dirty="0" err="1"/>
+              <a:t>actors</a:t>
+            </a:r>
+            <a:r>
+              <a:rPr lang="nb-NO" dirty="0"/>
+              <a:t> to </a:t>
+            </a:r>
+            <a:r>
+              <a:rPr lang="nb-NO" dirty="0" err="1"/>
+              <a:t>the</a:t>
+            </a:r>
+            <a:r>
+              <a:rPr lang="nb-NO" dirty="0"/>
+              <a:t> </a:t>
+            </a:r>
+            <a:r>
+              <a:rPr lang="nb-NO" dirty="0" err="1"/>
+              <a:t>modernized</a:t>
+            </a:r>
+            <a:r>
+              <a:rPr lang="nb-NO" dirty="0"/>
+              <a:t> </a:t>
+            </a:r>
+            <a:r>
+              <a:rPr lang="nb-NO" dirty="0" err="1"/>
+              <a:t>infrastructure</a:t>
+            </a:r>
+            <a:r>
+              <a:rPr lang="nb-NO" dirty="0"/>
+              <a:t> for </a:t>
+            </a:r>
+            <a:r>
+              <a:rPr lang="nb-NO" dirty="0" err="1"/>
+              <a:t>medical</a:t>
+            </a:r>
+            <a:r>
+              <a:rPr lang="nb-NO" dirty="0"/>
+              <a:t> </a:t>
+            </a:r>
+            <a:r>
+              <a:rPr lang="nb-NO" dirty="0" err="1"/>
+              <a:t>prespcription</a:t>
+            </a:r>
+            <a:r>
+              <a:rPr lang="nb-NO" dirty="0"/>
+              <a:t>.</a:t>
+            </a:r>
+          </a:p>
+        </p:txBody>
+      </p:sp>
+      <p:sp>
+        <p:nvSpPr>
+          <p:cNvPr id="4" name="Plassholder for lysbildenummer 3"/>
+          <p:cNvSpPr>
+            <a:spLocks noGrp="1"/>
+          </p:cNvSpPr>
+          <p:nvPr>
+            <p:ph type="sldNum" sz="quarter" idx="5"/>
+          </p:nvPr>
+        </p:nvSpPr>
+        <p:spPr/>
+        <p:txBody>
+          <a:bodyPr/>
+          <a:lstStyle/>
+          <a:p>
+            <a:fld id="{A69C946F-C9B2-9B49-8DCA-D38D97C43A2F}" type="slidenum">
+              <a:rPr lang="en-US" smtClean="0"/>
+              <a:t>9</a:t>
+            </a:fld>
+            <a:endParaRPr lang="en-US"/>
+          </a:p>
+        </p:txBody>
+      </p:sp>
+    </p:spTree>
+    <p:extLst>
+      <p:ext uri="{BB962C8B-B14F-4D97-AF65-F5344CB8AC3E}">
+        <p14:creationId xmlns:p14="http://schemas.microsoft.com/office/powerpoint/2010/main" val="1296840464"/>
       </p:ext>
     </p:extLst>
   </p:cSld>
@@ -5900,10 +6182,10 @@
           <p:nvPr/>
         </p:nvPicPr>
         <p:blipFill>
-          <a:blip r:embed="rId2">
+          <a:blip r:embed="rId3">
             <a:extLst>
               <a:ext uri="{96DAC541-7B7A-43D3-8B79-37D633B846F1}">
-                <asvg:svgBlip xmlns:asvg="http://schemas.microsoft.com/office/drawing/2016/SVG/main" r:embed="rId3"/>
+                <asvg:svgBlip xmlns:asvg="http://schemas.microsoft.com/office/drawing/2016/SVG/main" r:embed="rId4"/>
               </a:ext>
             </a:extLst>
           </a:blip>
@@ -5961,6 +6243,1076 @@
       </p:grpSpPr>
       <p:sp>
         <p:nvSpPr>
+          <p:cNvPr id="2" name="Tittel 1">
+            <a:extLst>
+              <a:ext uri="{FF2B5EF4-FFF2-40B4-BE49-F238E27FC236}">
+                <a16:creationId xmlns:a16="http://schemas.microsoft.com/office/drawing/2014/main" id="{A89FC8CE-89F4-5261-7D47-FC2127CC1B5E}"/>
+              </a:ext>
+            </a:extLst>
+          </p:cNvPr>
+          <p:cNvSpPr>
+            <a:spLocks noGrp="1"/>
+          </p:cNvSpPr>
+          <p:nvPr>
+            <p:ph type="title"/>
+          </p:nvPr>
+        </p:nvSpPr>
+        <p:spPr>
+          <a:xfrm>
+            <a:off x="832224" y="1043753"/>
+            <a:ext cx="10515600" cy="886732"/>
+          </a:xfrm>
+        </p:spPr>
+        <p:txBody>
+          <a:bodyPr/>
+          <a:lstStyle/>
+          <a:p>
+            <a:r>
+              <a:rPr lang="nb-NO" dirty="0"/>
+              <a:t>Great </a:t>
+            </a:r>
+            <a:r>
+              <a:rPr lang="nb-NO" dirty="0" err="1"/>
+              <a:t>success</a:t>
+            </a:r>
+            <a:r>
+              <a:rPr lang="nb-NO" dirty="0"/>
+              <a:t>!</a:t>
+            </a:r>
+          </a:p>
+        </p:txBody>
+      </p:sp>
+      <p:sp>
+        <p:nvSpPr>
+          <p:cNvPr id="3" name="Plassholder for tekst 2">
+            <a:extLst>
+              <a:ext uri="{FF2B5EF4-FFF2-40B4-BE49-F238E27FC236}">
+                <a16:creationId xmlns:a16="http://schemas.microsoft.com/office/drawing/2014/main" id="{A85196C6-3988-67C8-A312-B72BEA8AAED8}"/>
+              </a:ext>
+            </a:extLst>
+          </p:cNvPr>
+          <p:cNvSpPr>
+            <a:spLocks noGrp="1"/>
+          </p:cNvSpPr>
+          <p:nvPr>
+            <p:ph type="body" sz="quarter" idx="10"/>
+          </p:nvPr>
+        </p:nvSpPr>
+        <p:spPr>
+          <a:xfrm>
+            <a:off x="838200" y="1930485"/>
+            <a:ext cx="7726082" cy="4291894"/>
+          </a:xfrm>
+        </p:spPr>
+        <p:txBody>
+          <a:bodyPr/>
+          <a:lstStyle/>
+          <a:p>
+            <a:r>
+              <a:rPr lang="nb-NO" dirty="0"/>
+              <a:t>Norwegian base </a:t>
+            </a:r>
+            <a:r>
+              <a:rPr lang="nb-NO" dirty="0" err="1"/>
+              <a:t>profiles</a:t>
+            </a:r>
+            <a:r>
+              <a:rPr lang="nb-NO" dirty="0"/>
+              <a:t> </a:t>
+            </a:r>
+            <a:r>
+              <a:rPr lang="nb-NO" dirty="0" err="1"/>
+              <a:t>are</a:t>
+            </a:r>
+            <a:r>
+              <a:rPr lang="nb-NO" dirty="0"/>
+              <a:t> used by most </a:t>
+            </a:r>
+            <a:r>
+              <a:rPr lang="nb-NO" dirty="0" err="1"/>
+              <a:t>norwegian</a:t>
+            </a:r>
+            <a:r>
+              <a:rPr lang="nb-NO" dirty="0"/>
+              <a:t> FHIR </a:t>
+            </a:r>
+            <a:r>
+              <a:rPr lang="nb-NO" dirty="0" err="1"/>
+              <a:t>projects</a:t>
+            </a:r>
+            <a:r>
+              <a:rPr lang="nb-NO" dirty="0"/>
+              <a:t> (in </a:t>
+            </a:r>
+            <a:r>
+              <a:rPr lang="nb-NO" dirty="0" err="1"/>
+              <a:t>one</a:t>
+            </a:r>
+            <a:r>
+              <a:rPr lang="nb-NO" dirty="0"/>
+              <a:t> </a:t>
+            </a:r>
+            <a:r>
+              <a:rPr lang="nb-NO" dirty="0" err="1"/>
+              <a:t>way</a:t>
+            </a:r>
+            <a:r>
+              <a:rPr lang="nb-NO" dirty="0"/>
+              <a:t> or </a:t>
+            </a:r>
+            <a:r>
+              <a:rPr lang="nb-NO" dirty="0" err="1"/>
+              <a:t>another</a:t>
+            </a:r>
+            <a:r>
+              <a:rPr lang="nb-NO" dirty="0"/>
+              <a:t>).</a:t>
+            </a:r>
+          </a:p>
+          <a:p>
+            <a:r>
+              <a:rPr lang="nb-NO" dirty="0" err="1"/>
+              <a:t>Effort</a:t>
+            </a:r>
+            <a:r>
+              <a:rPr lang="nb-NO" dirty="0"/>
+              <a:t> </a:t>
+            </a:r>
+            <a:r>
+              <a:rPr lang="nb-NO" dirty="0" err="1"/>
+              <a:t>on</a:t>
+            </a:r>
+            <a:r>
+              <a:rPr lang="nb-NO" dirty="0"/>
+              <a:t> </a:t>
+            </a:r>
+            <a:r>
+              <a:rPr lang="nb-NO" dirty="0" err="1"/>
+              <a:t>building</a:t>
+            </a:r>
+            <a:r>
+              <a:rPr lang="nb-NO" dirty="0"/>
+              <a:t> FHIR </a:t>
+            </a:r>
+            <a:r>
+              <a:rPr lang="nb-NO" dirty="0" err="1"/>
+              <a:t>community</a:t>
+            </a:r>
+            <a:r>
+              <a:rPr lang="nb-NO" dirty="0"/>
+              <a:t> by hosting a steady </a:t>
+            </a:r>
+            <a:r>
+              <a:rPr lang="nb-NO" dirty="0" err="1"/>
+              <a:t>flow</a:t>
+            </a:r>
+            <a:r>
+              <a:rPr lang="nb-NO" dirty="0"/>
+              <a:t> </a:t>
+            </a:r>
+            <a:r>
+              <a:rPr lang="nb-NO" dirty="0" err="1"/>
+              <a:t>of</a:t>
+            </a:r>
+            <a:r>
+              <a:rPr lang="nb-NO" dirty="0"/>
+              <a:t> </a:t>
+            </a:r>
+            <a:r>
+              <a:rPr lang="nb-NO" dirty="0" err="1"/>
+              <a:t>open</a:t>
+            </a:r>
+            <a:r>
+              <a:rPr lang="nb-NO" dirty="0"/>
+              <a:t> </a:t>
+            </a:r>
+            <a:r>
+              <a:rPr lang="nb-NO" dirty="0" err="1"/>
+              <a:t>webinars</a:t>
+            </a:r>
+            <a:r>
+              <a:rPr lang="nb-NO" dirty="0"/>
+              <a:t> have </a:t>
+            </a:r>
+            <a:r>
+              <a:rPr lang="nb-NO" dirty="0" err="1"/>
+              <a:t>been</a:t>
+            </a:r>
+            <a:r>
+              <a:rPr lang="nb-NO" dirty="0"/>
+              <a:t> </a:t>
+            </a:r>
+            <a:r>
+              <a:rPr lang="nb-NO" dirty="0" err="1"/>
+              <a:t>successfull</a:t>
+            </a:r>
+            <a:r>
+              <a:rPr lang="nb-NO" dirty="0"/>
+              <a:t>.</a:t>
+            </a:r>
+          </a:p>
+          <a:p>
+            <a:endParaRPr lang="nb-NO" dirty="0"/>
+          </a:p>
+          <a:p>
+            <a:endParaRPr lang="nb-NO" dirty="0"/>
+          </a:p>
+          <a:p>
+            <a:r>
+              <a:rPr lang="nb-NO" dirty="0"/>
+              <a:t>The </a:t>
+            </a:r>
+            <a:r>
+              <a:rPr lang="nb-NO" dirty="0" err="1"/>
+              <a:t>official</a:t>
+            </a:r>
+            <a:r>
+              <a:rPr lang="nb-NO" dirty="0"/>
+              <a:t> </a:t>
+            </a:r>
+            <a:r>
+              <a:rPr lang="nb-NO" dirty="0" err="1"/>
+              <a:t>advice</a:t>
+            </a:r>
+            <a:r>
+              <a:rPr lang="nb-NO" dirty="0"/>
+              <a:t> to </a:t>
+            </a:r>
+            <a:r>
+              <a:rPr lang="nb-NO" dirty="0" err="1"/>
+              <a:t>use</a:t>
+            </a:r>
+            <a:r>
+              <a:rPr lang="nb-NO" dirty="0"/>
+              <a:t> FHIR for API data </a:t>
+            </a:r>
+            <a:r>
+              <a:rPr lang="nb-NO" dirty="0" err="1"/>
+              <a:t>exchange</a:t>
+            </a:r>
+            <a:r>
+              <a:rPr lang="nb-NO" dirty="0"/>
+              <a:t> over have </a:t>
+            </a:r>
+            <a:r>
+              <a:rPr lang="nb-NO" dirty="0" err="1"/>
+              <a:t>been</a:t>
+            </a:r>
+            <a:r>
+              <a:rPr lang="nb-NO" dirty="0"/>
+              <a:t> </a:t>
+            </a:r>
+            <a:r>
+              <a:rPr lang="nb-NO" dirty="0" err="1"/>
+              <a:t>important</a:t>
+            </a:r>
+            <a:r>
+              <a:rPr lang="nb-NO" dirty="0"/>
+              <a:t> for </a:t>
+            </a:r>
+            <a:r>
+              <a:rPr lang="nb-NO" dirty="0" err="1"/>
+              <a:t>adoption</a:t>
+            </a:r>
+            <a:r>
+              <a:rPr lang="nb-NO" dirty="0"/>
+              <a:t> </a:t>
+            </a:r>
+            <a:r>
+              <a:rPr lang="nb-NO" dirty="0" err="1"/>
+              <a:t>of</a:t>
+            </a:r>
+            <a:r>
+              <a:rPr lang="nb-NO" dirty="0"/>
+              <a:t> FHIR in Norway.</a:t>
+            </a:r>
+          </a:p>
+          <a:p>
+            <a:endParaRPr lang="nb-NO" sz="2000" dirty="0"/>
+          </a:p>
+        </p:txBody>
+      </p:sp>
+      <p:pic>
+        <p:nvPicPr>
+          <p:cNvPr id="5" name="Grafikk 4" descr="Pokal">
+            <a:extLst>
+              <a:ext uri="{FF2B5EF4-FFF2-40B4-BE49-F238E27FC236}">
+                <a16:creationId xmlns:a16="http://schemas.microsoft.com/office/drawing/2014/main" id="{386F51F8-5AAE-F52E-B26E-FA986F5198D2}"/>
+              </a:ext>
+            </a:extLst>
+          </p:cNvPr>
+          <p:cNvPicPr>
+            <a:picLocks noChangeAspect="1"/>
+          </p:cNvPicPr>
+          <p:nvPr/>
+        </p:nvPicPr>
+        <p:blipFill>
+          <a:blip r:embed="rId2">
+            <a:extLst>
+              <a:ext uri="{96DAC541-7B7A-43D3-8B79-37D633B846F1}">
+                <asvg:svgBlip xmlns:asvg="http://schemas.microsoft.com/office/drawing/2016/SVG/main" r:embed="rId3"/>
+              </a:ext>
+            </a:extLst>
+          </a:blip>
+          <a:stretch>
+            <a:fillRect/>
+          </a:stretch>
+        </p:blipFill>
+        <p:spPr>
+          <a:xfrm>
+            <a:off x="8616247" y="2179993"/>
+            <a:ext cx="2982589" cy="2982589"/>
+          </a:xfrm>
+          <a:prstGeom prst="rect">
+            <a:avLst/>
+          </a:prstGeom>
+        </p:spPr>
+      </p:pic>
+      <p:pic>
+        <p:nvPicPr>
+          <p:cNvPr id="14" name="Bilde 13">
+            <a:extLst>
+              <a:ext uri="{FF2B5EF4-FFF2-40B4-BE49-F238E27FC236}">
+                <a16:creationId xmlns:a16="http://schemas.microsoft.com/office/drawing/2014/main" id="{155258A8-2422-7917-CA65-DCFE89407B29}"/>
+              </a:ext>
+            </a:extLst>
+          </p:cNvPr>
+          <p:cNvPicPr>
+            <a:picLocks noChangeAspect="1"/>
+          </p:cNvPicPr>
+          <p:nvPr/>
+        </p:nvPicPr>
+        <p:blipFill>
+          <a:blip r:embed="rId4">
+            <a:clrChange>
+              <a:clrFrom>
+                <a:srgbClr val="B7B9B8"/>
+              </a:clrFrom>
+              <a:clrTo>
+                <a:srgbClr val="B7B9B8">
+                  <a:alpha val="0"/>
+                </a:srgbClr>
+              </a:clrTo>
+            </a:clrChange>
+          </a:blip>
+          <a:stretch>
+            <a:fillRect/>
+          </a:stretch>
+        </p:blipFill>
+        <p:spPr>
+          <a:xfrm>
+            <a:off x="1143001" y="4009718"/>
+            <a:ext cx="3685496" cy="645953"/>
+          </a:xfrm>
+          <a:prstGeom prst="rect">
+            <a:avLst/>
+          </a:prstGeom>
+        </p:spPr>
+      </p:pic>
+      <p:sp>
+        <p:nvSpPr>
+          <p:cNvPr id="15" name="Plassholder for tekst 2">
+            <a:extLst>
+              <a:ext uri="{FF2B5EF4-FFF2-40B4-BE49-F238E27FC236}">
+                <a16:creationId xmlns:a16="http://schemas.microsoft.com/office/drawing/2014/main" id="{CC73A571-6CA1-C66D-494D-E3580F8629F2}"/>
+              </a:ext>
+            </a:extLst>
+          </p:cNvPr>
+          <p:cNvSpPr txBox="1">
+            <a:spLocks/>
+          </p:cNvSpPr>
+          <p:nvPr/>
+        </p:nvSpPr>
+        <p:spPr>
+          <a:xfrm>
+            <a:off x="8869083" y="4970693"/>
+            <a:ext cx="2384612" cy="1465108"/>
+          </a:xfrm>
+          <a:prstGeom prst="rect">
+            <a:avLst/>
+          </a:prstGeom>
+        </p:spPr>
+        <p:txBody>
+          <a:bodyPr/>
+          <a:lstStyle>
+            <a:lvl1pPr marL="228600" indent="-228600" algn="l" defTabSz="914400" rtl="0" eaLnBrk="1" latinLnBrk="0" hangingPunct="1">
+              <a:lnSpc>
+                <a:spcPct val="90000"/>
+              </a:lnSpc>
+              <a:spcBef>
+                <a:spcPts val="1000"/>
+              </a:spcBef>
+              <a:buFont typeface="Arial"/>
+              <a:buChar char="•"/>
+              <a:defRPr sz="2800" kern="1200">
+                <a:solidFill>
+                  <a:schemeClr val="tx1">
+                    <a:lumMod val="65000"/>
+                    <a:lumOff val="35000"/>
+                  </a:schemeClr>
+                </a:solidFill>
+                <a:latin typeface="+mn-lt"/>
+                <a:ea typeface="+mn-ea"/>
+                <a:cs typeface="+mn-cs"/>
+              </a:defRPr>
+            </a:lvl1pPr>
+            <a:lvl2pPr marL="685800" indent="-228600" algn="l" defTabSz="914400" rtl="0" eaLnBrk="1" latinLnBrk="0" hangingPunct="1">
+              <a:lnSpc>
+                <a:spcPct val="90000"/>
+              </a:lnSpc>
+              <a:spcBef>
+                <a:spcPts val="500"/>
+              </a:spcBef>
+              <a:buFont typeface="Arial"/>
+              <a:buChar char="•"/>
+              <a:defRPr sz="2400" kern="1200">
+                <a:solidFill>
+                  <a:schemeClr val="tx1">
+                    <a:lumMod val="65000"/>
+                    <a:lumOff val="35000"/>
+                  </a:schemeClr>
+                </a:solidFill>
+                <a:latin typeface="+mn-lt"/>
+                <a:ea typeface="+mn-ea"/>
+                <a:cs typeface="+mn-cs"/>
+              </a:defRPr>
+            </a:lvl2pPr>
+            <a:lvl3pPr marL="1143000" indent="-228600" algn="l" defTabSz="914400" rtl="0" eaLnBrk="1" latinLnBrk="0" hangingPunct="1">
+              <a:lnSpc>
+                <a:spcPct val="90000"/>
+              </a:lnSpc>
+              <a:spcBef>
+                <a:spcPts val="500"/>
+              </a:spcBef>
+              <a:buFont typeface="Arial"/>
+              <a:buChar char="•"/>
+              <a:defRPr sz="2000" kern="1200">
+                <a:solidFill>
+                  <a:schemeClr val="tx1">
+                    <a:lumMod val="65000"/>
+                    <a:lumOff val="35000"/>
+                  </a:schemeClr>
+                </a:solidFill>
+                <a:latin typeface="+mn-lt"/>
+                <a:ea typeface="+mn-ea"/>
+                <a:cs typeface="+mn-cs"/>
+              </a:defRPr>
+            </a:lvl3pPr>
+            <a:lvl4pPr marL="1600200" indent="-228600" algn="l" defTabSz="914400" rtl="0" eaLnBrk="1" latinLnBrk="0" hangingPunct="1">
+              <a:lnSpc>
+                <a:spcPct val="90000"/>
+              </a:lnSpc>
+              <a:spcBef>
+                <a:spcPts val="500"/>
+              </a:spcBef>
+              <a:buFont typeface="Arial"/>
+              <a:buChar char="•"/>
+              <a:defRPr sz="1800" kern="1200">
+                <a:solidFill>
+                  <a:schemeClr val="tx1">
+                    <a:lumMod val="65000"/>
+                    <a:lumOff val="35000"/>
+                  </a:schemeClr>
+                </a:solidFill>
+                <a:latin typeface="+mn-lt"/>
+                <a:ea typeface="+mn-ea"/>
+                <a:cs typeface="+mn-cs"/>
+              </a:defRPr>
+            </a:lvl4pPr>
+            <a:lvl5pPr marL="2057400" indent="-228600" algn="l" defTabSz="914400" rtl="0" eaLnBrk="1" latinLnBrk="0" hangingPunct="1">
+              <a:lnSpc>
+                <a:spcPct val="90000"/>
+              </a:lnSpc>
+              <a:spcBef>
+                <a:spcPts val="500"/>
+              </a:spcBef>
+              <a:buFont typeface="Arial"/>
+              <a:buChar char="•"/>
+              <a:defRPr sz="1800" kern="1200">
+                <a:solidFill>
+                  <a:schemeClr val="tx1">
+                    <a:lumMod val="65000"/>
+                    <a:lumOff val="35000"/>
+                  </a:schemeClr>
+                </a:solidFill>
+                <a:latin typeface="+mn-lt"/>
+                <a:ea typeface="+mn-ea"/>
+                <a:cs typeface="+mn-cs"/>
+              </a:defRPr>
+            </a:lvl5pPr>
+            <a:lvl6pPr marL="2514600" indent="-228600" algn="l" defTabSz="914400" rtl="0" eaLnBrk="1" latinLnBrk="0" hangingPunct="1">
+              <a:lnSpc>
+                <a:spcPct val="90000"/>
+              </a:lnSpc>
+              <a:spcBef>
+                <a:spcPts val="500"/>
+              </a:spcBef>
+              <a:buFont typeface="Arial"/>
+              <a:buChar char="•"/>
+              <a:defRPr sz="1800" kern="1200">
+                <a:solidFill>
+                  <a:schemeClr val="tx1"/>
+                </a:solidFill>
+                <a:latin typeface="+mn-lt"/>
+                <a:ea typeface="+mn-ea"/>
+                <a:cs typeface="+mn-cs"/>
+              </a:defRPr>
+            </a:lvl6pPr>
+            <a:lvl7pPr marL="2971800" indent="-228600" algn="l" defTabSz="914400" rtl="0" eaLnBrk="1" latinLnBrk="0" hangingPunct="1">
+              <a:lnSpc>
+                <a:spcPct val="90000"/>
+              </a:lnSpc>
+              <a:spcBef>
+                <a:spcPts val="500"/>
+              </a:spcBef>
+              <a:buFont typeface="Arial"/>
+              <a:buChar char="•"/>
+              <a:defRPr sz="1800" kern="1200">
+                <a:solidFill>
+                  <a:schemeClr val="tx1"/>
+                </a:solidFill>
+                <a:latin typeface="+mn-lt"/>
+                <a:ea typeface="+mn-ea"/>
+                <a:cs typeface="+mn-cs"/>
+              </a:defRPr>
+            </a:lvl7pPr>
+            <a:lvl8pPr marL="3429000" indent="-228600" algn="l" defTabSz="914400" rtl="0" eaLnBrk="1" latinLnBrk="0" hangingPunct="1">
+              <a:lnSpc>
+                <a:spcPct val="90000"/>
+              </a:lnSpc>
+              <a:spcBef>
+                <a:spcPts val="500"/>
+              </a:spcBef>
+              <a:buFont typeface="Arial"/>
+              <a:buChar char="•"/>
+              <a:defRPr sz="1800" kern="1200">
+                <a:solidFill>
+                  <a:schemeClr val="tx1"/>
+                </a:solidFill>
+                <a:latin typeface="+mn-lt"/>
+                <a:ea typeface="+mn-ea"/>
+                <a:cs typeface="+mn-cs"/>
+              </a:defRPr>
+            </a:lvl8pPr>
+            <a:lvl9pPr marL="3886200" indent="-228600" algn="l" defTabSz="914400" rtl="0" eaLnBrk="1" latinLnBrk="0" hangingPunct="1">
+              <a:lnSpc>
+                <a:spcPct val="90000"/>
+              </a:lnSpc>
+              <a:spcBef>
+                <a:spcPts val="500"/>
+              </a:spcBef>
+              <a:buFont typeface="Arial"/>
+              <a:buChar char="•"/>
+              <a:defRPr sz="1800" kern="1200">
+                <a:solidFill>
+                  <a:schemeClr val="tx1"/>
+                </a:solidFill>
+                <a:latin typeface="+mn-lt"/>
+                <a:ea typeface="+mn-ea"/>
+                <a:cs typeface="+mn-cs"/>
+              </a:defRPr>
+            </a:lvl9pPr>
+          </a:lstStyle>
+          <a:p>
+            <a:pPr marL="0" indent="0" algn="ctr">
+              <a:buNone/>
+            </a:pPr>
+            <a:r>
+              <a:rPr lang="nb-NO" dirty="0"/>
+              <a:t>FHIR FTW</a:t>
+            </a:r>
+          </a:p>
+        </p:txBody>
+      </p:sp>
+      <p:pic>
+        <p:nvPicPr>
+          <p:cNvPr id="16" name="Bilde 15">
+            <a:extLst>
+              <a:ext uri="{FF2B5EF4-FFF2-40B4-BE49-F238E27FC236}">
+                <a16:creationId xmlns:a16="http://schemas.microsoft.com/office/drawing/2014/main" id="{3E8D9F5B-1CD7-E0EE-3381-2191A44480A3}"/>
+              </a:ext>
+            </a:extLst>
+          </p:cNvPr>
+          <p:cNvPicPr>
+            <a:picLocks noChangeAspect="1"/>
+          </p:cNvPicPr>
+          <p:nvPr/>
+        </p:nvPicPr>
+        <p:blipFill>
+          <a:blip r:embed="rId5"/>
+          <a:stretch>
+            <a:fillRect/>
+          </a:stretch>
+        </p:blipFill>
+        <p:spPr>
+          <a:xfrm>
+            <a:off x="9548469" y="2500197"/>
+            <a:ext cx="1089649" cy="1298121"/>
+          </a:xfrm>
+          <a:prstGeom prst="rect">
+            <a:avLst/>
+          </a:prstGeom>
+        </p:spPr>
+      </p:pic>
+    </p:spTree>
+    <p:extLst>
+      <p:ext uri="{BB962C8B-B14F-4D97-AF65-F5344CB8AC3E}">
+        <p14:creationId xmlns:p14="http://schemas.microsoft.com/office/powerpoint/2010/main" val="42706575"/>
+      </p:ext>
+    </p:extLst>
+  </p:cSld>
+  <p:clrMapOvr>
+    <a:masterClrMapping/>
+  </p:clrMapOvr>
+  <p:transition spd="slow">
+    <p:push dir="u"/>
+  </p:transition>
+</p:sld>
+</file>
+
+<file path=ppt/slides/slide12.xml><?xml version="1.0" encoding="utf-8"?>
+<p:sld xmlns:a="http://schemas.openxmlformats.org/drawingml/2006/main" xmlns:r="http://schemas.openxmlformats.org/officeDocument/2006/relationships" xmlns:p="http://schemas.openxmlformats.org/presentationml/2006/main">
+  <p:cSld>
+    <p:spTree>
+      <p:nvGrpSpPr>
+        <p:cNvPr id="1" name=""/>
+        <p:cNvGrpSpPr/>
+        <p:nvPr/>
+      </p:nvGrpSpPr>
+      <p:grpSpPr>
+        <a:xfrm>
+          <a:off x="0" y="0"/>
+          <a:ext cx="0" cy="0"/>
+          <a:chOff x="0" y="0"/>
+          <a:chExt cx="0" cy="0"/>
+        </a:xfrm>
+      </p:grpSpPr>
+      <p:sp>
+        <p:nvSpPr>
+          <p:cNvPr id="2" name="Tittel 1">
+            <a:extLst>
+              <a:ext uri="{FF2B5EF4-FFF2-40B4-BE49-F238E27FC236}">
+                <a16:creationId xmlns:a16="http://schemas.microsoft.com/office/drawing/2014/main" id="{80DC5AAD-A6B1-B39A-3CAD-CB3F043DBF36}"/>
+              </a:ext>
+            </a:extLst>
+          </p:cNvPr>
+          <p:cNvSpPr>
+            <a:spLocks noGrp="1"/>
+          </p:cNvSpPr>
+          <p:nvPr>
+            <p:ph type="title"/>
+          </p:nvPr>
+        </p:nvSpPr>
+        <p:spPr/>
+        <p:txBody>
+          <a:bodyPr/>
+          <a:lstStyle/>
+          <a:p>
+            <a:r>
+              <a:rPr lang="nb-NO" dirty="0" err="1"/>
+              <a:t>Failure</a:t>
+            </a:r>
+            <a:r>
+              <a:rPr lang="nb-NO" dirty="0"/>
+              <a:t> and </a:t>
+            </a:r>
+            <a:r>
+              <a:rPr lang="nb-NO" dirty="0" err="1"/>
+              <a:t>slow</a:t>
+            </a:r>
+            <a:r>
+              <a:rPr lang="nb-NO" dirty="0"/>
+              <a:t> progress</a:t>
+            </a:r>
+          </a:p>
+        </p:txBody>
+      </p:sp>
+      <p:sp>
+        <p:nvSpPr>
+          <p:cNvPr id="3" name="Plassholder for tekst 2">
+            <a:extLst>
+              <a:ext uri="{FF2B5EF4-FFF2-40B4-BE49-F238E27FC236}">
+                <a16:creationId xmlns:a16="http://schemas.microsoft.com/office/drawing/2014/main" id="{B62333DA-8394-7FBB-1A3F-B3D4B68A32AC}"/>
+              </a:ext>
+            </a:extLst>
+          </p:cNvPr>
+          <p:cNvSpPr>
+            <a:spLocks noGrp="1"/>
+          </p:cNvSpPr>
+          <p:nvPr>
+            <p:ph type="body" sz="quarter" idx="10"/>
+          </p:nvPr>
+        </p:nvSpPr>
+        <p:spPr>
+          <a:xfrm>
+            <a:off x="838199" y="1997236"/>
+            <a:ext cx="9160436" cy="4225143"/>
+          </a:xfrm>
+        </p:spPr>
+        <p:txBody>
+          <a:bodyPr/>
+          <a:lstStyle/>
+          <a:p>
+            <a:r>
+              <a:rPr lang="nb-NO" dirty="0"/>
+              <a:t>Our </a:t>
+            </a:r>
+            <a:r>
+              <a:rPr lang="nb-NO" dirty="0" err="1"/>
+              <a:t>greates</a:t>
+            </a:r>
+            <a:r>
+              <a:rPr lang="nb-NO" dirty="0"/>
+              <a:t> </a:t>
+            </a:r>
+            <a:r>
+              <a:rPr lang="nb-NO" dirty="0" err="1"/>
+              <a:t>failure</a:t>
+            </a:r>
+            <a:r>
+              <a:rPr lang="nb-NO" dirty="0"/>
+              <a:t> </a:t>
+            </a:r>
+            <a:r>
+              <a:rPr lang="nb-NO" dirty="0" err="1"/>
+              <a:t>was</a:t>
+            </a:r>
+            <a:r>
+              <a:rPr lang="nb-NO" dirty="0"/>
+              <a:t> </a:t>
+            </a:r>
+            <a:r>
+              <a:rPr lang="nb-NO" dirty="0" err="1"/>
+              <a:t>the</a:t>
+            </a:r>
+            <a:r>
+              <a:rPr lang="nb-NO" dirty="0"/>
+              <a:t> </a:t>
+            </a:r>
+            <a:r>
+              <a:rPr lang="nb-NO" dirty="0" err="1"/>
+              <a:t>effort</a:t>
+            </a:r>
+            <a:r>
+              <a:rPr lang="nb-NO" dirty="0"/>
+              <a:t> to </a:t>
+            </a:r>
+            <a:r>
+              <a:rPr lang="nb-NO" dirty="0" err="1"/>
+              <a:t>publish</a:t>
+            </a:r>
+            <a:r>
+              <a:rPr lang="nb-NO" dirty="0"/>
+              <a:t> </a:t>
+            </a:r>
+            <a:r>
+              <a:rPr lang="nb-NO" dirty="0" err="1"/>
+              <a:t>the</a:t>
+            </a:r>
+            <a:r>
+              <a:rPr lang="nb-NO" dirty="0"/>
+              <a:t> Norwegian master person </a:t>
+            </a:r>
+            <a:r>
+              <a:rPr lang="nb-NO" dirty="0" err="1"/>
+              <a:t>index</a:t>
+            </a:r>
+            <a:r>
+              <a:rPr lang="nb-NO" dirty="0"/>
+              <a:t> </a:t>
+            </a:r>
+            <a:r>
+              <a:rPr lang="nb-NO" dirty="0" err="1"/>
+              <a:t>using</a:t>
+            </a:r>
+            <a:r>
+              <a:rPr lang="nb-NO" dirty="0"/>
+              <a:t> FHIR.</a:t>
+            </a:r>
+          </a:p>
+          <a:p>
+            <a:pPr lvl="1"/>
+            <a:r>
+              <a:rPr lang="nb-NO" dirty="0"/>
+              <a:t>The FHIR </a:t>
+            </a:r>
+            <a:r>
+              <a:rPr lang="nb-NO" dirty="0" err="1"/>
+              <a:t>project</a:t>
+            </a:r>
+            <a:r>
+              <a:rPr lang="nb-NO" dirty="0"/>
+              <a:t> </a:t>
+            </a:r>
+            <a:r>
+              <a:rPr lang="nb-NO" dirty="0" err="1"/>
+              <a:t>was</a:t>
+            </a:r>
+            <a:r>
+              <a:rPr lang="nb-NO" dirty="0"/>
+              <a:t> </a:t>
+            </a:r>
+            <a:r>
+              <a:rPr lang="nb-NO" dirty="0" err="1"/>
+              <a:t>scrapped</a:t>
+            </a:r>
+            <a:r>
+              <a:rPr lang="nb-NO" dirty="0"/>
+              <a:t> </a:t>
+            </a:r>
+            <a:r>
+              <a:rPr lang="nb-NO" dirty="0" err="1"/>
+              <a:t>because</a:t>
+            </a:r>
+            <a:r>
+              <a:rPr lang="nb-NO" dirty="0"/>
+              <a:t> </a:t>
+            </a:r>
+            <a:r>
+              <a:rPr lang="nb-NO" dirty="0" err="1"/>
+              <a:t>of</a:t>
+            </a:r>
+            <a:r>
+              <a:rPr lang="nb-NO" dirty="0"/>
+              <a:t> to </a:t>
+            </a:r>
+            <a:r>
+              <a:rPr lang="nb-NO" dirty="0" err="1"/>
+              <a:t>many</a:t>
+            </a:r>
+            <a:r>
+              <a:rPr lang="nb-NO" dirty="0"/>
+              <a:t> </a:t>
+            </a:r>
+            <a:r>
+              <a:rPr lang="nb-NO" dirty="0" err="1"/>
+              <a:t>extensions</a:t>
+            </a:r>
+            <a:r>
+              <a:rPr lang="nb-NO" dirty="0"/>
+              <a:t> and </a:t>
+            </a:r>
+            <a:r>
+              <a:rPr lang="nb-NO" dirty="0" err="1"/>
+              <a:t>cumbersome</a:t>
+            </a:r>
+            <a:r>
+              <a:rPr lang="nb-NO" dirty="0"/>
+              <a:t> </a:t>
+            </a:r>
+            <a:r>
+              <a:rPr lang="nb-NO" dirty="0" err="1"/>
+              <a:t>use</a:t>
+            </a:r>
+            <a:r>
+              <a:rPr lang="nb-NO" dirty="0"/>
+              <a:t> </a:t>
+            </a:r>
+            <a:r>
+              <a:rPr lang="nb-NO" dirty="0" err="1"/>
+              <a:t>of</a:t>
+            </a:r>
+            <a:r>
+              <a:rPr lang="nb-NO" dirty="0"/>
+              <a:t> </a:t>
+            </a:r>
+            <a:r>
+              <a:rPr lang="nb-NO" dirty="0" err="1"/>
+              <a:t>RelatedPerson</a:t>
+            </a:r>
+            <a:r>
+              <a:rPr lang="nb-NO" dirty="0"/>
+              <a:t> </a:t>
+            </a:r>
+            <a:r>
+              <a:rPr lang="nb-NO" dirty="0" err="1"/>
+              <a:t>structure</a:t>
+            </a:r>
+            <a:r>
+              <a:rPr lang="nb-NO" dirty="0"/>
+              <a:t>, </a:t>
+            </a:r>
+            <a:r>
+              <a:rPr lang="nb-NO" dirty="0" err="1"/>
+              <a:t>wich</a:t>
+            </a:r>
+            <a:r>
+              <a:rPr lang="nb-NO" dirty="0"/>
+              <a:t> lead to </a:t>
+            </a:r>
+            <a:r>
+              <a:rPr lang="nb-NO" dirty="0" err="1"/>
+              <a:t>poor</a:t>
+            </a:r>
+            <a:r>
+              <a:rPr lang="nb-NO" dirty="0"/>
+              <a:t> </a:t>
+            </a:r>
+            <a:r>
+              <a:rPr lang="nb-NO" dirty="0" err="1"/>
+              <a:t>performance</a:t>
+            </a:r>
+            <a:r>
+              <a:rPr lang="nb-NO" dirty="0"/>
+              <a:t>.</a:t>
+            </a:r>
+          </a:p>
+          <a:p>
+            <a:endParaRPr lang="nb-NO" dirty="0"/>
+          </a:p>
+          <a:p>
+            <a:r>
+              <a:rPr lang="nb-NO" dirty="0"/>
+              <a:t>Norwegian </a:t>
+            </a:r>
+            <a:r>
+              <a:rPr lang="nb-NO" dirty="0" err="1"/>
+              <a:t>domain</a:t>
+            </a:r>
+            <a:r>
+              <a:rPr lang="nb-NO" dirty="0"/>
+              <a:t> profiling is </a:t>
+            </a:r>
+            <a:r>
+              <a:rPr lang="nb-NO" dirty="0" err="1"/>
+              <a:t>moving</a:t>
+            </a:r>
+            <a:r>
+              <a:rPr lang="nb-NO" dirty="0"/>
+              <a:t> </a:t>
+            </a:r>
+            <a:r>
+              <a:rPr lang="nb-NO" dirty="0" err="1"/>
+              <a:t>very</a:t>
+            </a:r>
+            <a:r>
+              <a:rPr lang="nb-NO" dirty="0"/>
+              <a:t> </a:t>
+            </a:r>
+            <a:r>
+              <a:rPr lang="nb-NO" dirty="0" err="1"/>
+              <a:t>slowly</a:t>
+            </a:r>
+            <a:r>
+              <a:rPr lang="nb-NO" dirty="0"/>
+              <a:t>.</a:t>
+            </a:r>
+          </a:p>
+          <a:p>
+            <a:endParaRPr lang="nb-NO" dirty="0"/>
+          </a:p>
+          <a:p>
+            <a:endParaRPr lang="nb-NO" dirty="0"/>
+          </a:p>
+        </p:txBody>
+      </p:sp>
+      <p:pic>
+        <p:nvPicPr>
+          <p:cNvPr id="4" name="Grafikk 3" descr="Stolpediagram – nedadgående trend">
+            <a:extLst>
+              <a:ext uri="{FF2B5EF4-FFF2-40B4-BE49-F238E27FC236}">
+                <a16:creationId xmlns:a16="http://schemas.microsoft.com/office/drawing/2014/main" id="{5C6FBB0A-6B8C-3A41-AD14-0D6F146BD583}"/>
+              </a:ext>
+            </a:extLst>
+          </p:cNvPr>
+          <p:cNvPicPr>
+            <a:picLocks noChangeAspect="1"/>
+          </p:cNvPicPr>
+          <p:nvPr/>
+        </p:nvPicPr>
+        <p:blipFill>
+          <a:blip r:embed="rId2">
+            <a:extLst>
+              <a:ext uri="{96DAC541-7B7A-43D3-8B79-37D633B846F1}">
+                <asvg:svgBlip xmlns:asvg="http://schemas.microsoft.com/office/drawing/2016/SVG/main" r:embed="rId3"/>
+              </a:ext>
+            </a:extLst>
+          </a:blip>
+          <a:stretch>
+            <a:fillRect/>
+          </a:stretch>
+        </p:blipFill>
+        <p:spPr>
+          <a:xfrm>
+            <a:off x="10370670" y="1930485"/>
+            <a:ext cx="914400" cy="914400"/>
+          </a:xfrm>
+          <a:prstGeom prst="rect">
+            <a:avLst/>
+          </a:prstGeom>
+        </p:spPr>
+      </p:pic>
+      <p:pic>
+        <p:nvPicPr>
+          <p:cNvPr id="7" name="Grafikk 6" descr="Skilpadde">
+            <a:extLst>
+              <a:ext uri="{FF2B5EF4-FFF2-40B4-BE49-F238E27FC236}">
+                <a16:creationId xmlns:a16="http://schemas.microsoft.com/office/drawing/2014/main" id="{10811223-F263-69C3-FA65-8AD1E2E84F8D}"/>
+              </a:ext>
+            </a:extLst>
+          </p:cNvPr>
+          <p:cNvPicPr>
+            <a:picLocks noChangeAspect="1"/>
+          </p:cNvPicPr>
+          <p:nvPr/>
+        </p:nvPicPr>
+        <p:blipFill>
+          <a:blip r:embed="rId4">
+            <a:extLst>
+              <a:ext uri="{96DAC541-7B7A-43D3-8B79-37D633B846F1}">
+                <asvg:svgBlip xmlns:asvg="http://schemas.microsoft.com/office/drawing/2016/SVG/main" r:embed="rId5"/>
+              </a:ext>
+            </a:extLst>
+          </a:blip>
+          <a:stretch>
+            <a:fillRect/>
+          </a:stretch>
+        </p:blipFill>
+        <p:spPr>
+          <a:xfrm>
+            <a:off x="10370670" y="4280647"/>
+            <a:ext cx="914400" cy="914400"/>
+          </a:xfrm>
+          <a:prstGeom prst="rect">
+            <a:avLst/>
+          </a:prstGeom>
+        </p:spPr>
+      </p:pic>
+    </p:spTree>
+    <p:extLst>
+      <p:ext uri="{BB962C8B-B14F-4D97-AF65-F5344CB8AC3E}">
+        <p14:creationId xmlns:p14="http://schemas.microsoft.com/office/powerpoint/2010/main" val="1367483968"/>
+      </p:ext>
+    </p:extLst>
+  </p:cSld>
+  <p:clrMapOvr>
+    <a:masterClrMapping/>
+  </p:clrMapOvr>
+  <p:transition spd="slow">
+    <p:push dir="u"/>
+  </p:transition>
+</p:sld>
+</file>
+
+<file path=ppt/slides/slide13.xml><?xml version="1.0" encoding="utf-8"?>
+<p:sld xmlns:a="http://schemas.openxmlformats.org/drawingml/2006/main" xmlns:r="http://schemas.openxmlformats.org/officeDocument/2006/relationships" xmlns:p="http://schemas.openxmlformats.org/presentationml/2006/main">
+  <p:cSld>
+    <p:spTree>
+      <p:nvGrpSpPr>
+        <p:cNvPr id="1" name=""/>
+        <p:cNvGrpSpPr/>
+        <p:nvPr/>
+      </p:nvGrpSpPr>
+      <p:grpSpPr>
+        <a:xfrm>
+          <a:off x="0" y="0"/>
+          <a:ext cx="0" cy="0"/>
+          <a:chOff x="0" y="0"/>
+          <a:chExt cx="0" cy="0"/>
+        </a:xfrm>
+      </p:grpSpPr>
+      <p:sp>
+        <p:nvSpPr>
           <p:cNvPr id="2" name="Title 1"/>
           <p:cNvSpPr>
             <a:spLocks noGrp="1"/>
@@ -6083,7 +7435,7 @@
 </p:sld>
 </file>
 
-<file path=ppt/slides/slide12.xml><?xml version="1.0" encoding="utf-8"?>
+<file path=ppt/slides/slide14.xml><?xml version="1.0" encoding="utf-8"?>
 <p:sld xmlns:a="http://schemas.openxmlformats.org/drawingml/2006/main" xmlns:r="http://schemas.openxmlformats.org/officeDocument/2006/relationships" xmlns:p="http://schemas.openxmlformats.org/presentationml/2006/main">
   <p:cSld>
     <p:spTree>
@@ -6173,7 +7525,7 @@
 </p:sld>
 </file>
 
-<file path=ppt/slides/slide13.xml><?xml version="1.0" encoding="utf-8"?>
+<file path=ppt/slides/slide15.xml><?xml version="1.0" encoding="utf-8"?>
 <p:sld xmlns:a="http://schemas.openxmlformats.org/drawingml/2006/main" xmlns:r="http://schemas.openxmlformats.org/officeDocument/2006/relationships" xmlns:p="http://schemas.openxmlformats.org/presentationml/2006/main" show="0">
   <p:cSld>
     <p:spTree>
@@ -7839,7 +9191,7 @@
 </p:sld>
 </file>
 
-<file path=ppt/slides/slide14.xml><?xml version="1.0" encoding="utf-8"?>
+<file path=ppt/slides/slide16.xml><?xml version="1.0" encoding="utf-8"?>
 <p:sld xmlns:a="http://schemas.openxmlformats.org/drawingml/2006/main" xmlns:r="http://schemas.openxmlformats.org/officeDocument/2006/relationships" xmlns:p="http://schemas.openxmlformats.org/presentationml/2006/main" show="0">
   <p:cSld>
     <p:spTree>
@@ -9517,6 +10869,12 @@
             </a:r>
           </a:p>
           <a:p>
+            <a:r>
+              <a:rPr lang="en-US" dirty="0"/>
+              <a:t>One of the main authors of national base profiles in Norway</a:t>
+            </a:r>
+          </a:p>
+          <a:p>
             <a:pPr marL="0" indent="0">
               <a:buNone/>
             </a:pPr>
@@ -9546,8 +10904,8 @@
         </p:blipFill>
         <p:spPr>
           <a:xfrm>
-            <a:off x="6777630" y="1487119"/>
-            <a:ext cx="4711436" cy="4459554"/>
+            <a:off x="7316558" y="1997235"/>
+            <a:ext cx="4172507" cy="3949437"/>
           </a:xfrm>
           <a:prstGeom prst="rect">
             <a:avLst/>
@@ -10080,8 +11438,8 @@
         </p:nvSpPr>
         <p:spPr>
           <a:xfrm>
-            <a:off x="838199" y="1997236"/>
-            <a:ext cx="4913871" cy="4225143"/>
+            <a:off x="838198" y="1997236"/>
+            <a:ext cx="5311589" cy="4225143"/>
           </a:xfrm>
         </p:spPr>
         <p:txBody>
@@ -10126,7 +11484,7 @@
             </a:r>
             <a:r>
               <a:rPr lang="nb-NO" dirty="0" err="1"/>
-              <a:t>development</a:t>
+              <a:t>structure</a:t>
             </a:r>
             <a:r>
               <a:rPr lang="nb-NO" dirty="0"/>
@@ -10134,7 +11492,7 @@
             </a:r>
             <a:r>
               <a:rPr lang="nb-NO" dirty="0" err="1"/>
-              <a:t>development</a:t>
+              <a:t>implementation</a:t>
             </a:r>
             <a:r>
               <a:rPr lang="nb-NO" dirty="0"/>
@@ -10168,6 +11526,14 @@
             </a:r>
             <a:r>
               <a:rPr lang="nb-NO" dirty="0" err="1"/>
+              <a:t>small</a:t>
+            </a:r>
+            <a:r>
+              <a:rPr lang="nb-NO" dirty="0"/>
+              <a:t> </a:t>
+            </a:r>
+            <a:r>
+              <a:rPr lang="nb-NO" dirty="0" err="1"/>
               <a:t>collection</a:t>
             </a:r>
             <a:r>
@@ -10214,11 +11580,50 @@
             </a:r>
             <a:r>
               <a:rPr lang="nb-NO" dirty="0"/>
+              <a:t> (</a:t>
+            </a:r>
+            <a:r>
+              <a:rPr lang="nb-NO" dirty="0" err="1"/>
+              <a:t>use</a:t>
+            </a:r>
+            <a:r>
+              <a:rPr lang="nb-NO" dirty="0"/>
+              <a:t>-case </a:t>
+            </a:r>
+            <a:r>
+              <a:rPr lang="nb-NO" dirty="0" err="1"/>
+              <a:t>domains</a:t>
+            </a:r>
+            <a:r>
+              <a:rPr lang="nb-NO" dirty="0"/>
+              <a:t>) </a:t>
+            </a:r>
+            <a:r>
+              <a:rPr lang="nb-NO" dirty="0" err="1"/>
+              <a:t>are</a:t>
+            </a:r>
+            <a:r>
+              <a:rPr lang="nb-NO" dirty="0"/>
               <a:t> </a:t>
             </a:r>
             <a:r>
               <a:rPr lang="nb-NO" dirty="0" err="1"/>
-              <a:t>are</a:t>
+              <a:t>developed</a:t>
+            </a:r>
+            <a:r>
+              <a:rPr lang="nb-NO" dirty="0"/>
+              <a:t> as </a:t>
+            </a:r>
+            <a:r>
+              <a:rPr lang="nb-NO" dirty="0" err="1"/>
+              <a:t>needed</a:t>
+            </a:r>
+            <a:endParaRPr lang="nb-NO" dirty="0"/>
+          </a:p>
+          <a:p>
+            <a:r>
+              <a:rPr lang="nb-NO" dirty="0" err="1"/>
+              <a:t>Implemented</a:t>
             </a:r>
             <a:r>
               <a:rPr lang="nb-NO" dirty="0"/>
@@ -10226,54 +11631,7 @@
             </a:r>
             <a:r>
               <a:rPr lang="nb-NO" dirty="0" err="1"/>
-              <a:t>developed</a:t>
-            </a:r>
-            <a:r>
-              <a:rPr lang="nb-NO" dirty="0"/>
-              <a:t> as </a:t>
-            </a:r>
-            <a:r>
-              <a:rPr lang="nb-NO" dirty="0" err="1"/>
-              <a:t>needed</a:t>
-            </a:r>
-            <a:endParaRPr lang="nb-NO" dirty="0"/>
-          </a:p>
-          <a:p>
-            <a:r>
-              <a:rPr lang="nb-NO" dirty="0" err="1"/>
-              <a:t>Implemented</a:t>
-            </a:r>
-            <a:r>
-              <a:rPr lang="nb-NO" dirty="0"/>
-              <a:t> </a:t>
-            </a:r>
-            <a:r>
-              <a:rPr lang="nb-NO" dirty="0" err="1"/>
               <a:t>profiles</a:t>
-            </a:r>
-            <a:r>
-              <a:rPr lang="nb-NO" dirty="0"/>
-              <a:t> </a:t>
-            </a:r>
-            <a:r>
-              <a:rPr lang="nb-NO" dirty="0" err="1"/>
-              <a:t>are</a:t>
-            </a:r>
-            <a:r>
-              <a:rPr lang="nb-NO" dirty="0"/>
-              <a:t> </a:t>
-            </a:r>
-            <a:r>
-              <a:rPr lang="nb-NO" dirty="0" err="1"/>
-              <a:t>made</a:t>
-            </a:r>
-            <a:r>
-              <a:rPr lang="nb-NO" dirty="0"/>
-              <a:t> by </a:t>
-            </a:r>
-            <a:r>
-              <a:rPr lang="nb-NO" dirty="0" err="1"/>
-              <a:t>everyone</a:t>
             </a:r>
             <a:endParaRPr lang="nb-NO" dirty="0"/>
           </a:p>
@@ -10301,7 +11659,7 @@
         </p:blipFill>
         <p:spPr>
           <a:xfrm>
-            <a:off x="6050049" y="1805657"/>
+            <a:off x="6096000" y="2050692"/>
             <a:ext cx="5985408" cy="3906605"/>
           </a:xfrm>
           <a:prstGeom prst="rect">

--- a/docs/presentasjoner/DD23_CT_230508_Thomas_Tveit_Rosenlund_FHIR-in-Norway.pptx
+++ b/docs/presentasjoner/DD23_CT_230508_Thomas_Tveit_Rosenlund_FHIR-in-Norway.pptx
@@ -5,10 +5,10 @@
     <p:sldMasterId id="2147483648" r:id="rId1"/>
   </p:sldMasterIdLst>
   <p:notesMasterIdLst>
-    <p:notesMasterId r:id="rId18"/>
+    <p:notesMasterId r:id="rId19"/>
   </p:notesMasterIdLst>
   <p:handoutMasterIdLst>
-    <p:handoutMasterId r:id="rId19"/>
+    <p:handoutMasterId r:id="rId20"/>
   </p:handoutMasterIdLst>
   <p:sldIdLst>
     <p:sldId id="267" r:id="rId2"/>
@@ -24,9 +24,10 @@
     <p:sldId id="2147197785" r:id="rId12"/>
     <p:sldId id="2147197786" r:id="rId13"/>
     <p:sldId id="272" r:id="rId14"/>
-    <p:sldId id="266" r:id="rId15"/>
-    <p:sldId id="2147197777" r:id="rId16"/>
-    <p:sldId id="2147197776" r:id="rId17"/>
+    <p:sldId id="2147197787" r:id="rId15"/>
+    <p:sldId id="266" r:id="rId16"/>
+    <p:sldId id="2147197777" r:id="rId17"/>
+    <p:sldId id="2147197776" r:id="rId18"/>
   </p:sldIdLst>
   <p:sldSz cx="12192000" cy="6858000"/>
   <p:notesSz cx="6858000" cy="9144000"/>
@@ -229,7 +230,7 @@
           <a:p>
             <a:fld id="{602FAFB1-094A-5D42-8886-B282110F4595}" type="datetimeFigureOut">
               <a:rPr lang="en-US" smtClean="0"/>
-              <a:t>6/6/2023</a:t>
+              <a:t>6/7/2023</a:t>
             </a:fld>
             <a:endParaRPr lang="en-US"/>
           </a:p>
@@ -394,7 +395,7 @@
           <a:p>
             <a:fld id="{E128261A-6A60-FE4F-8563-E0524938461B}" type="datetimeFigureOut">
               <a:rPr lang="en-US" smtClean="0"/>
-              <a:t>6/6/2023</a:t>
+              <a:t>6/7/2023</a:t>
             </a:fld>
             <a:endParaRPr lang="en-US"/>
           </a:p>
@@ -935,16 +936,52 @@
           <a:lstStyle/>
           <a:p>
             <a:r>
-              <a:rPr lang="nb-NO" dirty="0" err="1"/>
-              <a:t>Cadastral</a:t>
-            </a:r>
-            <a:r>
-              <a:rPr lang="nb-NO" dirty="0"/>
-              <a:t> </a:t>
-            </a:r>
-            <a:r>
-              <a:rPr lang="nb-NO" dirty="0" err="1"/>
-              <a:t>adress</a:t>
+              <a:rPr lang="nb-NO" dirty="0"/>
+              <a:t>FHIR fagforum </a:t>
+            </a:r>
+            <a:r>
+              <a:rPr lang="nb-NO" dirty="0" err="1"/>
+              <a:t>also</a:t>
+            </a:r>
+            <a:r>
+              <a:rPr lang="nb-NO" dirty="0"/>
+              <a:t> </a:t>
+            </a:r>
+            <a:r>
+              <a:rPr lang="nb-NO" dirty="0" err="1"/>
+              <a:t>shares</a:t>
+            </a:r>
+            <a:r>
+              <a:rPr lang="nb-NO" dirty="0"/>
+              <a:t> </a:t>
+            </a:r>
+            <a:r>
+              <a:rPr lang="nb-NO" dirty="0" err="1"/>
+              <a:t>information</a:t>
+            </a:r>
+            <a:r>
+              <a:rPr lang="nb-NO" dirty="0"/>
+              <a:t> from </a:t>
+            </a:r>
+            <a:r>
+              <a:rPr lang="nb-NO" dirty="0" err="1"/>
+              <a:t>research</a:t>
+            </a:r>
+            <a:r>
+              <a:rPr lang="nb-NO" dirty="0"/>
+              <a:t> </a:t>
+            </a:r>
+            <a:r>
+              <a:rPr lang="nb-NO" dirty="0" err="1"/>
+              <a:t>projects</a:t>
+            </a:r>
+            <a:r>
+              <a:rPr lang="nb-NO" dirty="0"/>
+              <a:t> </a:t>
+            </a:r>
+            <a:r>
+              <a:rPr lang="nb-NO" dirty="0" err="1"/>
+              <a:t>that</a:t>
             </a:r>
             <a:r>
               <a:rPr lang="nb-NO" dirty="0"/>
@@ -952,28 +989,28 @@
             </a:r>
             <a:r>
               <a:rPr lang="nb-NO" dirty="0" err="1"/>
-              <a:t>connected</a:t>
-            </a:r>
-            <a:r>
-              <a:rPr lang="nb-NO" dirty="0"/>
-              <a:t> to Norwegian </a:t>
-            </a:r>
-            <a:r>
-              <a:rPr lang="nb-NO" dirty="0" err="1"/>
-              <a:t>property</a:t>
-            </a:r>
-            <a:r>
-              <a:rPr lang="nb-NO" dirty="0"/>
-              <a:t> </a:t>
-            </a:r>
-            <a:r>
-              <a:rPr lang="nb-NO" dirty="0" err="1"/>
-              <a:t>information</a:t>
-            </a:r>
-            <a:endParaRPr lang="nb-NO" dirty="0"/>
-          </a:p>
-          <a:p>
-            <a:endParaRPr lang="nb-NO" dirty="0"/>
+              <a:t>using</a:t>
+            </a:r>
+            <a:r>
+              <a:rPr lang="nb-NO" dirty="0"/>
+              <a:t> FHIR like </a:t>
+            </a:r>
+            <a:r>
+              <a:rPr lang="nb-NO" dirty="0" err="1"/>
+              <a:t>Gravitate</a:t>
+            </a:r>
+            <a:r>
+              <a:rPr lang="nb-NO" dirty="0"/>
+              <a:t> </a:t>
+            </a:r>
+            <a:r>
+              <a:rPr lang="nb-NO" dirty="0" err="1"/>
+              <a:t>health</a:t>
+            </a:r>
+            <a:r>
+              <a:rPr lang="nb-NO" dirty="0"/>
+              <a:t> and CAPABLE programs. </a:t>
+            </a:r>
           </a:p>
         </p:txBody>
       </p:sp>
@@ -994,7 +1031,7 @@
           <a:p>
             <a:fld id="{A69C946F-C9B2-9B49-8DCA-D38D97C43A2F}" type="slidenum">
               <a:rPr lang="en-US" smtClean="0"/>
-              <a:t>8</a:t>
+              <a:t>5</a:t>
             </a:fld>
             <a:endParaRPr lang="en-US"/>
           </a:p>
@@ -1003,7 +1040,7 @@
     </p:spTree>
     <p:extLst>
       <p:ext uri="{BB962C8B-B14F-4D97-AF65-F5344CB8AC3E}">
-        <p14:creationId xmlns:p14="http://schemas.microsoft.com/office/powerpoint/2010/main" val="3891098052"/>
+        <p14:creationId xmlns:p14="http://schemas.microsoft.com/office/powerpoint/2010/main" val="3969405467"/>
       </p:ext>
     </p:extLst>
   </p:cSld>
@@ -1057,37 +1094,36 @@
           <a:bodyPr/>
           <a:lstStyle/>
           <a:p>
-            <a:r>
-              <a:rPr lang="nb-NO" dirty="0"/>
-              <a:t>SFM have </a:t>
-            </a:r>
-            <a:r>
-              <a:rPr lang="nb-NO" dirty="0" err="1"/>
-              <a:t>now</a:t>
-            </a:r>
-            <a:r>
-              <a:rPr lang="nb-NO" dirty="0"/>
-              <a:t> </a:t>
-            </a:r>
-            <a:r>
-              <a:rPr lang="nb-NO" dirty="0" err="1"/>
-              <a:t>connected</a:t>
-            </a:r>
-            <a:r>
-              <a:rPr lang="nb-NO" dirty="0"/>
-              <a:t> </a:t>
-            </a:r>
-            <a:r>
-              <a:rPr lang="nb-NO" dirty="0" err="1"/>
-              <a:t>about</a:t>
-            </a:r>
-            <a:r>
-              <a:rPr lang="nb-NO" dirty="0"/>
-              <a:t> 100 different </a:t>
-            </a:r>
-            <a:r>
-              <a:rPr lang="nb-NO" dirty="0" err="1"/>
-              <a:t>actors</a:t>
+            <a:endParaRPr lang="nb-NO" dirty="0"/>
+          </a:p>
+          <a:p>
+            <a:r>
+              <a:rPr lang="nb-NO" dirty="0" err="1"/>
+              <a:t>Suggestions</a:t>
+            </a:r>
+            <a:r>
+              <a:rPr lang="nb-NO" dirty="0"/>
+              <a:t> for </a:t>
+            </a:r>
+            <a:r>
+              <a:rPr lang="nb-NO" dirty="0" err="1"/>
+              <a:t>useful</a:t>
+            </a:r>
+            <a:r>
+              <a:rPr lang="nb-NO" dirty="0"/>
+              <a:t> </a:t>
+            </a:r>
+            <a:r>
+              <a:rPr lang="nb-NO" dirty="0" err="1"/>
+              <a:t>extension</a:t>
+            </a:r>
+            <a:r>
+              <a:rPr lang="nb-NO" dirty="0"/>
+              <a:t>, like </a:t>
+            </a:r>
+            <a:r>
+              <a:rPr lang="nb-NO" dirty="0" err="1"/>
+              <a:t>how</a:t>
             </a:r>
             <a:r>
               <a:rPr lang="nb-NO" dirty="0"/>
@@ -1095,44 +1131,112 @@
             </a:r>
             <a:r>
               <a:rPr lang="nb-NO" dirty="0" err="1"/>
+              <a:t>add</a:t>
+            </a:r>
+            <a:r>
+              <a:rPr lang="nb-NO" dirty="0"/>
+              <a:t> a </a:t>
+            </a:r>
+            <a:r>
+              <a:rPr lang="nb-NO" dirty="0" err="1"/>
+              <a:t>Cadastral</a:t>
+            </a:r>
+            <a:r>
+              <a:rPr lang="nb-NO" dirty="0"/>
+              <a:t> </a:t>
+            </a:r>
+            <a:r>
+              <a:rPr lang="nb-NO" dirty="0" err="1"/>
+              <a:t>adress</a:t>
+            </a:r>
+            <a:r>
+              <a:rPr lang="nb-NO" dirty="0"/>
+              <a:t> in </a:t>
+            </a:r>
+            <a:r>
+              <a:rPr lang="nb-NO" dirty="0" err="1"/>
               <a:t>the</a:t>
             </a:r>
             <a:r>
               <a:rPr lang="nb-NO" dirty="0"/>
-              <a:t> </a:t>
-            </a:r>
-            <a:r>
-              <a:rPr lang="nb-NO" dirty="0" err="1"/>
-              <a:t>modernized</a:t>
-            </a:r>
-            <a:r>
-              <a:rPr lang="nb-NO" dirty="0"/>
-              <a:t> </a:t>
-            </a:r>
-            <a:r>
-              <a:rPr lang="nb-NO" dirty="0" err="1"/>
-              <a:t>infrastructure</a:t>
-            </a:r>
-            <a:r>
-              <a:rPr lang="nb-NO" dirty="0"/>
-              <a:t> for </a:t>
-            </a:r>
-            <a:r>
-              <a:rPr lang="nb-NO" dirty="0" err="1"/>
-              <a:t>medical</a:t>
-            </a:r>
-            <a:r>
-              <a:rPr lang="nb-NO" dirty="0"/>
-              <a:t> </a:t>
-            </a:r>
-            <a:r>
-              <a:rPr lang="nb-NO" dirty="0" err="1"/>
-              <a:t>prespcription</a:t>
+              <a:t> FHIR </a:t>
+            </a:r>
+            <a:r>
+              <a:rPr lang="nb-NO" dirty="0" err="1"/>
+              <a:t>Address</a:t>
+            </a:r>
+            <a:r>
+              <a:rPr lang="nb-NO" dirty="0"/>
+              <a:t> datatype, </a:t>
+            </a:r>
+            <a:r>
+              <a:rPr lang="nb-NO" dirty="0" err="1"/>
+              <a:t>this</a:t>
+            </a:r>
+            <a:r>
+              <a:rPr lang="nb-NO" dirty="0"/>
+              <a:t> is </a:t>
+            </a:r>
+            <a:r>
+              <a:rPr lang="nb-NO" dirty="0" err="1"/>
+              <a:t>added</a:t>
+            </a:r>
+            <a:r>
+              <a:rPr lang="nb-NO" dirty="0"/>
+              <a:t> </a:t>
+            </a:r>
+            <a:r>
+              <a:rPr lang="nb-NO" dirty="0" err="1"/>
+              <a:t>using</a:t>
+            </a:r>
+            <a:r>
+              <a:rPr lang="nb-NO" dirty="0"/>
+              <a:t> a </a:t>
+            </a:r>
+            <a:r>
+              <a:rPr lang="nb-NO" dirty="0" err="1"/>
+              <a:t>voluntarily</a:t>
+            </a:r>
+            <a:r>
+              <a:rPr lang="nb-NO" dirty="0"/>
+              <a:t> </a:t>
+            </a:r>
+            <a:r>
+              <a:rPr lang="nb-NO" dirty="0" err="1"/>
+              <a:t>property</a:t>
+            </a:r>
+            <a:r>
+              <a:rPr lang="nb-NO" dirty="0"/>
+              <a:t> </a:t>
+            </a:r>
+            <a:r>
+              <a:rPr lang="nb-NO" dirty="0" err="1"/>
+              <a:t>information</a:t>
+            </a:r>
+            <a:r>
+              <a:rPr lang="nb-NO" dirty="0"/>
+              <a:t> </a:t>
+            </a:r>
+            <a:r>
+              <a:rPr lang="nb-NO" dirty="0" err="1"/>
+              <a:t>extension</a:t>
             </a:r>
             <a:r>
               <a:rPr lang="nb-NO" dirty="0"/>
               <a:t>.</a:t>
             </a:r>
+          </a:p>
+          <a:p>
+            <a:endParaRPr lang="nb-NO" dirty="0"/>
+          </a:p>
+          <a:p>
+            <a:endParaRPr lang="nb-NO" dirty="0"/>
+          </a:p>
+          <a:p>
+            <a:endParaRPr lang="nb-NO" dirty="0"/>
+          </a:p>
+          <a:p>
+            <a:endParaRPr lang="nb-NO" dirty="0"/>
           </a:p>
         </p:txBody>
       </p:sp>
@@ -1153,6 +1257,165 @@
           <a:p>
             <a:fld id="{A69C946F-C9B2-9B49-8DCA-D38D97C43A2F}" type="slidenum">
               <a:rPr lang="en-US" smtClean="0"/>
+              <a:t>8</a:t>
+            </a:fld>
+            <a:endParaRPr lang="en-US"/>
+          </a:p>
+        </p:txBody>
+      </p:sp>
+    </p:spTree>
+    <p:extLst>
+      <p:ext uri="{BB962C8B-B14F-4D97-AF65-F5344CB8AC3E}">
+        <p14:creationId xmlns:p14="http://schemas.microsoft.com/office/powerpoint/2010/main" val="3891098052"/>
+      </p:ext>
+    </p:extLst>
+  </p:cSld>
+  <p:clrMapOvr>
+    <a:masterClrMapping/>
+  </p:clrMapOvr>
+</p:notes>
+</file>
+
+<file path=ppt/notesSlides/notesSlide4.xml><?xml version="1.0" encoding="utf-8"?>
+<p:notes xmlns:a="http://schemas.openxmlformats.org/drawingml/2006/main" xmlns:r="http://schemas.openxmlformats.org/officeDocument/2006/relationships" xmlns:p="http://schemas.openxmlformats.org/presentationml/2006/main">
+  <p:cSld>
+    <p:spTree>
+      <p:nvGrpSpPr>
+        <p:cNvPr id="1" name=""/>
+        <p:cNvGrpSpPr/>
+        <p:nvPr/>
+      </p:nvGrpSpPr>
+      <p:grpSpPr>
+        <a:xfrm>
+          <a:off x="0" y="0"/>
+          <a:ext cx="0" cy="0"/>
+          <a:chOff x="0" y="0"/>
+          <a:chExt cx="0" cy="0"/>
+        </a:xfrm>
+      </p:grpSpPr>
+      <p:sp>
+        <p:nvSpPr>
+          <p:cNvPr id="2" name="Plassholder for lysbilde 1"/>
+          <p:cNvSpPr>
+            <a:spLocks noGrp="1" noRot="1" noChangeAspect="1"/>
+          </p:cNvSpPr>
+          <p:nvPr>
+            <p:ph type="sldImg"/>
+          </p:nvPr>
+        </p:nvSpPr>
+        <p:spPr/>
+      </p:sp>
+      <p:sp>
+        <p:nvSpPr>
+          <p:cNvPr id="3" name="Plassholder for notater 2"/>
+          <p:cNvSpPr>
+            <a:spLocks noGrp="1"/>
+          </p:cNvSpPr>
+          <p:nvPr>
+            <p:ph type="body" idx="1"/>
+          </p:nvPr>
+        </p:nvSpPr>
+        <p:spPr/>
+        <p:txBody>
+          <a:bodyPr/>
+          <a:lstStyle/>
+          <a:p>
+            <a:r>
+              <a:rPr lang="nb-NO" dirty="0"/>
+              <a:t>SFM have </a:t>
+            </a:r>
+            <a:r>
+              <a:rPr lang="nb-NO" dirty="0" err="1"/>
+              <a:t>now</a:t>
+            </a:r>
+            <a:r>
+              <a:rPr lang="nb-NO" dirty="0"/>
+              <a:t> </a:t>
+            </a:r>
+            <a:r>
+              <a:rPr lang="nb-NO" dirty="0" err="1"/>
+              <a:t>connected</a:t>
+            </a:r>
+            <a:r>
+              <a:rPr lang="nb-NO" dirty="0"/>
+              <a:t> </a:t>
+            </a:r>
+            <a:r>
+              <a:rPr lang="nb-NO" dirty="0" err="1"/>
+              <a:t>about</a:t>
+            </a:r>
+            <a:r>
+              <a:rPr lang="nb-NO" dirty="0"/>
+              <a:t> 100 different </a:t>
+            </a:r>
+            <a:r>
+              <a:rPr lang="nb-NO" dirty="0" err="1"/>
+              <a:t>actors</a:t>
+            </a:r>
+            <a:r>
+              <a:rPr lang="nb-NO" dirty="0"/>
+              <a:t> to </a:t>
+            </a:r>
+            <a:r>
+              <a:rPr lang="nb-NO" dirty="0" err="1"/>
+              <a:t>the</a:t>
+            </a:r>
+            <a:r>
+              <a:rPr lang="nb-NO" dirty="0"/>
+              <a:t> </a:t>
+            </a:r>
+            <a:r>
+              <a:rPr lang="nb-NO" dirty="0" err="1"/>
+              <a:t>modernized</a:t>
+            </a:r>
+            <a:r>
+              <a:rPr lang="nb-NO" dirty="0"/>
+              <a:t> </a:t>
+            </a:r>
+            <a:r>
+              <a:rPr lang="nb-NO" dirty="0" err="1"/>
+              <a:t>infrastructure</a:t>
+            </a:r>
+            <a:r>
+              <a:rPr lang="nb-NO" dirty="0"/>
+              <a:t> for </a:t>
+            </a:r>
+            <a:r>
+              <a:rPr lang="nb-NO" dirty="0" err="1"/>
+              <a:t>medical</a:t>
+            </a:r>
+            <a:r>
+              <a:rPr lang="nb-NO" dirty="0"/>
+              <a:t> </a:t>
+            </a:r>
+            <a:r>
+              <a:rPr lang="nb-NO" dirty="0" err="1"/>
+              <a:t>prespcription</a:t>
+            </a:r>
+            <a:r>
+              <a:rPr lang="nb-NO" dirty="0"/>
+              <a:t>.</a:t>
+            </a:r>
+          </a:p>
+        </p:txBody>
+      </p:sp>
+      <p:sp>
+        <p:nvSpPr>
+          <p:cNvPr id="4" name="Plassholder for lysbildenummer 3"/>
+          <p:cNvSpPr>
+            <a:spLocks noGrp="1"/>
+          </p:cNvSpPr>
+          <p:nvPr>
+            <p:ph type="sldNum" sz="quarter" idx="5"/>
+          </p:nvPr>
+        </p:nvSpPr>
+        <p:spPr/>
+        <p:txBody>
+          <a:bodyPr/>
+          <a:lstStyle/>
+          <a:p>
+            <a:fld id="{A69C946F-C9B2-9B49-8DCA-D38D97C43A2F}" type="slidenum">
+              <a:rPr lang="en-US" smtClean="0"/>
               <a:t>9</a:t>
             </a:fld>
             <a:endParaRPr lang="en-US"/>
@@ -1163,6 +1426,478 @@
     <p:extLst>
       <p:ext uri="{BB962C8B-B14F-4D97-AF65-F5344CB8AC3E}">
         <p14:creationId xmlns:p14="http://schemas.microsoft.com/office/powerpoint/2010/main" val="1296840464"/>
+      </p:ext>
+    </p:extLst>
+  </p:cSld>
+  <p:clrMapOvr>
+    <a:masterClrMapping/>
+  </p:clrMapOvr>
+</p:notes>
+</file>
+
+<file path=ppt/notesSlides/notesSlide5.xml><?xml version="1.0" encoding="utf-8"?>
+<p:notes xmlns:a="http://schemas.openxmlformats.org/drawingml/2006/main" xmlns:r="http://schemas.openxmlformats.org/officeDocument/2006/relationships" xmlns:p="http://schemas.openxmlformats.org/presentationml/2006/main">
+  <p:cSld>
+    <p:spTree>
+      <p:nvGrpSpPr>
+        <p:cNvPr id="1" name=""/>
+        <p:cNvGrpSpPr/>
+        <p:nvPr/>
+      </p:nvGrpSpPr>
+      <p:grpSpPr>
+        <a:xfrm>
+          <a:off x="0" y="0"/>
+          <a:ext cx="0" cy="0"/>
+          <a:chOff x="0" y="0"/>
+          <a:chExt cx="0" cy="0"/>
+        </a:xfrm>
+      </p:grpSpPr>
+      <p:sp>
+        <p:nvSpPr>
+          <p:cNvPr id="2" name="Plassholder for lysbilde 1"/>
+          <p:cNvSpPr>
+            <a:spLocks noGrp="1" noRot="1" noChangeAspect="1"/>
+          </p:cNvSpPr>
+          <p:nvPr>
+            <p:ph type="sldImg"/>
+          </p:nvPr>
+        </p:nvSpPr>
+        <p:spPr/>
+      </p:sp>
+      <p:sp>
+        <p:nvSpPr>
+          <p:cNvPr id="3" name="Plassholder for notater 2"/>
+          <p:cNvSpPr>
+            <a:spLocks noGrp="1"/>
+          </p:cNvSpPr>
+          <p:nvPr>
+            <p:ph type="body" idx="1"/>
+          </p:nvPr>
+        </p:nvSpPr>
+        <p:spPr/>
+        <p:txBody>
+          <a:bodyPr/>
+          <a:lstStyle/>
+          <a:p>
+            <a:r>
+              <a:rPr lang="nb-NO" dirty="0"/>
+              <a:t>FHIR fagforum </a:t>
+            </a:r>
+            <a:r>
+              <a:rPr lang="nb-NO" dirty="0" err="1"/>
+              <a:t>both</a:t>
+            </a:r>
+            <a:r>
+              <a:rPr lang="nb-NO" dirty="0"/>
+              <a:t> </a:t>
+            </a:r>
+            <a:r>
+              <a:rPr lang="nb-NO" dirty="0" err="1"/>
+              <a:t>builds</a:t>
+            </a:r>
+            <a:r>
+              <a:rPr lang="nb-NO" dirty="0"/>
+              <a:t> </a:t>
+            </a:r>
+            <a:r>
+              <a:rPr lang="nb-NO" dirty="0" err="1"/>
+              <a:t>avareness</a:t>
+            </a:r>
+            <a:r>
+              <a:rPr lang="nb-NO" dirty="0"/>
+              <a:t>, </a:t>
+            </a:r>
+            <a:r>
+              <a:rPr lang="nb-NO" dirty="0" err="1"/>
+              <a:t>shares</a:t>
+            </a:r>
+            <a:r>
+              <a:rPr lang="nb-NO" dirty="0"/>
+              <a:t> </a:t>
+            </a:r>
+            <a:r>
+              <a:rPr lang="nb-NO" dirty="0" err="1"/>
+              <a:t>implementations</a:t>
+            </a:r>
+            <a:r>
+              <a:rPr lang="nb-NO" dirty="0"/>
+              <a:t> </a:t>
+            </a:r>
+            <a:r>
+              <a:rPr lang="nb-NO" dirty="0" err="1"/>
+              <a:t>experiences</a:t>
+            </a:r>
+            <a:r>
+              <a:rPr lang="nb-NO" dirty="0"/>
+              <a:t>, </a:t>
+            </a:r>
+            <a:r>
+              <a:rPr lang="nb-NO" dirty="0" err="1"/>
+              <a:t>builds</a:t>
+            </a:r>
+            <a:r>
+              <a:rPr lang="nb-NO" dirty="0"/>
+              <a:t> FHIR </a:t>
+            </a:r>
+            <a:r>
+              <a:rPr lang="nb-NO" dirty="0" err="1"/>
+              <a:t>knowledge</a:t>
+            </a:r>
+            <a:r>
+              <a:rPr lang="nb-NO" dirty="0"/>
+              <a:t> and is a </a:t>
+            </a:r>
+            <a:r>
+              <a:rPr lang="nb-NO" dirty="0" err="1"/>
+              <a:t>goto</a:t>
+            </a:r>
+            <a:r>
+              <a:rPr lang="nb-NO" dirty="0"/>
+              <a:t> </a:t>
+            </a:r>
+            <a:r>
+              <a:rPr lang="nb-NO" dirty="0" err="1"/>
+              <a:t>meeting</a:t>
+            </a:r>
+            <a:r>
+              <a:rPr lang="nb-NO" dirty="0"/>
+              <a:t> </a:t>
+            </a:r>
+            <a:r>
+              <a:rPr lang="nb-NO" dirty="0" err="1"/>
+              <a:t>place</a:t>
+            </a:r>
+            <a:r>
+              <a:rPr lang="nb-NO" dirty="0"/>
+              <a:t> for </a:t>
+            </a:r>
+            <a:r>
+              <a:rPr lang="nb-NO" dirty="0" err="1"/>
+              <a:t>the</a:t>
+            </a:r>
+            <a:r>
+              <a:rPr lang="nb-NO" dirty="0"/>
+              <a:t> Norwegian FHIR </a:t>
+            </a:r>
+            <a:r>
+              <a:rPr lang="nb-NO" dirty="0" err="1"/>
+              <a:t>community</a:t>
+            </a:r>
+            <a:r>
+              <a:rPr lang="nb-NO" dirty="0"/>
+              <a:t>.</a:t>
+            </a:r>
+          </a:p>
+          <a:p>
+            <a:endParaRPr lang="nb-NO" dirty="0"/>
+          </a:p>
+          <a:p>
+            <a:r>
+              <a:rPr lang="nb-NO" dirty="0" err="1"/>
+              <a:t>There</a:t>
+            </a:r>
+            <a:r>
+              <a:rPr lang="nb-NO" dirty="0"/>
+              <a:t> </a:t>
+            </a:r>
+            <a:r>
+              <a:rPr lang="nb-NO" dirty="0" err="1"/>
+              <a:t>are</a:t>
+            </a:r>
+            <a:r>
+              <a:rPr lang="nb-NO" dirty="0"/>
+              <a:t> </a:t>
+            </a:r>
+            <a:r>
+              <a:rPr lang="nb-NO" dirty="0" err="1"/>
+              <a:t>no</a:t>
+            </a:r>
+            <a:r>
+              <a:rPr lang="nb-NO" dirty="0"/>
+              <a:t> </a:t>
+            </a:r>
+            <a:r>
+              <a:rPr lang="nb-NO" dirty="0" err="1"/>
+              <a:t>sanctions</a:t>
+            </a:r>
+            <a:r>
+              <a:rPr lang="nb-NO" dirty="0"/>
+              <a:t> for not </a:t>
+            </a:r>
+            <a:r>
+              <a:rPr lang="nb-NO" dirty="0" err="1"/>
+              <a:t>following</a:t>
+            </a:r>
+            <a:r>
+              <a:rPr lang="nb-NO" dirty="0"/>
+              <a:t> </a:t>
+            </a:r>
+            <a:r>
+              <a:rPr lang="nb-NO" dirty="0" err="1"/>
+              <a:t>the</a:t>
+            </a:r>
+            <a:r>
+              <a:rPr lang="nb-NO" dirty="0"/>
+              <a:t> </a:t>
+            </a:r>
+            <a:r>
+              <a:rPr lang="nb-NO" dirty="0" err="1"/>
+              <a:t>official</a:t>
+            </a:r>
+            <a:r>
+              <a:rPr lang="nb-NO" dirty="0"/>
+              <a:t> </a:t>
+            </a:r>
+            <a:r>
+              <a:rPr lang="nb-NO" dirty="0" err="1"/>
+              <a:t>recommendation</a:t>
+            </a:r>
+            <a:r>
+              <a:rPr lang="nb-NO" dirty="0"/>
+              <a:t> for </a:t>
+            </a:r>
+            <a:r>
+              <a:rPr lang="nb-NO" dirty="0" err="1"/>
+              <a:t>use</a:t>
+            </a:r>
+            <a:r>
+              <a:rPr lang="nb-NO" dirty="0"/>
+              <a:t> </a:t>
+            </a:r>
+            <a:r>
+              <a:rPr lang="nb-NO" dirty="0" err="1"/>
+              <a:t>of</a:t>
+            </a:r>
+            <a:r>
+              <a:rPr lang="nb-NO" dirty="0"/>
+              <a:t> FHIR for </a:t>
+            </a:r>
+            <a:r>
+              <a:rPr lang="nb-NO" dirty="0" err="1"/>
+              <a:t>API’s</a:t>
+            </a:r>
+            <a:r>
+              <a:rPr lang="nb-NO" dirty="0"/>
+              <a:t> </a:t>
+            </a:r>
+            <a:r>
+              <a:rPr lang="nb-NO" dirty="0" err="1"/>
+              <a:t>but</a:t>
+            </a:r>
+            <a:r>
+              <a:rPr lang="nb-NO" dirty="0"/>
+              <a:t> </a:t>
+            </a:r>
+            <a:r>
+              <a:rPr lang="nb-NO" dirty="0" err="1"/>
+              <a:t>the</a:t>
+            </a:r>
+            <a:r>
+              <a:rPr lang="nb-NO" dirty="0"/>
+              <a:t> </a:t>
+            </a:r>
+            <a:r>
+              <a:rPr lang="nb-NO" dirty="0" err="1"/>
+              <a:t>fact</a:t>
+            </a:r>
+            <a:r>
+              <a:rPr lang="nb-NO" dirty="0"/>
+              <a:t> </a:t>
+            </a:r>
+            <a:r>
+              <a:rPr lang="nb-NO" dirty="0" err="1"/>
+              <a:t>that</a:t>
+            </a:r>
+            <a:r>
+              <a:rPr lang="nb-NO" dirty="0"/>
+              <a:t> it is </a:t>
+            </a:r>
+            <a:r>
+              <a:rPr lang="nb-NO" dirty="0" err="1"/>
+              <a:t>there</a:t>
+            </a:r>
+            <a:r>
+              <a:rPr lang="nb-NO" dirty="0"/>
+              <a:t> and </a:t>
+            </a:r>
+            <a:r>
+              <a:rPr lang="nb-NO" dirty="0" err="1"/>
+              <a:t>can</a:t>
+            </a:r>
+            <a:r>
+              <a:rPr lang="nb-NO" dirty="0"/>
+              <a:t> be </a:t>
+            </a:r>
+            <a:r>
+              <a:rPr lang="nb-NO" dirty="0" err="1"/>
+              <a:t>referenced</a:t>
+            </a:r>
+            <a:r>
+              <a:rPr lang="nb-NO" dirty="0"/>
+              <a:t> is </a:t>
+            </a:r>
+            <a:r>
+              <a:rPr lang="nb-NO" dirty="0" err="1"/>
+              <a:t>of</a:t>
+            </a:r>
+            <a:r>
+              <a:rPr lang="nb-NO" dirty="0"/>
+              <a:t> </a:t>
+            </a:r>
+            <a:r>
+              <a:rPr lang="nb-NO" dirty="0" err="1"/>
+              <a:t>great</a:t>
+            </a:r>
+            <a:r>
+              <a:rPr lang="nb-NO" dirty="0"/>
+              <a:t> </a:t>
+            </a:r>
+            <a:r>
+              <a:rPr lang="nb-NO" dirty="0" err="1"/>
+              <a:t>value</a:t>
+            </a:r>
+            <a:r>
+              <a:rPr lang="nb-NO" dirty="0"/>
+              <a:t> for rising </a:t>
+            </a:r>
+            <a:r>
+              <a:rPr lang="nb-NO" dirty="0" err="1"/>
+              <a:t>avareness</a:t>
+            </a:r>
+            <a:r>
+              <a:rPr lang="nb-NO" dirty="0"/>
+              <a:t> </a:t>
+            </a:r>
+            <a:r>
+              <a:rPr lang="nb-NO" dirty="0" err="1"/>
+              <a:t>of</a:t>
+            </a:r>
+            <a:r>
+              <a:rPr lang="nb-NO" dirty="0"/>
+              <a:t> FHIR for </a:t>
+            </a:r>
+            <a:r>
+              <a:rPr lang="nb-NO" dirty="0" err="1"/>
+              <a:t>interoperability</a:t>
+            </a:r>
+            <a:r>
+              <a:rPr lang="nb-NO" dirty="0"/>
+              <a:t>.</a:t>
+            </a:r>
+          </a:p>
+        </p:txBody>
+      </p:sp>
+      <p:sp>
+        <p:nvSpPr>
+          <p:cNvPr id="4" name="Plassholder for lysbildenummer 3"/>
+          <p:cNvSpPr>
+            <a:spLocks noGrp="1"/>
+          </p:cNvSpPr>
+          <p:nvPr>
+            <p:ph type="sldNum" sz="quarter" idx="5"/>
+          </p:nvPr>
+        </p:nvSpPr>
+        <p:spPr/>
+        <p:txBody>
+          <a:bodyPr/>
+          <a:lstStyle/>
+          <a:p>
+            <a:fld id="{A69C946F-C9B2-9B49-8DCA-D38D97C43A2F}" type="slidenum">
+              <a:rPr lang="en-US" smtClean="0"/>
+              <a:t>10</a:t>
+            </a:fld>
+            <a:endParaRPr lang="en-US"/>
+          </a:p>
+        </p:txBody>
+      </p:sp>
+    </p:spTree>
+    <p:extLst>
+      <p:ext uri="{BB962C8B-B14F-4D97-AF65-F5344CB8AC3E}">
+        <p14:creationId xmlns:p14="http://schemas.microsoft.com/office/powerpoint/2010/main" val="3777274834"/>
+      </p:ext>
+    </p:extLst>
+  </p:cSld>
+  <p:clrMapOvr>
+    <a:masterClrMapping/>
+  </p:clrMapOvr>
+</p:notes>
+</file>
+
+<file path=ppt/notesSlides/notesSlide6.xml><?xml version="1.0" encoding="utf-8"?>
+<p:notes xmlns:a="http://schemas.openxmlformats.org/drawingml/2006/main" xmlns:r="http://schemas.openxmlformats.org/officeDocument/2006/relationships" xmlns:p="http://schemas.openxmlformats.org/presentationml/2006/main">
+  <p:cSld>
+    <p:spTree>
+      <p:nvGrpSpPr>
+        <p:cNvPr id="1" name=""/>
+        <p:cNvGrpSpPr/>
+        <p:nvPr/>
+      </p:nvGrpSpPr>
+      <p:grpSpPr>
+        <a:xfrm>
+          <a:off x="0" y="0"/>
+          <a:ext cx="0" cy="0"/>
+          <a:chOff x="0" y="0"/>
+          <a:chExt cx="0" cy="0"/>
+        </a:xfrm>
+      </p:grpSpPr>
+      <p:sp>
+        <p:nvSpPr>
+          <p:cNvPr id="2" name="Plassholder for lysbilde 1"/>
+          <p:cNvSpPr>
+            <a:spLocks noGrp="1" noRot="1" noChangeAspect="1"/>
+          </p:cNvSpPr>
+          <p:nvPr>
+            <p:ph type="sldImg"/>
+          </p:nvPr>
+        </p:nvSpPr>
+        <p:spPr/>
+      </p:sp>
+      <p:sp>
+        <p:nvSpPr>
+          <p:cNvPr id="3" name="Plassholder for notater 2"/>
+          <p:cNvSpPr>
+            <a:spLocks noGrp="1"/>
+          </p:cNvSpPr>
+          <p:nvPr>
+            <p:ph type="body" idx="1"/>
+          </p:nvPr>
+        </p:nvSpPr>
+        <p:spPr/>
+        <p:txBody>
+          <a:bodyPr/>
+          <a:lstStyle/>
+          <a:p>
+            <a:endParaRPr lang="nb-NO" dirty="0"/>
+          </a:p>
+        </p:txBody>
+      </p:sp>
+      <p:sp>
+        <p:nvSpPr>
+          <p:cNvPr id="4" name="Plassholder for lysbildenummer 3"/>
+          <p:cNvSpPr>
+            <a:spLocks noGrp="1"/>
+          </p:cNvSpPr>
+          <p:nvPr>
+            <p:ph type="sldNum" sz="quarter" idx="5"/>
+          </p:nvPr>
+        </p:nvSpPr>
+        <p:spPr/>
+        <p:txBody>
+          <a:bodyPr/>
+          <a:lstStyle/>
+          <a:p>
+            <a:fld id="{A69C946F-C9B2-9B49-8DCA-D38D97C43A2F}" type="slidenum">
+              <a:rPr lang="en-US" smtClean="0"/>
+              <a:t>11</a:t>
+            </a:fld>
+            <a:endParaRPr lang="en-US"/>
+          </a:p>
+        </p:txBody>
+      </p:sp>
+    </p:spTree>
+    <p:extLst>
+      <p:ext uri="{BB962C8B-B14F-4D97-AF65-F5344CB8AC3E}">
+        <p14:creationId xmlns:p14="http://schemas.microsoft.com/office/powerpoint/2010/main" val="3422213727"/>
       </p:ext>
     </p:extLst>
   </p:cSld>
@@ -6045,14 +6780,8 @@
             </a:r>
             <a:r>
               <a:rPr lang="nb-NO" dirty="0"/>
-              <a:t> (Pasientens prøvesvar)</a:t>
-            </a:r>
-          </a:p>
-          <a:p>
-            <a:pPr marL="457200" lvl="1" indent="0">
-              <a:buNone/>
-            </a:pPr>
-            <a:endParaRPr lang="nb-NO" dirty="0"/>
+              <a:t> service (Pasientens prøvesvar)</a:t>
+            </a:r>
           </a:p>
           <a:p>
             <a:pPr marL="0" indent="0">
@@ -6139,7 +6868,7 @@
             <a:pPr lvl="1"/>
             <a:r>
               <a:rPr lang="nb-NO" dirty="0"/>
-              <a:t>The Norwegian </a:t>
+              <a:t>Digital </a:t>
             </a:r>
             <a:r>
               <a:rPr lang="nb-NO" dirty="0" err="1"/>
@@ -6147,18 +6876,31 @@
             </a:r>
             <a:r>
               <a:rPr lang="nb-NO" dirty="0"/>
-              <a:t> is in pilot (DBEP)</a:t>
-            </a:r>
-          </a:p>
-          <a:p>
-            <a:pPr lvl="1"/>
-            <a:r>
-              <a:rPr lang="nb-NO" dirty="0" err="1"/>
-              <a:t>Colonoscopy</a:t>
-            </a:r>
-            <a:r>
-              <a:rPr lang="nb-NO" dirty="0"/>
-              <a:t> report</a:t>
+              <a:t> </a:t>
+            </a:r>
+            <a:r>
+              <a:rPr lang="nb-NO" dirty="0" err="1"/>
+              <a:t>using</a:t>
+            </a:r>
+            <a:r>
+              <a:rPr lang="nb-NO" dirty="0"/>
+              <a:t> </a:t>
+            </a:r>
+            <a:r>
+              <a:rPr lang="nb-NO" dirty="0" err="1"/>
+              <a:t>core</a:t>
+            </a:r>
+            <a:r>
+              <a:rPr lang="nb-NO" dirty="0"/>
+              <a:t> </a:t>
+            </a:r>
+            <a:r>
+              <a:rPr lang="nb-NO" dirty="0" err="1"/>
+              <a:t>medical</a:t>
+            </a:r>
+            <a:r>
+              <a:rPr lang="nb-NO" dirty="0"/>
+              <a:t> record is in pilot (DBEP)</a:t>
             </a:r>
           </a:p>
           <a:p>
@@ -6446,18 +7188,15 @@
               <a:rPr lang="nb-NO" dirty="0" err="1"/>
               <a:t>successfull</a:t>
             </a:r>
-            <a:r>
-              <a:rPr lang="nb-NO" dirty="0"/>
-              <a:t>.</a:t>
-            </a:r>
-          </a:p>
-          <a:p>
             <a:endParaRPr lang="nb-NO" dirty="0"/>
           </a:p>
           <a:p>
             <a:endParaRPr lang="nb-NO" dirty="0"/>
           </a:p>
           <a:p>
+            <a:endParaRPr lang="nb-NO" dirty="0"/>
+          </a:p>
+          <a:p>
             <a:r>
               <a:rPr lang="nb-NO" dirty="0"/>
               <a:t>The </a:t>
@@ -6472,7 +7211,7 @@
             </a:r>
             <a:r>
               <a:rPr lang="nb-NO" dirty="0" err="1"/>
-              <a:t>advice</a:t>
+              <a:t>recommendation</a:t>
             </a:r>
             <a:r>
               <a:rPr lang="nb-NO" dirty="0"/>
@@ -6484,15 +7223,15 @@
             </a:r>
             <a:r>
               <a:rPr lang="nb-NO" dirty="0"/>
-              <a:t> FHIR for API data </a:t>
-            </a:r>
-            <a:r>
-              <a:rPr lang="nb-NO" dirty="0" err="1"/>
-              <a:t>exchange</a:t>
-            </a:r>
-            <a:r>
-              <a:rPr lang="nb-NO" dirty="0"/>
-              <a:t> over have </a:t>
+              <a:t> FHIR for data </a:t>
+            </a:r>
+            <a:r>
+              <a:rPr lang="nb-NO" dirty="0" err="1"/>
+              <a:t>sharing</a:t>
+            </a:r>
+            <a:r>
+              <a:rPr lang="nb-NO" dirty="0"/>
+              <a:t> have </a:t>
             </a:r>
             <a:r>
               <a:rPr lang="nb-NO" dirty="0" err="1"/>
@@ -6547,10 +7286,10 @@
           <p:nvPr/>
         </p:nvPicPr>
         <p:blipFill>
-          <a:blip r:embed="rId2">
+          <a:blip r:embed="rId3">
             <a:extLst>
               <a:ext uri="{96DAC541-7B7A-43D3-8B79-37D633B846F1}">
-                <asvg:svgBlip xmlns:asvg="http://schemas.microsoft.com/office/drawing/2016/SVG/main" r:embed="rId3"/>
+                <asvg:svgBlip xmlns:asvg="http://schemas.microsoft.com/office/drawing/2016/SVG/main" r:embed="rId4"/>
               </a:ext>
             </a:extLst>
           </a:blip>
@@ -6583,7 +7322,7 @@
           <p:nvPr/>
         </p:nvPicPr>
         <p:blipFill>
-          <a:blip r:embed="rId4">
+          <a:blip r:embed="rId5">
             <a:clrChange>
               <a:clrFrom>
                 <a:srgbClr val="B7B9B8"/>
@@ -6839,7 +7578,7 @@
           <p:nvPr/>
         </p:nvPicPr>
         <p:blipFill>
-          <a:blip r:embed="rId5"/>
+          <a:blip r:embed="rId6"/>
           <a:stretch>
             <a:fillRect/>
           </a:stretch>
@@ -7221,10 +7960,10 @@
           <p:nvPr/>
         </p:nvPicPr>
         <p:blipFill>
-          <a:blip r:embed="rId2">
+          <a:blip r:embed="rId3">
             <a:extLst>
               <a:ext uri="{96DAC541-7B7A-43D3-8B79-37D633B846F1}">
-                <asvg:svgBlip xmlns:asvg="http://schemas.microsoft.com/office/drawing/2016/SVG/main" r:embed="rId3"/>
+                <asvg:svgBlip xmlns:asvg="http://schemas.microsoft.com/office/drawing/2016/SVG/main" r:embed="rId4"/>
               </a:ext>
             </a:extLst>
           </a:blip>
@@ -7257,10 +7996,10 @@
           <p:nvPr/>
         </p:nvPicPr>
         <p:blipFill>
-          <a:blip r:embed="rId4">
+          <a:blip r:embed="rId5">
             <a:extLst>
               <a:ext uri="{96DAC541-7B7A-43D3-8B79-37D633B846F1}">
-                <asvg:svgBlip xmlns:asvg="http://schemas.microsoft.com/office/drawing/2016/SVG/main" r:embed="rId5"/>
+                <asvg:svgBlip xmlns:asvg="http://schemas.microsoft.com/office/drawing/2016/SVG/main" r:embed="rId6"/>
               </a:ext>
             </a:extLst>
           </a:blip>
@@ -7454,6 +8193,128 @@
       </p:grpSpPr>
       <p:sp>
         <p:nvSpPr>
+          <p:cNvPr id="2" name="Tittel 1">
+            <a:extLst>
+              <a:ext uri="{FF2B5EF4-FFF2-40B4-BE49-F238E27FC236}">
+                <a16:creationId xmlns:a16="http://schemas.microsoft.com/office/drawing/2014/main" id="{C915CFA3-7D82-5111-5819-250989E6768D}"/>
+              </a:ext>
+            </a:extLst>
+          </p:cNvPr>
+          <p:cNvSpPr>
+            <a:spLocks noGrp="1"/>
+          </p:cNvSpPr>
+          <p:nvPr>
+            <p:ph type="title"/>
+          </p:nvPr>
+        </p:nvSpPr>
+        <p:spPr/>
+        <p:txBody>
+          <a:bodyPr/>
+          <a:lstStyle/>
+          <a:p>
+            <a:r>
+              <a:rPr lang="nb-NO" dirty="0" err="1"/>
+              <a:t>Contact</a:t>
+            </a:r>
+            <a:endParaRPr lang="nb-NO" dirty="0"/>
+          </a:p>
+        </p:txBody>
+      </p:sp>
+      <p:sp>
+        <p:nvSpPr>
+          <p:cNvPr id="3" name="Plassholder for tekst 2">
+            <a:extLst>
+              <a:ext uri="{FF2B5EF4-FFF2-40B4-BE49-F238E27FC236}">
+                <a16:creationId xmlns:a16="http://schemas.microsoft.com/office/drawing/2014/main" id="{DEF449ED-5533-6628-00E7-05A67311F84F}"/>
+              </a:ext>
+            </a:extLst>
+          </p:cNvPr>
+          <p:cNvSpPr>
+            <a:spLocks noGrp="1"/>
+          </p:cNvSpPr>
+          <p:nvPr>
+            <p:ph type="body" sz="quarter" idx="10"/>
+          </p:nvPr>
+        </p:nvSpPr>
+        <p:spPr/>
+        <p:txBody>
+          <a:bodyPr/>
+          <a:lstStyle/>
+          <a:p>
+            <a:r>
+              <a:rPr lang="nb-NO" dirty="0"/>
+              <a:t>Email: </a:t>
+            </a:r>
+            <a:r>
+              <a:rPr lang="nb-NO" dirty="0">
+                <a:hlinkClick r:id="rId2"/>
+              </a:rPr>
+              <a:t>thomasrosenlund@gmail.com</a:t>
+            </a:r>
+            <a:endParaRPr lang="nb-NO" dirty="0"/>
+          </a:p>
+          <a:p>
+            <a:r>
+              <a:rPr lang="nb-NO" dirty="0"/>
+              <a:t>Direct </a:t>
+            </a:r>
+            <a:r>
+              <a:rPr lang="nb-NO" dirty="0" err="1"/>
+              <a:t>messaging</a:t>
+            </a:r>
+            <a:r>
+              <a:rPr lang="nb-NO" dirty="0"/>
+              <a:t> </a:t>
+            </a:r>
+            <a:r>
+              <a:rPr lang="nb-NO" dirty="0" err="1"/>
+              <a:t>on</a:t>
+            </a:r>
+            <a:r>
+              <a:rPr lang="nb-NO" dirty="0"/>
+              <a:t> chat.fhir.org</a:t>
+            </a:r>
+          </a:p>
+          <a:p>
+            <a:endParaRPr lang="nb-NO" dirty="0"/>
+          </a:p>
+        </p:txBody>
+      </p:sp>
+    </p:spTree>
+    <p:extLst>
+      <p:ext uri="{BB962C8B-B14F-4D97-AF65-F5344CB8AC3E}">
+        <p14:creationId xmlns:p14="http://schemas.microsoft.com/office/powerpoint/2010/main" val="338311146"/>
+      </p:ext>
+    </p:extLst>
+  </p:cSld>
+  <p:clrMapOvr>
+    <a:masterClrMapping/>
+  </p:clrMapOvr>
+  <p:transition spd="slow">
+    <p:push dir="u"/>
+  </p:transition>
+</p:sld>
+</file>
+
+<file path=ppt/slides/slide15.xml><?xml version="1.0" encoding="utf-8"?>
+<p:sld xmlns:a="http://schemas.openxmlformats.org/drawingml/2006/main" xmlns:r="http://schemas.openxmlformats.org/officeDocument/2006/relationships" xmlns:p="http://schemas.openxmlformats.org/presentationml/2006/main">
+  <p:cSld>
+    <p:spTree>
+      <p:nvGrpSpPr>
+        <p:cNvPr id="1" name=""/>
+        <p:cNvGrpSpPr/>
+        <p:nvPr/>
+      </p:nvGrpSpPr>
+      <p:grpSpPr>
+        <a:xfrm>
+          <a:off x="0" y="0"/>
+          <a:ext cx="0" cy="0"/>
+          <a:chOff x="0" y="0"/>
+          <a:chExt cx="0" cy="0"/>
+        </a:xfrm>
+      </p:grpSpPr>
+      <p:sp>
+        <p:nvSpPr>
           <p:cNvPr id="3" name="Rectangle 2">
             <a:extLst>
               <a:ext uri="{FF2B5EF4-FFF2-40B4-BE49-F238E27FC236}">
@@ -7525,7 +8386,7 @@
 </p:sld>
 </file>
 
-<file path=ppt/slides/slide15.xml><?xml version="1.0" encoding="utf-8"?>
+<file path=ppt/slides/slide16.xml><?xml version="1.0" encoding="utf-8"?>
 <p:sld xmlns:a="http://schemas.openxmlformats.org/drawingml/2006/main" xmlns:r="http://schemas.openxmlformats.org/officeDocument/2006/relationships" xmlns:p="http://schemas.openxmlformats.org/presentationml/2006/main" show="0">
   <p:cSld>
     <p:spTree>
@@ -9191,7 +10052,7 @@
 </p:sld>
 </file>
 
-<file path=ppt/slides/slide16.xml><?xml version="1.0" encoding="utf-8"?>
+<file path=ppt/slides/slide17.xml><?xml version="1.0" encoding="utf-8"?>
 <p:sld xmlns:a="http://schemas.openxmlformats.org/drawingml/2006/main" xmlns:r="http://schemas.openxmlformats.org/officeDocument/2006/relationships" xmlns:p="http://schemas.openxmlformats.org/presentationml/2006/main" show="0">
   <p:cSld>
     <p:spTree>
@@ -12216,15 +13077,7 @@
             </a:r>
             <a:r>
               <a:rPr lang="nb-NO" dirty="0"/>
-              <a:t> and </a:t>
-            </a:r>
-            <a:r>
-              <a:rPr lang="nb-NO" dirty="0" err="1"/>
-              <a:t>lectures</a:t>
-            </a:r>
-            <a:r>
-              <a:rPr lang="nb-NO" dirty="0"/>
-              <a:t> from </a:t>
+              <a:t> and speakers from </a:t>
             </a:r>
             <a:r>
               <a:rPr lang="nb-NO" dirty="0" err="1"/>
@@ -12265,10 +13118,10 @@
           <p:nvPr/>
         </p:nvPicPr>
         <p:blipFill>
-          <a:blip r:embed="rId2">
+          <a:blip r:embed="rId3">
             <a:extLst>
               <a:ext uri="{96DAC541-7B7A-43D3-8B79-37D633B846F1}">
-                <asvg:svgBlip xmlns:asvg="http://schemas.microsoft.com/office/drawing/2016/SVG/main" r:embed="rId3"/>
+                <asvg:svgBlip xmlns:asvg="http://schemas.microsoft.com/office/drawing/2016/SVG/main" r:embed="rId4"/>
               </a:ext>
             </a:extLst>
           </a:blip>
@@ -12301,7 +13154,7 @@
           <p:nvPr/>
         </p:nvPicPr>
         <p:blipFill>
-          <a:blip r:embed="rId4">
+          <a:blip r:embed="rId5">
             <a:clrChange>
               <a:clrFrom>
                 <a:srgbClr val="B7B9B8"/>
@@ -12413,7 +13266,7 @@
         <p:spPr>
           <a:xfrm>
             <a:off x="838199" y="1997236"/>
-            <a:ext cx="6406167" cy="4225143"/>
+            <a:ext cx="9674630" cy="4225143"/>
           </a:xfrm>
         </p:spPr>
         <p:txBody>
@@ -12486,8 +13339,40 @@
             <a:pPr lvl="1"/>
             <a:r>
               <a:rPr lang="nb-NO" dirty="0"/>
-              <a:t>Rules for profiling</a:t>
-            </a:r>
+              <a:t>Rules and </a:t>
+            </a:r>
+            <a:r>
+              <a:rPr lang="nb-NO" dirty="0" err="1"/>
+              <a:t>method</a:t>
+            </a:r>
+            <a:r>
+              <a:rPr lang="nb-NO" dirty="0"/>
+              <a:t> for profiling</a:t>
+            </a:r>
+          </a:p>
+          <a:p>
+            <a:pPr lvl="1"/>
+            <a:r>
+              <a:rPr lang="nb-NO" dirty="0" err="1"/>
+              <a:t>Existing</a:t>
+            </a:r>
+            <a:r>
+              <a:rPr lang="nb-NO" dirty="0"/>
+              <a:t> </a:t>
+            </a:r>
+            <a:r>
+              <a:rPr lang="nb-NO" dirty="0" err="1"/>
+              <a:t>profiles</a:t>
+            </a:r>
+            <a:r>
+              <a:rPr lang="nb-NO" dirty="0"/>
+              <a:t> and </a:t>
+            </a:r>
+            <a:r>
+              <a:rPr lang="nb-NO" dirty="0" err="1"/>
+              <a:t>projects</a:t>
+            </a:r>
+            <a:endParaRPr lang="nb-NO" dirty="0"/>
           </a:p>
           <a:p>
             <a:pPr lvl="1"/>
@@ -12745,63 +13630,111 @@
           <a:lstStyle/>
           <a:p>
             <a:r>
-              <a:rPr lang="nb-NO" dirty="0"/>
+              <a:rPr lang="nb-NO" dirty="0">
+                <a:hlinkClick r:id="rId2"/>
+              </a:rPr>
               <a:t>Norwegian base </a:t>
             </a:r>
             <a:r>
-              <a:rPr lang="nb-NO" dirty="0" err="1"/>
+              <a:rPr lang="nb-NO" dirty="0" err="1">
+                <a:hlinkClick r:id="rId2"/>
+              </a:rPr>
               <a:t>profiles</a:t>
             </a:r>
             <a:endParaRPr lang="nb-NO" dirty="0"/>
           </a:p>
           <a:p>
             <a:r>
-              <a:rPr lang="nb-NO" dirty="0"/>
-              <a:t>Guideline for standardisering av API </a:t>
-            </a:r>
-            <a:r>
-              <a:rPr lang="nb-NO" dirty="0" err="1"/>
+              <a:rPr lang="en-US" u="sng" dirty="0">
+                <a:solidFill>
+                  <a:srgbClr val="32323B"/>
+                </a:solidFill>
+                <a:latin typeface="GraphikMedium"/>
+                <a:hlinkClick r:id="rId3"/>
+              </a:rPr>
+              <a:t>Recommendation for using HL7 FHIR for data sharing</a:t>
+            </a:r>
+            <a:endParaRPr lang="en-US" dirty="0">
+              <a:solidFill>
+                <a:srgbClr val="FF6B6B"/>
+              </a:solidFill>
+              <a:latin typeface="GraphikRegular"/>
+              <a:hlinkClick r:id="rId3"/>
+            </a:endParaRPr>
+          </a:p>
+          <a:p>
+            <a:r>
+              <a:rPr lang="nb-NO" dirty="0" err="1">
+                <a:hlinkClick r:id="rId4"/>
+              </a:rPr>
+              <a:t>Recommendation</a:t>
+            </a:r>
+            <a:r>
+              <a:rPr lang="nb-NO" dirty="0">
+                <a:hlinkClick r:id="rId4"/>
+              </a:rPr>
+              <a:t> for </a:t>
+            </a:r>
+            <a:r>
+              <a:rPr lang="nb-NO" dirty="0" err="1">
+                <a:hlinkClick r:id="rId4"/>
+              </a:rPr>
               <a:t>using</a:t>
             </a:r>
             <a:r>
-              <a:rPr lang="nb-NO" dirty="0"/>
-              <a:t> HL7 FHIR</a:t>
-            </a:r>
-          </a:p>
-          <a:p>
-            <a:r>
-              <a:rPr lang="nb-NO" dirty="0"/>
-              <a:t>Guideline for </a:t>
-            </a:r>
-            <a:r>
-              <a:rPr lang="nb-NO" dirty="0" err="1"/>
-              <a:t>use</a:t>
-            </a:r>
-            <a:r>
-              <a:rPr lang="nb-NO" dirty="0"/>
-              <a:t> </a:t>
-            </a:r>
-            <a:r>
-              <a:rPr lang="nb-NO" dirty="0" err="1"/>
-              <a:t>of</a:t>
-            </a:r>
-            <a:r>
-              <a:rPr lang="nb-NO" dirty="0"/>
+              <a:rPr lang="nb-NO" dirty="0">
+                <a:hlinkClick r:id="rId4"/>
+              </a:rPr>
               <a:t> SMART </a:t>
             </a:r>
             <a:r>
-              <a:rPr lang="nb-NO" dirty="0" err="1"/>
+              <a:rPr lang="nb-NO" dirty="0" err="1">
+                <a:hlinkClick r:id="rId4"/>
+              </a:rPr>
               <a:t>on</a:t>
             </a:r>
             <a:r>
-              <a:rPr lang="nb-NO" dirty="0"/>
-              <a:t> FHIR </a:t>
-            </a:r>
-          </a:p>
-          <a:p>
+              <a:rPr lang="nb-NO" dirty="0">
+                <a:hlinkClick r:id="rId4"/>
+              </a:rPr>
+              <a:t> FHIR for app </a:t>
+            </a:r>
+            <a:r>
+              <a:rPr lang="nb-NO" dirty="0" err="1">
+                <a:hlinkClick r:id="rId4"/>
+              </a:rPr>
+              <a:t>integrations</a:t>
+            </a:r>
+            <a:r>
+              <a:rPr lang="nb-NO" dirty="0">
+                <a:hlinkClick r:id="rId4"/>
+              </a:rPr>
+              <a:t> in </a:t>
+            </a:r>
+            <a:r>
+              <a:rPr lang="nb-NO" dirty="0" err="1">
+                <a:hlinkClick r:id="rId4"/>
+              </a:rPr>
+              <a:t>heathcare</a:t>
+            </a:r>
+            <a:r>
+              <a:rPr lang="nb-NO" dirty="0">
+                <a:hlinkClick r:id="rId4"/>
+              </a:rPr>
+              <a:t> </a:t>
+            </a:r>
+            <a:r>
+              <a:rPr lang="nb-NO" dirty="0" err="1">
+                <a:hlinkClick r:id="rId4"/>
+              </a:rPr>
+              <a:t>applications</a:t>
+            </a:r>
             <a:endParaRPr lang="nb-NO" dirty="0"/>
           </a:p>
           <a:p>
+            <a:endParaRPr lang="nb-NO" dirty="0"/>
+          </a:p>
+          <a:p>
             <a:r>
               <a:rPr lang="nb-NO" dirty="0"/>
               <a:t>In </a:t>
@@ -12812,18 +13745,30 @@
             </a:r>
             <a:r>
               <a:rPr lang="nb-NO" dirty="0"/>
-              <a:t>: Norwegian </a:t>
-            </a:r>
-            <a:r>
-              <a:rPr lang="nb-NO" dirty="0" err="1"/>
+              <a:t>: </a:t>
+            </a:r>
+            <a:r>
+              <a:rPr lang="nb-NO" dirty="0">
+                <a:hlinkClick r:id="rId5"/>
+              </a:rPr>
+              <a:t>Norwegian </a:t>
+            </a:r>
+            <a:r>
+              <a:rPr lang="nb-NO" dirty="0" err="1">
+                <a:hlinkClick r:id="rId5"/>
+              </a:rPr>
               <a:t>domain</a:t>
             </a:r>
             <a:r>
-              <a:rPr lang="nb-NO" dirty="0"/>
-              <a:t> </a:t>
-            </a:r>
-            <a:r>
-              <a:rPr lang="nb-NO" dirty="0" err="1"/>
+              <a:rPr lang="nb-NO" dirty="0">
+                <a:hlinkClick r:id="rId5"/>
+              </a:rPr>
+              <a:t> </a:t>
+            </a:r>
+            <a:r>
+              <a:rPr lang="nb-NO" dirty="0" err="1">
+                <a:hlinkClick r:id="rId5"/>
+              </a:rPr>
               <a:t>profiles</a:t>
             </a:r>
             <a:endParaRPr lang="nb-NO" dirty="0"/>
@@ -12848,10 +13793,10 @@
           <p:nvPr/>
         </p:nvPicPr>
         <p:blipFill>
-          <a:blip r:embed="rId2">
+          <a:blip r:embed="rId6">
             <a:extLst>
               <a:ext uri="{96DAC541-7B7A-43D3-8B79-37D633B846F1}">
-                <asvg:svgBlip xmlns:asvg="http://schemas.microsoft.com/office/drawing/2016/SVG/main" r:embed="rId3"/>
+                <asvg:svgBlip xmlns:asvg="http://schemas.microsoft.com/office/drawing/2016/SVG/main" r:embed="rId7"/>
               </a:ext>
             </a:extLst>
           </a:blip>
@@ -12956,14 +13901,190 @@
             <p:ph type="body" sz="quarter" idx="10"/>
           </p:nvPr>
         </p:nvSpPr>
-        <p:spPr/>
+        <p:spPr>
+          <a:xfrm>
+            <a:off x="838199" y="1695796"/>
+            <a:ext cx="10515600" cy="4526583"/>
+          </a:xfrm>
+        </p:spPr>
         <p:txBody>
           <a:bodyPr/>
           <a:lstStyle/>
           <a:p>
             <a:r>
-              <a:rPr lang="nb-NO" dirty="0"/>
-              <a:t>Suggestive not </a:t>
+              <a:rPr lang="nb-NO" dirty="0" err="1"/>
+              <a:t>Suggests</a:t>
+            </a:r>
+            <a:r>
+              <a:rPr lang="nb-NO" dirty="0"/>
+              <a:t> </a:t>
+            </a:r>
+            <a:r>
+              <a:rPr lang="nb-NO" dirty="0" err="1"/>
+              <a:t>how</a:t>
+            </a:r>
+            <a:r>
+              <a:rPr lang="nb-NO" dirty="0"/>
+              <a:t> to </a:t>
+            </a:r>
+            <a:r>
+              <a:rPr lang="nb-NO" dirty="0" err="1"/>
+              <a:t>use</a:t>
+            </a:r>
+            <a:r>
+              <a:rPr lang="nb-NO" dirty="0"/>
+              <a:t> HL7 FHIR in </a:t>
+            </a:r>
+            <a:r>
+              <a:rPr lang="nb-NO" dirty="0" err="1"/>
+              <a:t>the</a:t>
+            </a:r>
+            <a:r>
+              <a:rPr lang="nb-NO" dirty="0"/>
+              <a:t> </a:t>
+            </a:r>
+            <a:r>
+              <a:rPr lang="nb-NO" dirty="0" err="1"/>
+              <a:t>norwegian</a:t>
+            </a:r>
+            <a:r>
+              <a:rPr lang="nb-NO" dirty="0"/>
+              <a:t> </a:t>
+            </a:r>
+            <a:r>
+              <a:rPr lang="nb-NO" dirty="0" err="1"/>
+              <a:t>realm</a:t>
+            </a:r>
+            <a:r>
+              <a:rPr lang="nb-NO" dirty="0"/>
+              <a:t> and show </a:t>
+            </a:r>
+            <a:r>
+              <a:rPr lang="nb-NO" dirty="0" err="1"/>
+              <a:t>how</a:t>
+            </a:r>
+            <a:r>
+              <a:rPr lang="nb-NO" dirty="0"/>
+              <a:t> to </a:t>
+            </a:r>
+            <a:r>
+              <a:rPr lang="nb-NO" dirty="0" err="1"/>
+              <a:t>specify</a:t>
+            </a:r>
+            <a:r>
+              <a:rPr lang="nb-NO" dirty="0"/>
+              <a:t> </a:t>
+            </a:r>
+            <a:r>
+              <a:rPr lang="nb-NO" dirty="0" err="1"/>
+              <a:t>this</a:t>
+            </a:r>
+            <a:r>
+              <a:rPr lang="nb-NO" dirty="0"/>
+              <a:t> in a </a:t>
+            </a:r>
+            <a:r>
+              <a:rPr lang="nb-NO" dirty="0" err="1"/>
+              <a:t>profile</a:t>
+            </a:r>
+            <a:r>
+              <a:rPr lang="nb-NO" dirty="0"/>
+              <a:t> </a:t>
+            </a:r>
+            <a:r>
+              <a:rPr lang="nb-NO" dirty="0" err="1"/>
+              <a:t>that</a:t>
+            </a:r>
+            <a:r>
+              <a:rPr lang="nb-NO" dirty="0"/>
+              <a:t> </a:t>
+            </a:r>
+            <a:r>
+              <a:rPr lang="nb-NO" dirty="0" err="1"/>
+              <a:t>can</a:t>
+            </a:r>
+            <a:r>
+              <a:rPr lang="nb-NO" dirty="0"/>
+              <a:t> be re-used by </a:t>
+            </a:r>
+            <a:r>
+              <a:rPr lang="nb-NO" dirty="0" err="1"/>
+              <a:t>implementers</a:t>
+            </a:r>
+            <a:r>
+              <a:rPr lang="nb-NO" dirty="0"/>
+              <a:t>.</a:t>
+            </a:r>
+          </a:p>
+          <a:p>
+            <a:pPr lvl="1"/>
+            <a:r>
+              <a:rPr lang="nb-NO" dirty="0"/>
+              <a:t>No-basis </a:t>
+            </a:r>
+            <a:r>
+              <a:rPr lang="nb-NO" dirty="0" err="1"/>
+              <a:t>contains</a:t>
+            </a:r>
+            <a:r>
+              <a:rPr lang="nb-NO" dirty="0"/>
+              <a:t> </a:t>
+            </a:r>
+            <a:r>
+              <a:rPr lang="nb-NO" dirty="0" err="1"/>
+              <a:t>no</a:t>
+            </a:r>
+            <a:r>
+              <a:rPr lang="nb-NO" dirty="0"/>
+              <a:t> </a:t>
+            </a:r>
+            <a:r>
+              <a:rPr lang="nb-NO" b="1" dirty="0" err="1"/>
+              <a:t>mandatory</a:t>
+            </a:r>
+            <a:r>
+              <a:rPr lang="nb-NO" dirty="0"/>
+              <a:t> </a:t>
+            </a:r>
+            <a:r>
+              <a:rPr lang="nb-NO" dirty="0" err="1"/>
+              <a:t>conformance</a:t>
+            </a:r>
+            <a:r>
+              <a:rPr lang="nb-NO" dirty="0"/>
+              <a:t> </a:t>
+            </a:r>
+            <a:r>
+              <a:rPr lang="nb-NO" b="1" dirty="0" err="1"/>
+              <a:t>requrements</a:t>
+            </a:r>
+            <a:r>
+              <a:rPr lang="nb-NO" dirty="0"/>
+              <a:t>, </a:t>
+            </a:r>
+            <a:r>
+              <a:rPr lang="nb-NO" dirty="0" err="1"/>
+              <a:t>meaning</a:t>
+            </a:r>
+            <a:r>
+              <a:rPr lang="nb-NO" dirty="0"/>
+              <a:t> </a:t>
+            </a:r>
+            <a:r>
+              <a:rPr lang="nb-NO" dirty="0" err="1"/>
+              <a:t>almost</a:t>
+            </a:r>
+            <a:r>
+              <a:rPr lang="nb-NO" dirty="0"/>
+              <a:t> </a:t>
+            </a:r>
+            <a:r>
+              <a:rPr lang="nb-NO" dirty="0" err="1"/>
+              <a:t>any</a:t>
+            </a:r>
+            <a:r>
+              <a:rPr lang="nb-NO" dirty="0"/>
+              <a:t> </a:t>
             </a:r>
             <a:r>
               <a:rPr lang="nb-NO" dirty="0" err="1"/>
@@ -12975,9 +14096,28 @@
             </a:r>
             <a:r>
               <a:rPr lang="nb-NO" dirty="0" err="1"/>
-              <a:t>rules</a:t>
-            </a:r>
-            <a:endParaRPr lang="nb-NO" dirty="0"/>
+              <a:t>can</a:t>
+            </a:r>
+            <a:r>
+              <a:rPr lang="nb-NO" dirty="0"/>
+              <a:t> </a:t>
+            </a:r>
+            <a:r>
+              <a:rPr lang="nb-NO" dirty="0" err="1"/>
+              <a:t>use</a:t>
+            </a:r>
+            <a:r>
+              <a:rPr lang="nb-NO" dirty="0"/>
+              <a:t> </a:t>
+            </a:r>
+            <a:r>
+              <a:rPr lang="nb-NO" dirty="0" err="1"/>
+              <a:t>no</a:t>
+            </a:r>
+            <a:r>
+              <a:rPr lang="nb-NO" dirty="0"/>
+              <a:t>-basis as a base for re-profiling</a:t>
+            </a:r>
           </a:p>
           <a:p>
             <a:r>

--- a/docs/presentasjoner/DD23_CT_230508_Thomas_Tveit_Rosenlund_FHIR-in-Norway.pptx
+++ b/docs/presentasjoner/DD23_CT_230508_Thomas_Tveit_Rosenlund_FHIR-in-Norway.pptx
@@ -23,8 +23,8 @@
     <p:sldId id="2147197784" r:id="rId11"/>
     <p:sldId id="2147197785" r:id="rId12"/>
     <p:sldId id="2147197786" r:id="rId13"/>
-    <p:sldId id="272" r:id="rId14"/>
-    <p:sldId id="2147197787" r:id="rId15"/>
+    <p:sldId id="2147197787" r:id="rId14"/>
+    <p:sldId id="272" r:id="rId15"/>
     <p:sldId id="266" r:id="rId16"/>
     <p:sldId id="2147197777" r:id="rId17"/>
     <p:sldId id="2147197776" r:id="rId18"/>
@@ -1094,32 +1094,25 @@
           <a:bodyPr/>
           <a:lstStyle/>
           <a:p>
-            <a:endParaRPr lang="nb-NO" dirty="0"/>
-          </a:p>
-          <a:p>
-            <a:r>
-              <a:rPr lang="nb-NO" dirty="0" err="1"/>
-              <a:t>Suggestions</a:t>
-            </a:r>
-            <a:r>
-              <a:rPr lang="nb-NO" dirty="0"/>
-              <a:t> for </a:t>
-            </a:r>
-            <a:r>
-              <a:rPr lang="nb-NO" dirty="0" err="1"/>
-              <a:t>useful</a:t>
-            </a:r>
-            <a:r>
-              <a:rPr lang="nb-NO" dirty="0"/>
-              <a:t> </a:t>
-            </a:r>
-            <a:r>
-              <a:rPr lang="nb-NO" dirty="0" err="1"/>
-              <a:t>extension</a:t>
-            </a:r>
-            <a:r>
-              <a:rPr lang="nb-NO" dirty="0"/>
-              <a:t>, like </a:t>
+            <a:r>
+              <a:rPr lang="nb-NO" dirty="0"/>
+              <a:t>General </a:t>
+            </a:r>
+            <a:r>
+              <a:rPr lang="nb-NO" dirty="0" err="1"/>
+              <a:t>guideance</a:t>
+            </a:r>
+            <a:r>
+              <a:rPr lang="nb-NO" dirty="0"/>
+              <a:t> </a:t>
+            </a:r>
+            <a:r>
+              <a:rPr lang="nb-NO" dirty="0" err="1"/>
+              <a:t>on</a:t>
+            </a:r>
+            <a:r>
+              <a:rPr lang="nb-NO" dirty="0"/>
+              <a:t> </a:t>
             </a:r>
             <a:r>
               <a:rPr lang="nb-NO" dirty="0" err="1"/>
@@ -1131,27 +1124,11 @@
             </a:r>
             <a:r>
               <a:rPr lang="nb-NO" dirty="0" err="1"/>
-              <a:t>add</a:t>
-            </a:r>
-            <a:r>
-              <a:rPr lang="nb-NO" dirty="0"/>
-              <a:t> a </a:t>
-            </a:r>
-            <a:r>
-              <a:rPr lang="nb-NO" dirty="0" err="1"/>
-              <a:t>Cadastral</a:t>
-            </a:r>
-            <a:r>
-              <a:rPr lang="nb-NO" dirty="0"/>
-              <a:t> </a:t>
-            </a:r>
-            <a:r>
-              <a:rPr lang="nb-NO" dirty="0" err="1"/>
-              <a:t>adress</a:t>
-            </a:r>
-            <a:r>
-              <a:rPr lang="nb-NO" dirty="0"/>
-              <a:t> in </a:t>
+              <a:t>use</a:t>
+            </a:r>
+            <a:r>
+              <a:rPr lang="nb-NO" dirty="0"/>
+              <a:t> FHIR in </a:t>
             </a:r>
             <a:r>
               <a:rPr lang="nb-NO" dirty="0" err="1"/>
@@ -1159,84 +1136,16 @@
             </a:r>
             <a:r>
               <a:rPr lang="nb-NO" dirty="0"/>
-              <a:t> FHIR </a:t>
-            </a:r>
-            <a:r>
-              <a:rPr lang="nb-NO" dirty="0" err="1"/>
-              <a:t>Address</a:t>
-            </a:r>
-            <a:r>
-              <a:rPr lang="nb-NO" dirty="0"/>
-              <a:t> datatype, </a:t>
-            </a:r>
-            <a:r>
-              <a:rPr lang="nb-NO" dirty="0" err="1"/>
-              <a:t>this</a:t>
-            </a:r>
-            <a:r>
-              <a:rPr lang="nb-NO" dirty="0"/>
-              <a:t> is </a:t>
-            </a:r>
-            <a:r>
-              <a:rPr lang="nb-NO" dirty="0" err="1"/>
-              <a:t>added</a:t>
-            </a:r>
-            <a:r>
-              <a:rPr lang="nb-NO" dirty="0"/>
-              <a:t> </a:t>
-            </a:r>
-            <a:r>
-              <a:rPr lang="nb-NO" dirty="0" err="1"/>
-              <a:t>using</a:t>
-            </a:r>
-            <a:r>
-              <a:rPr lang="nb-NO" dirty="0"/>
-              <a:t> a </a:t>
-            </a:r>
-            <a:r>
-              <a:rPr lang="nb-NO" dirty="0" err="1"/>
-              <a:t>voluntarily</a:t>
-            </a:r>
-            <a:r>
-              <a:rPr lang="nb-NO" dirty="0"/>
-              <a:t> </a:t>
-            </a:r>
-            <a:r>
-              <a:rPr lang="nb-NO" dirty="0" err="1"/>
-              <a:t>property</a:t>
-            </a:r>
-            <a:r>
-              <a:rPr lang="nb-NO" dirty="0"/>
-              <a:t> </a:t>
-            </a:r>
-            <a:r>
-              <a:rPr lang="nb-NO" dirty="0" err="1"/>
-              <a:t>information</a:t>
-            </a:r>
-            <a:r>
-              <a:rPr lang="nb-NO" dirty="0"/>
-              <a:t> </a:t>
-            </a:r>
-            <a:r>
-              <a:rPr lang="nb-NO" dirty="0" err="1"/>
-              <a:t>extension</a:t>
+              <a:t> Norwegian </a:t>
+            </a:r>
+            <a:r>
+              <a:rPr lang="nb-NO" dirty="0" err="1"/>
+              <a:t>realm</a:t>
             </a:r>
             <a:r>
               <a:rPr lang="nb-NO" dirty="0"/>
               <a:t>.</a:t>
             </a:r>
-          </a:p>
-          <a:p>
-            <a:endParaRPr lang="nb-NO" dirty="0"/>
-          </a:p>
-          <a:p>
-            <a:endParaRPr lang="nb-NO" dirty="0"/>
-          </a:p>
-          <a:p>
-            <a:endParaRPr lang="nb-NO" dirty="0"/>
-          </a:p>
-          <a:p>
-            <a:endParaRPr lang="nb-NO" dirty="0"/>
           </a:p>
         </p:txBody>
       </p:sp>
@@ -1257,7 +1166,7 @@
           <a:p>
             <a:fld id="{A69C946F-C9B2-9B49-8DCA-D38D97C43A2F}" type="slidenum">
               <a:rPr lang="en-US" smtClean="0"/>
-              <a:t>8</a:t>
+              <a:t>6</a:t>
             </a:fld>
             <a:endParaRPr lang="en-US"/>
           </a:p>
@@ -1266,7 +1175,7 @@
     </p:spTree>
     <p:extLst>
       <p:ext uri="{BB962C8B-B14F-4D97-AF65-F5344CB8AC3E}">
-        <p14:creationId xmlns:p14="http://schemas.microsoft.com/office/powerpoint/2010/main" val="3891098052"/>
+        <p14:creationId xmlns:p14="http://schemas.microsoft.com/office/powerpoint/2010/main" val="3606705153"/>
       </p:ext>
     </p:extLst>
   </p:cSld>
@@ -1322,35 +1231,27 @@
           <a:p>
             <a:r>
               <a:rPr lang="nb-NO" dirty="0"/>
-              <a:t>SFM have </a:t>
-            </a:r>
-            <a:r>
-              <a:rPr lang="nb-NO" dirty="0" err="1"/>
-              <a:t>now</a:t>
-            </a:r>
-            <a:r>
-              <a:rPr lang="nb-NO" dirty="0"/>
-              <a:t> </a:t>
-            </a:r>
-            <a:r>
-              <a:rPr lang="nb-NO" dirty="0" err="1"/>
-              <a:t>connected</a:t>
-            </a:r>
-            <a:r>
-              <a:rPr lang="nb-NO" dirty="0"/>
-              <a:t> </a:t>
-            </a:r>
-            <a:r>
-              <a:rPr lang="nb-NO" dirty="0" err="1"/>
-              <a:t>about</a:t>
-            </a:r>
-            <a:r>
-              <a:rPr lang="nb-NO" dirty="0"/>
-              <a:t> 100 different </a:t>
-            </a:r>
-            <a:r>
-              <a:rPr lang="nb-NO" dirty="0" err="1"/>
-              <a:t>actors</a:t>
+              <a:t>Normative </a:t>
+            </a:r>
+            <a:r>
+              <a:rPr lang="nb-NO" dirty="0" err="1"/>
+              <a:t>standardization</a:t>
+            </a:r>
+            <a:r>
+              <a:rPr lang="nb-NO" dirty="0"/>
+              <a:t> </a:t>
+            </a:r>
+            <a:r>
+              <a:rPr lang="nb-NO" dirty="0" err="1"/>
+              <a:t>of</a:t>
+            </a:r>
+            <a:r>
+              <a:rPr lang="nb-NO" dirty="0"/>
+              <a:t> </a:t>
+            </a:r>
+            <a:r>
+              <a:rPr lang="nb-NO" dirty="0" err="1"/>
+              <a:t>how</a:t>
             </a:r>
             <a:r>
               <a:rPr lang="nb-NO" dirty="0"/>
@@ -1358,43 +1259,35 @@
             </a:r>
             <a:r>
               <a:rPr lang="nb-NO" dirty="0" err="1"/>
-              <a:t>the</a:t>
-            </a:r>
-            <a:r>
-              <a:rPr lang="nb-NO" dirty="0"/>
-              <a:t> </a:t>
-            </a:r>
-            <a:r>
-              <a:rPr lang="nb-NO" dirty="0" err="1"/>
-              <a:t>modernized</a:t>
-            </a:r>
-            <a:r>
-              <a:rPr lang="nb-NO" dirty="0"/>
-              <a:t> </a:t>
-            </a:r>
-            <a:r>
-              <a:rPr lang="nb-NO" dirty="0" err="1"/>
-              <a:t>infrastructure</a:t>
-            </a:r>
-            <a:r>
-              <a:rPr lang="nb-NO" dirty="0"/>
-              <a:t> for </a:t>
-            </a:r>
-            <a:r>
-              <a:rPr lang="nb-NO" dirty="0" err="1"/>
-              <a:t>medical</a:t>
-            </a:r>
-            <a:r>
-              <a:rPr lang="nb-NO" dirty="0"/>
-              <a:t> </a:t>
-            </a:r>
-            <a:r>
-              <a:rPr lang="nb-NO" dirty="0" err="1"/>
-              <a:t>prespcription</a:t>
-            </a:r>
-            <a:r>
-              <a:rPr lang="nb-NO" dirty="0"/>
-              <a:t>.</a:t>
+              <a:t>use</a:t>
+            </a:r>
+            <a:r>
+              <a:rPr lang="nb-NO" dirty="0"/>
+              <a:t> HL7 </a:t>
+            </a:r>
+            <a:r>
+              <a:rPr lang="nb-NO" dirty="0" err="1"/>
+              <a:t>FHIr</a:t>
+            </a:r>
+            <a:r>
+              <a:rPr lang="nb-NO" dirty="0"/>
+              <a:t> in Norway </a:t>
+            </a:r>
+            <a:r>
+              <a:rPr lang="nb-NO" dirty="0" err="1"/>
+              <a:t>that</a:t>
+            </a:r>
+            <a:r>
+              <a:rPr lang="nb-NO" dirty="0"/>
+              <a:t> is </a:t>
+            </a:r>
+            <a:r>
+              <a:rPr lang="nb-NO" dirty="0" err="1"/>
+              <a:t>documented</a:t>
+            </a:r>
+            <a:r>
+              <a:rPr lang="nb-NO" dirty="0"/>
+              <a:t> in:</a:t>
             </a:r>
           </a:p>
         </p:txBody>
@@ -1416,7 +1309,7 @@
           <a:p>
             <a:fld id="{A69C946F-C9B2-9B49-8DCA-D38D97C43A2F}" type="slidenum">
               <a:rPr lang="en-US" smtClean="0"/>
-              <a:t>9</a:t>
+              <a:t>7</a:t>
             </a:fld>
             <a:endParaRPr lang="en-US"/>
           </a:p>
@@ -1425,7 +1318,7 @@
     </p:spTree>
     <p:extLst>
       <p:ext uri="{BB962C8B-B14F-4D97-AF65-F5344CB8AC3E}">
-        <p14:creationId xmlns:p14="http://schemas.microsoft.com/office/powerpoint/2010/main" val="1296840464"/>
+        <p14:creationId xmlns:p14="http://schemas.microsoft.com/office/powerpoint/2010/main" val="2743280329"/>
       </p:ext>
     </p:extLst>
   </p:cSld>
@@ -1481,59 +1374,353 @@
           <a:p>
             <a:r>
               <a:rPr lang="nb-NO" dirty="0"/>
-              <a:t>FHIR fagforum </a:t>
-            </a:r>
-            <a:r>
-              <a:rPr lang="nb-NO" dirty="0" err="1"/>
-              <a:t>both</a:t>
-            </a:r>
-            <a:r>
-              <a:rPr lang="nb-NO" dirty="0"/>
-              <a:t> </a:t>
-            </a:r>
-            <a:r>
-              <a:rPr lang="nb-NO" dirty="0" err="1"/>
-              <a:t>builds</a:t>
-            </a:r>
-            <a:r>
-              <a:rPr lang="nb-NO" dirty="0"/>
-              <a:t> </a:t>
-            </a:r>
-            <a:r>
-              <a:rPr lang="nb-NO" dirty="0" err="1"/>
-              <a:t>avareness</a:t>
-            </a:r>
-            <a:r>
-              <a:rPr lang="nb-NO" dirty="0"/>
-              <a:t>, </a:t>
-            </a:r>
-            <a:r>
-              <a:rPr lang="nb-NO" dirty="0" err="1"/>
-              <a:t>shares</a:t>
-            </a:r>
-            <a:r>
-              <a:rPr lang="nb-NO" dirty="0"/>
-              <a:t> </a:t>
-            </a:r>
-            <a:r>
-              <a:rPr lang="nb-NO" dirty="0" err="1"/>
-              <a:t>implementations</a:t>
-            </a:r>
-            <a:r>
-              <a:rPr lang="nb-NO" dirty="0"/>
-              <a:t> </a:t>
-            </a:r>
-            <a:r>
-              <a:rPr lang="nb-NO" dirty="0" err="1"/>
-              <a:t>experiences</a:t>
-            </a:r>
-            <a:r>
-              <a:rPr lang="nb-NO" dirty="0"/>
-              <a:t>, </a:t>
-            </a:r>
-            <a:r>
-              <a:rPr lang="nb-NO" dirty="0" err="1"/>
-              <a:t>builds</a:t>
+              <a:t>The base </a:t>
+            </a:r>
+            <a:r>
+              <a:rPr lang="nb-NO" dirty="0" err="1"/>
+              <a:t>profile</a:t>
+            </a:r>
+            <a:r>
+              <a:rPr lang="nb-NO" dirty="0"/>
+              <a:t> </a:t>
+            </a:r>
+            <a:r>
+              <a:rPr lang="nb-NO" dirty="0" err="1"/>
+              <a:t>suggest</a:t>
+            </a:r>
+            <a:r>
+              <a:rPr lang="nb-NO" dirty="0"/>
+              <a:t> </a:t>
+            </a:r>
+            <a:r>
+              <a:rPr lang="nb-NO" dirty="0" err="1"/>
+              <a:t>methods</a:t>
+            </a:r>
+            <a:r>
+              <a:rPr lang="nb-NO" dirty="0"/>
+              <a:t> </a:t>
+            </a:r>
+            <a:r>
+              <a:rPr lang="nb-NO" dirty="0" err="1"/>
+              <a:t>of</a:t>
+            </a:r>
+            <a:r>
+              <a:rPr lang="nb-NO" dirty="0"/>
+              <a:t> </a:t>
+            </a:r>
+            <a:r>
+              <a:rPr lang="nb-NO" dirty="0" err="1"/>
+              <a:t>how</a:t>
+            </a:r>
+            <a:r>
+              <a:rPr lang="nb-NO" dirty="0"/>
+              <a:t> to </a:t>
+            </a:r>
+            <a:r>
+              <a:rPr lang="nb-NO" dirty="0" err="1"/>
+              <a:t>use</a:t>
+            </a:r>
+            <a:r>
+              <a:rPr lang="nb-NO" dirty="0"/>
+              <a:t> HL7 FHIR in </a:t>
+            </a:r>
+            <a:r>
+              <a:rPr lang="nb-NO" dirty="0" err="1"/>
+              <a:t>the</a:t>
+            </a:r>
+            <a:r>
+              <a:rPr lang="nb-NO" dirty="0"/>
+              <a:t> Norwegian </a:t>
+            </a:r>
+            <a:r>
+              <a:rPr lang="nb-NO" dirty="0" err="1"/>
+              <a:t>realm</a:t>
+            </a:r>
+            <a:r>
+              <a:rPr lang="nb-NO" dirty="0"/>
+              <a:t> and </a:t>
+            </a:r>
+            <a:r>
+              <a:rPr lang="nb-NO" dirty="0" err="1"/>
+              <a:t>sho</a:t>
+            </a:r>
+            <a:r>
+              <a:rPr lang="nb-NO" dirty="0"/>
+              <a:t> </a:t>
+            </a:r>
+            <a:r>
+              <a:rPr lang="nb-NO" dirty="0" err="1"/>
+              <a:t>example</a:t>
+            </a:r>
+            <a:r>
+              <a:rPr lang="nb-NO" dirty="0"/>
+              <a:t> </a:t>
+            </a:r>
+            <a:r>
+              <a:rPr lang="nb-NO" dirty="0" err="1"/>
+              <a:t>of</a:t>
+            </a:r>
+            <a:r>
+              <a:rPr lang="nb-NO" dirty="0"/>
+              <a:t> </a:t>
+            </a:r>
+            <a:r>
+              <a:rPr lang="nb-NO" dirty="0" err="1"/>
+              <a:t>how</a:t>
+            </a:r>
+            <a:r>
+              <a:rPr lang="nb-NO" dirty="0"/>
+              <a:t> to </a:t>
+            </a:r>
+            <a:r>
+              <a:rPr lang="nb-NO" dirty="0" err="1"/>
+              <a:t>implement</a:t>
+            </a:r>
+            <a:r>
+              <a:rPr lang="nb-NO" dirty="0"/>
+              <a:t> </a:t>
+            </a:r>
+            <a:r>
+              <a:rPr lang="nb-NO" dirty="0" err="1"/>
+              <a:t>this</a:t>
+            </a:r>
+            <a:r>
+              <a:rPr lang="nb-NO" dirty="0"/>
+              <a:t> as a HL7 </a:t>
+            </a:r>
+            <a:r>
+              <a:rPr lang="nb-NO" dirty="0" err="1"/>
+              <a:t>FHIr</a:t>
+            </a:r>
+            <a:r>
+              <a:rPr lang="nb-NO" dirty="0"/>
+              <a:t> </a:t>
+            </a:r>
+            <a:r>
+              <a:rPr lang="nb-NO" dirty="0" err="1"/>
+              <a:t>profile</a:t>
+            </a:r>
+            <a:r>
+              <a:rPr lang="nb-NO" dirty="0"/>
+              <a:t>. The base </a:t>
+            </a:r>
+            <a:r>
+              <a:rPr lang="nb-NO" dirty="0" err="1"/>
+              <a:t>profile</a:t>
+            </a:r>
+            <a:r>
+              <a:rPr lang="nb-NO" dirty="0"/>
+              <a:t> </a:t>
+            </a:r>
+            <a:r>
+              <a:rPr lang="nb-NO" dirty="0" err="1"/>
+              <a:t>can</a:t>
+            </a:r>
+            <a:r>
+              <a:rPr lang="nb-NO" dirty="0"/>
+              <a:t> be used by </a:t>
+            </a:r>
+            <a:r>
+              <a:rPr lang="nb-NO" dirty="0" err="1"/>
+              <a:t>implementers</a:t>
+            </a:r>
+            <a:r>
+              <a:rPr lang="nb-NO" dirty="0"/>
+              <a:t> as a base for </a:t>
+            </a:r>
+            <a:r>
+              <a:rPr lang="nb-NO" dirty="0" err="1"/>
+              <a:t>the</a:t>
+            </a:r>
+            <a:r>
+              <a:rPr lang="nb-NO" dirty="0"/>
+              <a:t> </a:t>
+            </a:r>
+            <a:r>
+              <a:rPr lang="nb-NO" dirty="0" err="1"/>
+              <a:t>implementation</a:t>
+            </a:r>
+            <a:r>
+              <a:rPr lang="nb-NO" dirty="0"/>
+              <a:t> </a:t>
+            </a:r>
+            <a:r>
+              <a:rPr lang="nb-NO" dirty="0" err="1"/>
+              <a:t>of</a:t>
+            </a:r>
+            <a:r>
+              <a:rPr lang="nb-NO" dirty="0"/>
+              <a:t> </a:t>
+            </a:r>
+            <a:r>
+              <a:rPr lang="nb-NO" dirty="0" err="1"/>
+              <a:t>actual</a:t>
+            </a:r>
+            <a:r>
+              <a:rPr lang="nb-NO" dirty="0"/>
+              <a:t> </a:t>
+            </a:r>
+            <a:r>
+              <a:rPr lang="nb-NO" dirty="0" err="1"/>
+              <a:t>implemented</a:t>
+            </a:r>
+            <a:r>
+              <a:rPr lang="nb-NO" dirty="0"/>
+              <a:t> </a:t>
+            </a:r>
+            <a:r>
+              <a:rPr lang="nb-NO" dirty="0" err="1"/>
+              <a:t>profiles</a:t>
+            </a:r>
+            <a:r>
+              <a:rPr lang="nb-NO" dirty="0"/>
+              <a:t> used by </a:t>
+            </a:r>
+            <a:r>
+              <a:rPr lang="nb-NO" dirty="0" err="1"/>
+              <a:t>actual</a:t>
+            </a:r>
+            <a:r>
+              <a:rPr lang="nb-NO" dirty="0"/>
+              <a:t> </a:t>
+            </a:r>
+            <a:r>
+              <a:rPr lang="nb-NO" dirty="0" err="1"/>
+              <a:t>solutions</a:t>
+            </a:r>
+            <a:r>
+              <a:rPr lang="nb-NO" dirty="0"/>
+              <a:t>.</a:t>
+            </a:r>
+          </a:p>
+          <a:p>
+            <a:endParaRPr lang="nb-NO" dirty="0"/>
+          </a:p>
+          <a:p>
+            <a:r>
+              <a:rPr lang="nb-NO" dirty="0"/>
+              <a:t>This is an </a:t>
+            </a:r>
+            <a:r>
+              <a:rPr lang="nb-NO" dirty="0" err="1"/>
+              <a:t>important</a:t>
+            </a:r>
+            <a:r>
+              <a:rPr lang="nb-NO" dirty="0"/>
+              <a:t> </a:t>
+            </a:r>
+            <a:r>
+              <a:rPr lang="nb-NO" dirty="0" err="1"/>
+              <a:t>principle</a:t>
+            </a:r>
+            <a:r>
+              <a:rPr lang="nb-NO" dirty="0"/>
+              <a:t> and is </a:t>
+            </a:r>
+            <a:r>
+              <a:rPr lang="nb-NO" dirty="0" err="1"/>
+              <a:t>stated</a:t>
+            </a:r>
+            <a:r>
+              <a:rPr lang="nb-NO" dirty="0"/>
+              <a:t> as </a:t>
+            </a:r>
+            <a:r>
+              <a:rPr lang="nb-NO" dirty="0" err="1"/>
+              <a:t>such</a:t>
+            </a:r>
+            <a:r>
+              <a:rPr lang="nb-NO" dirty="0"/>
+              <a:t> in </a:t>
+            </a:r>
+            <a:r>
+              <a:rPr lang="nb-NO" dirty="0" err="1"/>
+              <a:t>the</a:t>
+            </a:r>
+            <a:r>
+              <a:rPr lang="nb-NO" dirty="0"/>
+              <a:t> </a:t>
+            </a:r>
+            <a:r>
+              <a:rPr lang="nb-NO" dirty="0" err="1"/>
+              <a:t>no</a:t>
+            </a:r>
+            <a:r>
+              <a:rPr lang="nb-NO" dirty="0"/>
+              <a:t>-basis </a:t>
+            </a:r>
+            <a:r>
+              <a:rPr lang="nb-NO" dirty="0" err="1"/>
+              <a:t>principles</a:t>
+            </a:r>
+            <a:r>
+              <a:rPr lang="nb-NO" dirty="0"/>
+              <a:t>.</a:t>
+            </a:r>
+          </a:p>
+          <a:p>
+            <a:endParaRPr lang="nb-NO" dirty="0"/>
+          </a:p>
+          <a:p>
+            <a:r>
+              <a:rPr lang="nb-NO" dirty="0" err="1"/>
+              <a:t>Suggestions</a:t>
+            </a:r>
+            <a:r>
+              <a:rPr lang="nb-NO" dirty="0"/>
+              <a:t> for </a:t>
+            </a:r>
+            <a:r>
+              <a:rPr lang="nb-NO" dirty="0" err="1"/>
+              <a:t>useful</a:t>
+            </a:r>
+            <a:r>
+              <a:rPr lang="nb-NO" dirty="0"/>
+              <a:t> </a:t>
+            </a:r>
+            <a:r>
+              <a:rPr lang="nb-NO" dirty="0" err="1"/>
+              <a:t>extension</a:t>
+            </a:r>
+            <a:r>
+              <a:rPr lang="nb-NO" dirty="0"/>
+              <a:t>, like </a:t>
+            </a:r>
+            <a:r>
+              <a:rPr lang="nb-NO" dirty="0" err="1"/>
+              <a:t>how</a:t>
+            </a:r>
+            <a:r>
+              <a:rPr lang="nb-NO" dirty="0"/>
+              <a:t> to </a:t>
+            </a:r>
+            <a:r>
+              <a:rPr lang="nb-NO" dirty="0" err="1"/>
+              <a:t>add</a:t>
+            </a:r>
+            <a:r>
+              <a:rPr lang="nb-NO" dirty="0"/>
+              <a:t> a Norwegian </a:t>
+            </a:r>
+            <a:r>
+              <a:rPr lang="nb-NO" dirty="0" err="1"/>
+              <a:t>Cadastral</a:t>
+            </a:r>
+            <a:r>
+              <a:rPr lang="nb-NO" dirty="0"/>
+              <a:t> </a:t>
+            </a:r>
+            <a:r>
+              <a:rPr lang="nb-NO" dirty="0" err="1"/>
+              <a:t>adress</a:t>
+            </a:r>
+            <a:r>
+              <a:rPr lang="nb-NO" dirty="0"/>
+              <a:t> in </a:t>
+            </a:r>
+            <a:r>
+              <a:rPr lang="nb-NO" dirty="0" err="1"/>
+              <a:t>the</a:t>
             </a:r>
             <a:r>
               <a:rPr lang="nb-NO" dirty="0"/>
@@ -1541,47 +1728,63 @@
             </a:r>
             <a:r>
               <a:rPr lang="nb-NO" dirty="0" err="1"/>
-              <a:t>knowledge</a:t>
-            </a:r>
-            <a:r>
-              <a:rPr lang="nb-NO" dirty="0"/>
-              <a:t> and is a </a:t>
-            </a:r>
-            <a:r>
-              <a:rPr lang="nb-NO" dirty="0" err="1"/>
-              <a:t>goto</a:t>
-            </a:r>
-            <a:r>
-              <a:rPr lang="nb-NO" dirty="0"/>
-              <a:t> </a:t>
-            </a:r>
-            <a:r>
-              <a:rPr lang="nb-NO" dirty="0" err="1"/>
-              <a:t>meeting</a:t>
-            </a:r>
-            <a:r>
-              <a:rPr lang="nb-NO" dirty="0"/>
-              <a:t> </a:t>
-            </a:r>
-            <a:r>
-              <a:rPr lang="nb-NO" dirty="0" err="1"/>
-              <a:t>place</a:t>
-            </a:r>
-            <a:r>
-              <a:rPr lang="nb-NO" dirty="0"/>
-              <a:t> for </a:t>
-            </a:r>
-            <a:r>
-              <a:rPr lang="nb-NO" dirty="0" err="1"/>
-              <a:t>the</a:t>
-            </a:r>
-            <a:r>
-              <a:rPr lang="nb-NO" dirty="0"/>
-              <a:t> Norwegian FHIR </a:t>
-            </a:r>
-            <a:r>
-              <a:rPr lang="nb-NO" dirty="0" err="1"/>
-              <a:t>community</a:t>
+              <a:t>Address</a:t>
+            </a:r>
+            <a:r>
+              <a:rPr lang="nb-NO" dirty="0"/>
+              <a:t> datatype, </a:t>
+            </a:r>
+            <a:r>
+              <a:rPr lang="nb-NO" dirty="0" err="1"/>
+              <a:t>this</a:t>
+            </a:r>
+            <a:r>
+              <a:rPr lang="nb-NO" dirty="0"/>
+              <a:t> is </a:t>
+            </a:r>
+            <a:r>
+              <a:rPr lang="nb-NO" dirty="0" err="1"/>
+              <a:t>added</a:t>
+            </a:r>
+            <a:r>
+              <a:rPr lang="nb-NO" dirty="0"/>
+              <a:t> </a:t>
+            </a:r>
+            <a:r>
+              <a:rPr lang="nb-NO" dirty="0" err="1"/>
+              <a:t>using</a:t>
+            </a:r>
+            <a:r>
+              <a:rPr lang="nb-NO" dirty="0"/>
+              <a:t> a </a:t>
+            </a:r>
+            <a:r>
+              <a:rPr lang="nb-NO" dirty="0" err="1"/>
+              <a:t>voluntarily</a:t>
+            </a:r>
+            <a:r>
+              <a:rPr lang="nb-NO" dirty="0"/>
+              <a:t> </a:t>
+            </a:r>
+            <a:r>
+              <a:rPr lang="nb-NO" dirty="0" err="1"/>
+              <a:t>property</a:t>
+            </a:r>
+            <a:r>
+              <a:rPr lang="nb-NO" dirty="0"/>
+              <a:t> </a:t>
+            </a:r>
+            <a:r>
+              <a:rPr lang="nb-NO" dirty="0" err="1"/>
+              <a:t>information</a:t>
+            </a:r>
+            <a:r>
+              <a:rPr lang="nb-NO" dirty="0"/>
+              <a:t> </a:t>
+            </a:r>
+            <a:r>
+              <a:rPr lang="nb-NO" dirty="0" err="1"/>
+              <a:t>extension</a:t>
             </a:r>
             <a:r>
               <a:rPr lang="nb-NO" dirty="0"/>
@@ -1592,198 +1795,13 @@
             <a:endParaRPr lang="nb-NO" dirty="0"/>
           </a:p>
           <a:p>
-            <a:r>
-              <a:rPr lang="nb-NO" dirty="0" err="1"/>
-              <a:t>There</a:t>
-            </a:r>
-            <a:r>
-              <a:rPr lang="nb-NO" dirty="0"/>
-              <a:t> </a:t>
-            </a:r>
-            <a:r>
-              <a:rPr lang="nb-NO" dirty="0" err="1"/>
-              <a:t>are</a:t>
-            </a:r>
-            <a:r>
-              <a:rPr lang="nb-NO" dirty="0"/>
-              <a:t> </a:t>
-            </a:r>
-            <a:r>
-              <a:rPr lang="nb-NO" dirty="0" err="1"/>
-              <a:t>no</a:t>
-            </a:r>
-            <a:r>
-              <a:rPr lang="nb-NO" dirty="0"/>
-              <a:t> </a:t>
-            </a:r>
-            <a:r>
-              <a:rPr lang="nb-NO" dirty="0" err="1"/>
-              <a:t>sanctions</a:t>
-            </a:r>
-            <a:r>
-              <a:rPr lang="nb-NO" dirty="0"/>
-              <a:t> for not </a:t>
-            </a:r>
-            <a:r>
-              <a:rPr lang="nb-NO" dirty="0" err="1"/>
-              <a:t>following</a:t>
-            </a:r>
-            <a:r>
-              <a:rPr lang="nb-NO" dirty="0"/>
-              <a:t> </a:t>
-            </a:r>
-            <a:r>
-              <a:rPr lang="nb-NO" dirty="0" err="1"/>
-              <a:t>the</a:t>
-            </a:r>
-            <a:r>
-              <a:rPr lang="nb-NO" dirty="0"/>
-              <a:t> </a:t>
-            </a:r>
-            <a:r>
-              <a:rPr lang="nb-NO" dirty="0" err="1"/>
-              <a:t>official</a:t>
-            </a:r>
-            <a:r>
-              <a:rPr lang="nb-NO" dirty="0"/>
-              <a:t> </a:t>
-            </a:r>
-            <a:r>
-              <a:rPr lang="nb-NO" dirty="0" err="1"/>
-              <a:t>recommendation</a:t>
-            </a:r>
-            <a:r>
-              <a:rPr lang="nb-NO" dirty="0"/>
-              <a:t> for </a:t>
-            </a:r>
-            <a:r>
-              <a:rPr lang="nb-NO" dirty="0" err="1"/>
-              <a:t>use</a:t>
-            </a:r>
-            <a:r>
-              <a:rPr lang="nb-NO" dirty="0"/>
-              <a:t> </a:t>
-            </a:r>
-            <a:r>
-              <a:rPr lang="nb-NO" dirty="0" err="1"/>
-              <a:t>of</a:t>
-            </a:r>
-            <a:r>
-              <a:rPr lang="nb-NO" dirty="0"/>
-              <a:t> FHIR for </a:t>
-            </a:r>
-            <a:r>
-              <a:rPr lang="nb-NO" dirty="0" err="1"/>
-              <a:t>API’s</a:t>
-            </a:r>
-            <a:r>
-              <a:rPr lang="nb-NO" dirty="0"/>
-              <a:t> </a:t>
-            </a:r>
-            <a:r>
-              <a:rPr lang="nb-NO" dirty="0" err="1"/>
-              <a:t>but</a:t>
-            </a:r>
-            <a:r>
-              <a:rPr lang="nb-NO" dirty="0"/>
-              <a:t> </a:t>
-            </a:r>
-            <a:r>
-              <a:rPr lang="nb-NO" dirty="0" err="1"/>
-              <a:t>the</a:t>
-            </a:r>
-            <a:r>
-              <a:rPr lang="nb-NO" dirty="0"/>
-              <a:t> </a:t>
-            </a:r>
-            <a:r>
-              <a:rPr lang="nb-NO" dirty="0" err="1"/>
-              <a:t>fact</a:t>
-            </a:r>
-            <a:r>
-              <a:rPr lang="nb-NO" dirty="0"/>
-              <a:t> </a:t>
-            </a:r>
-            <a:r>
-              <a:rPr lang="nb-NO" dirty="0" err="1"/>
-              <a:t>that</a:t>
-            </a:r>
-            <a:r>
-              <a:rPr lang="nb-NO" dirty="0"/>
-              <a:t> it is </a:t>
-            </a:r>
-            <a:r>
-              <a:rPr lang="nb-NO" dirty="0" err="1"/>
-              <a:t>there</a:t>
-            </a:r>
-            <a:r>
-              <a:rPr lang="nb-NO" dirty="0"/>
-              <a:t> and </a:t>
-            </a:r>
-            <a:r>
-              <a:rPr lang="nb-NO" dirty="0" err="1"/>
-              <a:t>can</a:t>
-            </a:r>
-            <a:r>
-              <a:rPr lang="nb-NO" dirty="0"/>
-              <a:t> be </a:t>
-            </a:r>
-            <a:r>
-              <a:rPr lang="nb-NO" dirty="0" err="1"/>
-              <a:t>referenced</a:t>
-            </a:r>
-            <a:r>
-              <a:rPr lang="nb-NO" dirty="0"/>
-              <a:t> is </a:t>
-            </a:r>
-            <a:r>
-              <a:rPr lang="nb-NO" dirty="0" err="1"/>
-              <a:t>of</a:t>
-            </a:r>
-            <a:r>
-              <a:rPr lang="nb-NO" dirty="0"/>
-              <a:t> </a:t>
-            </a:r>
-            <a:r>
-              <a:rPr lang="nb-NO" dirty="0" err="1"/>
-              <a:t>great</a:t>
-            </a:r>
-            <a:r>
-              <a:rPr lang="nb-NO" dirty="0"/>
-              <a:t> </a:t>
-            </a:r>
-            <a:r>
-              <a:rPr lang="nb-NO" dirty="0" err="1"/>
-              <a:t>value</a:t>
-            </a:r>
-            <a:r>
-              <a:rPr lang="nb-NO" dirty="0"/>
-              <a:t> for rising </a:t>
-            </a:r>
-            <a:r>
-              <a:rPr lang="nb-NO" dirty="0" err="1"/>
-              <a:t>avareness</a:t>
-            </a:r>
-            <a:r>
-              <a:rPr lang="nb-NO" dirty="0"/>
-              <a:t> </a:t>
-            </a:r>
-            <a:r>
-              <a:rPr lang="nb-NO" dirty="0" err="1"/>
-              <a:t>of</a:t>
-            </a:r>
-            <a:r>
-              <a:rPr lang="nb-NO" dirty="0"/>
-              <a:t> FHIR for </a:t>
-            </a:r>
-            <a:r>
-              <a:rPr lang="nb-NO" dirty="0" err="1"/>
-              <a:t>interoperability</a:t>
-            </a:r>
-            <a:r>
-              <a:rPr lang="nb-NO" dirty="0"/>
-              <a:t>.</a:t>
-            </a:r>
+            <a:endParaRPr lang="nb-NO" dirty="0"/>
+          </a:p>
+          <a:p>
+            <a:endParaRPr lang="nb-NO" dirty="0"/>
+          </a:p>
+          <a:p>
+            <a:endParaRPr lang="nb-NO" dirty="0"/>
           </a:p>
         </p:txBody>
       </p:sp>
@@ -1804,7 +1822,7 @@
           <a:p>
             <a:fld id="{A69C946F-C9B2-9B49-8DCA-D38D97C43A2F}" type="slidenum">
               <a:rPr lang="en-US" smtClean="0"/>
-              <a:t>10</a:t>
+              <a:t>8</a:t>
             </a:fld>
             <a:endParaRPr lang="en-US"/>
           </a:p>
@@ -1813,7 +1831,7 @@
     </p:spTree>
     <p:extLst>
       <p:ext uri="{BB962C8B-B14F-4D97-AF65-F5344CB8AC3E}">
-        <p14:creationId xmlns:p14="http://schemas.microsoft.com/office/powerpoint/2010/main" val="3777274834"/>
+        <p14:creationId xmlns:p14="http://schemas.microsoft.com/office/powerpoint/2010/main" val="3891098052"/>
       </p:ext>
     </p:extLst>
   </p:cSld>
@@ -1867,7 +1885,983 @@
           <a:bodyPr/>
           <a:lstStyle/>
           <a:p>
+            <a:r>
+              <a:rPr lang="nb-NO" dirty="0"/>
+              <a:t>SFM have </a:t>
+            </a:r>
+            <a:r>
+              <a:rPr lang="nb-NO" dirty="0" err="1"/>
+              <a:t>now</a:t>
+            </a:r>
+            <a:r>
+              <a:rPr lang="nb-NO" dirty="0"/>
+              <a:t> </a:t>
+            </a:r>
+            <a:r>
+              <a:rPr lang="nb-NO" dirty="0" err="1"/>
+              <a:t>connected</a:t>
+            </a:r>
+            <a:r>
+              <a:rPr lang="nb-NO" dirty="0"/>
+              <a:t> </a:t>
+            </a:r>
+            <a:r>
+              <a:rPr lang="nb-NO" dirty="0" err="1"/>
+              <a:t>about</a:t>
+            </a:r>
+            <a:r>
+              <a:rPr lang="nb-NO" dirty="0"/>
+              <a:t> 100 different </a:t>
+            </a:r>
+            <a:r>
+              <a:rPr lang="nb-NO" dirty="0" err="1"/>
+              <a:t>actors</a:t>
+            </a:r>
+            <a:r>
+              <a:rPr lang="nb-NO" dirty="0"/>
+              <a:t> to </a:t>
+            </a:r>
+            <a:r>
+              <a:rPr lang="nb-NO" dirty="0" err="1"/>
+              <a:t>the</a:t>
+            </a:r>
+            <a:r>
+              <a:rPr lang="nb-NO" dirty="0"/>
+              <a:t> </a:t>
+            </a:r>
+            <a:r>
+              <a:rPr lang="nb-NO" dirty="0" err="1"/>
+              <a:t>modernized</a:t>
+            </a:r>
+            <a:r>
+              <a:rPr lang="nb-NO" dirty="0"/>
+              <a:t> </a:t>
+            </a:r>
+            <a:r>
+              <a:rPr lang="nb-NO" dirty="0" err="1"/>
+              <a:t>infrastructure</a:t>
+            </a:r>
+            <a:r>
+              <a:rPr lang="nb-NO" dirty="0"/>
+              <a:t> for </a:t>
+            </a:r>
+            <a:r>
+              <a:rPr lang="nb-NO" dirty="0" err="1"/>
+              <a:t>medical</a:t>
+            </a:r>
+            <a:r>
+              <a:rPr lang="nb-NO" dirty="0"/>
+              <a:t> </a:t>
+            </a:r>
+            <a:r>
+              <a:rPr lang="nb-NO" dirty="0" err="1"/>
+              <a:t>prespcription</a:t>
+            </a:r>
+            <a:r>
+              <a:rPr lang="nb-NO" dirty="0"/>
+              <a:t>.</a:t>
+            </a:r>
+          </a:p>
+        </p:txBody>
+      </p:sp>
+      <p:sp>
+        <p:nvSpPr>
+          <p:cNvPr id="4" name="Plassholder for lysbildenummer 3"/>
+          <p:cNvSpPr>
+            <a:spLocks noGrp="1"/>
+          </p:cNvSpPr>
+          <p:nvPr>
+            <p:ph type="sldNum" sz="quarter" idx="5"/>
+          </p:nvPr>
+        </p:nvSpPr>
+        <p:spPr/>
+        <p:txBody>
+          <a:bodyPr/>
+          <a:lstStyle/>
+          <a:p>
+            <a:fld id="{A69C946F-C9B2-9B49-8DCA-D38D97C43A2F}" type="slidenum">
+              <a:rPr lang="en-US" smtClean="0"/>
+              <a:t>9</a:t>
+            </a:fld>
+            <a:endParaRPr lang="en-US"/>
+          </a:p>
+        </p:txBody>
+      </p:sp>
+    </p:spTree>
+    <p:extLst>
+      <p:ext uri="{BB962C8B-B14F-4D97-AF65-F5344CB8AC3E}">
+        <p14:creationId xmlns:p14="http://schemas.microsoft.com/office/powerpoint/2010/main" val="1296840464"/>
+      </p:ext>
+    </p:extLst>
+  </p:cSld>
+  <p:clrMapOvr>
+    <a:masterClrMapping/>
+  </p:clrMapOvr>
+</p:notes>
+</file>
+
+<file path=ppt/notesSlides/notesSlide7.xml><?xml version="1.0" encoding="utf-8"?>
+<p:notes xmlns:a="http://schemas.openxmlformats.org/drawingml/2006/main" xmlns:r="http://schemas.openxmlformats.org/officeDocument/2006/relationships" xmlns:p="http://schemas.openxmlformats.org/presentationml/2006/main">
+  <p:cSld>
+    <p:spTree>
+      <p:nvGrpSpPr>
+        <p:cNvPr id="1" name=""/>
+        <p:cNvGrpSpPr/>
+        <p:nvPr/>
+      </p:nvGrpSpPr>
+      <p:grpSpPr>
+        <a:xfrm>
+          <a:off x="0" y="0"/>
+          <a:ext cx="0" cy="0"/>
+          <a:chOff x="0" y="0"/>
+          <a:chExt cx="0" cy="0"/>
+        </a:xfrm>
+      </p:grpSpPr>
+      <p:sp>
+        <p:nvSpPr>
+          <p:cNvPr id="2" name="Plassholder for lysbilde 1"/>
+          <p:cNvSpPr>
+            <a:spLocks noGrp="1" noRot="1" noChangeAspect="1"/>
+          </p:cNvSpPr>
+          <p:nvPr>
+            <p:ph type="sldImg"/>
+          </p:nvPr>
+        </p:nvSpPr>
+        <p:spPr/>
+      </p:sp>
+      <p:sp>
+        <p:nvSpPr>
+          <p:cNvPr id="3" name="Plassholder for notater 2"/>
+          <p:cNvSpPr>
+            <a:spLocks noGrp="1"/>
+          </p:cNvSpPr>
+          <p:nvPr>
+            <p:ph type="body" idx="1"/>
+          </p:nvPr>
+        </p:nvSpPr>
+        <p:spPr/>
+        <p:txBody>
+          <a:bodyPr/>
+          <a:lstStyle/>
+          <a:p>
+            <a:r>
+              <a:rPr lang="nb-NO" dirty="0"/>
+              <a:t>The </a:t>
+            </a:r>
+            <a:r>
+              <a:rPr lang="nb-NO" dirty="0" err="1"/>
+              <a:t>flexiblity</a:t>
+            </a:r>
+            <a:r>
+              <a:rPr lang="nb-NO" dirty="0"/>
+              <a:t> </a:t>
+            </a:r>
+            <a:r>
+              <a:rPr lang="nb-NO" dirty="0" err="1"/>
+              <a:t>of</a:t>
+            </a:r>
+            <a:r>
+              <a:rPr lang="nb-NO" dirty="0"/>
+              <a:t> </a:t>
+            </a:r>
+            <a:r>
+              <a:rPr lang="nb-NO" dirty="0" err="1"/>
+              <a:t>the</a:t>
+            </a:r>
+            <a:r>
+              <a:rPr lang="nb-NO" dirty="0"/>
+              <a:t> base </a:t>
+            </a:r>
+            <a:r>
+              <a:rPr lang="nb-NO" dirty="0" err="1"/>
+              <a:t>profiles</a:t>
+            </a:r>
+            <a:r>
+              <a:rPr lang="nb-NO" dirty="0"/>
+              <a:t> </a:t>
+            </a:r>
+            <a:r>
+              <a:rPr lang="nb-NO" dirty="0" err="1"/>
+              <a:t>are</a:t>
+            </a:r>
+            <a:r>
+              <a:rPr lang="nb-NO" dirty="0"/>
+              <a:t> </a:t>
+            </a:r>
+            <a:r>
+              <a:rPr lang="nb-NO" dirty="0" err="1"/>
+              <a:t>important</a:t>
+            </a:r>
+            <a:r>
+              <a:rPr lang="nb-NO" dirty="0"/>
+              <a:t> for </a:t>
+            </a:r>
+            <a:r>
+              <a:rPr lang="nb-NO" dirty="0" err="1"/>
+              <a:t>their</a:t>
+            </a:r>
+            <a:r>
+              <a:rPr lang="nb-NO" dirty="0"/>
+              <a:t> </a:t>
+            </a:r>
+            <a:r>
+              <a:rPr lang="nb-NO" dirty="0" err="1"/>
+              <a:t>success</a:t>
+            </a:r>
+            <a:r>
+              <a:rPr lang="nb-NO" dirty="0"/>
+              <a:t>. The </a:t>
+            </a:r>
+            <a:r>
+              <a:rPr lang="nb-NO" dirty="0" err="1"/>
+              <a:t>lax</a:t>
+            </a:r>
+            <a:r>
+              <a:rPr lang="nb-NO" dirty="0"/>
+              <a:t> suggestive nature </a:t>
+            </a:r>
+            <a:r>
+              <a:rPr lang="nb-NO" dirty="0" err="1"/>
+              <a:t>of</a:t>
+            </a:r>
+            <a:r>
+              <a:rPr lang="nb-NO" dirty="0"/>
+              <a:t> </a:t>
+            </a:r>
+            <a:r>
+              <a:rPr lang="nb-NO" dirty="0" err="1"/>
+              <a:t>those</a:t>
+            </a:r>
+            <a:r>
+              <a:rPr lang="nb-NO" dirty="0"/>
+              <a:t> </a:t>
+            </a:r>
+            <a:r>
+              <a:rPr lang="nb-NO" dirty="0" err="1"/>
+              <a:t>profiles</a:t>
+            </a:r>
+            <a:r>
+              <a:rPr lang="nb-NO" dirty="0"/>
+              <a:t> </a:t>
+            </a:r>
+            <a:r>
+              <a:rPr lang="nb-NO" dirty="0" err="1"/>
+              <a:t>means</a:t>
+            </a:r>
+            <a:r>
+              <a:rPr lang="nb-NO" dirty="0"/>
+              <a:t> </a:t>
+            </a:r>
+            <a:r>
+              <a:rPr lang="nb-NO" dirty="0" err="1"/>
+              <a:t>that</a:t>
+            </a:r>
+            <a:r>
+              <a:rPr lang="nb-NO" dirty="0"/>
+              <a:t> </a:t>
+            </a:r>
+            <a:r>
+              <a:rPr lang="nb-NO" dirty="0" err="1"/>
+              <a:t>almost</a:t>
+            </a:r>
+            <a:r>
+              <a:rPr lang="nb-NO" dirty="0"/>
+              <a:t> </a:t>
+            </a:r>
+            <a:r>
+              <a:rPr lang="nb-NO" dirty="0" err="1"/>
+              <a:t>any</a:t>
+            </a:r>
+            <a:r>
+              <a:rPr lang="nb-NO" dirty="0"/>
+              <a:t> </a:t>
+            </a:r>
+            <a:r>
+              <a:rPr lang="nb-NO" dirty="0" err="1"/>
+              <a:t>implementation</a:t>
+            </a:r>
+            <a:r>
+              <a:rPr lang="nb-NO" dirty="0"/>
+              <a:t> </a:t>
+            </a:r>
+            <a:r>
+              <a:rPr lang="nb-NO" dirty="0" err="1"/>
+              <a:t>can</a:t>
+            </a:r>
+            <a:r>
+              <a:rPr lang="nb-NO" dirty="0"/>
+              <a:t> re-</a:t>
+            </a:r>
+            <a:r>
+              <a:rPr lang="nb-NO" dirty="0" err="1"/>
+              <a:t>profiles</a:t>
+            </a:r>
+            <a:r>
+              <a:rPr lang="nb-NO" dirty="0"/>
+              <a:t> </a:t>
+            </a:r>
+            <a:r>
+              <a:rPr lang="nb-NO" dirty="0" err="1"/>
+              <a:t>the</a:t>
+            </a:r>
+            <a:r>
+              <a:rPr lang="nb-NO" dirty="0"/>
+              <a:t> base and </a:t>
+            </a:r>
+            <a:r>
+              <a:rPr lang="nb-NO" dirty="0" err="1"/>
+              <a:t>build</a:t>
+            </a:r>
+            <a:r>
+              <a:rPr lang="nb-NO" dirty="0"/>
+              <a:t> </a:t>
+            </a:r>
+            <a:r>
+              <a:rPr lang="nb-NO" dirty="0" err="1"/>
+              <a:t>on</a:t>
+            </a:r>
+            <a:r>
+              <a:rPr lang="nb-NO" dirty="0"/>
+              <a:t> </a:t>
+            </a:r>
+            <a:r>
+              <a:rPr lang="nb-NO" dirty="0" err="1"/>
+              <a:t>them</a:t>
+            </a:r>
+            <a:r>
+              <a:rPr lang="nb-NO" dirty="0"/>
+              <a:t>.</a:t>
+            </a:r>
+          </a:p>
+          <a:p>
             <a:endParaRPr lang="nb-NO" dirty="0"/>
+          </a:p>
+          <a:p>
+            <a:r>
+              <a:rPr lang="nb-NO" dirty="0"/>
+              <a:t>FHIR fagforum </a:t>
+            </a:r>
+            <a:r>
+              <a:rPr lang="nb-NO" dirty="0" err="1"/>
+              <a:t>both</a:t>
+            </a:r>
+            <a:r>
+              <a:rPr lang="nb-NO" dirty="0"/>
+              <a:t> </a:t>
+            </a:r>
+            <a:r>
+              <a:rPr lang="nb-NO" dirty="0" err="1"/>
+              <a:t>builds</a:t>
+            </a:r>
+            <a:r>
+              <a:rPr lang="nb-NO" dirty="0"/>
+              <a:t> </a:t>
+            </a:r>
+            <a:r>
+              <a:rPr lang="nb-NO" dirty="0" err="1"/>
+              <a:t>avareness</a:t>
+            </a:r>
+            <a:r>
+              <a:rPr lang="nb-NO" dirty="0"/>
+              <a:t>, </a:t>
+            </a:r>
+            <a:r>
+              <a:rPr lang="nb-NO" dirty="0" err="1"/>
+              <a:t>shares</a:t>
+            </a:r>
+            <a:r>
+              <a:rPr lang="nb-NO" dirty="0"/>
+              <a:t> </a:t>
+            </a:r>
+            <a:r>
+              <a:rPr lang="nb-NO" dirty="0" err="1"/>
+              <a:t>implementations</a:t>
+            </a:r>
+            <a:r>
+              <a:rPr lang="nb-NO" dirty="0"/>
+              <a:t> </a:t>
+            </a:r>
+            <a:r>
+              <a:rPr lang="nb-NO" dirty="0" err="1"/>
+              <a:t>experiences</a:t>
+            </a:r>
+            <a:r>
+              <a:rPr lang="nb-NO" dirty="0"/>
+              <a:t>, </a:t>
+            </a:r>
+            <a:r>
+              <a:rPr lang="nb-NO" dirty="0" err="1"/>
+              <a:t>builds</a:t>
+            </a:r>
+            <a:r>
+              <a:rPr lang="nb-NO" dirty="0"/>
+              <a:t> FHIR </a:t>
+            </a:r>
+            <a:r>
+              <a:rPr lang="nb-NO" dirty="0" err="1"/>
+              <a:t>knowledge</a:t>
+            </a:r>
+            <a:r>
+              <a:rPr lang="nb-NO" dirty="0"/>
+              <a:t> and is a </a:t>
+            </a:r>
+            <a:r>
+              <a:rPr lang="nb-NO" dirty="0" err="1"/>
+              <a:t>goto</a:t>
+            </a:r>
+            <a:r>
+              <a:rPr lang="nb-NO" dirty="0"/>
+              <a:t> </a:t>
+            </a:r>
+            <a:r>
+              <a:rPr lang="nb-NO" dirty="0" err="1"/>
+              <a:t>meeting</a:t>
+            </a:r>
+            <a:r>
+              <a:rPr lang="nb-NO" dirty="0"/>
+              <a:t> </a:t>
+            </a:r>
+            <a:r>
+              <a:rPr lang="nb-NO" dirty="0" err="1"/>
+              <a:t>place</a:t>
+            </a:r>
+            <a:r>
+              <a:rPr lang="nb-NO" dirty="0"/>
+              <a:t> for </a:t>
+            </a:r>
+            <a:r>
+              <a:rPr lang="nb-NO" dirty="0" err="1"/>
+              <a:t>the</a:t>
+            </a:r>
+            <a:r>
+              <a:rPr lang="nb-NO" dirty="0"/>
+              <a:t> Norwegian FHIR </a:t>
+            </a:r>
+            <a:r>
+              <a:rPr lang="nb-NO" dirty="0" err="1"/>
+              <a:t>community</a:t>
+            </a:r>
+            <a:r>
+              <a:rPr lang="nb-NO" dirty="0"/>
+              <a:t>.</a:t>
+            </a:r>
+          </a:p>
+          <a:p>
+            <a:endParaRPr lang="nb-NO" dirty="0"/>
+          </a:p>
+          <a:p>
+            <a:r>
+              <a:rPr lang="nb-NO" dirty="0" err="1"/>
+              <a:t>There</a:t>
+            </a:r>
+            <a:r>
+              <a:rPr lang="nb-NO" dirty="0"/>
+              <a:t> </a:t>
+            </a:r>
+            <a:r>
+              <a:rPr lang="nb-NO" dirty="0" err="1"/>
+              <a:t>are</a:t>
+            </a:r>
+            <a:r>
+              <a:rPr lang="nb-NO" dirty="0"/>
+              <a:t> </a:t>
+            </a:r>
+            <a:r>
+              <a:rPr lang="nb-NO" dirty="0" err="1"/>
+              <a:t>no</a:t>
+            </a:r>
+            <a:r>
+              <a:rPr lang="nb-NO" dirty="0"/>
+              <a:t> </a:t>
+            </a:r>
+            <a:r>
+              <a:rPr lang="nb-NO" dirty="0" err="1"/>
+              <a:t>sanctions</a:t>
+            </a:r>
+            <a:r>
+              <a:rPr lang="nb-NO" dirty="0"/>
+              <a:t> for not </a:t>
+            </a:r>
+            <a:r>
+              <a:rPr lang="nb-NO" dirty="0" err="1"/>
+              <a:t>following</a:t>
+            </a:r>
+            <a:r>
+              <a:rPr lang="nb-NO" dirty="0"/>
+              <a:t> </a:t>
+            </a:r>
+            <a:r>
+              <a:rPr lang="nb-NO" dirty="0" err="1"/>
+              <a:t>the</a:t>
+            </a:r>
+            <a:r>
+              <a:rPr lang="nb-NO" dirty="0"/>
+              <a:t> </a:t>
+            </a:r>
+            <a:r>
+              <a:rPr lang="nb-NO" dirty="0" err="1"/>
+              <a:t>official</a:t>
+            </a:r>
+            <a:r>
+              <a:rPr lang="nb-NO" dirty="0"/>
+              <a:t> </a:t>
+            </a:r>
+            <a:r>
+              <a:rPr lang="nb-NO" dirty="0" err="1"/>
+              <a:t>recommendation</a:t>
+            </a:r>
+            <a:r>
+              <a:rPr lang="nb-NO" dirty="0"/>
+              <a:t> for </a:t>
+            </a:r>
+            <a:r>
+              <a:rPr lang="nb-NO" dirty="0" err="1"/>
+              <a:t>use</a:t>
+            </a:r>
+            <a:r>
+              <a:rPr lang="nb-NO" dirty="0"/>
+              <a:t> </a:t>
+            </a:r>
+            <a:r>
+              <a:rPr lang="nb-NO" dirty="0" err="1"/>
+              <a:t>of</a:t>
+            </a:r>
+            <a:r>
+              <a:rPr lang="nb-NO" dirty="0"/>
+              <a:t> FHIR for </a:t>
+            </a:r>
+            <a:r>
+              <a:rPr lang="nb-NO" dirty="0" err="1"/>
+              <a:t>API’s</a:t>
+            </a:r>
+            <a:r>
+              <a:rPr lang="nb-NO" dirty="0"/>
+              <a:t> </a:t>
+            </a:r>
+            <a:r>
+              <a:rPr lang="nb-NO" dirty="0" err="1"/>
+              <a:t>but</a:t>
+            </a:r>
+            <a:r>
+              <a:rPr lang="nb-NO" dirty="0"/>
+              <a:t> </a:t>
+            </a:r>
+            <a:r>
+              <a:rPr lang="nb-NO" dirty="0" err="1"/>
+              <a:t>the</a:t>
+            </a:r>
+            <a:r>
+              <a:rPr lang="nb-NO" dirty="0"/>
+              <a:t> </a:t>
+            </a:r>
+            <a:r>
+              <a:rPr lang="nb-NO" dirty="0" err="1"/>
+              <a:t>fact</a:t>
+            </a:r>
+            <a:r>
+              <a:rPr lang="nb-NO" dirty="0"/>
+              <a:t> </a:t>
+            </a:r>
+            <a:r>
+              <a:rPr lang="nb-NO" dirty="0" err="1"/>
+              <a:t>that</a:t>
+            </a:r>
+            <a:r>
+              <a:rPr lang="nb-NO" dirty="0"/>
+              <a:t> it is </a:t>
+            </a:r>
+            <a:r>
+              <a:rPr lang="nb-NO" dirty="0" err="1"/>
+              <a:t>there</a:t>
+            </a:r>
+            <a:r>
+              <a:rPr lang="nb-NO" dirty="0"/>
+              <a:t> and </a:t>
+            </a:r>
+            <a:r>
+              <a:rPr lang="nb-NO" dirty="0" err="1"/>
+              <a:t>can</a:t>
+            </a:r>
+            <a:r>
+              <a:rPr lang="nb-NO" dirty="0"/>
+              <a:t> be </a:t>
+            </a:r>
+            <a:r>
+              <a:rPr lang="nb-NO" dirty="0" err="1"/>
+              <a:t>referenced</a:t>
+            </a:r>
+            <a:r>
+              <a:rPr lang="nb-NO" dirty="0"/>
+              <a:t> is </a:t>
+            </a:r>
+            <a:r>
+              <a:rPr lang="nb-NO" dirty="0" err="1"/>
+              <a:t>of</a:t>
+            </a:r>
+            <a:r>
+              <a:rPr lang="nb-NO" dirty="0"/>
+              <a:t> </a:t>
+            </a:r>
+            <a:r>
+              <a:rPr lang="nb-NO" dirty="0" err="1"/>
+              <a:t>great</a:t>
+            </a:r>
+            <a:r>
+              <a:rPr lang="nb-NO" dirty="0"/>
+              <a:t> </a:t>
+            </a:r>
+            <a:r>
+              <a:rPr lang="nb-NO" dirty="0" err="1"/>
+              <a:t>value</a:t>
+            </a:r>
+            <a:r>
+              <a:rPr lang="nb-NO" dirty="0"/>
+              <a:t> for rising </a:t>
+            </a:r>
+            <a:r>
+              <a:rPr lang="nb-NO" dirty="0" err="1"/>
+              <a:t>avareness</a:t>
+            </a:r>
+            <a:r>
+              <a:rPr lang="nb-NO" dirty="0"/>
+              <a:t> </a:t>
+            </a:r>
+            <a:r>
+              <a:rPr lang="nb-NO" dirty="0" err="1"/>
+              <a:t>of</a:t>
+            </a:r>
+            <a:r>
+              <a:rPr lang="nb-NO" dirty="0"/>
+              <a:t> FHIR for </a:t>
+            </a:r>
+            <a:r>
+              <a:rPr lang="nb-NO" dirty="0" err="1"/>
+              <a:t>interoperability</a:t>
+            </a:r>
+            <a:r>
+              <a:rPr lang="nb-NO" dirty="0"/>
+              <a:t>.</a:t>
+            </a:r>
+          </a:p>
+        </p:txBody>
+      </p:sp>
+      <p:sp>
+        <p:nvSpPr>
+          <p:cNvPr id="4" name="Plassholder for lysbildenummer 3"/>
+          <p:cNvSpPr>
+            <a:spLocks noGrp="1"/>
+          </p:cNvSpPr>
+          <p:nvPr>
+            <p:ph type="sldNum" sz="quarter" idx="5"/>
+          </p:nvPr>
+        </p:nvSpPr>
+        <p:spPr/>
+        <p:txBody>
+          <a:bodyPr/>
+          <a:lstStyle/>
+          <a:p>
+            <a:fld id="{A69C946F-C9B2-9B49-8DCA-D38D97C43A2F}" type="slidenum">
+              <a:rPr lang="en-US" smtClean="0"/>
+              <a:t>10</a:t>
+            </a:fld>
+            <a:endParaRPr lang="en-US"/>
+          </a:p>
+        </p:txBody>
+      </p:sp>
+    </p:spTree>
+    <p:extLst>
+      <p:ext uri="{BB962C8B-B14F-4D97-AF65-F5344CB8AC3E}">
+        <p14:creationId xmlns:p14="http://schemas.microsoft.com/office/powerpoint/2010/main" val="3777274834"/>
+      </p:ext>
+    </p:extLst>
+  </p:cSld>
+  <p:clrMapOvr>
+    <a:masterClrMapping/>
+  </p:clrMapOvr>
+</p:notes>
+</file>
+
+<file path=ppt/notesSlides/notesSlide8.xml><?xml version="1.0" encoding="utf-8"?>
+<p:notes xmlns:a="http://schemas.openxmlformats.org/drawingml/2006/main" xmlns:r="http://schemas.openxmlformats.org/officeDocument/2006/relationships" xmlns:p="http://schemas.openxmlformats.org/presentationml/2006/main">
+  <p:cSld>
+    <p:spTree>
+      <p:nvGrpSpPr>
+        <p:cNvPr id="1" name=""/>
+        <p:cNvGrpSpPr/>
+        <p:nvPr/>
+      </p:nvGrpSpPr>
+      <p:grpSpPr>
+        <a:xfrm>
+          <a:off x="0" y="0"/>
+          <a:ext cx="0" cy="0"/>
+          <a:chOff x="0" y="0"/>
+          <a:chExt cx="0" cy="0"/>
+        </a:xfrm>
+      </p:grpSpPr>
+      <p:sp>
+        <p:nvSpPr>
+          <p:cNvPr id="2" name="Plassholder for lysbilde 1"/>
+          <p:cNvSpPr>
+            <a:spLocks noGrp="1" noRot="1" noChangeAspect="1"/>
+          </p:cNvSpPr>
+          <p:nvPr>
+            <p:ph type="sldImg"/>
+          </p:nvPr>
+        </p:nvSpPr>
+        <p:spPr/>
+      </p:sp>
+      <p:sp>
+        <p:nvSpPr>
+          <p:cNvPr id="3" name="Plassholder for notater 2"/>
+          <p:cNvSpPr>
+            <a:spLocks noGrp="1"/>
+          </p:cNvSpPr>
+          <p:nvPr>
+            <p:ph type="body" idx="1"/>
+          </p:nvPr>
+        </p:nvSpPr>
+        <p:spPr/>
+        <p:txBody>
+          <a:bodyPr/>
+          <a:lstStyle/>
+          <a:p>
+            <a:r>
+              <a:rPr lang="nb-NO" dirty="0"/>
+              <a:t>The </a:t>
+            </a:r>
+            <a:r>
+              <a:rPr lang="nb-NO" dirty="0" err="1"/>
+              <a:t>way</a:t>
+            </a:r>
+            <a:r>
+              <a:rPr lang="nb-NO" dirty="0"/>
+              <a:t> </a:t>
+            </a:r>
+            <a:r>
+              <a:rPr lang="nb-NO" dirty="0" err="1"/>
+              <a:t>we</a:t>
+            </a:r>
+            <a:r>
+              <a:rPr lang="nb-NO" dirty="0"/>
+              <a:t> used </a:t>
+            </a:r>
+            <a:r>
+              <a:rPr lang="nb-NO" dirty="0" err="1"/>
+              <a:t>RelatedPerson</a:t>
+            </a:r>
+            <a:r>
+              <a:rPr lang="nb-NO" dirty="0"/>
+              <a:t> </a:t>
+            </a:r>
+            <a:r>
+              <a:rPr lang="nb-NO" dirty="0" err="1"/>
+              <a:t>resources</a:t>
+            </a:r>
+            <a:r>
+              <a:rPr lang="nb-NO" dirty="0"/>
+              <a:t> led to a </a:t>
+            </a:r>
+            <a:r>
+              <a:rPr lang="nb-NO" dirty="0" err="1"/>
+              <a:t>great</a:t>
+            </a:r>
+            <a:r>
+              <a:rPr lang="nb-NO" dirty="0"/>
+              <a:t> </a:t>
+            </a:r>
+            <a:r>
+              <a:rPr lang="nb-NO" dirty="0" err="1"/>
+              <a:t>number</a:t>
+            </a:r>
+            <a:r>
+              <a:rPr lang="nb-NO" dirty="0"/>
+              <a:t> </a:t>
+            </a:r>
+            <a:r>
+              <a:rPr lang="nb-NO" dirty="0" err="1"/>
+              <a:t>of</a:t>
+            </a:r>
+            <a:r>
+              <a:rPr lang="nb-NO" dirty="0"/>
+              <a:t> </a:t>
+            </a:r>
+            <a:r>
+              <a:rPr lang="nb-NO" dirty="0" err="1"/>
+              <a:t>resources</a:t>
+            </a:r>
+            <a:r>
+              <a:rPr lang="nb-NO" dirty="0"/>
+              <a:t> </a:t>
+            </a:r>
+            <a:r>
+              <a:rPr lang="nb-NO" dirty="0" err="1"/>
+              <a:t>on</a:t>
+            </a:r>
+            <a:r>
+              <a:rPr lang="nb-NO" dirty="0"/>
+              <a:t> </a:t>
+            </a:r>
+            <a:r>
+              <a:rPr lang="nb-NO" dirty="0" err="1"/>
+              <a:t>the</a:t>
+            </a:r>
+            <a:r>
+              <a:rPr lang="nb-NO" dirty="0"/>
+              <a:t> server, and </a:t>
+            </a:r>
+            <a:r>
+              <a:rPr lang="nb-NO" dirty="0" err="1"/>
+              <a:t>athough</a:t>
+            </a:r>
+            <a:r>
+              <a:rPr lang="nb-NO" dirty="0"/>
+              <a:t> it </a:t>
+            </a:r>
+            <a:r>
+              <a:rPr lang="nb-NO" dirty="0" err="1"/>
+              <a:t>was</a:t>
+            </a:r>
+            <a:r>
+              <a:rPr lang="nb-NO" dirty="0"/>
+              <a:t> a </a:t>
+            </a:r>
+            <a:r>
+              <a:rPr lang="nb-NO" dirty="0" err="1"/>
+              <a:t>flexible</a:t>
+            </a:r>
+            <a:r>
+              <a:rPr lang="nb-NO" dirty="0"/>
+              <a:t> </a:t>
+            </a:r>
+            <a:r>
+              <a:rPr lang="nb-NO" dirty="0" err="1"/>
+              <a:t>model</a:t>
+            </a:r>
+            <a:r>
+              <a:rPr lang="nb-NO" dirty="0"/>
+              <a:t> it </a:t>
+            </a:r>
+            <a:r>
+              <a:rPr lang="nb-NO" dirty="0" err="1"/>
+              <a:t>did</a:t>
+            </a:r>
+            <a:r>
+              <a:rPr lang="nb-NO" dirty="0"/>
+              <a:t> not </a:t>
+            </a:r>
+            <a:r>
+              <a:rPr lang="nb-NO" dirty="0" err="1"/>
+              <a:t>scale</a:t>
+            </a:r>
+            <a:r>
+              <a:rPr lang="nb-NO" dirty="0"/>
+              <a:t> </a:t>
+            </a:r>
+            <a:r>
+              <a:rPr lang="nb-NO" dirty="0" err="1"/>
+              <a:t>well</a:t>
+            </a:r>
+            <a:r>
+              <a:rPr lang="nb-NO" dirty="0"/>
+              <a:t>.</a:t>
+            </a:r>
+          </a:p>
+          <a:p>
+            <a:endParaRPr lang="nb-NO" dirty="0"/>
+          </a:p>
+          <a:p>
+            <a:r>
+              <a:rPr lang="nb-NO" dirty="0"/>
+              <a:t>Norwegian </a:t>
+            </a:r>
+            <a:r>
+              <a:rPr lang="nb-NO" dirty="0" err="1"/>
+              <a:t>domain</a:t>
+            </a:r>
+            <a:r>
+              <a:rPr lang="nb-NO" dirty="0"/>
+              <a:t> profiling and </a:t>
+            </a:r>
+            <a:r>
+              <a:rPr lang="nb-NO" dirty="0" err="1"/>
+              <a:t>relating</a:t>
+            </a:r>
+            <a:r>
+              <a:rPr lang="nb-NO" dirty="0"/>
+              <a:t> </a:t>
+            </a:r>
+            <a:r>
+              <a:rPr lang="nb-NO" dirty="0" err="1"/>
+              <a:t>the</a:t>
+            </a:r>
+            <a:r>
+              <a:rPr lang="nb-NO" dirty="0"/>
+              <a:t> </a:t>
+            </a:r>
+            <a:r>
+              <a:rPr lang="nb-NO" dirty="0" err="1"/>
+              <a:t>mandatory</a:t>
+            </a:r>
+            <a:r>
+              <a:rPr lang="nb-NO" dirty="0"/>
+              <a:t> SNOMED CT </a:t>
+            </a:r>
+            <a:r>
+              <a:rPr lang="nb-NO" dirty="0" err="1"/>
+              <a:t>terminology</a:t>
+            </a:r>
+            <a:r>
+              <a:rPr lang="nb-NO" dirty="0"/>
+              <a:t> to </a:t>
+            </a:r>
+            <a:r>
+              <a:rPr lang="nb-NO" dirty="0" err="1"/>
+              <a:t>the</a:t>
+            </a:r>
+            <a:r>
+              <a:rPr lang="nb-NO" dirty="0"/>
+              <a:t> LOINC </a:t>
+            </a:r>
+            <a:r>
+              <a:rPr lang="nb-NO" dirty="0" err="1"/>
+              <a:t>magic</a:t>
+            </a:r>
+            <a:r>
+              <a:rPr lang="nb-NO" dirty="0"/>
+              <a:t> </a:t>
+            </a:r>
+            <a:r>
+              <a:rPr lang="nb-NO" dirty="0" err="1"/>
+              <a:t>value</a:t>
+            </a:r>
+            <a:r>
+              <a:rPr lang="nb-NO" dirty="0"/>
+              <a:t> have </a:t>
+            </a:r>
+            <a:r>
+              <a:rPr lang="nb-NO" dirty="0" err="1"/>
+              <a:t>been</a:t>
+            </a:r>
+            <a:r>
+              <a:rPr lang="nb-NO" dirty="0"/>
+              <a:t> time </a:t>
+            </a:r>
+            <a:r>
+              <a:rPr lang="nb-NO" dirty="0" err="1"/>
+              <a:t>consuming</a:t>
+            </a:r>
+            <a:r>
+              <a:rPr lang="nb-NO" dirty="0"/>
+              <a:t> for vital-</a:t>
+            </a:r>
+            <a:r>
+              <a:rPr lang="nb-NO" dirty="0" err="1"/>
+              <a:t>signs</a:t>
+            </a:r>
+            <a:r>
+              <a:rPr lang="nb-NO" dirty="0"/>
+              <a:t>.</a:t>
+            </a:r>
           </a:p>
         </p:txBody>
       </p:sp>
@@ -7211,7 +8205,7 @@
             </a:r>
             <a:r>
               <a:rPr lang="nb-NO" dirty="0" err="1"/>
-              <a:t>recommendation</a:t>
+              <a:t>recomendation</a:t>
             </a:r>
             <a:r>
               <a:rPr lang="nb-NO" dirty="0"/>
@@ -7698,7 +8692,7 @@
             </a:r>
             <a:r>
               <a:rPr lang="nb-NO" dirty="0" err="1"/>
-              <a:t>greates</a:t>
+              <a:t>greatest</a:t>
             </a:r>
             <a:r>
               <a:rPr lang="nb-NO" dirty="0"/>
@@ -7938,6 +8932,123 @@
             </a:r>
           </a:p>
           <a:p>
+            <a:pPr lvl="1"/>
+            <a:r>
+              <a:rPr lang="nb-NO" dirty="0" err="1"/>
+              <a:t>Mainly</a:t>
+            </a:r>
+            <a:r>
+              <a:rPr lang="nb-NO" dirty="0"/>
+              <a:t> </a:t>
+            </a:r>
+            <a:r>
+              <a:rPr lang="nb-NO" dirty="0" err="1"/>
+              <a:t>because</a:t>
+            </a:r>
+            <a:r>
+              <a:rPr lang="nb-NO" dirty="0"/>
+              <a:t> </a:t>
+            </a:r>
+            <a:r>
+              <a:rPr lang="nb-NO" dirty="0" err="1"/>
+              <a:t>of</a:t>
+            </a:r>
+            <a:r>
+              <a:rPr lang="nb-NO" dirty="0"/>
+              <a:t> </a:t>
+            </a:r>
+            <a:r>
+              <a:rPr lang="nb-NO" dirty="0" err="1"/>
+              <a:t>the</a:t>
+            </a:r>
+            <a:r>
+              <a:rPr lang="nb-NO" dirty="0"/>
+              <a:t> </a:t>
+            </a:r>
+            <a:r>
+              <a:rPr lang="nb-NO" dirty="0" err="1"/>
+              <a:t>difficulty</a:t>
+            </a:r>
+            <a:r>
+              <a:rPr lang="nb-NO" dirty="0"/>
+              <a:t> </a:t>
+            </a:r>
+            <a:r>
+              <a:rPr lang="nb-NO" dirty="0" err="1"/>
+              <a:t>relating</a:t>
+            </a:r>
+            <a:r>
+              <a:rPr lang="nb-NO" dirty="0"/>
+              <a:t> </a:t>
+            </a:r>
+            <a:r>
+              <a:rPr lang="nb-NO" dirty="0" err="1"/>
+              <a:t>the</a:t>
+            </a:r>
+            <a:r>
+              <a:rPr lang="nb-NO" dirty="0"/>
+              <a:t> LOINC </a:t>
+            </a:r>
+            <a:r>
+              <a:rPr lang="nb-NO" dirty="0" err="1"/>
+              <a:t>magic</a:t>
+            </a:r>
+            <a:r>
+              <a:rPr lang="nb-NO" dirty="0"/>
+              <a:t> </a:t>
+            </a:r>
+            <a:r>
+              <a:rPr lang="nb-NO" dirty="0" err="1"/>
+              <a:t>value</a:t>
+            </a:r>
+            <a:r>
+              <a:rPr lang="nb-NO" dirty="0"/>
+              <a:t> to </a:t>
+            </a:r>
+            <a:r>
+              <a:rPr lang="nb-NO" dirty="0" err="1"/>
+              <a:t>actual</a:t>
+            </a:r>
+            <a:r>
+              <a:rPr lang="nb-NO" dirty="0"/>
+              <a:t> SNOMED </a:t>
+            </a:r>
+            <a:r>
+              <a:rPr lang="nb-NO" dirty="0" err="1"/>
+              <a:t>terminology</a:t>
+            </a:r>
+            <a:r>
+              <a:rPr lang="nb-NO" dirty="0"/>
+              <a:t> </a:t>
+            </a:r>
+            <a:r>
+              <a:rPr lang="nb-NO" dirty="0" err="1"/>
+              <a:t>that</a:t>
+            </a:r>
+            <a:r>
+              <a:rPr lang="nb-NO" dirty="0"/>
+              <a:t> </a:t>
+            </a:r>
+            <a:r>
+              <a:rPr lang="nb-NO" dirty="0" err="1"/>
+              <a:t>clinicians</a:t>
+            </a:r>
+            <a:r>
+              <a:rPr lang="nb-NO" dirty="0"/>
+              <a:t> </a:t>
+            </a:r>
+            <a:r>
+              <a:rPr lang="nb-NO" dirty="0" err="1"/>
+              <a:t>want</a:t>
+            </a:r>
+            <a:r>
+              <a:rPr lang="nb-NO" dirty="0"/>
+              <a:t> to </a:t>
+            </a:r>
+            <a:r>
+              <a:rPr lang="nb-NO" dirty="0" err="1"/>
+              <a:t>use</a:t>
+            </a:r>
             <a:endParaRPr lang="nb-NO" dirty="0"/>
           </a:p>
           <a:p>
@@ -8052,6 +9163,140 @@
       </p:grpSpPr>
       <p:sp>
         <p:nvSpPr>
+          <p:cNvPr id="2" name="Tittel 1">
+            <a:extLst>
+              <a:ext uri="{FF2B5EF4-FFF2-40B4-BE49-F238E27FC236}">
+                <a16:creationId xmlns:a16="http://schemas.microsoft.com/office/drawing/2014/main" id="{C915CFA3-7D82-5111-5819-250989E6768D}"/>
+              </a:ext>
+            </a:extLst>
+          </p:cNvPr>
+          <p:cNvSpPr>
+            <a:spLocks noGrp="1"/>
+          </p:cNvSpPr>
+          <p:nvPr>
+            <p:ph type="title"/>
+          </p:nvPr>
+        </p:nvSpPr>
+        <p:spPr/>
+        <p:txBody>
+          <a:bodyPr/>
+          <a:lstStyle/>
+          <a:p>
+            <a:r>
+              <a:rPr lang="nb-NO" dirty="0" err="1"/>
+              <a:t>Contact</a:t>
+            </a:r>
+            <a:endParaRPr lang="nb-NO" dirty="0"/>
+          </a:p>
+        </p:txBody>
+      </p:sp>
+      <p:sp>
+        <p:nvSpPr>
+          <p:cNvPr id="3" name="Plassholder for tekst 2">
+            <a:extLst>
+              <a:ext uri="{FF2B5EF4-FFF2-40B4-BE49-F238E27FC236}">
+                <a16:creationId xmlns:a16="http://schemas.microsoft.com/office/drawing/2014/main" id="{DEF449ED-5533-6628-00E7-05A67311F84F}"/>
+              </a:ext>
+            </a:extLst>
+          </p:cNvPr>
+          <p:cNvSpPr>
+            <a:spLocks noGrp="1"/>
+          </p:cNvSpPr>
+          <p:nvPr>
+            <p:ph type="body" sz="quarter" idx="10"/>
+          </p:nvPr>
+        </p:nvSpPr>
+        <p:spPr/>
+        <p:txBody>
+          <a:bodyPr/>
+          <a:lstStyle/>
+          <a:p>
+            <a:r>
+              <a:rPr lang="nb-NO" dirty="0"/>
+              <a:t>Email: </a:t>
+            </a:r>
+            <a:r>
+              <a:rPr lang="nb-NO" dirty="0">
+                <a:hlinkClick r:id="rId2"/>
+              </a:rPr>
+              <a:t>thomasrosenlund@gmail.com</a:t>
+            </a:r>
+            <a:endParaRPr lang="nb-NO" dirty="0"/>
+          </a:p>
+          <a:p>
+            <a:r>
+              <a:rPr lang="nb-NO" dirty="0"/>
+              <a:t>Direct </a:t>
+            </a:r>
+            <a:r>
+              <a:rPr lang="nb-NO" dirty="0" err="1"/>
+              <a:t>messaging</a:t>
+            </a:r>
+            <a:r>
+              <a:rPr lang="nb-NO" dirty="0"/>
+              <a:t> </a:t>
+            </a:r>
+            <a:r>
+              <a:rPr lang="nb-NO" dirty="0" err="1"/>
+              <a:t>on</a:t>
+            </a:r>
+            <a:r>
+              <a:rPr lang="nb-NO" dirty="0"/>
+              <a:t> chat.fhir.org</a:t>
+            </a:r>
+          </a:p>
+          <a:p>
+            <a:r>
+              <a:rPr lang="nb-NO" dirty="0">
+                <a:hlinkClick r:id="rId3"/>
+              </a:rPr>
+              <a:t>https://www.linkedin.com/in/thomas-tveit-rosenlund/</a:t>
+            </a:r>
+            <a:endParaRPr lang="nb-NO" dirty="0"/>
+          </a:p>
+          <a:p>
+            <a:endParaRPr lang="nb-NO" dirty="0"/>
+          </a:p>
+          <a:p>
+            <a:endParaRPr lang="nb-NO" dirty="0"/>
+          </a:p>
+        </p:txBody>
+      </p:sp>
+    </p:spTree>
+    <p:extLst>
+      <p:ext uri="{BB962C8B-B14F-4D97-AF65-F5344CB8AC3E}">
+        <p14:creationId xmlns:p14="http://schemas.microsoft.com/office/powerpoint/2010/main" val="338311146"/>
+      </p:ext>
+    </p:extLst>
+  </p:cSld>
+  <p:clrMapOvr>
+    <a:masterClrMapping/>
+  </p:clrMapOvr>
+  <p:transition spd="slow">
+    <p:push dir="u"/>
+  </p:transition>
+</p:sld>
+</file>
+
+<file path=ppt/slides/slide14.xml><?xml version="1.0" encoding="utf-8"?>
+<p:sld xmlns:a="http://schemas.openxmlformats.org/drawingml/2006/main" xmlns:r="http://schemas.openxmlformats.org/officeDocument/2006/relationships" xmlns:p="http://schemas.openxmlformats.org/presentationml/2006/main">
+  <p:cSld>
+    <p:spTree>
+      <p:nvGrpSpPr>
+        <p:cNvPr id="1" name=""/>
+        <p:cNvGrpSpPr/>
+        <p:nvPr/>
+      </p:nvGrpSpPr>
+      <p:grpSpPr>
+        <a:xfrm>
+          <a:off x="0" y="0"/>
+          <a:ext cx="0" cy="0"/>
+          <a:chOff x="0" y="0"/>
+          <a:chExt cx="0" cy="0"/>
+        </a:xfrm>
+      </p:grpSpPr>
+      <p:sp>
+        <p:nvSpPr>
           <p:cNvPr id="2" name="Title 1"/>
           <p:cNvSpPr>
             <a:spLocks noGrp="1"/>
@@ -8171,128 +9416,6 @@
       <p:transition/>
     </mc:Fallback>
   </mc:AlternateContent>
-</p:sld>
-</file>
-
-<file path=ppt/slides/slide14.xml><?xml version="1.0" encoding="utf-8"?>
-<p:sld xmlns:a="http://schemas.openxmlformats.org/drawingml/2006/main" xmlns:r="http://schemas.openxmlformats.org/officeDocument/2006/relationships" xmlns:p="http://schemas.openxmlformats.org/presentationml/2006/main">
-  <p:cSld>
-    <p:spTree>
-      <p:nvGrpSpPr>
-        <p:cNvPr id="1" name=""/>
-        <p:cNvGrpSpPr/>
-        <p:nvPr/>
-      </p:nvGrpSpPr>
-      <p:grpSpPr>
-        <a:xfrm>
-          <a:off x="0" y="0"/>
-          <a:ext cx="0" cy="0"/>
-          <a:chOff x="0" y="0"/>
-          <a:chExt cx="0" cy="0"/>
-        </a:xfrm>
-      </p:grpSpPr>
-      <p:sp>
-        <p:nvSpPr>
-          <p:cNvPr id="2" name="Tittel 1">
-            <a:extLst>
-              <a:ext uri="{FF2B5EF4-FFF2-40B4-BE49-F238E27FC236}">
-                <a16:creationId xmlns:a16="http://schemas.microsoft.com/office/drawing/2014/main" id="{C915CFA3-7D82-5111-5819-250989E6768D}"/>
-              </a:ext>
-            </a:extLst>
-          </p:cNvPr>
-          <p:cNvSpPr>
-            <a:spLocks noGrp="1"/>
-          </p:cNvSpPr>
-          <p:nvPr>
-            <p:ph type="title"/>
-          </p:nvPr>
-        </p:nvSpPr>
-        <p:spPr/>
-        <p:txBody>
-          <a:bodyPr/>
-          <a:lstStyle/>
-          <a:p>
-            <a:r>
-              <a:rPr lang="nb-NO" dirty="0" err="1"/>
-              <a:t>Contact</a:t>
-            </a:r>
-            <a:endParaRPr lang="nb-NO" dirty="0"/>
-          </a:p>
-        </p:txBody>
-      </p:sp>
-      <p:sp>
-        <p:nvSpPr>
-          <p:cNvPr id="3" name="Plassholder for tekst 2">
-            <a:extLst>
-              <a:ext uri="{FF2B5EF4-FFF2-40B4-BE49-F238E27FC236}">
-                <a16:creationId xmlns:a16="http://schemas.microsoft.com/office/drawing/2014/main" id="{DEF449ED-5533-6628-00E7-05A67311F84F}"/>
-              </a:ext>
-            </a:extLst>
-          </p:cNvPr>
-          <p:cNvSpPr>
-            <a:spLocks noGrp="1"/>
-          </p:cNvSpPr>
-          <p:nvPr>
-            <p:ph type="body" sz="quarter" idx="10"/>
-          </p:nvPr>
-        </p:nvSpPr>
-        <p:spPr/>
-        <p:txBody>
-          <a:bodyPr/>
-          <a:lstStyle/>
-          <a:p>
-            <a:r>
-              <a:rPr lang="nb-NO" dirty="0"/>
-              <a:t>Email: </a:t>
-            </a:r>
-            <a:r>
-              <a:rPr lang="nb-NO" dirty="0">
-                <a:hlinkClick r:id="rId2"/>
-              </a:rPr>
-              <a:t>thomasrosenlund@gmail.com</a:t>
-            </a:r>
-            <a:endParaRPr lang="nb-NO" dirty="0"/>
-          </a:p>
-          <a:p>
-            <a:r>
-              <a:rPr lang="nb-NO" dirty="0"/>
-              <a:t>Direct </a:t>
-            </a:r>
-            <a:r>
-              <a:rPr lang="nb-NO" dirty="0" err="1"/>
-              <a:t>messaging</a:t>
-            </a:r>
-            <a:r>
-              <a:rPr lang="nb-NO" dirty="0"/>
-              <a:t> </a:t>
-            </a:r>
-            <a:r>
-              <a:rPr lang="nb-NO" dirty="0" err="1"/>
-              <a:t>on</a:t>
-            </a:r>
-            <a:r>
-              <a:rPr lang="nb-NO" dirty="0"/>
-              <a:t> chat.fhir.org</a:t>
-            </a:r>
-          </a:p>
-          <a:p>
-            <a:endParaRPr lang="nb-NO" dirty="0"/>
-          </a:p>
-        </p:txBody>
-      </p:sp>
-    </p:spTree>
-    <p:extLst>
-      <p:ext uri="{BB962C8B-B14F-4D97-AF65-F5344CB8AC3E}">
-        <p14:creationId xmlns:p14="http://schemas.microsoft.com/office/powerpoint/2010/main" val="338311146"/>
-      </p:ext>
-    </p:extLst>
-  </p:cSld>
-  <p:clrMapOvr>
-    <a:masterClrMapping/>
-  </p:clrMapOvr>
-  <p:transition spd="slow">
-    <p:push dir="u"/>
-  </p:transition>
 </p:sld>
 </file>
 
@@ -11989,6 +13112,21 @@
             <a:r>
               <a:rPr lang="nb-NO" dirty="0" err="1"/>
               <a:t>solutions</a:t>
+            </a:r>
+            <a:endParaRPr lang="nb-NO" dirty="0"/>
+          </a:p>
+          <a:p>
+            <a:r>
+              <a:rPr lang="nb-NO" dirty="0" err="1"/>
+              <a:t>Successes</a:t>
+            </a:r>
+            <a:r>
+              <a:rPr lang="nb-NO" dirty="0"/>
+              <a:t> and </a:t>
+            </a:r>
+            <a:r>
+              <a:rPr lang="nb-NO" dirty="0" err="1"/>
+              <a:t>failure</a:t>
             </a:r>
             <a:endParaRPr lang="nb-NO" dirty="0"/>
           </a:p>
@@ -13520,10 +14658,10 @@
           <p:nvPr/>
         </p:nvPicPr>
         <p:blipFill>
-          <a:blip r:embed="rId2">
+          <a:blip r:embed="rId3">
             <a:extLst>
               <a:ext uri="{96DAC541-7B7A-43D3-8B79-37D633B846F1}">
-                <asvg:svgBlip xmlns:asvg="http://schemas.microsoft.com/office/drawing/2016/SVG/main" r:embed="rId3"/>
+                <asvg:svgBlip xmlns:asvg="http://schemas.microsoft.com/office/drawing/2016/SVG/main" r:embed="rId4"/>
               </a:ext>
             </a:extLst>
           </a:blip>
@@ -13631,13 +14769,13 @@
           <a:p>
             <a:r>
               <a:rPr lang="nb-NO" dirty="0">
-                <a:hlinkClick r:id="rId2"/>
+                <a:hlinkClick r:id="rId3"/>
               </a:rPr>
               <a:t>Norwegian base </a:t>
             </a:r>
             <a:r>
               <a:rPr lang="nb-NO" dirty="0" err="1">
-                <a:hlinkClick r:id="rId2"/>
+                <a:hlinkClick r:id="rId3"/>
               </a:rPr>
               <a:t>profiles</a:t>
             </a:r>
@@ -13650,7 +14788,7 @@
                   <a:srgbClr val="32323B"/>
                 </a:solidFill>
                 <a:latin typeface="GraphikMedium"/>
-                <a:hlinkClick r:id="rId3"/>
+                <a:hlinkClick r:id="rId4"/>
               </a:rPr>
               <a:t>Recommendation for using HL7 FHIR for data sharing</a:t>
             </a:r>
@@ -13659,115 +14797,115 @@
                 <a:srgbClr val="FF6B6B"/>
               </a:solidFill>
               <a:latin typeface="GraphikRegular"/>
-              <a:hlinkClick r:id="rId3"/>
+              <a:hlinkClick r:id="rId4"/>
             </a:endParaRPr>
           </a:p>
           <a:p>
             <a:r>
               <a:rPr lang="nb-NO" dirty="0" err="1">
-                <a:hlinkClick r:id="rId4"/>
+                <a:hlinkClick r:id="rId5"/>
               </a:rPr>
               <a:t>Recommendation</a:t>
-            </a:r>
-            <a:r>
-              <a:rPr lang="nb-NO" dirty="0">
-                <a:hlinkClick r:id="rId4"/>
-              </a:rPr>
-              <a:t> for </a:t>
-            </a:r>
-            <a:r>
-              <a:rPr lang="nb-NO" dirty="0" err="1">
-                <a:hlinkClick r:id="rId4"/>
-              </a:rPr>
-              <a:t>using</a:t>
-            </a:r>
-            <a:r>
-              <a:rPr lang="nb-NO" dirty="0">
-                <a:hlinkClick r:id="rId4"/>
-              </a:rPr>
-              <a:t> SMART </a:t>
-            </a:r>
-            <a:r>
-              <a:rPr lang="nb-NO" dirty="0" err="1">
-                <a:hlinkClick r:id="rId4"/>
-              </a:rPr>
-              <a:t>on</a:t>
-            </a:r>
-            <a:r>
-              <a:rPr lang="nb-NO" dirty="0">
-                <a:hlinkClick r:id="rId4"/>
-              </a:rPr>
-              <a:t> FHIR for app </a:t>
-            </a:r>
-            <a:r>
-              <a:rPr lang="nb-NO" dirty="0" err="1">
-                <a:hlinkClick r:id="rId4"/>
-              </a:rPr>
-              <a:t>integrations</a:t>
-            </a:r>
-            <a:r>
-              <a:rPr lang="nb-NO" dirty="0">
-                <a:hlinkClick r:id="rId4"/>
-              </a:rPr>
-              <a:t> in </a:t>
-            </a:r>
-            <a:r>
-              <a:rPr lang="nb-NO" dirty="0" err="1">
-                <a:hlinkClick r:id="rId4"/>
-              </a:rPr>
-              <a:t>heathcare</a:t>
-            </a:r>
-            <a:r>
-              <a:rPr lang="nb-NO" dirty="0">
-                <a:hlinkClick r:id="rId4"/>
-              </a:rPr>
-              <a:t> </a:t>
-            </a:r>
-            <a:r>
-              <a:rPr lang="nb-NO" dirty="0" err="1">
-                <a:hlinkClick r:id="rId4"/>
-              </a:rPr>
-              <a:t>applications</a:t>
-            </a:r>
-            <a:endParaRPr lang="nb-NO" dirty="0"/>
-          </a:p>
-          <a:p>
-            <a:endParaRPr lang="nb-NO" dirty="0"/>
-          </a:p>
-          <a:p>
-            <a:r>
-              <a:rPr lang="nb-NO" dirty="0"/>
-              <a:t>In </a:t>
-            </a:r>
-            <a:r>
-              <a:rPr lang="nb-NO" dirty="0" err="1"/>
-              <a:t>development</a:t>
-            </a:r>
-            <a:r>
-              <a:rPr lang="nb-NO" dirty="0"/>
-              <a:t>: </a:t>
             </a:r>
             <a:r>
               <a:rPr lang="nb-NO" dirty="0">
                 <a:hlinkClick r:id="rId5"/>
               </a:rPr>
-              <a:t>Norwegian </a:t>
+              <a:t> for </a:t>
             </a:r>
             <a:r>
               <a:rPr lang="nb-NO" dirty="0" err="1">
                 <a:hlinkClick r:id="rId5"/>
               </a:rPr>
-              <a:t>domain</a:t>
+              <a:t>using</a:t>
             </a:r>
             <a:r>
               <a:rPr lang="nb-NO" dirty="0">
                 <a:hlinkClick r:id="rId5"/>
               </a:rPr>
-              <a:t> </a:t>
+              <a:t> SMART </a:t>
             </a:r>
             <a:r>
               <a:rPr lang="nb-NO" dirty="0" err="1">
                 <a:hlinkClick r:id="rId5"/>
+              </a:rPr>
+              <a:t>on</a:t>
+            </a:r>
+            <a:r>
+              <a:rPr lang="nb-NO" dirty="0">
+                <a:hlinkClick r:id="rId5"/>
+              </a:rPr>
+              <a:t> FHIR for app </a:t>
+            </a:r>
+            <a:r>
+              <a:rPr lang="nb-NO" dirty="0" err="1">
+                <a:hlinkClick r:id="rId5"/>
+              </a:rPr>
+              <a:t>integrations</a:t>
+            </a:r>
+            <a:r>
+              <a:rPr lang="nb-NO" dirty="0">
+                <a:hlinkClick r:id="rId5"/>
+              </a:rPr>
+              <a:t> in </a:t>
+            </a:r>
+            <a:r>
+              <a:rPr lang="nb-NO" dirty="0" err="1">
+                <a:hlinkClick r:id="rId5"/>
+              </a:rPr>
+              <a:t>heathcare</a:t>
+            </a:r>
+            <a:r>
+              <a:rPr lang="nb-NO" dirty="0">
+                <a:hlinkClick r:id="rId5"/>
+              </a:rPr>
+              <a:t> </a:t>
+            </a:r>
+            <a:r>
+              <a:rPr lang="nb-NO" dirty="0" err="1">
+                <a:hlinkClick r:id="rId5"/>
+              </a:rPr>
+              <a:t>applications</a:t>
+            </a:r>
+            <a:endParaRPr lang="nb-NO" dirty="0"/>
+          </a:p>
+          <a:p>
+            <a:endParaRPr lang="nb-NO" dirty="0"/>
+          </a:p>
+          <a:p>
+            <a:r>
+              <a:rPr lang="nb-NO" dirty="0"/>
+              <a:t>In </a:t>
+            </a:r>
+            <a:r>
+              <a:rPr lang="nb-NO" dirty="0" err="1"/>
+              <a:t>development</a:t>
+            </a:r>
+            <a:r>
+              <a:rPr lang="nb-NO" dirty="0"/>
+              <a:t>: </a:t>
+            </a:r>
+            <a:r>
+              <a:rPr lang="nb-NO" dirty="0">
+                <a:hlinkClick r:id="rId6"/>
+              </a:rPr>
+              <a:t>Norwegian </a:t>
+            </a:r>
+            <a:r>
+              <a:rPr lang="nb-NO" dirty="0" err="1">
+                <a:hlinkClick r:id="rId6"/>
+              </a:rPr>
+              <a:t>domain</a:t>
+            </a:r>
+            <a:r>
+              <a:rPr lang="nb-NO" dirty="0">
+                <a:hlinkClick r:id="rId6"/>
+              </a:rPr>
+              <a:t> </a:t>
+            </a:r>
+            <a:r>
+              <a:rPr lang="nb-NO" dirty="0" err="1">
+                <a:hlinkClick r:id="rId6"/>
               </a:rPr>
               <a:t>profiles</a:t>
             </a:r>
@@ -13793,10 +14931,10 @@
           <p:nvPr/>
         </p:nvPicPr>
         <p:blipFill>
-          <a:blip r:embed="rId6">
+          <a:blip r:embed="rId7">
             <a:extLst>
               <a:ext uri="{96DAC541-7B7A-43D3-8B79-37D633B846F1}">
-                <asvg:svgBlip xmlns:asvg="http://schemas.microsoft.com/office/drawing/2016/SVG/main" r:embed="rId7"/>
+                <asvg:svgBlip xmlns:asvg="http://schemas.microsoft.com/office/drawing/2016/SVG/main" r:embed="rId8"/>
               </a:ext>
             </a:extLst>
           </a:blip>
@@ -14056,7 +15194,7 @@
             </a:r>
             <a:r>
               <a:rPr lang="nb-NO" b="1" dirty="0" err="1"/>
-              <a:t>requrements</a:t>
+              <a:t>requirements</a:t>
             </a:r>
             <a:r>
               <a:rPr lang="nb-NO" dirty="0"/>

--- a/docs/presentasjoner/DD23_CT_230508_Thomas_Tveit_Rosenlund_FHIR-in-Norway.pptx
+++ b/docs/presentasjoner/DD23_CT_230508_Thomas_Tveit_Rosenlund_FHIR-in-Norway.pptx
@@ -230,7 +230,7 @@
           <a:p>
             <a:fld id="{602FAFB1-094A-5D42-8886-B282110F4595}" type="datetimeFigureOut">
               <a:rPr lang="en-US" smtClean="0"/>
-              <a:t>6/7/2023</a:t>
+              <a:t>6/8/2023</a:t>
             </a:fld>
             <a:endParaRPr lang="en-US"/>
           </a:p>
@@ -395,7 +395,7 @@
           <a:p>
             <a:fld id="{E128261A-6A60-FE4F-8563-E0524938461B}" type="datetimeFigureOut">
               <a:rPr lang="en-US" smtClean="0"/>
-              <a:t>6/7/2023</a:t>
+              <a:t>6/8/2023</a:t>
             </a:fld>
             <a:endParaRPr lang="en-US"/>
           </a:p>
@@ -707,119 +707,8 @@
           <a:lstStyle/>
           <a:p>
             <a:r>
-              <a:rPr lang="nb-NO" dirty="0"/>
-              <a:t>Top-</a:t>
-            </a:r>
-            <a:r>
-              <a:rPr lang="nb-NO" dirty="0" err="1"/>
-              <a:t>down</a:t>
-            </a:r>
-            <a:r>
-              <a:rPr lang="nb-NO" dirty="0"/>
-              <a:t> and </a:t>
-            </a:r>
-            <a:r>
-              <a:rPr lang="nb-NO" dirty="0" err="1"/>
-              <a:t>bottom</a:t>
-            </a:r>
-            <a:r>
-              <a:rPr lang="nb-NO" dirty="0"/>
-              <a:t>-up </a:t>
-            </a:r>
-            <a:r>
-              <a:rPr lang="nb-NO" dirty="0" err="1"/>
-              <a:t>approach</a:t>
-            </a:r>
-            <a:endParaRPr lang="nb-NO" dirty="0"/>
-          </a:p>
-          <a:p>
-            <a:endParaRPr lang="nb-NO" dirty="0"/>
-          </a:p>
-          <a:p>
-            <a:pPr marL="0" marR="0" lvl="0" indent="0" algn="l" defTabSz="914400" rtl="0" eaLnBrk="1" fontAlgn="auto" latinLnBrk="0" hangingPunct="1">
-              <a:lnSpc>
-                <a:spcPct val="100000"/>
-              </a:lnSpc>
-              <a:spcBef>
-                <a:spcPts val="0"/>
-              </a:spcBef>
-              <a:spcAft>
-                <a:spcPts val="0"/>
-              </a:spcAft>
-              <a:buClrTx/>
-              <a:buSzTx/>
-              <a:buFontTx/>
-              <a:buNone/>
-              <a:tabLst/>
-              <a:defRPr/>
-            </a:pPr>
-            <a:r>
-              <a:rPr lang="nb-NO" dirty="0" err="1"/>
-              <a:t>Implemented</a:t>
-            </a:r>
-            <a:r>
-              <a:rPr lang="nb-NO" dirty="0"/>
-              <a:t> </a:t>
-            </a:r>
-            <a:r>
-              <a:rPr lang="nb-NO" dirty="0" err="1"/>
-              <a:t>profiles</a:t>
-            </a:r>
-            <a:r>
-              <a:rPr lang="nb-NO" dirty="0"/>
-              <a:t> </a:t>
-            </a:r>
-            <a:r>
-              <a:rPr lang="nb-NO" dirty="0" err="1"/>
-              <a:t>are</a:t>
-            </a:r>
-            <a:r>
-              <a:rPr lang="nb-NO" dirty="0"/>
-              <a:t> </a:t>
-            </a:r>
-            <a:r>
-              <a:rPr lang="nb-NO" dirty="0" err="1"/>
-              <a:t>made</a:t>
-            </a:r>
-            <a:r>
-              <a:rPr lang="nb-NO" dirty="0"/>
-              <a:t> by </a:t>
-            </a:r>
-            <a:r>
-              <a:rPr lang="nb-NO" dirty="0" err="1"/>
-              <a:t>everyone</a:t>
-            </a:r>
-            <a:r>
-              <a:rPr lang="nb-NO" dirty="0"/>
-              <a:t>, and </a:t>
-            </a:r>
-            <a:r>
-              <a:rPr lang="nb-NO" dirty="0" err="1"/>
-              <a:t>represents</a:t>
-            </a:r>
-            <a:r>
-              <a:rPr lang="nb-NO" dirty="0"/>
-              <a:t> </a:t>
-            </a:r>
-            <a:r>
-              <a:rPr lang="nb-NO" dirty="0" err="1"/>
-              <a:t>the</a:t>
-            </a:r>
-            <a:r>
-              <a:rPr lang="nb-NO" dirty="0"/>
-              <a:t> </a:t>
-            </a:r>
-            <a:r>
-              <a:rPr lang="nb-NO" dirty="0" err="1"/>
-              <a:t>actual</a:t>
-            </a:r>
-            <a:r>
-              <a:rPr lang="nb-NO" dirty="0"/>
-              <a:t> </a:t>
-            </a:r>
-            <a:r>
-              <a:rPr lang="nb-NO" dirty="0" err="1"/>
-              <a:t>implementation</a:t>
+              <a:rPr lang="nb-NO" dirty="0" err="1"/>
+              <a:t>Standardization</a:t>
             </a:r>
             <a:r>
               <a:rPr lang="nb-NO" dirty="0"/>
@@ -831,27 +720,24 @@
             </a:r>
             <a:r>
               <a:rPr lang="nb-NO" dirty="0"/>
-              <a:t> FHIR in </a:t>
-            </a:r>
-            <a:r>
-              <a:rPr lang="nb-NO" dirty="0" err="1"/>
-              <a:t>products</a:t>
-            </a:r>
-            <a:r>
-              <a:rPr lang="nb-NO" dirty="0"/>
-              <a:t>/</a:t>
-            </a:r>
-            <a:r>
-              <a:rPr lang="nb-NO" dirty="0" err="1"/>
-              <a:t>interfaces</a:t>
-            </a:r>
-            <a:r>
-              <a:rPr lang="nb-NO" dirty="0"/>
-              <a:t>.</a:t>
-            </a:r>
-          </a:p>
-          <a:p>
-            <a:endParaRPr lang="nb-NO" dirty="0"/>
+              <a:t> </a:t>
+            </a:r>
+            <a:r>
+              <a:rPr lang="nb-NO" dirty="0" err="1"/>
+              <a:t>how</a:t>
+            </a:r>
+            <a:r>
+              <a:rPr lang="nb-NO" dirty="0"/>
+              <a:t> to </a:t>
+            </a:r>
+            <a:r>
+              <a:rPr lang="nb-NO" dirty="0" err="1"/>
+              <a:t>use</a:t>
+            </a:r>
+            <a:r>
+              <a:rPr lang="nb-NO" dirty="0"/>
+              <a:t> FHIR in Norway.</a:t>
+            </a:r>
           </a:p>
         </p:txBody>
       </p:sp>
@@ -872,7 +758,7 @@
           <a:p>
             <a:fld id="{A69C946F-C9B2-9B49-8DCA-D38D97C43A2F}" type="slidenum">
               <a:rPr lang="en-US" smtClean="0"/>
-              <a:t>3</a:t>
+              <a:t>2</a:t>
             </a:fld>
             <a:endParaRPr lang="en-US"/>
           </a:p>
@@ -881,7 +767,7 @@
     </p:spTree>
     <p:extLst>
       <p:ext uri="{BB962C8B-B14F-4D97-AF65-F5344CB8AC3E}">
-        <p14:creationId xmlns:p14="http://schemas.microsoft.com/office/powerpoint/2010/main" val="1298404440"/>
+        <p14:creationId xmlns:p14="http://schemas.microsoft.com/office/powerpoint/2010/main" val="3542575016"/>
       </p:ext>
     </p:extLst>
   </p:cSld>
@@ -936,8 +822,60 @@
           <a:lstStyle/>
           <a:p>
             <a:r>
-              <a:rPr lang="nb-NO" dirty="0"/>
-              <a:t>FHIR fagforum </a:t>
+              <a:rPr lang="nb-NO" dirty="0" err="1"/>
+              <a:t>Early</a:t>
+            </a:r>
+            <a:r>
+              <a:rPr lang="nb-NO" dirty="0"/>
+              <a:t> </a:t>
+            </a:r>
+            <a:r>
+              <a:rPr lang="nb-NO" dirty="0" err="1"/>
+              <a:t>on</a:t>
+            </a:r>
+            <a:r>
+              <a:rPr lang="nb-NO" dirty="0"/>
+              <a:t> </a:t>
+            </a:r>
+            <a:r>
+              <a:rPr lang="nb-NO" dirty="0" err="1"/>
+              <a:t>we</a:t>
+            </a:r>
+            <a:r>
+              <a:rPr lang="nb-NO" dirty="0"/>
+              <a:t> </a:t>
+            </a:r>
+            <a:r>
+              <a:rPr lang="nb-NO" dirty="0" err="1"/>
+              <a:t>started</a:t>
+            </a:r>
+            <a:r>
+              <a:rPr lang="nb-NO" dirty="0"/>
+              <a:t> by </a:t>
+            </a:r>
+            <a:r>
+              <a:rPr lang="nb-NO" dirty="0" err="1"/>
+              <a:t>defining</a:t>
+            </a:r>
+            <a:r>
+              <a:rPr lang="nb-NO" dirty="0"/>
+              <a:t> </a:t>
+            </a:r>
+            <a:r>
+              <a:rPr lang="nb-NO" dirty="0" err="1"/>
+              <a:t>the</a:t>
+            </a:r>
+            <a:r>
+              <a:rPr lang="nb-NO" dirty="0"/>
+              <a:t> Norwegian profiling </a:t>
+            </a:r>
+            <a:r>
+              <a:rPr lang="nb-NO" dirty="0" err="1"/>
+              <a:t>strategy</a:t>
+            </a:r>
+            <a:r>
+              <a:rPr lang="nb-NO" dirty="0"/>
+              <a:t>, </a:t>
             </a:r>
             <a:r>
               <a:rPr lang="nb-NO" dirty="0" err="1"/>
@@ -949,31 +887,254 @@
             </a:r>
             <a:r>
               <a:rPr lang="nb-NO" dirty="0" err="1"/>
-              <a:t>shares</a:t>
-            </a:r>
-            <a:r>
-              <a:rPr lang="nb-NO" dirty="0"/>
-              <a:t> </a:t>
-            </a:r>
-            <a:r>
-              <a:rPr lang="nb-NO" dirty="0" err="1"/>
-              <a:t>information</a:t>
-            </a:r>
-            <a:r>
-              <a:rPr lang="nb-NO" dirty="0"/>
-              <a:t> from </a:t>
-            </a:r>
-            <a:r>
-              <a:rPr lang="nb-NO" dirty="0" err="1"/>
-              <a:t>research</a:t>
-            </a:r>
-            <a:r>
-              <a:rPr lang="nb-NO" dirty="0"/>
-              <a:t> </a:t>
-            </a:r>
-            <a:r>
-              <a:rPr lang="nb-NO" dirty="0" err="1"/>
-              <a:t>projects</a:t>
+              <a:t>known</a:t>
+            </a:r>
+            <a:r>
+              <a:rPr lang="nb-NO" dirty="0"/>
+              <a:t> as </a:t>
+            </a:r>
+            <a:r>
+              <a:rPr lang="nb-NO" dirty="0" err="1"/>
+              <a:t>the</a:t>
+            </a:r>
+            <a:r>
+              <a:rPr lang="nb-NO" dirty="0"/>
+              <a:t> profiling </a:t>
+            </a:r>
+            <a:r>
+              <a:rPr lang="nb-NO" dirty="0" err="1"/>
+              <a:t>hierarcy</a:t>
+            </a:r>
+            <a:r>
+              <a:rPr lang="nb-NO" dirty="0"/>
+              <a:t>.</a:t>
+            </a:r>
+          </a:p>
+          <a:p>
+            <a:r>
+              <a:rPr lang="nb-NO" dirty="0"/>
+              <a:t>The </a:t>
+            </a:r>
+            <a:r>
+              <a:rPr lang="nb-NO" dirty="0" err="1"/>
+              <a:t>strategy</a:t>
+            </a:r>
+            <a:r>
+              <a:rPr lang="nb-NO" dirty="0"/>
+              <a:t> is a </a:t>
+            </a:r>
+            <a:r>
+              <a:rPr lang="nb-NO" dirty="0" err="1"/>
+              <a:t>top</a:t>
+            </a:r>
+            <a:r>
+              <a:rPr lang="nb-NO" dirty="0"/>
+              <a:t> </a:t>
+            </a:r>
+            <a:r>
+              <a:rPr lang="nb-NO" dirty="0" err="1"/>
+              <a:t>level</a:t>
+            </a:r>
+            <a:r>
+              <a:rPr lang="nb-NO" dirty="0"/>
+              <a:t> </a:t>
+            </a:r>
+            <a:r>
+              <a:rPr lang="nb-NO" dirty="0" err="1"/>
+              <a:t>view</a:t>
+            </a:r>
+            <a:r>
+              <a:rPr lang="nb-NO" dirty="0"/>
+              <a:t> </a:t>
+            </a:r>
+            <a:r>
+              <a:rPr lang="nb-NO" dirty="0" err="1"/>
+              <a:t>of</a:t>
+            </a:r>
+            <a:r>
+              <a:rPr lang="nb-NO" dirty="0"/>
+              <a:t> </a:t>
+            </a:r>
+            <a:r>
+              <a:rPr lang="nb-NO" dirty="0" err="1"/>
+              <a:t>the</a:t>
+            </a:r>
+            <a:r>
+              <a:rPr lang="nb-NO" dirty="0"/>
+              <a:t> </a:t>
+            </a:r>
+            <a:r>
+              <a:rPr lang="nb-NO" dirty="0" err="1"/>
+              <a:t>governance</a:t>
+            </a:r>
+            <a:r>
+              <a:rPr lang="nb-NO" dirty="0"/>
+              <a:t> </a:t>
+            </a:r>
+            <a:r>
+              <a:rPr lang="nb-NO" dirty="0" err="1"/>
+              <a:t>of</a:t>
+            </a:r>
+            <a:r>
+              <a:rPr lang="nb-NO" dirty="0"/>
+              <a:t> different </a:t>
+            </a:r>
+            <a:r>
+              <a:rPr lang="nb-NO" dirty="0" err="1"/>
+              <a:t>sets</a:t>
+            </a:r>
+            <a:r>
+              <a:rPr lang="nb-NO" dirty="0"/>
+              <a:t> </a:t>
+            </a:r>
+            <a:r>
+              <a:rPr lang="nb-NO" dirty="0" err="1"/>
+              <a:t>of</a:t>
+            </a:r>
+            <a:r>
+              <a:rPr lang="nb-NO" dirty="0"/>
+              <a:t> </a:t>
+            </a:r>
+            <a:r>
+              <a:rPr lang="nb-NO" dirty="0" err="1"/>
+              <a:t>profiles</a:t>
+            </a:r>
+            <a:r>
+              <a:rPr lang="nb-NO" dirty="0"/>
+              <a:t> and show </a:t>
+            </a:r>
+            <a:r>
+              <a:rPr lang="nb-NO" dirty="0" err="1"/>
+              <a:t>how</a:t>
+            </a:r>
+            <a:r>
+              <a:rPr lang="nb-NO" dirty="0"/>
+              <a:t> FHIR </a:t>
+            </a:r>
+            <a:r>
+              <a:rPr lang="nb-NO" dirty="0" err="1"/>
+              <a:t>implementation</a:t>
+            </a:r>
+            <a:r>
+              <a:rPr lang="nb-NO" dirty="0"/>
+              <a:t> </a:t>
+            </a:r>
+            <a:r>
+              <a:rPr lang="nb-NO" dirty="0" err="1"/>
+              <a:t>can</a:t>
+            </a:r>
+            <a:r>
+              <a:rPr lang="nb-NO" dirty="0"/>
+              <a:t> </a:t>
+            </a:r>
+            <a:r>
+              <a:rPr lang="nb-NO" dirty="0" err="1"/>
+              <a:t>use</a:t>
+            </a:r>
+            <a:r>
+              <a:rPr lang="nb-NO" dirty="0"/>
+              <a:t> </a:t>
+            </a:r>
+            <a:r>
+              <a:rPr lang="nb-NO" dirty="0" err="1"/>
+              <a:t>higher</a:t>
+            </a:r>
+            <a:r>
+              <a:rPr lang="nb-NO" dirty="0"/>
+              <a:t> </a:t>
+            </a:r>
+            <a:r>
+              <a:rPr lang="nb-NO" dirty="0" err="1"/>
+              <a:t>level</a:t>
+            </a:r>
+            <a:r>
+              <a:rPr lang="nb-NO" dirty="0"/>
+              <a:t> base and </a:t>
+            </a:r>
+            <a:r>
+              <a:rPr lang="nb-NO" dirty="0" err="1"/>
+              <a:t>domain</a:t>
+            </a:r>
+            <a:r>
+              <a:rPr lang="nb-NO" dirty="0"/>
+              <a:t> </a:t>
+            </a:r>
+            <a:r>
+              <a:rPr lang="nb-NO" dirty="0" err="1"/>
+              <a:t>profiles</a:t>
+            </a:r>
+            <a:r>
+              <a:rPr lang="nb-NO" dirty="0"/>
+              <a:t>.</a:t>
+            </a:r>
+          </a:p>
+          <a:p>
+            <a:endParaRPr lang="nb-NO" dirty="0"/>
+          </a:p>
+          <a:p>
+            <a:r>
+              <a:rPr lang="nb-NO" dirty="0"/>
+              <a:t>It is </a:t>
+            </a:r>
+            <a:r>
+              <a:rPr lang="nb-NO" dirty="0" err="1"/>
+              <a:t>based</a:t>
+            </a:r>
+            <a:r>
+              <a:rPr lang="nb-NO" dirty="0"/>
+              <a:t> </a:t>
+            </a:r>
+            <a:r>
+              <a:rPr lang="nb-NO" dirty="0" err="1"/>
+              <a:t>on</a:t>
+            </a:r>
+            <a:r>
+              <a:rPr lang="nb-NO" dirty="0"/>
+              <a:t> a top-</a:t>
+            </a:r>
+            <a:r>
+              <a:rPr lang="nb-NO" dirty="0" err="1"/>
+              <a:t>down</a:t>
+            </a:r>
+            <a:r>
+              <a:rPr lang="nb-NO" dirty="0"/>
+              <a:t> and </a:t>
+            </a:r>
+            <a:r>
+              <a:rPr lang="nb-NO" dirty="0" err="1"/>
+              <a:t>bottom</a:t>
+            </a:r>
+            <a:r>
+              <a:rPr lang="nb-NO" dirty="0"/>
+              <a:t>-up </a:t>
+            </a:r>
+            <a:r>
+              <a:rPr lang="nb-NO" dirty="0" err="1"/>
+              <a:t>approach</a:t>
+            </a:r>
+            <a:r>
+              <a:rPr lang="nb-NO" dirty="0"/>
+              <a:t> </a:t>
+            </a:r>
+            <a:r>
+              <a:rPr lang="nb-NO" dirty="0" err="1"/>
+              <a:t>where</a:t>
+            </a:r>
+            <a:r>
+              <a:rPr lang="nb-NO" dirty="0"/>
+              <a:t> </a:t>
+            </a:r>
+            <a:r>
+              <a:rPr lang="nb-NO" dirty="0" err="1"/>
+              <a:t>we</a:t>
+            </a:r>
+            <a:r>
+              <a:rPr lang="nb-NO" dirty="0"/>
+              <a:t> </a:t>
+            </a:r>
+            <a:r>
+              <a:rPr lang="nb-NO" dirty="0" err="1"/>
+              <a:t>believe</a:t>
             </a:r>
             <a:r>
               <a:rPr lang="nb-NO" dirty="0"/>
@@ -985,32 +1146,639 @@
             </a:r>
             <a:r>
               <a:rPr lang="nb-NO" dirty="0"/>
-              <a:t> is </a:t>
-            </a:r>
-            <a:r>
-              <a:rPr lang="nb-NO" dirty="0" err="1"/>
-              <a:t>using</a:t>
-            </a:r>
-            <a:r>
-              <a:rPr lang="nb-NO" dirty="0"/>
-              <a:t> FHIR like </a:t>
-            </a:r>
-            <a:r>
-              <a:rPr lang="nb-NO" dirty="0" err="1"/>
-              <a:t>Gravitate</a:t>
-            </a:r>
-            <a:r>
-              <a:rPr lang="nb-NO" dirty="0"/>
-              <a:t> </a:t>
-            </a:r>
-            <a:r>
-              <a:rPr lang="nb-NO" dirty="0" err="1"/>
-              <a:t>health</a:t>
-            </a:r>
-            <a:r>
-              <a:rPr lang="nb-NO" dirty="0"/>
-              <a:t> and CAPABLE programs. </a:t>
-            </a:r>
+              <a:t> FHIR is </a:t>
+            </a:r>
+            <a:r>
+              <a:rPr lang="nb-NO" dirty="0" err="1"/>
+              <a:t>developed</a:t>
+            </a:r>
+            <a:r>
+              <a:rPr lang="nb-NO" dirty="0"/>
+              <a:t> </a:t>
+            </a:r>
+            <a:r>
+              <a:rPr lang="nb-NO" dirty="0" err="1"/>
+              <a:t>when</a:t>
+            </a:r>
+            <a:r>
+              <a:rPr lang="nb-NO" dirty="0"/>
+              <a:t> </a:t>
+            </a:r>
+            <a:r>
+              <a:rPr lang="nb-NO" dirty="0" err="1"/>
+              <a:t>we</a:t>
+            </a:r>
+            <a:r>
+              <a:rPr lang="nb-NO" dirty="0"/>
+              <a:t> </a:t>
+            </a:r>
+            <a:r>
+              <a:rPr lang="nb-NO" dirty="0" err="1"/>
+              <a:t>build</a:t>
+            </a:r>
+            <a:r>
+              <a:rPr lang="nb-NO" dirty="0"/>
+              <a:t> </a:t>
+            </a:r>
+            <a:r>
+              <a:rPr lang="nb-NO" dirty="0" err="1"/>
+              <a:t>actual</a:t>
+            </a:r>
+            <a:r>
+              <a:rPr lang="nb-NO" dirty="0"/>
+              <a:t> </a:t>
+            </a:r>
+            <a:r>
+              <a:rPr lang="nb-NO" dirty="0" err="1"/>
+              <a:t>solutions</a:t>
+            </a:r>
+            <a:r>
+              <a:rPr lang="nb-NO" dirty="0"/>
+              <a:t> </a:t>
+            </a:r>
+            <a:r>
+              <a:rPr lang="nb-NO" dirty="0" err="1"/>
+              <a:t>that</a:t>
+            </a:r>
+            <a:r>
+              <a:rPr lang="nb-NO" dirty="0"/>
+              <a:t> </a:t>
+            </a:r>
+            <a:r>
+              <a:rPr lang="nb-NO" dirty="0" err="1"/>
+              <a:t>uses</a:t>
+            </a:r>
+            <a:r>
+              <a:rPr lang="nb-NO" dirty="0"/>
+              <a:t> FHIR for </a:t>
+            </a:r>
+            <a:r>
+              <a:rPr lang="nb-NO" dirty="0" err="1"/>
+              <a:t>interoperability</a:t>
+            </a:r>
+            <a:r>
+              <a:rPr lang="nb-NO" dirty="0"/>
+              <a:t>, </a:t>
+            </a:r>
+            <a:r>
+              <a:rPr lang="nb-NO" dirty="0" err="1"/>
+              <a:t>however</a:t>
+            </a:r>
+            <a:r>
+              <a:rPr lang="nb-NO" dirty="0"/>
+              <a:t> </a:t>
+            </a:r>
+            <a:r>
+              <a:rPr lang="nb-NO" dirty="0" err="1"/>
+              <a:t>we</a:t>
+            </a:r>
+            <a:r>
+              <a:rPr lang="nb-NO" dirty="0"/>
+              <a:t> </a:t>
+            </a:r>
+            <a:r>
+              <a:rPr lang="nb-NO" dirty="0" err="1"/>
+              <a:t>want</a:t>
+            </a:r>
+            <a:r>
+              <a:rPr lang="nb-NO" dirty="0"/>
+              <a:t> to </a:t>
+            </a:r>
+            <a:r>
+              <a:rPr lang="nb-NO" dirty="0" err="1"/>
+              <a:t>document</a:t>
+            </a:r>
+            <a:r>
+              <a:rPr lang="nb-NO" dirty="0"/>
+              <a:t> </a:t>
+            </a:r>
+            <a:r>
+              <a:rPr lang="nb-NO" dirty="0" err="1"/>
+              <a:t>the</a:t>
+            </a:r>
+            <a:r>
+              <a:rPr lang="nb-NO" dirty="0"/>
+              <a:t> </a:t>
+            </a:r>
+            <a:r>
+              <a:rPr lang="nb-NO" dirty="0" err="1"/>
+              <a:t>common</a:t>
+            </a:r>
+            <a:r>
+              <a:rPr lang="nb-NO" dirty="0"/>
+              <a:t> </a:t>
+            </a:r>
+            <a:r>
+              <a:rPr lang="nb-NO" dirty="0" err="1"/>
+              <a:t>rules</a:t>
+            </a:r>
+            <a:r>
+              <a:rPr lang="nb-NO" dirty="0"/>
+              <a:t> </a:t>
+            </a:r>
+            <a:r>
+              <a:rPr lang="nb-NO" dirty="0" err="1"/>
+              <a:t>that</a:t>
+            </a:r>
+            <a:r>
+              <a:rPr lang="nb-NO" dirty="0"/>
+              <a:t> most </a:t>
+            </a:r>
+            <a:r>
+              <a:rPr lang="nb-NO" dirty="0" err="1"/>
+              <a:t>implementers</a:t>
+            </a:r>
+            <a:r>
+              <a:rPr lang="nb-NO" dirty="0"/>
+              <a:t> </a:t>
+            </a:r>
+            <a:r>
+              <a:rPr lang="nb-NO" dirty="0" err="1"/>
+              <a:t>needs</a:t>
+            </a:r>
+            <a:r>
+              <a:rPr lang="nb-NO" dirty="0"/>
+              <a:t> in base and </a:t>
+            </a:r>
+            <a:r>
+              <a:rPr lang="nb-NO" dirty="0" err="1"/>
+              <a:t>domain</a:t>
+            </a:r>
+            <a:r>
+              <a:rPr lang="nb-NO" dirty="0"/>
+              <a:t> </a:t>
+            </a:r>
+            <a:r>
+              <a:rPr lang="nb-NO" dirty="0" err="1"/>
+              <a:t>profiles</a:t>
+            </a:r>
+            <a:r>
+              <a:rPr lang="nb-NO" dirty="0"/>
+              <a:t>.</a:t>
+            </a:r>
+          </a:p>
+          <a:p>
+            <a:endParaRPr lang="nb-NO" dirty="0"/>
+          </a:p>
+          <a:p>
+            <a:r>
+              <a:rPr lang="nb-NO" dirty="0"/>
+              <a:t>Base </a:t>
+            </a:r>
+            <a:r>
+              <a:rPr lang="nb-NO" dirty="0" err="1"/>
+              <a:t>profiles</a:t>
+            </a:r>
+            <a:r>
+              <a:rPr lang="nb-NO" dirty="0"/>
+              <a:t> </a:t>
+            </a:r>
+            <a:r>
+              <a:rPr lang="nb-NO" dirty="0" err="1"/>
+              <a:t>states</a:t>
+            </a:r>
+            <a:r>
+              <a:rPr lang="nb-NO" dirty="0"/>
+              <a:t> </a:t>
+            </a:r>
+            <a:r>
+              <a:rPr lang="nb-NO" dirty="0" err="1"/>
+              <a:t>the</a:t>
+            </a:r>
+            <a:r>
+              <a:rPr lang="nb-NO" dirty="0"/>
+              <a:t> most </a:t>
+            </a:r>
+            <a:r>
+              <a:rPr lang="nb-NO" dirty="0" err="1"/>
+              <a:t>important</a:t>
+            </a:r>
+            <a:r>
+              <a:rPr lang="nb-NO" dirty="0"/>
+              <a:t> </a:t>
+            </a:r>
+            <a:r>
+              <a:rPr lang="nb-NO" dirty="0" err="1"/>
+              <a:t>common</a:t>
+            </a:r>
+            <a:r>
+              <a:rPr lang="nb-NO" dirty="0"/>
+              <a:t> </a:t>
+            </a:r>
+            <a:r>
+              <a:rPr lang="nb-NO" dirty="0" err="1"/>
+              <a:t>rules</a:t>
+            </a:r>
+            <a:r>
+              <a:rPr lang="nb-NO" dirty="0"/>
+              <a:t> for </a:t>
+            </a:r>
+            <a:r>
+              <a:rPr lang="nb-NO" dirty="0" err="1"/>
+              <a:t>how</a:t>
+            </a:r>
+            <a:r>
+              <a:rPr lang="nb-NO" dirty="0"/>
+              <a:t> to </a:t>
+            </a:r>
+            <a:r>
+              <a:rPr lang="nb-NO" dirty="0" err="1"/>
+              <a:t>use</a:t>
+            </a:r>
+            <a:r>
+              <a:rPr lang="nb-NO" dirty="0"/>
+              <a:t> FHIR in Norway, </a:t>
+            </a:r>
+            <a:r>
+              <a:rPr lang="nb-NO" dirty="0" err="1"/>
+              <a:t>that</a:t>
+            </a:r>
+            <a:r>
+              <a:rPr lang="nb-NO" dirty="0"/>
+              <a:t> </a:t>
+            </a:r>
+            <a:r>
+              <a:rPr lang="nb-NO" dirty="0" err="1"/>
+              <a:t>should</a:t>
+            </a:r>
+            <a:r>
+              <a:rPr lang="nb-NO" dirty="0"/>
+              <a:t> be relevant to most </a:t>
+            </a:r>
+            <a:r>
+              <a:rPr lang="nb-NO" dirty="0" err="1"/>
+              <a:t>solutions</a:t>
+            </a:r>
+            <a:r>
+              <a:rPr lang="nb-NO" dirty="0"/>
+              <a:t> </a:t>
+            </a:r>
+            <a:r>
+              <a:rPr lang="nb-NO" dirty="0" err="1"/>
+              <a:t>regardless</a:t>
+            </a:r>
+            <a:r>
+              <a:rPr lang="nb-NO" dirty="0"/>
+              <a:t> </a:t>
+            </a:r>
+            <a:r>
+              <a:rPr lang="nb-NO" dirty="0" err="1"/>
+              <a:t>of</a:t>
+            </a:r>
+            <a:r>
+              <a:rPr lang="nb-NO" dirty="0"/>
+              <a:t> </a:t>
+            </a:r>
+            <a:r>
+              <a:rPr lang="nb-NO" dirty="0" err="1"/>
+              <a:t>use</a:t>
+            </a:r>
+            <a:r>
+              <a:rPr lang="nb-NO" dirty="0"/>
+              <a:t>-case.</a:t>
+            </a:r>
+          </a:p>
+          <a:p>
+            <a:endParaRPr lang="nb-NO" dirty="0"/>
+          </a:p>
+          <a:p>
+            <a:r>
+              <a:rPr lang="nb-NO" dirty="0" err="1"/>
+              <a:t>Domain</a:t>
+            </a:r>
+            <a:r>
+              <a:rPr lang="nb-NO" dirty="0"/>
+              <a:t> </a:t>
+            </a:r>
+            <a:r>
+              <a:rPr lang="nb-NO" dirty="0" err="1"/>
+              <a:t>profiles</a:t>
+            </a:r>
+            <a:r>
+              <a:rPr lang="nb-NO" dirty="0"/>
+              <a:t> </a:t>
+            </a:r>
+            <a:r>
+              <a:rPr lang="nb-NO" dirty="0" err="1"/>
+              <a:t>are</a:t>
+            </a:r>
+            <a:r>
+              <a:rPr lang="nb-NO" dirty="0"/>
+              <a:t> </a:t>
+            </a:r>
+            <a:r>
+              <a:rPr lang="nb-NO" dirty="0" err="1"/>
+              <a:t>developed</a:t>
+            </a:r>
+            <a:r>
+              <a:rPr lang="nb-NO" dirty="0"/>
+              <a:t> as </a:t>
+            </a:r>
+            <a:r>
+              <a:rPr lang="nb-NO" dirty="0" err="1"/>
+              <a:t>needed</a:t>
+            </a:r>
+            <a:r>
+              <a:rPr lang="nb-NO" dirty="0"/>
+              <a:t> and </a:t>
+            </a:r>
+            <a:r>
+              <a:rPr lang="nb-NO" dirty="0" err="1"/>
+              <a:t>states</a:t>
+            </a:r>
+            <a:r>
+              <a:rPr lang="nb-NO" dirty="0"/>
+              <a:t> </a:t>
+            </a:r>
+            <a:r>
+              <a:rPr lang="nb-NO" dirty="0" err="1"/>
+              <a:t>the</a:t>
+            </a:r>
+            <a:r>
+              <a:rPr lang="nb-NO" dirty="0"/>
+              <a:t> same as base </a:t>
+            </a:r>
+            <a:r>
+              <a:rPr lang="nb-NO" dirty="0" err="1"/>
+              <a:t>profiles</a:t>
+            </a:r>
+            <a:r>
+              <a:rPr lang="nb-NO" dirty="0"/>
+              <a:t>, </a:t>
+            </a:r>
+            <a:r>
+              <a:rPr lang="nb-NO" dirty="0" err="1"/>
+              <a:t>should</a:t>
+            </a:r>
+            <a:r>
+              <a:rPr lang="nb-NO" dirty="0"/>
+              <a:t> </a:t>
+            </a:r>
+            <a:r>
+              <a:rPr lang="nb-NO" dirty="0" err="1"/>
+              <a:t>build</a:t>
+            </a:r>
+            <a:r>
+              <a:rPr lang="nb-NO" dirty="0"/>
+              <a:t> </a:t>
+            </a:r>
+            <a:r>
+              <a:rPr lang="nb-NO" dirty="0" err="1"/>
+              <a:t>on</a:t>
+            </a:r>
+            <a:r>
+              <a:rPr lang="nb-NO" dirty="0"/>
+              <a:t> base </a:t>
+            </a:r>
+            <a:r>
+              <a:rPr lang="nb-NO" dirty="0" err="1"/>
+              <a:t>profiles</a:t>
+            </a:r>
+            <a:r>
+              <a:rPr lang="nb-NO" dirty="0"/>
+              <a:t>, </a:t>
+            </a:r>
+            <a:r>
+              <a:rPr lang="nb-NO" dirty="0" err="1"/>
+              <a:t>but</a:t>
+            </a:r>
+            <a:r>
+              <a:rPr lang="nb-NO" dirty="0"/>
+              <a:t> </a:t>
+            </a:r>
+            <a:r>
+              <a:rPr lang="nb-NO" dirty="0" err="1"/>
+              <a:t>are</a:t>
+            </a:r>
+            <a:r>
+              <a:rPr lang="nb-NO" dirty="0"/>
+              <a:t> </a:t>
+            </a:r>
+            <a:r>
+              <a:rPr lang="nb-NO" dirty="0" err="1"/>
+              <a:t>related</a:t>
+            </a:r>
+            <a:r>
+              <a:rPr lang="nb-NO" dirty="0"/>
+              <a:t> to </a:t>
+            </a:r>
+            <a:r>
+              <a:rPr lang="nb-NO" dirty="0" err="1"/>
+              <a:t>some</a:t>
+            </a:r>
+            <a:r>
+              <a:rPr lang="nb-NO" dirty="0"/>
+              <a:t> </a:t>
+            </a:r>
+            <a:r>
+              <a:rPr lang="nb-NO" dirty="0" err="1"/>
+              <a:t>high</a:t>
+            </a:r>
+            <a:r>
+              <a:rPr lang="nb-NO" dirty="0"/>
+              <a:t> </a:t>
+            </a:r>
+            <a:r>
+              <a:rPr lang="nb-NO" dirty="0" err="1"/>
+              <a:t>level</a:t>
+            </a:r>
+            <a:r>
+              <a:rPr lang="nb-NO" dirty="0"/>
+              <a:t> </a:t>
+            </a:r>
+            <a:r>
+              <a:rPr lang="nb-NO" dirty="0" err="1"/>
+              <a:t>use</a:t>
+            </a:r>
+            <a:r>
+              <a:rPr lang="nb-NO" dirty="0"/>
+              <a:t> case, like </a:t>
+            </a:r>
+            <a:r>
+              <a:rPr lang="nb-NO" dirty="0" err="1"/>
+              <a:t>exchaning</a:t>
+            </a:r>
+            <a:r>
+              <a:rPr lang="nb-NO" dirty="0"/>
+              <a:t> vital </a:t>
+            </a:r>
+            <a:r>
+              <a:rPr lang="nb-NO" dirty="0" err="1"/>
+              <a:t>signs</a:t>
+            </a:r>
+            <a:r>
+              <a:rPr lang="nb-NO" dirty="0"/>
+              <a:t> in Norway.</a:t>
+            </a:r>
+          </a:p>
+          <a:p>
+            <a:endParaRPr lang="nb-NO" dirty="0"/>
+          </a:p>
+          <a:p>
+            <a:pPr marL="0" marR="0" lvl="0" indent="0" algn="l" defTabSz="914400" rtl="0" eaLnBrk="1" fontAlgn="auto" latinLnBrk="0" hangingPunct="1">
+              <a:lnSpc>
+                <a:spcPct val="100000"/>
+              </a:lnSpc>
+              <a:spcBef>
+                <a:spcPts val="0"/>
+              </a:spcBef>
+              <a:spcAft>
+                <a:spcPts val="0"/>
+              </a:spcAft>
+              <a:buClrTx/>
+              <a:buSzTx/>
+              <a:buFontTx/>
+              <a:buNone/>
+              <a:tabLst/>
+              <a:defRPr/>
+            </a:pPr>
+            <a:r>
+              <a:rPr lang="nb-NO" dirty="0" err="1"/>
+              <a:t>Implemented</a:t>
+            </a:r>
+            <a:r>
+              <a:rPr lang="nb-NO" dirty="0"/>
+              <a:t> </a:t>
+            </a:r>
+            <a:r>
+              <a:rPr lang="nb-NO" dirty="0" err="1"/>
+              <a:t>profiles</a:t>
+            </a:r>
+            <a:r>
+              <a:rPr lang="nb-NO" dirty="0"/>
+              <a:t> </a:t>
+            </a:r>
+            <a:r>
+              <a:rPr lang="nb-NO" dirty="0" err="1"/>
+              <a:t>are</a:t>
+            </a:r>
+            <a:r>
+              <a:rPr lang="nb-NO" dirty="0"/>
+              <a:t> </a:t>
+            </a:r>
+            <a:r>
+              <a:rPr lang="nb-NO" dirty="0" err="1"/>
+              <a:t>made</a:t>
+            </a:r>
+            <a:r>
+              <a:rPr lang="nb-NO" dirty="0"/>
+              <a:t> by </a:t>
+            </a:r>
+            <a:r>
+              <a:rPr lang="nb-NO" dirty="0" err="1"/>
+              <a:t>everyone</a:t>
+            </a:r>
+            <a:r>
+              <a:rPr lang="nb-NO" dirty="0"/>
+              <a:t>, and </a:t>
+            </a:r>
+            <a:r>
+              <a:rPr lang="nb-NO" dirty="0" err="1"/>
+              <a:t>represents</a:t>
+            </a:r>
+            <a:r>
+              <a:rPr lang="nb-NO" dirty="0"/>
+              <a:t> </a:t>
+            </a:r>
+            <a:r>
+              <a:rPr lang="nb-NO" dirty="0" err="1"/>
+              <a:t>how</a:t>
+            </a:r>
+            <a:r>
+              <a:rPr lang="nb-NO" dirty="0"/>
+              <a:t> FHIR is used in </a:t>
+            </a:r>
+            <a:r>
+              <a:rPr lang="nb-NO" dirty="0" err="1"/>
+              <a:t>actual</a:t>
+            </a:r>
+            <a:r>
+              <a:rPr lang="nb-NO" dirty="0"/>
+              <a:t> </a:t>
+            </a:r>
+            <a:r>
+              <a:rPr lang="nb-NO" dirty="0" err="1"/>
+              <a:t>implementation</a:t>
+            </a:r>
+            <a:r>
+              <a:rPr lang="nb-NO" dirty="0"/>
+              <a:t> in </a:t>
+            </a:r>
+            <a:r>
+              <a:rPr lang="nb-NO" dirty="0" err="1"/>
+              <a:t>products</a:t>
+            </a:r>
+            <a:r>
+              <a:rPr lang="nb-NO" dirty="0"/>
+              <a:t>/</a:t>
+            </a:r>
+            <a:r>
+              <a:rPr lang="nb-NO" dirty="0" err="1"/>
+              <a:t>interfaces</a:t>
+            </a:r>
+            <a:r>
+              <a:rPr lang="nb-NO" dirty="0"/>
+              <a:t>, most </a:t>
+            </a:r>
+            <a:r>
+              <a:rPr lang="nb-NO" dirty="0" err="1"/>
+              <a:t>should</a:t>
+            </a:r>
+            <a:r>
+              <a:rPr lang="nb-NO" dirty="0"/>
+              <a:t> </a:t>
+            </a:r>
+            <a:r>
+              <a:rPr lang="nb-NO" dirty="0" err="1"/>
+              <a:t>relate</a:t>
+            </a:r>
+            <a:r>
+              <a:rPr lang="nb-NO" dirty="0"/>
+              <a:t> to </a:t>
+            </a:r>
+            <a:r>
+              <a:rPr lang="nb-NO" dirty="0" err="1"/>
+              <a:t>domain</a:t>
+            </a:r>
+            <a:r>
+              <a:rPr lang="nb-NO" dirty="0"/>
+              <a:t> or base </a:t>
+            </a:r>
+            <a:r>
+              <a:rPr lang="nb-NO" dirty="0" err="1"/>
+              <a:t>profiles</a:t>
+            </a:r>
+            <a:r>
+              <a:rPr lang="nb-NO" dirty="0"/>
+              <a:t> </a:t>
+            </a:r>
+            <a:r>
+              <a:rPr lang="nb-NO" dirty="0" err="1"/>
+              <a:t>if</a:t>
+            </a:r>
+            <a:r>
+              <a:rPr lang="nb-NO" dirty="0"/>
+              <a:t> relevant </a:t>
+            </a:r>
+            <a:r>
+              <a:rPr lang="nb-NO" dirty="0" err="1"/>
+              <a:t>profiles</a:t>
+            </a:r>
+            <a:r>
+              <a:rPr lang="nb-NO" dirty="0"/>
+              <a:t> </a:t>
+            </a:r>
+            <a:r>
+              <a:rPr lang="nb-NO" dirty="0" err="1"/>
+              <a:t>exists</a:t>
+            </a:r>
+            <a:r>
+              <a:rPr lang="nb-NO" dirty="0"/>
+              <a:t>.</a:t>
+            </a:r>
+          </a:p>
+          <a:p>
+            <a:endParaRPr lang="nb-NO" dirty="0"/>
           </a:p>
         </p:txBody>
       </p:sp>
@@ -1031,7 +1799,7 @@
           <a:p>
             <a:fld id="{A69C946F-C9B2-9B49-8DCA-D38D97C43A2F}" type="slidenum">
               <a:rPr lang="en-US" smtClean="0"/>
-              <a:t>5</a:t>
+              <a:t>3</a:t>
             </a:fld>
             <a:endParaRPr lang="en-US"/>
           </a:p>
@@ -1040,7 +1808,7 @@
     </p:spTree>
     <p:extLst>
       <p:ext uri="{BB962C8B-B14F-4D97-AF65-F5344CB8AC3E}">
-        <p14:creationId xmlns:p14="http://schemas.microsoft.com/office/powerpoint/2010/main" val="3969405467"/>
+        <p14:creationId xmlns:p14="http://schemas.microsoft.com/office/powerpoint/2010/main" val="1298404440"/>
       </p:ext>
     </p:extLst>
   </p:cSld>
@@ -1096,55 +1864,79 @@
           <a:p>
             <a:r>
               <a:rPr lang="nb-NO" dirty="0"/>
-              <a:t>General </a:t>
-            </a:r>
-            <a:r>
-              <a:rPr lang="nb-NO" dirty="0" err="1"/>
-              <a:t>guideance</a:t>
-            </a:r>
-            <a:r>
-              <a:rPr lang="nb-NO" dirty="0"/>
-              <a:t> </a:t>
-            </a:r>
-            <a:r>
-              <a:rPr lang="nb-NO" dirty="0" err="1"/>
-              <a:t>on</a:t>
-            </a:r>
-            <a:r>
-              <a:rPr lang="nb-NO" dirty="0"/>
-              <a:t> </a:t>
-            </a:r>
-            <a:r>
-              <a:rPr lang="nb-NO" dirty="0" err="1"/>
-              <a:t>how</a:t>
-            </a:r>
-            <a:r>
-              <a:rPr lang="nb-NO" dirty="0"/>
-              <a:t> to </a:t>
-            </a:r>
-            <a:r>
-              <a:rPr lang="nb-NO" dirty="0" err="1"/>
-              <a:t>use</a:t>
-            </a:r>
-            <a:r>
-              <a:rPr lang="nb-NO" dirty="0"/>
-              <a:t> FHIR in </a:t>
-            </a:r>
-            <a:r>
-              <a:rPr lang="nb-NO" dirty="0" err="1"/>
-              <a:t>the</a:t>
-            </a:r>
-            <a:r>
-              <a:rPr lang="nb-NO" dirty="0"/>
-              <a:t> Norwegian </a:t>
-            </a:r>
-            <a:r>
-              <a:rPr lang="nb-NO" dirty="0" err="1"/>
-              <a:t>realm</a:t>
-            </a:r>
-            <a:r>
-              <a:rPr lang="nb-NO" dirty="0"/>
-              <a:t>.</a:t>
+              <a:t>FHIR fagforum </a:t>
+            </a:r>
+            <a:r>
+              <a:rPr lang="nb-NO" dirty="0" err="1"/>
+              <a:t>also</a:t>
+            </a:r>
+            <a:r>
+              <a:rPr lang="nb-NO" dirty="0"/>
+              <a:t> </a:t>
+            </a:r>
+            <a:r>
+              <a:rPr lang="nb-NO" dirty="0" err="1"/>
+              <a:t>shares</a:t>
+            </a:r>
+            <a:r>
+              <a:rPr lang="nb-NO" dirty="0"/>
+              <a:t> </a:t>
+            </a:r>
+            <a:r>
+              <a:rPr lang="nb-NO" dirty="0" err="1"/>
+              <a:t>information</a:t>
+            </a:r>
+            <a:r>
+              <a:rPr lang="nb-NO" dirty="0"/>
+              <a:t> from </a:t>
+            </a:r>
+            <a:r>
+              <a:rPr lang="nb-NO" dirty="0" err="1"/>
+              <a:t>research</a:t>
+            </a:r>
+            <a:r>
+              <a:rPr lang="nb-NO" dirty="0"/>
+              <a:t> </a:t>
+            </a:r>
+            <a:r>
+              <a:rPr lang="nb-NO" dirty="0" err="1"/>
+              <a:t>projects</a:t>
+            </a:r>
+            <a:r>
+              <a:rPr lang="nb-NO" dirty="0"/>
+              <a:t> </a:t>
+            </a:r>
+            <a:r>
+              <a:rPr lang="nb-NO" dirty="0" err="1"/>
+              <a:t>that</a:t>
+            </a:r>
+            <a:r>
+              <a:rPr lang="nb-NO" dirty="0"/>
+              <a:t> is </a:t>
+            </a:r>
+            <a:r>
+              <a:rPr lang="nb-NO" dirty="0" err="1"/>
+              <a:t>using</a:t>
+            </a:r>
+            <a:r>
+              <a:rPr lang="nb-NO" dirty="0"/>
+              <a:t> FHIR like </a:t>
+            </a:r>
+            <a:r>
+              <a:rPr lang="nb-NO" dirty="0" err="1"/>
+              <a:t>Gravitate</a:t>
+            </a:r>
+            <a:r>
+              <a:rPr lang="nb-NO" dirty="0"/>
+              <a:t> </a:t>
+            </a:r>
+            <a:r>
+              <a:rPr lang="nb-NO" dirty="0" err="1"/>
+              <a:t>health</a:t>
+            </a:r>
+            <a:r>
+              <a:rPr lang="nb-NO" dirty="0"/>
+              <a:t> and CAPABLE programs. </a:t>
             </a:r>
           </a:p>
         </p:txBody>
@@ -1166,7 +1958,7 @@
           <a:p>
             <a:fld id="{A69C946F-C9B2-9B49-8DCA-D38D97C43A2F}" type="slidenum">
               <a:rPr lang="en-US" smtClean="0"/>
-              <a:t>6</a:t>
+              <a:t>5</a:t>
             </a:fld>
             <a:endParaRPr lang="en-US"/>
           </a:p>
@@ -1175,7 +1967,7 @@
     </p:spTree>
     <p:extLst>
       <p:ext uri="{BB962C8B-B14F-4D97-AF65-F5344CB8AC3E}">
-        <p14:creationId xmlns:p14="http://schemas.microsoft.com/office/powerpoint/2010/main" val="3606705153"/>
+        <p14:creationId xmlns:p14="http://schemas.microsoft.com/office/powerpoint/2010/main" val="3969405467"/>
       </p:ext>
     </p:extLst>
   </p:cSld>
@@ -1231,19 +2023,19 @@
           <a:p>
             <a:r>
               <a:rPr lang="nb-NO" dirty="0"/>
-              <a:t>Normative </a:t>
-            </a:r>
-            <a:r>
-              <a:rPr lang="nb-NO" dirty="0" err="1"/>
-              <a:t>standardization</a:t>
-            </a:r>
-            <a:r>
-              <a:rPr lang="nb-NO" dirty="0"/>
-              <a:t> </a:t>
-            </a:r>
-            <a:r>
-              <a:rPr lang="nb-NO" dirty="0" err="1"/>
-              <a:t>of</a:t>
+              <a:t>General </a:t>
+            </a:r>
+            <a:r>
+              <a:rPr lang="nb-NO" dirty="0" err="1"/>
+              <a:t>guideance</a:t>
+            </a:r>
+            <a:r>
+              <a:rPr lang="nb-NO" dirty="0"/>
+              <a:t> </a:t>
+            </a:r>
+            <a:r>
+              <a:rPr lang="nb-NO" dirty="0" err="1"/>
+              <a:t>on</a:t>
             </a:r>
             <a:r>
               <a:rPr lang="nb-NO" dirty="0"/>
@@ -1263,31 +2055,23 @@
             </a:r>
             <a:r>
               <a:rPr lang="nb-NO" dirty="0"/>
-              <a:t> HL7 </a:t>
-            </a:r>
-            <a:r>
-              <a:rPr lang="nb-NO" dirty="0" err="1"/>
-              <a:t>FHIr</a:t>
-            </a:r>
-            <a:r>
-              <a:rPr lang="nb-NO" dirty="0"/>
-              <a:t> in Norway </a:t>
-            </a:r>
-            <a:r>
-              <a:rPr lang="nb-NO" dirty="0" err="1"/>
-              <a:t>that</a:t>
-            </a:r>
-            <a:r>
-              <a:rPr lang="nb-NO" dirty="0"/>
-              <a:t> is </a:t>
-            </a:r>
-            <a:r>
-              <a:rPr lang="nb-NO" dirty="0" err="1"/>
-              <a:t>documented</a:t>
-            </a:r>
-            <a:r>
-              <a:rPr lang="nb-NO" dirty="0"/>
-              <a:t> in:</a:t>
+              <a:t> FHIR in </a:t>
+            </a:r>
+            <a:r>
+              <a:rPr lang="nb-NO" dirty="0" err="1"/>
+              <a:t>the</a:t>
+            </a:r>
+            <a:r>
+              <a:rPr lang="nb-NO" dirty="0"/>
+              <a:t> Norwegian </a:t>
+            </a:r>
+            <a:r>
+              <a:rPr lang="nb-NO" dirty="0" err="1"/>
+              <a:t>realm</a:t>
+            </a:r>
+            <a:r>
+              <a:rPr lang="nb-NO" dirty="0"/>
+              <a:t>.</a:t>
             </a:r>
           </a:p>
         </p:txBody>
@@ -1309,7 +2093,7 @@
           <a:p>
             <a:fld id="{A69C946F-C9B2-9B49-8DCA-D38D97C43A2F}" type="slidenum">
               <a:rPr lang="en-US" smtClean="0"/>
-              <a:t>7</a:t>
+              <a:t>6</a:t>
             </a:fld>
             <a:endParaRPr lang="en-US"/>
           </a:p>
@@ -1318,7 +2102,7 @@
     </p:spTree>
     <p:extLst>
       <p:ext uri="{BB962C8B-B14F-4D97-AF65-F5344CB8AC3E}">
-        <p14:creationId xmlns:p14="http://schemas.microsoft.com/office/powerpoint/2010/main" val="2743280329"/>
+        <p14:creationId xmlns:p14="http://schemas.microsoft.com/office/powerpoint/2010/main" val="3606705153"/>
       </p:ext>
     </p:extLst>
   </p:cSld>
@@ -1374,27 +2158,11 @@
           <a:p>
             <a:r>
               <a:rPr lang="nb-NO" dirty="0"/>
-              <a:t>The base </a:t>
-            </a:r>
-            <a:r>
-              <a:rPr lang="nb-NO" dirty="0" err="1"/>
-              <a:t>profile</a:t>
-            </a:r>
-            <a:r>
-              <a:rPr lang="nb-NO" dirty="0"/>
-              <a:t> </a:t>
-            </a:r>
-            <a:r>
-              <a:rPr lang="nb-NO" dirty="0" err="1"/>
-              <a:t>suggest</a:t>
-            </a:r>
-            <a:r>
-              <a:rPr lang="nb-NO" dirty="0"/>
-              <a:t> </a:t>
-            </a:r>
-            <a:r>
-              <a:rPr lang="nb-NO" dirty="0" err="1"/>
-              <a:t>methods</a:t>
+              <a:t>Normative </a:t>
+            </a:r>
+            <a:r>
+              <a:rPr lang="nb-NO" dirty="0" err="1"/>
+              <a:t>standardization</a:t>
             </a:r>
             <a:r>
               <a:rPr lang="nb-NO" dirty="0"/>
@@ -1422,7 +2190,31 @@
             </a:r>
             <a:r>
               <a:rPr lang="nb-NO" dirty="0"/>
-              <a:t> HL7 FHIR in </a:t>
+              <a:t> HL7 </a:t>
+            </a:r>
+            <a:r>
+              <a:rPr lang="nb-NO" dirty="0" err="1"/>
+              <a:t>FHIr</a:t>
+            </a:r>
+            <a:r>
+              <a:rPr lang="nb-NO" dirty="0"/>
+              <a:t> in Norway </a:t>
+            </a:r>
+            <a:r>
+              <a:rPr lang="nb-NO" dirty="0" err="1"/>
+              <a:t>that</a:t>
+            </a:r>
+            <a:r>
+              <a:rPr lang="nb-NO" dirty="0"/>
+              <a:t> is </a:t>
+            </a:r>
+            <a:r>
+              <a:rPr lang="nb-NO" dirty="0" err="1"/>
+              <a:t>documented</a:t>
+            </a:r>
+            <a:r>
+              <a:rPr lang="nb-NO" dirty="0"/>
+              <a:t> in </a:t>
             </a:r>
             <a:r>
               <a:rPr lang="nb-NO" dirty="0" err="1"/>
@@ -1430,27 +2222,68 @@
             </a:r>
             <a:r>
               <a:rPr lang="nb-NO" dirty="0"/>
+              <a:t> base </a:t>
+            </a:r>
+            <a:r>
+              <a:rPr lang="nb-NO" dirty="0" err="1"/>
+              <a:t>profiles</a:t>
+            </a:r>
+            <a:r>
+              <a:rPr lang="nb-NO" dirty="0"/>
+              <a:t>.</a:t>
+            </a:r>
+          </a:p>
+          <a:p>
+            <a:endParaRPr lang="nb-NO" dirty="0"/>
+          </a:p>
+          <a:p>
+            <a:r>
+              <a:rPr lang="nb-NO" dirty="0"/>
+              <a:t>In </a:t>
+            </a:r>
+            <a:r>
+              <a:rPr lang="nb-NO" dirty="0" err="1"/>
+              <a:t>addition</a:t>
+            </a:r>
+            <a:r>
+              <a:rPr lang="nb-NO" dirty="0"/>
+              <a:t> </a:t>
+            </a:r>
+            <a:r>
+              <a:rPr lang="nb-NO" dirty="0" err="1"/>
+              <a:t>the</a:t>
+            </a:r>
+            <a:r>
+              <a:rPr lang="nb-NO" dirty="0"/>
+              <a:t> </a:t>
+            </a:r>
+            <a:r>
+              <a:rPr lang="nb-NO" dirty="0" err="1"/>
+              <a:t>authorities</a:t>
+            </a:r>
+            <a:r>
+              <a:rPr lang="nb-NO" dirty="0"/>
+              <a:t>, </a:t>
+            </a:r>
+            <a:r>
+              <a:rPr lang="nb-NO" dirty="0" err="1"/>
+              <a:t>that</a:t>
+            </a:r>
+            <a:r>
+              <a:rPr lang="nb-NO" dirty="0"/>
+              <a:t> is </a:t>
+            </a:r>
+            <a:r>
+              <a:rPr lang="nb-NO" dirty="0" err="1"/>
+              <a:t>the</a:t>
+            </a:r>
+            <a:r>
+              <a:rPr lang="nb-NO" dirty="0"/>
               <a:t> Norwegian </a:t>
             </a:r>
             <a:r>
               <a:rPr lang="nb-NO" dirty="0" err="1"/>
-              <a:t>realm</a:t>
-            </a:r>
-            <a:r>
-              <a:rPr lang="nb-NO" dirty="0"/>
-              <a:t> and </a:t>
-            </a:r>
-            <a:r>
-              <a:rPr lang="nb-NO" dirty="0" err="1"/>
-              <a:t>sho</a:t>
-            </a:r>
-            <a:r>
-              <a:rPr lang="nb-NO" dirty="0"/>
-              <a:t> </a:t>
-            </a:r>
-            <a:r>
-              <a:rPr lang="nb-NO" dirty="0" err="1"/>
-              <a:t>example</a:t>
+              <a:t>directorate</a:t>
             </a:r>
             <a:r>
               <a:rPr lang="nb-NO" dirty="0"/>
@@ -1462,83 +2295,35 @@
             </a:r>
             <a:r>
               <a:rPr lang="nb-NO" dirty="0"/>
-              <a:t> </a:t>
-            </a:r>
-            <a:r>
-              <a:rPr lang="nb-NO" dirty="0" err="1"/>
-              <a:t>how</a:t>
-            </a:r>
-            <a:r>
-              <a:rPr lang="nb-NO" dirty="0"/>
-              <a:t> to </a:t>
-            </a:r>
-            <a:r>
-              <a:rPr lang="nb-NO" dirty="0" err="1"/>
-              <a:t>implement</a:t>
-            </a:r>
-            <a:r>
-              <a:rPr lang="nb-NO" dirty="0"/>
-              <a:t> </a:t>
-            </a:r>
-            <a:r>
-              <a:rPr lang="nb-NO" dirty="0" err="1"/>
-              <a:t>this</a:t>
-            </a:r>
-            <a:r>
-              <a:rPr lang="nb-NO" dirty="0"/>
-              <a:t> as a HL7 </a:t>
-            </a:r>
-            <a:r>
-              <a:rPr lang="nb-NO" dirty="0" err="1"/>
-              <a:t>FHIr</a:t>
-            </a:r>
-            <a:r>
-              <a:rPr lang="nb-NO" dirty="0"/>
-              <a:t> </a:t>
-            </a:r>
-            <a:r>
-              <a:rPr lang="nb-NO" dirty="0" err="1"/>
-              <a:t>profile</a:t>
-            </a:r>
-            <a:r>
-              <a:rPr lang="nb-NO" dirty="0"/>
-              <a:t>. The base </a:t>
-            </a:r>
-            <a:r>
-              <a:rPr lang="nb-NO" dirty="0" err="1"/>
-              <a:t>profile</a:t>
-            </a:r>
-            <a:r>
-              <a:rPr lang="nb-NO" dirty="0"/>
-              <a:t> </a:t>
-            </a:r>
-            <a:r>
-              <a:rPr lang="nb-NO" dirty="0" err="1"/>
-              <a:t>can</a:t>
-            </a:r>
-            <a:r>
-              <a:rPr lang="nb-NO" dirty="0"/>
-              <a:t> be used by </a:t>
-            </a:r>
-            <a:r>
-              <a:rPr lang="nb-NO" dirty="0" err="1"/>
-              <a:t>implementers</a:t>
-            </a:r>
-            <a:r>
-              <a:rPr lang="nb-NO" dirty="0"/>
-              <a:t> as a base for </a:t>
-            </a:r>
-            <a:r>
-              <a:rPr lang="nb-NO" dirty="0" err="1"/>
-              <a:t>the</a:t>
-            </a:r>
-            <a:r>
-              <a:rPr lang="nb-NO" dirty="0"/>
-              <a:t> </a:t>
-            </a:r>
-            <a:r>
-              <a:rPr lang="nb-NO" dirty="0" err="1"/>
-              <a:t>implementation</a:t>
+              <a:t> e-</a:t>
+            </a:r>
+            <a:r>
+              <a:rPr lang="nb-NO" dirty="0" err="1"/>
+              <a:t>health</a:t>
+            </a:r>
+            <a:r>
+              <a:rPr lang="nb-NO" dirty="0"/>
+              <a:t> have </a:t>
+            </a:r>
+            <a:r>
+              <a:rPr lang="nb-NO" dirty="0" err="1"/>
+              <a:t>published</a:t>
+            </a:r>
+            <a:r>
+              <a:rPr lang="nb-NO" dirty="0"/>
+              <a:t> </a:t>
+            </a:r>
+            <a:r>
+              <a:rPr lang="nb-NO" dirty="0" err="1"/>
+              <a:t>two</a:t>
+            </a:r>
+            <a:r>
+              <a:rPr lang="nb-NO" dirty="0"/>
+              <a:t> </a:t>
+            </a:r>
+            <a:r>
+              <a:rPr lang="nb-NO" dirty="0" err="1"/>
+              <a:t>recommendations</a:t>
             </a:r>
             <a:r>
               <a:rPr lang="nb-NO" dirty="0"/>
@@ -1554,39 +2339,15 @@
             </a:r>
             <a:r>
               <a:rPr lang="nb-NO" dirty="0" err="1"/>
-              <a:t>actual</a:t>
-            </a:r>
-            <a:r>
-              <a:rPr lang="nb-NO" dirty="0"/>
-              <a:t> </a:t>
-            </a:r>
-            <a:r>
-              <a:rPr lang="nb-NO" dirty="0" err="1"/>
-              <a:t>implemented</a:t>
-            </a:r>
-            <a:r>
-              <a:rPr lang="nb-NO" dirty="0"/>
-              <a:t> </a:t>
-            </a:r>
-            <a:r>
-              <a:rPr lang="nb-NO" dirty="0" err="1"/>
-              <a:t>profiles</a:t>
-            </a:r>
-            <a:r>
-              <a:rPr lang="nb-NO" dirty="0"/>
-              <a:t> used by </a:t>
-            </a:r>
-            <a:r>
-              <a:rPr lang="nb-NO" dirty="0" err="1"/>
-              <a:t>actual</a:t>
-            </a:r>
-            <a:r>
-              <a:rPr lang="nb-NO" dirty="0"/>
-              <a:t> </a:t>
-            </a:r>
-            <a:r>
-              <a:rPr lang="nb-NO" dirty="0" err="1"/>
-              <a:t>solutions</a:t>
+              <a:t>using</a:t>
+            </a:r>
+            <a:r>
+              <a:rPr lang="nb-NO" dirty="0"/>
+              <a:t> FHIR </a:t>
+            </a:r>
+            <a:r>
+              <a:rPr lang="nb-NO" dirty="0" err="1"/>
+              <a:t>technology</a:t>
             </a:r>
             <a:r>
               <a:rPr lang="nb-NO" dirty="0"/>
@@ -1594,40 +2355,44 @@
             </a:r>
           </a:p>
           <a:p>
+            <a:r>
+              <a:rPr lang="nb-NO" dirty="0" err="1"/>
+              <a:t>Interoperability</a:t>
+            </a:r>
+            <a:r>
+              <a:rPr lang="nb-NO" dirty="0"/>
+              <a:t> </a:t>
+            </a:r>
+            <a:r>
+              <a:rPr lang="nb-NO" dirty="0" err="1"/>
+              <a:t>throug</a:t>
+            </a:r>
+            <a:r>
+              <a:rPr lang="nb-NO" dirty="0"/>
+              <a:t> </a:t>
+            </a:r>
+            <a:r>
+              <a:rPr lang="nb-NO" dirty="0" err="1"/>
+              <a:t>API’s</a:t>
+            </a:r>
             <a:endParaRPr lang="nb-NO" dirty="0"/>
           </a:p>
           <a:p>
             <a:r>
               <a:rPr lang="nb-NO" dirty="0"/>
-              <a:t>This is an </a:t>
-            </a:r>
-            <a:r>
-              <a:rPr lang="nb-NO" dirty="0" err="1"/>
-              <a:t>important</a:t>
-            </a:r>
-            <a:r>
-              <a:rPr lang="nb-NO" dirty="0"/>
-              <a:t> </a:t>
-            </a:r>
-            <a:r>
-              <a:rPr lang="nb-NO" dirty="0" err="1"/>
-              <a:t>principle</a:t>
-            </a:r>
-            <a:r>
-              <a:rPr lang="nb-NO" dirty="0"/>
-              <a:t> and is </a:t>
-            </a:r>
-            <a:r>
-              <a:rPr lang="nb-NO" dirty="0" err="1"/>
-              <a:t>stated</a:t>
-            </a:r>
-            <a:r>
-              <a:rPr lang="nb-NO" dirty="0"/>
-              <a:t> as </a:t>
-            </a:r>
-            <a:r>
-              <a:rPr lang="nb-NO" dirty="0" err="1"/>
-              <a:t>such</a:t>
+              <a:t>Using Smart </a:t>
+            </a:r>
+            <a:r>
+              <a:rPr lang="nb-NO" dirty="0" err="1"/>
+              <a:t>on</a:t>
+            </a:r>
+            <a:r>
+              <a:rPr lang="nb-NO" dirty="0"/>
+              <a:t> FHIR for app </a:t>
+            </a:r>
+            <a:r>
+              <a:rPr lang="nb-NO" dirty="0" err="1"/>
+              <a:t>integrations</a:t>
             </a:r>
             <a:r>
               <a:rPr lang="nb-NO" dirty="0"/>
@@ -1635,172 +2400,16 @@
             </a:r>
             <a:r>
               <a:rPr lang="nb-NO" dirty="0" err="1"/>
-              <a:t>the</a:t>
-            </a:r>
-            <a:r>
-              <a:rPr lang="nb-NO" dirty="0"/>
-              <a:t> </a:t>
-            </a:r>
-            <a:r>
-              <a:rPr lang="nb-NO" dirty="0" err="1"/>
-              <a:t>no</a:t>
-            </a:r>
-            <a:r>
-              <a:rPr lang="nb-NO" dirty="0"/>
-              <a:t>-basis </a:t>
-            </a:r>
-            <a:r>
-              <a:rPr lang="nb-NO" dirty="0" err="1"/>
-              <a:t>principles</a:t>
-            </a:r>
-            <a:r>
-              <a:rPr lang="nb-NO" dirty="0"/>
-              <a:t>.</a:t>
-            </a:r>
-          </a:p>
-          <a:p>
-            <a:endParaRPr lang="nb-NO" dirty="0"/>
-          </a:p>
-          <a:p>
-            <a:r>
-              <a:rPr lang="nb-NO" dirty="0" err="1"/>
-              <a:t>Suggestions</a:t>
-            </a:r>
-            <a:r>
-              <a:rPr lang="nb-NO" dirty="0"/>
-              <a:t> for </a:t>
-            </a:r>
-            <a:r>
-              <a:rPr lang="nb-NO" dirty="0" err="1"/>
-              <a:t>useful</a:t>
-            </a:r>
-            <a:r>
-              <a:rPr lang="nb-NO" dirty="0"/>
-              <a:t> </a:t>
-            </a:r>
-            <a:r>
-              <a:rPr lang="nb-NO" dirty="0" err="1"/>
-              <a:t>extension</a:t>
-            </a:r>
-            <a:r>
-              <a:rPr lang="nb-NO" dirty="0"/>
-              <a:t>, like </a:t>
-            </a:r>
-            <a:r>
-              <a:rPr lang="nb-NO" dirty="0" err="1"/>
-              <a:t>how</a:t>
-            </a:r>
-            <a:r>
-              <a:rPr lang="nb-NO" dirty="0"/>
-              <a:t> to </a:t>
-            </a:r>
-            <a:r>
-              <a:rPr lang="nb-NO" dirty="0" err="1"/>
-              <a:t>add</a:t>
-            </a:r>
-            <a:r>
-              <a:rPr lang="nb-NO" dirty="0"/>
-              <a:t> a Norwegian </a:t>
-            </a:r>
-            <a:r>
-              <a:rPr lang="nb-NO" dirty="0" err="1"/>
-              <a:t>Cadastral</a:t>
-            </a:r>
-            <a:r>
-              <a:rPr lang="nb-NO" dirty="0"/>
-              <a:t> </a:t>
-            </a:r>
-            <a:r>
-              <a:rPr lang="nb-NO" dirty="0" err="1"/>
-              <a:t>adress</a:t>
-            </a:r>
-            <a:r>
-              <a:rPr lang="nb-NO" dirty="0"/>
-              <a:t> in </a:t>
-            </a:r>
-            <a:r>
-              <a:rPr lang="nb-NO" dirty="0" err="1"/>
-              <a:t>the</a:t>
-            </a:r>
-            <a:r>
-              <a:rPr lang="nb-NO" dirty="0"/>
-              <a:t> FHIR </a:t>
-            </a:r>
-            <a:r>
-              <a:rPr lang="nb-NO" dirty="0" err="1"/>
-              <a:t>Address</a:t>
-            </a:r>
-            <a:r>
-              <a:rPr lang="nb-NO" dirty="0"/>
-              <a:t> datatype, </a:t>
-            </a:r>
-            <a:r>
-              <a:rPr lang="nb-NO" dirty="0" err="1"/>
-              <a:t>this</a:t>
-            </a:r>
-            <a:r>
-              <a:rPr lang="nb-NO" dirty="0"/>
-              <a:t> is </a:t>
-            </a:r>
-            <a:r>
-              <a:rPr lang="nb-NO" dirty="0" err="1"/>
-              <a:t>added</a:t>
-            </a:r>
-            <a:r>
-              <a:rPr lang="nb-NO" dirty="0"/>
-              <a:t> </a:t>
-            </a:r>
-            <a:r>
-              <a:rPr lang="nb-NO" dirty="0" err="1"/>
-              <a:t>using</a:t>
-            </a:r>
-            <a:r>
-              <a:rPr lang="nb-NO" dirty="0"/>
-              <a:t> a </a:t>
-            </a:r>
-            <a:r>
-              <a:rPr lang="nb-NO" dirty="0" err="1"/>
-              <a:t>voluntarily</a:t>
-            </a:r>
-            <a:r>
-              <a:rPr lang="nb-NO" dirty="0"/>
-              <a:t> </a:t>
-            </a:r>
-            <a:r>
-              <a:rPr lang="nb-NO" dirty="0" err="1"/>
-              <a:t>property</a:t>
-            </a:r>
-            <a:r>
-              <a:rPr lang="nb-NO" dirty="0"/>
-              <a:t> </a:t>
-            </a:r>
-            <a:r>
-              <a:rPr lang="nb-NO" dirty="0" err="1"/>
-              <a:t>information</a:t>
-            </a:r>
-            <a:r>
-              <a:rPr lang="nb-NO" dirty="0"/>
-              <a:t> </a:t>
-            </a:r>
-            <a:r>
-              <a:rPr lang="nb-NO" dirty="0" err="1"/>
-              <a:t>extension</a:t>
-            </a:r>
-            <a:r>
-              <a:rPr lang="nb-NO" dirty="0"/>
-              <a:t>.</a:t>
-            </a:r>
-          </a:p>
-          <a:p>
-            <a:endParaRPr lang="nb-NO" dirty="0"/>
-          </a:p>
-          <a:p>
-            <a:endParaRPr lang="nb-NO" dirty="0"/>
-          </a:p>
-          <a:p>
-            <a:endParaRPr lang="nb-NO" dirty="0"/>
-          </a:p>
-          <a:p>
+              <a:t>healthcare</a:t>
+            </a:r>
+            <a:r>
+              <a:rPr lang="nb-NO" dirty="0"/>
+              <a:t> </a:t>
+            </a:r>
+            <a:r>
+              <a:rPr lang="nb-NO" dirty="0" err="1"/>
+              <a:t>applications</a:t>
+            </a:r>
             <a:endParaRPr lang="nb-NO" dirty="0"/>
           </a:p>
         </p:txBody>
@@ -1822,7 +2431,7 @@
           <a:p>
             <a:fld id="{A69C946F-C9B2-9B49-8DCA-D38D97C43A2F}" type="slidenum">
               <a:rPr lang="en-US" smtClean="0"/>
-              <a:t>8</a:t>
+              <a:t>7</a:t>
             </a:fld>
             <a:endParaRPr lang="en-US"/>
           </a:p>
@@ -1831,7 +2440,7 @@
     </p:spTree>
     <p:extLst>
       <p:ext uri="{BB962C8B-B14F-4D97-AF65-F5344CB8AC3E}">
-        <p14:creationId xmlns:p14="http://schemas.microsoft.com/office/powerpoint/2010/main" val="3891098052"/>
+        <p14:creationId xmlns:p14="http://schemas.microsoft.com/office/powerpoint/2010/main" val="2743280329"/>
       </p:ext>
     </p:extLst>
   </p:cSld>
@@ -1887,35 +2496,43 @@
           <a:p>
             <a:r>
               <a:rPr lang="nb-NO" dirty="0"/>
-              <a:t>SFM have </a:t>
-            </a:r>
-            <a:r>
-              <a:rPr lang="nb-NO" dirty="0" err="1"/>
-              <a:t>now</a:t>
-            </a:r>
-            <a:r>
-              <a:rPr lang="nb-NO" dirty="0"/>
-              <a:t> </a:t>
-            </a:r>
-            <a:r>
-              <a:rPr lang="nb-NO" dirty="0" err="1"/>
-              <a:t>connected</a:t>
-            </a:r>
-            <a:r>
-              <a:rPr lang="nb-NO" dirty="0"/>
-              <a:t> </a:t>
-            </a:r>
-            <a:r>
-              <a:rPr lang="nb-NO" dirty="0" err="1"/>
-              <a:t>about</a:t>
-            </a:r>
-            <a:r>
-              <a:rPr lang="nb-NO" dirty="0"/>
-              <a:t> 100 different </a:t>
-            </a:r>
-            <a:r>
-              <a:rPr lang="nb-NO" dirty="0" err="1"/>
-              <a:t>actors</a:t>
+              <a:t>The base </a:t>
+            </a:r>
+            <a:r>
+              <a:rPr lang="nb-NO" dirty="0" err="1"/>
+              <a:t>profile</a:t>
+            </a:r>
+            <a:r>
+              <a:rPr lang="nb-NO" dirty="0"/>
+              <a:t> </a:t>
+            </a:r>
+            <a:r>
+              <a:rPr lang="nb-NO" dirty="0" err="1"/>
+              <a:t>suggest</a:t>
+            </a:r>
+            <a:r>
+              <a:rPr lang="nb-NO" dirty="0"/>
+              <a:t> </a:t>
+            </a:r>
+            <a:r>
+              <a:rPr lang="nb-NO" dirty="0" err="1"/>
+              <a:t>methods</a:t>
+            </a:r>
+            <a:r>
+              <a:rPr lang="nb-NO" dirty="0"/>
+              <a:t> </a:t>
+            </a:r>
+            <a:r>
+              <a:rPr lang="nb-NO" dirty="0" err="1"/>
+              <a:t>of</a:t>
+            </a:r>
+            <a:r>
+              <a:rPr lang="nb-NO" dirty="0"/>
+              <a:t> </a:t>
+            </a:r>
+            <a:r>
+              <a:rPr lang="nb-NO" dirty="0" err="1"/>
+              <a:t>how</a:t>
             </a:r>
             <a:r>
               <a:rPr lang="nb-NO" dirty="0"/>
@@ -1923,23 +2540,253 @@
             </a:r>
             <a:r>
               <a:rPr lang="nb-NO" dirty="0" err="1"/>
+              <a:t>use</a:t>
+            </a:r>
+            <a:r>
+              <a:rPr lang="nb-NO" dirty="0"/>
+              <a:t> HL7 FHIR in </a:t>
+            </a:r>
+            <a:r>
+              <a:rPr lang="nb-NO" dirty="0" err="1"/>
               <a:t>the</a:t>
             </a:r>
             <a:r>
               <a:rPr lang="nb-NO" dirty="0"/>
-              <a:t> </a:t>
-            </a:r>
-            <a:r>
-              <a:rPr lang="nb-NO" dirty="0" err="1"/>
-              <a:t>modernized</a:t>
-            </a:r>
-            <a:r>
-              <a:rPr lang="nb-NO" dirty="0"/>
-              <a:t> </a:t>
-            </a:r>
-            <a:r>
-              <a:rPr lang="nb-NO" dirty="0" err="1"/>
-              <a:t>infrastructure</a:t>
+              <a:t> Norwegian </a:t>
+            </a:r>
+            <a:r>
+              <a:rPr lang="nb-NO" dirty="0" err="1"/>
+              <a:t>realm</a:t>
+            </a:r>
+            <a:r>
+              <a:rPr lang="nb-NO" dirty="0"/>
+              <a:t> and </a:t>
+            </a:r>
+            <a:r>
+              <a:rPr lang="nb-NO" dirty="0" err="1"/>
+              <a:t>sho</a:t>
+            </a:r>
+            <a:r>
+              <a:rPr lang="nb-NO" dirty="0"/>
+              <a:t> </a:t>
+            </a:r>
+            <a:r>
+              <a:rPr lang="nb-NO" dirty="0" err="1"/>
+              <a:t>example</a:t>
+            </a:r>
+            <a:r>
+              <a:rPr lang="nb-NO" dirty="0"/>
+              <a:t> </a:t>
+            </a:r>
+            <a:r>
+              <a:rPr lang="nb-NO" dirty="0" err="1"/>
+              <a:t>of</a:t>
+            </a:r>
+            <a:r>
+              <a:rPr lang="nb-NO" dirty="0"/>
+              <a:t> </a:t>
+            </a:r>
+            <a:r>
+              <a:rPr lang="nb-NO" dirty="0" err="1"/>
+              <a:t>how</a:t>
+            </a:r>
+            <a:r>
+              <a:rPr lang="nb-NO" dirty="0"/>
+              <a:t> to </a:t>
+            </a:r>
+            <a:r>
+              <a:rPr lang="nb-NO" dirty="0" err="1"/>
+              <a:t>implement</a:t>
+            </a:r>
+            <a:r>
+              <a:rPr lang="nb-NO" dirty="0"/>
+              <a:t> </a:t>
+            </a:r>
+            <a:r>
+              <a:rPr lang="nb-NO" dirty="0" err="1"/>
+              <a:t>this</a:t>
+            </a:r>
+            <a:r>
+              <a:rPr lang="nb-NO" dirty="0"/>
+              <a:t> as a HL7 </a:t>
+            </a:r>
+            <a:r>
+              <a:rPr lang="nb-NO" dirty="0" err="1"/>
+              <a:t>FHIr</a:t>
+            </a:r>
+            <a:r>
+              <a:rPr lang="nb-NO" dirty="0"/>
+              <a:t> </a:t>
+            </a:r>
+            <a:r>
+              <a:rPr lang="nb-NO" dirty="0" err="1"/>
+              <a:t>profile</a:t>
+            </a:r>
+            <a:r>
+              <a:rPr lang="nb-NO" dirty="0"/>
+              <a:t>. The base </a:t>
+            </a:r>
+            <a:r>
+              <a:rPr lang="nb-NO" dirty="0" err="1"/>
+              <a:t>profile</a:t>
+            </a:r>
+            <a:r>
+              <a:rPr lang="nb-NO" dirty="0"/>
+              <a:t> </a:t>
+            </a:r>
+            <a:r>
+              <a:rPr lang="nb-NO" dirty="0" err="1"/>
+              <a:t>can</a:t>
+            </a:r>
+            <a:r>
+              <a:rPr lang="nb-NO" dirty="0"/>
+              <a:t> be used by </a:t>
+            </a:r>
+            <a:r>
+              <a:rPr lang="nb-NO" dirty="0" err="1"/>
+              <a:t>implementers</a:t>
+            </a:r>
+            <a:r>
+              <a:rPr lang="nb-NO" dirty="0"/>
+              <a:t> as a base for </a:t>
+            </a:r>
+            <a:r>
+              <a:rPr lang="nb-NO" dirty="0" err="1"/>
+              <a:t>the</a:t>
+            </a:r>
+            <a:r>
+              <a:rPr lang="nb-NO" dirty="0"/>
+              <a:t> </a:t>
+            </a:r>
+            <a:r>
+              <a:rPr lang="nb-NO" dirty="0" err="1"/>
+              <a:t>implementation</a:t>
+            </a:r>
+            <a:r>
+              <a:rPr lang="nb-NO" dirty="0"/>
+              <a:t> </a:t>
+            </a:r>
+            <a:r>
+              <a:rPr lang="nb-NO" dirty="0" err="1"/>
+              <a:t>of</a:t>
+            </a:r>
+            <a:r>
+              <a:rPr lang="nb-NO" dirty="0"/>
+              <a:t> </a:t>
+            </a:r>
+            <a:r>
+              <a:rPr lang="nb-NO" dirty="0" err="1"/>
+              <a:t>actual</a:t>
+            </a:r>
+            <a:r>
+              <a:rPr lang="nb-NO" dirty="0"/>
+              <a:t> </a:t>
+            </a:r>
+            <a:r>
+              <a:rPr lang="nb-NO" dirty="0" err="1"/>
+              <a:t>implemented</a:t>
+            </a:r>
+            <a:r>
+              <a:rPr lang="nb-NO" dirty="0"/>
+              <a:t> </a:t>
+            </a:r>
+            <a:r>
+              <a:rPr lang="nb-NO" dirty="0" err="1"/>
+              <a:t>profiles</a:t>
+            </a:r>
+            <a:r>
+              <a:rPr lang="nb-NO" dirty="0"/>
+              <a:t> used by </a:t>
+            </a:r>
+            <a:r>
+              <a:rPr lang="nb-NO" dirty="0" err="1"/>
+              <a:t>actual</a:t>
+            </a:r>
+            <a:r>
+              <a:rPr lang="nb-NO" dirty="0"/>
+              <a:t> </a:t>
+            </a:r>
+            <a:r>
+              <a:rPr lang="nb-NO" dirty="0" err="1"/>
+              <a:t>solutions</a:t>
+            </a:r>
+            <a:r>
+              <a:rPr lang="nb-NO" dirty="0"/>
+              <a:t>.</a:t>
+            </a:r>
+          </a:p>
+          <a:p>
+            <a:endParaRPr lang="nb-NO" dirty="0"/>
+          </a:p>
+          <a:p>
+            <a:r>
+              <a:rPr lang="nb-NO" dirty="0"/>
+              <a:t>This is an </a:t>
+            </a:r>
+            <a:r>
+              <a:rPr lang="nb-NO" dirty="0" err="1"/>
+              <a:t>important</a:t>
+            </a:r>
+            <a:r>
+              <a:rPr lang="nb-NO" dirty="0"/>
+              <a:t> </a:t>
+            </a:r>
+            <a:r>
+              <a:rPr lang="nb-NO" dirty="0" err="1"/>
+              <a:t>principle</a:t>
+            </a:r>
+            <a:r>
+              <a:rPr lang="nb-NO" dirty="0"/>
+              <a:t> and is </a:t>
+            </a:r>
+            <a:r>
+              <a:rPr lang="nb-NO" dirty="0" err="1"/>
+              <a:t>stated</a:t>
+            </a:r>
+            <a:r>
+              <a:rPr lang="nb-NO" dirty="0"/>
+              <a:t> as </a:t>
+            </a:r>
+            <a:r>
+              <a:rPr lang="nb-NO" dirty="0" err="1"/>
+              <a:t>such</a:t>
+            </a:r>
+            <a:r>
+              <a:rPr lang="nb-NO" dirty="0"/>
+              <a:t> in </a:t>
+            </a:r>
+            <a:r>
+              <a:rPr lang="nb-NO" dirty="0" err="1"/>
+              <a:t>the</a:t>
+            </a:r>
+            <a:r>
+              <a:rPr lang="nb-NO" dirty="0"/>
+              <a:t> </a:t>
+            </a:r>
+            <a:r>
+              <a:rPr lang="nb-NO" dirty="0" err="1"/>
+              <a:t>no</a:t>
+            </a:r>
+            <a:r>
+              <a:rPr lang="nb-NO" dirty="0"/>
+              <a:t>-basis </a:t>
+            </a:r>
+            <a:r>
+              <a:rPr lang="nb-NO" dirty="0" err="1"/>
+              <a:t>principles</a:t>
+            </a:r>
+            <a:r>
+              <a:rPr lang="nb-NO" dirty="0"/>
+              <a:t>.</a:t>
+            </a:r>
+          </a:p>
+          <a:p>
+            <a:endParaRPr lang="nb-NO" dirty="0"/>
+          </a:p>
+          <a:p>
+            <a:r>
+              <a:rPr lang="nb-NO" dirty="0" err="1"/>
+              <a:t>Suggestions</a:t>
             </a:r>
             <a:r>
               <a:rPr lang="nb-NO" dirty="0"/>
@@ -1947,20 +2794,136 @@
             </a:r>
             <a:r>
               <a:rPr lang="nb-NO" dirty="0" err="1"/>
-              <a:t>medical</a:t>
-            </a:r>
-            <a:r>
-              <a:rPr lang="nb-NO" dirty="0"/>
-              <a:t> </a:t>
-            </a:r>
-            <a:r>
-              <a:rPr lang="nb-NO" dirty="0" err="1"/>
-              <a:t>prespcription</a:t>
+              <a:t>useful</a:t>
+            </a:r>
+            <a:r>
+              <a:rPr lang="nb-NO" dirty="0"/>
+              <a:t> </a:t>
+            </a:r>
+            <a:r>
+              <a:rPr lang="nb-NO" dirty="0" err="1"/>
+              <a:t>extension</a:t>
+            </a:r>
+            <a:r>
+              <a:rPr lang="nb-NO" dirty="0"/>
+              <a:t>, like </a:t>
+            </a:r>
+            <a:r>
+              <a:rPr lang="nb-NO" dirty="0" err="1"/>
+              <a:t>how</a:t>
+            </a:r>
+            <a:r>
+              <a:rPr lang="nb-NO" dirty="0"/>
+              <a:t> to </a:t>
+            </a:r>
+            <a:r>
+              <a:rPr lang="nb-NO" dirty="0" err="1"/>
+              <a:t>add</a:t>
+            </a:r>
+            <a:r>
+              <a:rPr lang="nb-NO" dirty="0"/>
+              <a:t> a Norwegian </a:t>
+            </a:r>
+            <a:r>
+              <a:rPr lang="nb-NO" dirty="0" err="1"/>
+              <a:t>Cadastral</a:t>
+            </a:r>
+            <a:r>
+              <a:rPr lang="nb-NO" dirty="0"/>
+              <a:t> </a:t>
+            </a:r>
+            <a:r>
+              <a:rPr lang="nb-NO" dirty="0" err="1"/>
+              <a:t>adress</a:t>
+            </a:r>
+            <a:r>
+              <a:rPr lang="nb-NO" dirty="0"/>
+              <a:t> in </a:t>
+            </a:r>
+            <a:r>
+              <a:rPr lang="nb-NO" dirty="0" err="1"/>
+              <a:t>the</a:t>
+            </a:r>
+            <a:r>
+              <a:rPr lang="nb-NO" dirty="0"/>
+              <a:t> FHIR </a:t>
+            </a:r>
+            <a:r>
+              <a:rPr lang="nb-NO" dirty="0" err="1"/>
+              <a:t>Address</a:t>
+            </a:r>
+            <a:r>
+              <a:rPr lang="nb-NO" dirty="0"/>
+              <a:t> datatype, </a:t>
+            </a:r>
+            <a:r>
+              <a:rPr lang="nb-NO" dirty="0" err="1"/>
+              <a:t>this</a:t>
+            </a:r>
+            <a:r>
+              <a:rPr lang="nb-NO" dirty="0"/>
+              <a:t> is </a:t>
+            </a:r>
+            <a:r>
+              <a:rPr lang="nb-NO" dirty="0" err="1"/>
+              <a:t>added</a:t>
+            </a:r>
+            <a:r>
+              <a:rPr lang="nb-NO" dirty="0"/>
+              <a:t> </a:t>
+            </a:r>
+            <a:r>
+              <a:rPr lang="nb-NO" dirty="0" err="1"/>
+              <a:t>using</a:t>
+            </a:r>
+            <a:r>
+              <a:rPr lang="nb-NO" dirty="0"/>
+              <a:t> a </a:t>
+            </a:r>
+            <a:r>
+              <a:rPr lang="nb-NO" dirty="0" err="1"/>
+              <a:t>voluntarily</a:t>
+            </a:r>
+            <a:r>
+              <a:rPr lang="nb-NO" dirty="0"/>
+              <a:t> </a:t>
+            </a:r>
+            <a:r>
+              <a:rPr lang="nb-NO" dirty="0" err="1"/>
+              <a:t>property</a:t>
+            </a:r>
+            <a:r>
+              <a:rPr lang="nb-NO" dirty="0"/>
+              <a:t> </a:t>
+            </a:r>
+            <a:r>
+              <a:rPr lang="nb-NO" dirty="0" err="1"/>
+              <a:t>information</a:t>
+            </a:r>
+            <a:r>
+              <a:rPr lang="nb-NO" dirty="0"/>
+              <a:t> </a:t>
+            </a:r>
+            <a:r>
+              <a:rPr lang="nb-NO" dirty="0" err="1"/>
+              <a:t>extension</a:t>
             </a:r>
             <a:r>
               <a:rPr lang="nb-NO" dirty="0"/>
               <a:t>.</a:t>
             </a:r>
+          </a:p>
+          <a:p>
+            <a:endParaRPr lang="nb-NO" dirty="0"/>
+          </a:p>
+          <a:p>
+            <a:endParaRPr lang="nb-NO" dirty="0"/>
+          </a:p>
+          <a:p>
+            <a:endParaRPr lang="nb-NO" dirty="0"/>
+          </a:p>
+          <a:p>
+            <a:endParaRPr lang="nb-NO" dirty="0"/>
           </a:p>
         </p:txBody>
       </p:sp>
@@ -1981,7 +2944,7 @@
           <a:p>
             <a:fld id="{A69C946F-C9B2-9B49-8DCA-D38D97C43A2F}" type="slidenum">
               <a:rPr lang="en-US" smtClean="0"/>
-              <a:t>9</a:t>
+              <a:t>8</a:t>
             </a:fld>
             <a:endParaRPr lang="en-US"/>
           </a:p>
@@ -1990,7 +2953,7 @@
     </p:spTree>
     <p:extLst>
       <p:ext uri="{BB962C8B-B14F-4D97-AF65-F5344CB8AC3E}">
-        <p14:creationId xmlns:p14="http://schemas.microsoft.com/office/powerpoint/2010/main" val="1296840464"/>
+        <p14:creationId xmlns:p14="http://schemas.microsoft.com/office/powerpoint/2010/main" val="3891098052"/>
       </p:ext>
     </p:extLst>
   </p:cSld>
@@ -2046,23 +3009,39 @@
           <a:p>
             <a:r>
               <a:rPr lang="nb-NO" dirty="0"/>
-              <a:t>The </a:t>
-            </a:r>
-            <a:r>
-              <a:rPr lang="nb-NO" dirty="0" err="1"/>
-              <a:t>flexiblity</a:t>
-            </a:r>
-            <a:r>
-              <a:rPr lang="nb-NO" dirty="0"/>
-              <a:t> </a:t>
-            </a:r>
-            <a:r>
-              <a:rPr lang="nb-NO" dirty="0" err="1"/>
-              <a:t>of</a:t>
-            </a:r>
-            <a:r>
-              <a:rPr lang="nb-NO" dirty="0"/>
-              <a:t> </a:t>
+              <a:t>SFM have </a:t>
+            </a:r>
+            <a:r>
+              <a:rPr lang="nb-NO" dirty="0" err="1"/>
+              <a:t>now</a:t>
+            </a:r>
+            <a:r>
+              <a:rPr lang="nb-NO" dirty="0"/>
+              <a:t> </a:t>
+            </a:r>
+            <a:r>
+              <a:rPr lang="nb-NO" dirty="0" err="1"/>
+              <a:t>connected</a:t>
+            </a:r>
+            <a:r>
+              <a:rPr lang="nb-NO" dirty="0"/>
+              <a:t> </a:t>
+            </a:r>
+            <a:r>
+              <a:rPr lang="nb-NO" dirty="0" err="1"/>
+              <a:t>about</a:t>
+            </a:r>
+            <a:r>
+              <a:rPr lang="nb-NO" dirty="0"/>
+              <a:t> 100 different </a:t>
+            </a:r>
+            <a:r>
+              <a:rPr lang="nb-NO" dirty="0" err="1"/>
+              <a:t>actors</a:t>
+            </a:r>
+            <a:r>
+              <a:rPr lang="nb-NO" dirty="0"/>
+              <a:t> to </a:t>
             </a:r>
             <a:r>
               <a:rPr lang="nb-NO" dirty="0" err="1"/>
@@ -2070,27 +3049,19 @@
             </a:r>
             <a:r>
               <a:rPr lang="nb-NO" dirty="0"/>
-              <a:t> base </a:t>
-            </a:r>
-            <a:r>
-              <a:rPr lang="nb-NO" dirty="0" err="1"/>
-              <a:t>profiles</a:t>
-            </a:r>
-            <a:r>
-              <a:rPr lang="nb-NO" dirty="0"/>
-              <a:t> </a:t>
-            </a:r>
-            <a:r>
-              <a:rPr lang="nb-NO" dirty="0" err="1"/>
-              <a:t>are</a:t>
-            </a:r>
-            <a:r>
-              <a:rPr lang="nb-NO" dirty="0"/>
-              <a:t> </a:t>
-            </a:r>
-            <a:r>
-              <a:rPr lang="nb-NO" dirty="0" err="1"/>
-              <a:t>important</a:t>
+              <a:t> </a:t>
+            </a:r>
+            <a:r>
+              <a:rPr lang="nb-NO" dirty="0" err="1"/>
+              <a:t>modernized</a:t>
+            </a:r>
+            <a:r>
+              <a:rPr lang="nb-NO" dirty="0"/>
+              <a:t> </a:t>
+            </a:r>
+            <a:r>
+              <a:rPr lang="nb-NO" dirty="0" err="1"/>
+              <a:t>infrastructure</a:t>
             </a:r>
             <a:r>
               <a:rPr lang="nb-NO" dirty="0"/>
@@ -2098,445 +3069,15 @@
             </a:r>
             <a:r>
               <a:rPr lang="nb-NO" dirty="0" err="1"/>
-              <a:t>their</a:t>
-            </a:r>
-            <a:r>
-              <a:rPr lang="nb-NO" dirty="0"/>
-              <a:t> </a:t>
-            </a:r>
-            <a:r>
-              <a:rPr lang="nb-NO" dirty="0" err="1"/>
-              <a:t>success</a:t>
-            </a:r>
-            <a:r>
-              <a:rPr lang="nb-NO" dirty="0"/>
-              <a:t>. The </a:t>
-            </a:r>
-            <a:r>
-              <a:rPr lang="nb-NO" dirty="0" err="1"/>
-              <a:t>lax</a:t>
-            </a:r>
-            <a:r>
-              <a:rPr lang="nb-NO" dirty="0"/>
-              <a:t> suggestive nature </a:t>
-            </a:r>
-            <a:r>
-              <a:rPr lang="nb-NO" dirty="0" err="1"/>
-              <a:t>of</a:t>
-            </a:r>
-            <a:r>
-              <a:rPr lang="nb-NO" dirty="0"/>
-              <a:t> </a:t>
-            </a:r>
-            <a:r>
-              <a:rPr lang="nb-NO" dirty="0" err="1"/>
-              <a:t>those</a:t>
-            </a:r>
-            <a:r>
-              <a:rPr lang="nb-NO" dirty="0"/>
-              <a:t> </a:t>
-            </a:r>
-            <a:r>
-              <a:rPr lang="nb-NO" dirty="0" err="1"/>
-              <a:t>profiles</a:t>
-            </a:r>
-            <a:r>
-              <a:rPr lang="nb-NO" dirty="0"/>
-              <a:t> </a:t>
-            </a:r>
-            <a:r>
-              <a:rPr lang="nb-NO" dirty="0" err="1"/>
-              <a:t>means</a:t>
-            </a:r>
-            <a:r>
-              <a:rPr lang="nb-NO" dirty="0"/>
-              <a:t> </a:t>
-            </a:r>
-            <a:r>
-              <a:rPr lang="nb-NO" dirty="0" err="1"/>
-              <a:t>that</a:t>
-            </a:r>
-            <a:r>
-              <a:rPr lang="nb-NO" dirty="0"/>
-              <a:t> </a:t>
-            </a:r>
-            <a:r>
-              <a:rPr lang="nb-NO" dirty="0" err="1"/>
-              <a:t>almost</a:t>
-            </a:r>
-            <a:r>
-              <a:rPr lang="nb-NO" dirty="0"/>
-              <a:t> </a:t>
-            </a:r>
-            <a:r>
-              <a:rPr lang="nb-NO" dirty="0" err="1"/>
-              <a:t>any</a:t>
-            </a:r>
-            <a:r>
-              <a:rPr lang="nb-NO" dirty="0"/>
-              <a:t> </a:t>
-            </a:r>
-            <a:r>
-              <a:rPr lang="nb-NO" dirty="0" err="1"/>
-              <a:t>implementation</a:t>
-            </a:r>
-            <a:r>
-              <a:rPr lang="nb-NO" dirty="0"/>
-              <a:t> </a:t>
-            </a:r>
-            <a:r>
-              <a:rPr lang="nb-NO" dirty="0" err="1"/>
-              <a:t>can</a:t>
-            </a:r>
-            <a:r>
-              <a:rPr lang="nb-NO" dirty="0"/>
-              <a:t> re-</a:t>
-            </a:r>
-            <a:r>
-              <a:rPr lang="nb-NO" dirty="0" err="1"/>
-              <a:t>profiles</a:t>
-            </a:r>
-            <a:r>
-              <a:rPr lang="nb-NO" dirty="0"/>
-              <a:t> </a:t>
-            </a:r>
-            <a:r>
-              <a:rPr lang="nb-NO" dirty="0" err="1"/>
-              <a:t>the</a:t>
-            </a:r>
-            <a:r>
-              <a:rPr lang="nb-NO" dirty="0"/>
-              <a:t> base and </a:t>
-            </a:r>
-            <a:r>
-              <a:rPr lang="nb-NO" dirty="0" err="1"/>
-              <a:t>build</a:t>
-            </a:r>
-            <a:r>
-              <a:rPr lang="nb-NO" dirty="0"/>
-              <a:t> </a:t>
-            </a:r>
-            <a:r>
-              <a:rPr lang="nb-NO" dirty="0" err="1"/>
-              <a:t>on</a:t>
-            </a:r>
-            <a:r>
-              <a:rPr lang="nb-NO" dirty="0"/>
-              <a:t> </a:t>
-            </a:r>
-            <a:r>
-              <a:rPr lang="nb-NO" dirty="0" err="1"/>
-              <a:t>them</a:t>
-            </a:r>
-            <a:r>
-              <a:rPr lang="nb-NO" dirty="0"/>
-              <a:t>.</a:t>
-            </a:r>
-          </a:p>
-          <a:p>
-            <a:endParaRPr lang="nb-NO" dirty="0"/>
-          </a:p>
-          <a:p>
-            <a:r>
-              <a:rPr lang="nb-NO" dirty="0"/>
-              <a:t>FHIR fagforum </a:t>
-            </a:r>
-            <a:r>
-              <a:rPr lang="nb-NO" dirty="0" err="1"/>
-              <a:t>both</a:t>
-            </a:r>
-            <a:r>
-              <a:rPr lang="nb-NO" dirty="0"/>
-              <a:t> </a:t>
-            </a:r>
-            <a:r>
-              <a:rPr lang="nb-NO" dirty="0" err="1"/>
-              <a:t>builds</a:t>
-            </a:r>
-            <a:r>
-              <a:rPr lang="nb-NO" dirty="0"/>
-              <a:t> </a:t>
-            </a:r>
-            <a:r>
-              <a:rPr lang="nb-NO" dirty="0" err="1"/>
-              <a:t>avareness</a:t>
-            </a:r>
-            <a:r>
-              <a:rPr lang="nb-NO" dirty="0"/>
-              <a:t>, </a:t>
-            </a:r>
-            <a:r>
-              <a:rPr lang="nb-NO" dirty="0" err="1"/>
-              <a:t>shares</a:t>
-            </a:r>
-            <a:r>
-              <a:rPr lang="nb-NO" dirty="0"/>
-              <a:t> </a:t>
-            </a:r>
-            <a:r>
-              <a:rPr lang="nb-NO" dirty="0" err="1"/>
-              <a:t>implementations</a:t>
-            </a:r>
-            <a:r>
-              <a:rPr lang="nb-NO" dirty="0"/>
-              <a:t> </a:t>
-            </a:r>
-            <a:r>
-              <a:rPr lang="nb-NO" dirty="0" err="1"/>
-              <a:t>experiences</a:t>
-            </a:r>
-            <a:r>
-              <a:rPr lang="nb-NO" dirty="0"/>
-              <a:t>, </a:t>
-            </a:r>
-            <a:r>
-              <a:rPr lang="nb-NO" dirty="0" err="1"/>
-              <a:t>builds</a:t>
-            </a:r>
-            <a:r>
-              <a:rPr lang="nb-NO" dirty="0"/>
-              <a:t> FHIR </a:t>
-            </a:r>
-            <a:r>
-              <a:rPr lang="nb-NO" dirty="0" err="1"/>
-              <a:t>knowledge</a:t>
-            </a:r>
-            <a:r>
-              <a:rPr lang="nb-NO" dirty="0"/>
-              <a:t> and is a </a:t>
-            </a:r>
-            <a:r>
-              <a:rPr lang="nb-NO" dirty="0" err="1"/>
-              <a:t>goto</a:t>
-            </a:r>
-            <a:r>
-              <a:rPr lang="nb-NO" dirty="0"/>
-              <a:t> </a:t>
-            </a:r>
-            <a:r>
-              <a:rPr lang="nb-NO" dirty="0" err="1"/>
-              <a:t>meeting</a:t>
-            </a:r>
-            <a:r>
-              <a:rPr lang="nb-NO" dirty="0"/>
-              <a:t> </a:t>
-            </a:r>
-            <a:r>
-              <a:rPr lang="nb-NO" dirty="0" err="1"/>
-              <a:t>place</a:t>
-            </a:r>
-            <a:r>
-              <a:rPr lang="nb-NO" dirty="0"/>
-              <a:t> for </a:t>
-            </a:r>
-            <a:r>
-              <a:rPr lang="nb-NO" dirty="0" err="1"/>
-              <a:t>the</a:t>
-            </a:r>
-            <a:r>
-              <a:rPr lang="nb-NO" dirty="0"/>
-              <a:t> Norwegian FHIR </a:t>
-            </a:r>
-            <a:r>
-              <a:rPr lang="nb-NO" dirty="0" err="1"/>
-              <a:t>community</a:t>
-            </a:r>
-            <a:r>
-              <a:rPr lang="nb-NO" dirty="0"/>
-              <a:t>.</a:t>
-            </a:r>
-          </a:p>
-          <a:p>
-            <a:endParaRPr lang="nb-NO" dirty="0"/>
-          </a:p>
-          <a:p>
-            <a:r>
-              <a:rPr lang="nb-NO" dirty="0" err="1"/>
-              <a:t>There</a:t>
-            </a:r>
-            <a:r>
-              <a:rPr lang="nb-NO" dirty="0"/>
-              <a:t> </a:t>
-            </a:r>
-            <a:r>
-              <a:rPr lang="nb-NO" dirty="0" err="1"/>
-              <a:t>are</a:t>
-            </a:r>
-            <a:r>
-              <a:rPr lang="nb-NO" dirty="0"/>
-              <a:t> </a:t>
-            </a:r>
-            <a:r>
-              <a:rPr lang="nb-NO" dirty="0" err="1"/>
-              <a:t>no</a:t>
-            </a:r>
-            <a:r>
-              <a:rPr lang="nb-NO" dirty="0"/>
-              <a:t> </a:t>
-            </a:r>
-            <a:r>
-              <a:rPr lang="nb-NO" dirty="0" err="1"/>
-              <a:t>sanctions</a:t>
-            </a:r>
-            <a:r>
-              <a:rPr lang="nb-NO" dirty="0"/>
-              <a:t> for not </a:t>
-            </a:r>
-            <a:r>
-              <a:rPr lang="nb-NO" dirty="0" err="1"/>
-              <a:t>following</a:t>
-            </a:r>
-            <a:r>
-              <a:rPr lang="nb-NO" dirty="0"/>
-              <a:t> </a:t>
-            </a:r>
-            <a:r>
-              <a:rPr lang="nb-NO" dirty="0" err="1"/>
-              <a:t>the</a:t>
-            </a:r>
-            <a:r>
-              <a:rPr lang="nb-NO" dirty="0"/>
-              <a:t> </a:t>
-            </a:r>
-            <a:r>
-              <a:rPr lang="nb-NO" dirty="0" err="1"/>
-              <a:t>official</a:t>
-            </a:r>
-            <a:r>
-              <a:rPr lang="nb-NO" dirty="0"/>
-              <a:t> </a:t>
-            </a:r>
-            <a:r>
-              <a:rPr lang="nb-NO" dirty="0" err="1"/>
-              <a:t>recommendation</a:t>
-            </a:r>
-            <a:r>
-              <a:rPr lang="nb-NO" dirty="0"/>
-              <a:t> for </a:t>
-            </a:r>
-            <a:r>
-              <a:rPr lang="nb-NO" dirty="0" err="1"/>
-              <a:t>use</a:t>
-            </a:r>
-            <a:r>
-              <a:rPr lang="nb-NO" dirty="0"/>
-              <a:t> </a:t>
-            </a:r>
-            <a:r>
-              <a:rPr lang="nb-NO" dirty="0" err="1"/>
-              <a:t>of</a:t>
-            </a:r>
-            <a:r>
-              <a:rPr lang="nb-NO" dirty="0"/>
-              <a:t> FHIR for </a:t>
-            </a:r>
-            <a:r>
-              <a:rPr lang="nb-NO" dirty="0" err="1"/>
-              <a:t>API’s</a:t>
-            </a:r>
-            <a:r>
-              <a:rPr lang="nb-NO" dirty="0"/>
-              <a:t> </a:t>
-            </a:r>
-            <a:r>
-              <a:rPr lang="nb-NO" dirty="0" err="1"/>
-              <a:t>but</a:t>
-            </a:r>
-            <a:r>
-              <a:rPr lang="nb-NO" dirty="0"/>
-              <a:t> </a:t>
-            </a:r>
-            <a:r>
-              <a:rPr lang="nb-NO" dirty="0" err="1"/>
-              <a:t>the</a:t>
-            </a:r>
-            <a:r>
-              <a:rPr lang="nb-NO" dirty="0"/>
-              <a:t> </a:t>
-            </a:r>
-            <a:r>
-              <a:rPr lang="nb-NO" dirty="0" err="1"/>
-              <a:t>fact</a:t>
-            </a:r>
-            <a:r>
-              <a:rPr lang="nb-NO" dirty="0"/>
-              <a:t> </a:t>
-            </a:r>
-            <a:r>
-              <a:rPr lang="nb-NO" dirty="0" err="1"/>
-              <a:t>that</a:t>
-            </a:r>
-            <a:r>
-              <a:rPr lang="nb-NO" dirty="0"/>
-              <a:t> it is </a:t>
-            </a:r>
-            <a:r>
-              <a:rPr lang="nb-NO" dirty="0" err="1"/>
-              <a:t>there</a:t>
-            </a:r>
-            <a:r>
-              <a:rPr lang="nb-NO" dirty="0"/>
-              <a:t> and </a:t>
-            </a:r>
-            <a:r>
-              <a:rPr lang="nb-NO" dirty="0" err="1"/>
-              <a:t>can</a:t>
-            </a:r>
-            <a:r>
-              <a:rPr lang="nb-NO" dirty="0"/>
-              <a:t> be </a:t>
-            </a:r>
-            <a:r>
-              <a:rPr lang="nb-NO" dirty="0" err="1"/>
-              <a:t>referenced</a:t>
-            </a:r>
-            <a:r>
-              <a:rPr lang="nb-NO" dirty="0"/>
-              <a:t> is </a:t>
-            </a:r>
-            <a:r>
-              <a:rPr lang="nb-NO" dirty="0" err="1"/>
-              <a:t>of</a:t>
-            </a:r>
-            <a:r>
-              <a:rPr lang="nb-NO" dirty="0"/>
-              <a:t> </a:t>
-            </a:r>
-            <a:r>
-              <a:rPr lang="nb-NO" dirty="0" err="1"/>
-              <a:t>great</a:t>
-            </a:r>
-            <a:r>
-              <a:rPr lang="nb-NO" dirty="0"/>
-              <a:t> </a:t>
-            </a:r>
-            <a:r>
-              <a:rPr lang="nb-NO" dirty="0" err="1"/>
-              <a:t>value</a:t>
-            </a:r>
-            <a:r>
-              <a:rPr lang="nb-NO" dirty="0"/>
-              <a:t> for rising </a:t>
-            </a:r>
-            <a:r>
-              <a:rPr lang="nb-NO" dirty="0" err="1"/>
-              <a:t>avareness</a:t>
-            </a:r>
-            <a:r>
-              <a:rPr lang="nb-NO" dirty="0"/>
-              <a:t> </a:t>
-            </a:r>
-            <a:r>
-              <a:rPr lang="nb-NO" dirty="0" err="1"/>
-              <a:t>of</a:t>
-            </a:r>
-            <a:r>
-              <a:rPr lang="nb-NO" dirty="0"/>
-              <a:t> FHIR for </a:t>
-            </a:r>
-            <a:r>
-              <a:rPr lang="nb-NO" dirty="0" err="1"/>
-              <a:t>interoperability</a:t>
+              <a:t>medical</a:t>
+            </a:r>
+            <a:r>
+              <a:rPr lang="nb-NO" dirty="0"/>
+              <a:t> </a:t>
+            </a:r>
+            <a:r>
+              <a:rPr lang="nb-NO" dirty="0" err="1"/>
+              <a:t>prespcription</a:t>
             </a:r>
             <a:r>
               <a:rPr lang="nb-NO" dirty="0"/>
@@ -2562,7 +3103,7 @@
           <a:p>
             <a:fld id="{A69C946F-C9B2-9B49-8DCA-D38D97C43A2F}" type="slidenum">
               <a:rPr lang="en-US" smtClean="0"/>
-              <a:t>10</a:t>
+              <a:t>9</a:t>
             </a:fld>
             <a:endParaRPr lang="en-US"/>
           </a:p>
@@ -2571,7 +3112,7 @@
     </p:spTree>
     <p:extLst>
       <p:ext uri="{BB962C8B-B14F-4D97-AF65-F5344CB8AC3E}">
-        <p14:creationId xmlns:p14="http://schemas.microsoft.com/office/powerpoint/2010/main" val="3777274834"/>
+        <p14:creationId xmlns:p14="http://schemas.microsoft.com/office/powerpoint/2010/main" val="1296840464"/>
       </p:ext>
     </p:extLst>
   </p:cSld>
@@ -2631,6 +3172,587 @@
             </a:r>
             <a:r>
               <a:rPr lang="nb-NO" dirty="0" err="1"/>
+              <a:t>flexiblity</a:t>
+            </a:r>
+            <a:r>
+              <a:rPr lang="nb-NO" dirty="0"/>
+              <a:t> </a:t>
+            </a:r>
+            <a:r>
+              <a:rPr lang="nb-NO" dirty="0" err="1"/>
+              <a:t>of</a:t>
+            </a:r>
+            <a:r>
+              <a:rPr lang="nb-NO" dirty="0"/>
+              <a:t> </a:t>
+            </a:r>
+            <a:r>
+              <a:rPr lang="nb-NO" dirty="0" err="1"/>
+              <a:t>the</a:t>
+            </a:r>
+            <a:r>
+              <a:rPr lang="nb-NO" dirty="0"/>
+              <a:t> base </a:t>
+            </a:r>
+            <a:r>
+              <a:rPr lang="nb-NO" dirty="0" err="1"/>
+              <a:t>profiles</a:t>
+            </a:r>
+            <a:r>
+              <a:rPr lang="nb-NO" dirty="0"/>
+              <a:t> </a:t>
+            </a:r>
+            <a:r>
+              <a:rPr lang="nb-NO" dirty="0" err="1"/>
+              <a:t>are</a:t>
+            </a:r>
+            <a:r>
+              <a:rPr lang="nb-NO" dirty="0"/>
+              <a:t> </a:t>
+            </a:r>
+            <a:r>
+              <a:rPr lang="nb-NO" dirty="0" err="1"/>
+              <a:t>important</a:t>
+            </a:r>
+            <a:r>
+              <a:rPr lang="nb-NO" dirty="0"/>
+              <a:t> for </a:t>
+            </a:r>
+            <a:r>
+              <a:rPr lang="nb-NO" dirty="0" err="1"/>
+              <a:t>their</a:t>
+            </a:r>
+            <a:r>
+              <a:rPr lang="nb-NO" dirty="0"/>
+              <a:t> </a:t>
+            </a:r>
+            <a:r>
+              <a:rPr lang="nb-NO" dirty="0" err="1"/>
+              <a:t>success</a:t>
+            </a:r>
+            <a:r>
+              <a:rPr lang="nb-NO" dirty="0"/>
+              <a:t>. The </a:t>
+            </a:r>
+            <a:r>
+              <a:rPr lang="nb-NO" dirty="0" err="1"/>
+              <a:t>lax</a:t>
+            </a:r>
+            <a:r>
+              <a:rPr lang="nb-NO" dirty="0"/>
+              <a:t> suggestive nature </a:t>
+            </a:r>
+            <a:r>
+              <a:rPr lang="nb-NO" dirty="0" err="1"/>
+              <a:t>of</a:t>
+            </a:r>
+            <a:r>
+              <a:rPr lang="nb-NO" dirty="0"/>
+              <a:t> </a:t>
+            </a:r>
+            <a:r>
+              <a:rPr lang="nb-NO" dirty="0" err="1"/>
+              <a:t>those</a:t>
+            </a:r>
+            <a:r>
+              <a:rPr lang="nb-NO" dirty="0"/>
+              <a:t> </a:t>
+            </a:r>
+            <a:r>
+              <a:rPr lang="nb-NO" dirty="0" err="1"/>
+              <a:t>profiles</a:t>
+            </a:r>
+            <a:r>
+              <a:rPr lang="nb-NO" dirty="0"/>
+              <a:t> </a:t>
+            </a:r>
+            <a:r>
+              <a:rPr lang="nb-NO" dirty="0" err="1"/>
+              <a:t>means</a:t>
+            </a:r>
+            <a:r>
+              <a:rPr lang="nb-NO" dirty="0"/>
+              <a:t> </a:t>
+            </a:r>
+            <a:r>
+              <a:rPr lang="nb-NO" dirty="0" err="1"/>
+              <a:t>that</a:t>
+            </a:r>
+            <a:r>
+              <a:rPr lang="nb-NO" dirty="0"/>
+              <a:t> </a:t>
+            </a:r>
+            <a:r>
+              <a:rPr lang="nb-NO" dirty="0" err="1"/>
+              <a:t>almost</a:t>
+            </a:r>
+            <a:r>
+              <a:rPr lang="nb-NO" dirty="0"/>
+              <a:t> </a:t>
+            </a:r>
+            <a:r>
+              <a:rPr lang="nb-NO" dirty="0" err="1"/>
+              <a:t>any</a:t>
+            </a:r>
+            <a:r>
+              <a:rPr lang="nb-NO" dirty="0"/>
+              <a:t> </a:t>
+            </a:r>
+            <a:r>
+              <a:rPr lang="nb-NO" dirty="0" err="1"/>
+              <a:t>implementation</a:t>
+            </a:r>
+            <a:r>
+              <a:rPr lang="nb-NO" dirty="0"/>
+              <a:t> </a:t>
+            </a:r>
+            <a:r>
+              <a:rPr lang="nb-NO" dirty="0" err="1"/>
+              <a:t>can</a:t>
+            </a:r>
+            <a:r>
+              <a:rPr lang="nb-NO" dirty="0"/>
+              <a:t> re-</a:t>
+            </a:r>
+            <a:r>
+              <a:rPr lang="nb-NO" dirty="0" err="1"/>
+              <a:t>profiles</a:t>
+            </a:r>
+            <a:r>
+              <a:rPr lang="nb-NO" dirty="0"/>
+              <a:t> </a:t>
+            </a:r>
+            <a:r>
+              <a:rPr lang="nb-NO" dirty="0" err="1"/>
+              <a:t>the</a:t>
+            </a:r>
+            <a:r>
+              <a:rPr lang="nb-NO" dirty="0"/>
+              <a:t> base and </a:t>
+            </a:r>
+            <a:r>
+              <a:rPr lang="nb-NO" dirty="0" err="1"/>
+              <a:t>build</a:t>
+            </a:r>
+            <a:r>
+              <a:rPr lang="nb-NO" dirty="0"/>
+              <a:t> </a:t>
+            </a:r>
+            <a:r>
+              <a:rPr lang="nb-NO" dirty="0" err="1"/>
+              <a:t>on</a:t>
+            </a:r>
+            <a:r>
+              <a:rPr lang="nb-NO" dirty="0"/>
+              <a:t> </a:t>
+            </a:r>
+            <a:r>
+              <a:rPr lang="nb-NO" dirty="0" err="1"/>
+              <a:t>them</a:t>
+            </a:r>
+            <a:r>
+              <a:rPr lang="nb-NO" dirty="0"/>
+              <a:t>.</a:t>
+            </a:r>
+          </a:p>
+          <a:p>
+            <a:endParaRPr lang="nb-NO" dirty="0"/>
+          </a:p>
+          <a:p>
+            <a:r>
+              <a:rPr lang="nb-NO" dirty="0"/>
+              <a:t>FHIR fagforum </a:t>
+            </a:r>
+            <a:r>
+              <a:rPr lang="nb-NO" dirty="0" err="1"/>
+              <a:t>both</a:t>
+            </a:r>
+            <a:r>
+              <a:rPr lang="nb-NO" dirty="0"/>
+              <a:t> </a:t>
+            </a:r>
+            <a:r>
+              <a:rPr lang="nb-NO" dirty="0" err="1"/>
+              <a:t>builds</a:t>
+            </a:r>
+            <a:r>
+              <a:rPr lang="nb-NO" dirty="0"/>
+              <a:t> </a:t>
+            </a:r>
+            <a:r>
+              <a:rPr lang="nb-NO" dirty="0" err="1"/>
+              <a:t>avareness</a:t>
+            </a:r>
+            <a:r>
+              <a:rPr lang="nb-NO" dirty="0"/>
+              <a:t>, </a:t>
+            </a:r>
+            <a:r>
+              <a:rPr lang="nb-NO" dirty="0" err="1"/>
+              <a:t>shares</a:t>
+            </a:r>
+            <a:r>
+              <a:rPr lang="nb-NO" dirty="0"/>
+              <a:t> </a:t>
+            </a:r>
+            <a:r>
+              <a:rPr lang="nb-NO" dirty="0" err="1"/>
+              <a:t>implementations</a:t>
+            </a:r>
+            <a:r>
+              <a:rPr lang="nb-NO" dirty="0"/>
+              <a:t> </a:t>
+            </a:r>
+            <a:r>
+              <a:rPr lang="nb-NO" dirty="0" err="1"/>
+              <a:t>experiences</a:t>
+            </a:r>
+            <a:r>
+              <a:rPr lang="nb-NO" dirty="0"/>
+              <a:t>, </a:t>
+            </a:r>
+            <a:r>
+              <a:rPr lang="nb-NO" dirty="0" err="1"/>
+              <a:t>builds</a:t>
+            </a:r>
+            <a:r>
+              <a:rPr lang="nb-NO" dirty="0"/>
+              <a:t> FHIR </a:t>
+            </a:r>
+            <a:r>
+              <a:rPr lang="nb-NO" dirty="0" err="1"/>
+              <a:t>knowledge</a:t>
+            </a:r>
+            <a:r>
+              <a:rPr lang="nb-NO" dirty="0"/>
+              <a:t> and is a </a:t>
+            </a:r>
+            <a:r>
+              <a:rPr lang="nb-NO" dirty="0" err="1"/>
+              <a:t>goto</a:t>
+            </a:r>
+            <a:r>
+              <a:rPr lang="nb-NO" dirty="0"/>
+              <a:t> </a:t>
+            </a:r>
+            <a:r>
+              <a:rPr lang="nb-NO" dirty="0" err="1"/>
+              <a:t>meeting</a:t>
+            </a:r>
+            <a:r>
+              <a:rPr lang="nb-NO" dirty="0"/>
+              <a:t> </a:t>
+            </a:r>
+            <a:r>
+              <a:rPr lang="nb-NO" dirty="0" err="1"/>
+              <a:t>place</a:t>
+            </a:r>
+            <a:r>
+              <a:rPr lang="nb-NO" dirty="0"/>
+              <a:t> for </a:t>
+            </a:r>
+            <a:r>
+              <a:rPr lang="nb-NO" dirty="0" err="1"/>
+              <a:t>the</a:t>
+            </a:r>
+            <a:r>
+              <a:rPr lang="nb-NO" dirty="0"/>
+              <a:t> Norwegian FHIR </a:t>
+            </a:r>
+            <a:r>
+              <a:rPr lang="nb-NO" dirty="0" err="1"/>
+              <a:t>community</a:t>
+            </a:r>
+            <a:r>
+              <a:rPr lang="nb-NO" dirty="0"/>
+              <a:t>.</a:t>
+            </a:r>
+          </a:p>
+          <a:p>
+            <a:endParaRPr lang="nb-NO" dirty="0"/>
+          </a:p>
+          <a:p>
+            <a:r>
+              <a:rPr lang="nb-NO" dirty="0" err="1"/>
+              <a:t>There</a:t>
+            </a:r>
+            <a:r>
+              <a:rPr lang="nb-NO" dirty="0"/>
+              <a:t> </a:t>
+            </a:r>
+            <a:r>
+              <a:rPr lang="nb-NO" dirty="0" err="1"/>
+              <a:t>are</a:t>
+            </a:r>
+            <a:r>
+              <a:rPr lang="nb-NO" dirty="0"/>
+              <a:t> </a:t>
+            </a:r>
+            <a:r>
+              <a:rPr lang="nb-NO" dirty="0" err="1"/>
+              <a:t>no</a:t>
+            </a:r>
+            <a:r>
+              <a:rPr lang="nb-NO" dirty="0"/>
+              <a:t> </a:t>
+            </a:r>
+            <a:r>
+              <a:rPr lang="nb-NO" dirty="0" err="1"/>
+              <a:t>sanctions</a:t>
+            </a:r>
+            <a:r>
+              <a:rPr lang="nb-NO" dirty="0"/>
+              <a:t> for not </a:t>
+            </a:r>
+            <a:r>
+              <a:rPr lang="nb-NO" dirty="0" err="1"/>
+              <a:t>following</a:t>
+            </a:r>
+            <a:r>
+              <a:rPr lang="nb-NO" dirty="0"/>
+              <a:t> </a:t>
+            </a:r>
+            <a:r>
+              <a:rPr lang="nb-NO" dirty="0" err="1"/>
+              <a:t>the</a:t>
+            </a:r>
+            <a:r>
+              <a:rPr lang="nb-NO" dirty="0"/>
+              <a:t> </a:t>
+            </a:r>
+            <a:r>
+              <a:rPr lang="nb-NO" dirty="0" err="1"/>
+              <a:t>official</a:t>
+            </a:r>
+            <a:r>
+              <a:rPr lang="nb-NO" dirty="0"/>
+              <a:t> </a:t>
+            </a:r>
+            <a:r>
+              <a:rPr lang="nb-NO" dirty="0" err="1"/>
+              <a:t>recommendation</a:t>
+            </a:r>
+            <a:r>
+              <a:rPr lang="nb-NO" dirty="0"/>
+              <a:t> for </a:t>
+            </a:r>
+            <a:r>
+              <a:rPr lang="nb-NO" dirty="0" err="1"/>
+              <a:t>use</a:t>
+            </a:r>
+            <a:r>
+              <a:rPr lang="nb-NO" dirty="0"/>
+              <a:t> </a:t>
+            </a:r>
+            <a:r>
+              <a:rPr lang="nb-NO" dirty="0" err="1"/>
+              <a:t>of</a:t>
+            </a:r>
+            <a:r>
+              <a:rPr lang="nb-NO" dirty="0"/>
+              <a:t> FHIR for </a:t>
+            </a:r>
+            <a:r>
+              <a:rPr lang="nb-NO" dirty="0" err="1"/>
+              <a:t>API’s</a:t>
+            </a:r>
+            <a:r>
+              <a:rPr lang="nb-NO" dirty="0"/>
+              <a:t> </a:t>
+            </a:r>
+            <a:r>
+              <a:rPr lang="nb-NO" dirty="0" err="1"/>
+              <a:t>but</a:t>
+            </a:r>
+            <a:r>
+              <a:rPr lang="nb-NO" dirty="0"/>
+              <a:t> </a:t>
+            </a:r>
+            <a:r>
+              <a:rPr lang="nb-NO" dirty="0" err="1"/>
+              <a:t>the</a:t>
+            </a:r>
+            <a:r>
+              <a:rPr lang="nb-NO" dirty="0"/>
+              <a:t> </a:t>
+            </a:r>
+            <a:r>
+              <a:rPr lang="nb-NO" dirty="0" err="1"/>
+              <a:t>fact</a:t>
+            </a:r>
+            <a:r>
+              <a:rPr lang="nb-NO" dirty="0"/>
+              <a:t> </a:t>
+            </a:r>
+            <a:r>
+              <a:rPr lang="nb-NO" dirty="0" err="1"/>
+              <a:t>that</a:t>
+            </a:r>
+            <a:r>
+              <a:rPr lang="nb-NO" dirty="0"/>
+              <a:t> it is </a:t>
+            </a:r>
+            <a:r>
+              <a:rPr lang="nb-NO" dirty="0" err="1"/>
+              <a:t>there</a:t>
+            </a:r>
+            <a:r>
+              <a:rPr lang="nb-NO" dirty="0"/>
+              <a:t> and </a:t>
+            </a:r>
+            <a:r>
+              <a:rPr lang="nb-NO" dirty="0" err="1"/>
+              <a:t>can</a:t>
+            </a:r>
+            <a:r>
+              <a:rPr lang="nb-NO" dirty="0"/>
+              <a:t> be </a:t>
+            </a:r>
+            <a:r>
+              <a:rPr lang="nb-NO" dirty="0" err="1"/>
+              <a:t>referenced</a:t>
+            </a:r>
+            <a:r>
+              <a:rPr lang="nb-NO" dirty="0"/>
+              <a:t> is </a:t>
+            </a:r>
+            <a:r>
+              <a:rPr lang="nb-NO" dirty="0" err="1"/>
+              <a:t>of</a:t>
+            </a:r>
+            <a:r>
+              <a:rPr lang="nb-NO" dirty="0"/>
+              <a:t> </a:t>
+            </a:r>
+            <a:r>
+              <a:rPr lang="nb-NO" dirty="0" err="1"/>
+              <a:t>great</a:t>
+            </a:r>
+            <a:r>
+              <a:rPr lang="nb-NO" dirty="0"/>
+              <a:t> </a:t>
+            </a:r>
+            <a:r>
+              <a:rPr lang="nb-NO" dirty="0" err="1"/>
+              <a:t>value</a:t>
+            </a:r>
+            <a:r>
+              <a:rPr lang="nb-NO" dirty="0"/>
+              <a:t> for rising </a:t>
+            </a:r>
+            <a:r>
+              <a:rPr lang="nb-NO" dirty="0" err="1"/>
+              <a:t>avareness</a:t>
+            </a:r>
+            <a:r>
+              <a:rPr lang="nb-NO" dirty="0"/>
+              <a:t> </a:t>
+            </a:r>
+            <a:r>
+              <a:rPr lang="nb-NO" dirty="0" err="1"/>
+              <a:t>of</a:t>
+            </a:r>
+            <a:r>
+              <a:rPr lang="nb-NO" dirty="0"/>
+              <a:t> FHIR for </a:t>
+            </a:r>
+            <a:r>
+              <a:rPr lang="nb-NO" dirty="0" err="1"/>
+              <a:t>interoperability</a:t>
+            </a:r>
+            <a:r>
+              <a:rPr lang="nb-NO" dirty="0"/>
+              <a:t>.</a:t>
+            </a:r>
+          </a:p>
+        </p:txBody>
+      </p:sp>
+      <p:sp>
+        <p:nvSpPr>
+          <p:cNvPr id="4" name="Plassholder for lysbildenummer 3"/>
+          <p:cNvSpPr>
+            <a:spLocks noGrp="1"/>
+          </p:cNvSpPr>
+          <p:nvPr>
+            <p:ph type="sldNum" sz="quarter" idx="5"/>
+          </p:nvPr>
+        </p:nvSpPr>
+        <p:spPr/>
+        <p:txBody>
+          <a:bodyPr/>
+          <a:lstStyle/>
+          <a:p>
+            <a:fld id="{A69C946F-C9B2-9B49-8DCA-D38D97C43A2F}" type="slidenum">
+              <a:rPr lang="en-US" smtClean="0"/>
+              <a:t>10</a:t>
+            </a:fld>
+            <a:endParaRPr lang="en-US"/>
+          </a:p>
+        </p:txBody>
+      </p:sp>
+    </p:spTree>
+    <p:extLst>
+      <p:ext uri="{BB962C8B-B14F-4D97-AF65-F5344CB8AC3E}">
+        <p14:creationId xmlns:p14="http://schemas.microsoft.com/office/powerpoint/2010/main" val="3777274834"/>
+      </p:ext>
+    </p:extLst>
+  </p:cSld>
+  <p:clrMapOvr>
+    <a:masterClrMapping/>
+  </p:clrMapOvr>
+</p:notes>
+</file>
+
+<file path=ppt/notesSlides/notesSlide9.xml><?xml version="1.0" encoding="utf-8"?>
+<p:notes xmlns:a="http://schemas.openxmlformats.org/drawingml/2006/main" xmlns:r="http://schemas.openxmlformats.org/officeDocument/2006/relationships" xmlns:p="http://schemas.openxmlformats.org/presentationml/2006/main">
+  <p:cSld>
+    <p:spTree>
+      <p:nvGrpSpPr>
+        <p:cNvPr id="1" name=""/>
+        <p:cNvGrpSpPr/>
+        <p:nvPr/>
+      </p:nvGrpSpPr>
+      <p:grpSpPr>
+        <a:xfrm>
+          <a:off x="0" y="0"/>
+          <a:ext cx="0" cy="0"/>
+          <a:chOff x="0" y="0"/>
+          <a:chExt cx="0" cy="0"/>
+        </a:xfrm>
+      </p:grpSpPr>
+      <p:sp>
+        <p:nvSpPr>
+          <p:cNvPr id="2" name="Plassholder for lysbilde 1"/>
+          <p:cNvSpPr>
+            <a:spLocks noGrp="1" noRot="1" noChangeAspect="1"/>
+          </p:cNvSpPr>
+          <p:nvPr>
+            <p:ph type="sldImg"/>
+          </p:nvPr>
+        </p:nvSpPr>
+        <p:spPr/>
+      </p:sp>
+      <p:sp>
+        <p:nvSpPr>
+          <p:cNvPr id="3" name="Plassholder for notater 2"/>
+          <p:cNvSpPr>
+            <a:spLocks noGrp="1"/>
+          </p:cNvSpPr>
+          <p:nvPr>
+            <p:ph type="body" idx="1"/>
+          </p:nvPr>
+        </p:nvSpPr>
+        <p:spPr/>
+        <p:txBody>
+          <a:bodyPr/>
+          <a:lstStyle/>
+          <a:p>
+            <a:r>
+              <a:rPr lang="nb-NO" dirty="0"/>
+              <a:t>The </a:t>
+            </a:r>
+            <a:r>
+              <a:rPr lang="nb-NO" dirty="0" err="1"/>
               <a:t>way</a:t>
             </a:r>
             <a:r>
@@ -2862,6 +3984,117 @@
               <a:rPr lang="nb-NO" dirty="0"/>
               <a:t>.</a:t>
             </a:r>
+          </a:p>
+          <a:p>
+            <a:r>
+              <a:rPr lang="nb-NO" dirty="0" err="1"/>
+              <a:t>Also</a:t>
+            </a:r>
+            <a:r>
+              <a:rPr lang="nb-NO" dirty="0"/>
+              <a:t> </a:t>
+            </a:r>
+            <a:r>
+              <a:rPr lang="nb-NO" dirty="0" err="1"/>
+              <a:t>the</a:t>
+            </a:r>
+            <a:r>
+              <a:rPr lang="nb-NO" dirty="0"/>
+              <a:t> </a:t>
+            </a:r>
+            <a:r>
+              <a:rPr lang="nb-NO" dirty="0" err="1"/>
+              <a:t>level</a:t>
+            </a:r>
+            <a:r>
+              <a:rPr lang="nb-NO" dirty="0"/>
+              <a:t> </a:t>
+            </a:r>
+            <a:r>
+              <a:rPr lang="nb-NO" dirty="0" err="1"/>
+              <a:t>of</a:t>
+            </a:r>
+            <a:r>
+              <a:rPr lang="nb-NO" dirty="0"/>
+              <a:t> </a:t>
+            </a:r>
+            <a:r>
+              <a:rPr lang="nb-NO" dirty="0" err="1"/>
+              <a:t>detail</a:t>
+            </a:r>
+            <a:r>
+              <a:rPr lang="nb-NO" dirty="0"/>
+              <a:t> </a:t>
+            </a:r>
+            <a:r>
+              <a:rPr lang="nb-NO" dirty="0" err="1"/>
+              <a:t>that</a:t>
+            </a:r>
+            <a:r>
+              <a:rPr lang="nb-NO" dirty="0"/>
+              <a:t> </a:t>
+            </a:r>
+            <a:r>
+              <a:rPr lang="nb-NO" dirty="0" err="1"/>
+              <a:t>norwegian</a:t>
+            </a:r>
+            <a:r>
+              <a:rPr lang="nb-NO" dirty="0"/>
+              <a:t> </a:t>
+            </a:r>
+            <a:r>
+              <a:rPr lang="nb-NO" dirty="0" err="1"/>
+              <a:t>clinicians</a:t>
+            </a:r>
+            <a:r>
+              <a:rPr lang="nb-NO" dirty="0"/>
+              <a:t> </a:t>
+            </a:r>
+            <a:r>
+              <a:rPr lang="nb-NO" dirty="0" err="1"/>
+              <a:t>think</a:t>
+            </a:r>
+            <a:r>
+              <a:rPr lang="nb-NO" dirty="0"/>
+              <a:t> is </a:t>
+            </a:r>
+            <a:r>
+              <a:rPr lang="nb-NO" dirty="0" err="1"/>
+              <a:t>necessary</a:t>
+            </a:r>
+            <a:r>
+              <a:rPr lang="nb-NO" dirty="0"/>
+              <a:t> </a:t>
+            </a:r>
+            <a:r>
+              <a:rPr lang="nb-NO" dirty="0" err="1"/>
+              <a:t>when</a:t>
+            </a:r>
+            <a:r>
+              <a:rPr lang="nb-NO" dirty="0"/>
+              <a:t> </a:t>
+            </a:r>
+            <a:r>
+              <a:rPr lang="nb-NO" dirty="0" err="1"/>
+              <a:t>exchanging</a:t>
+            </a:r>
+            <a:r>
+              <a:rPr lang="nb-NO" dirty="0"/>
+              <a:t> </a:t>
+            </a:r>
+            <a:r>
+              <a:rPr lang="nb-NO" dirty="0" err="1"/>
+              <a:t>the</a:t>
+            </a:r>
+            <a:r>
+              <a:rPr lang="nb-NO" dirty="0"/>
+              <a:t> vital </a:t>
+            </a:r>
+            <a:r>
+              <a:rPr lang="nb-NO"/>
+              <a:t>signs</a:t>
+            </a:r>
+            <a:endParaRPr lang="nb-NO" dirty="0"/>
           </a:p>
         </p:txBody>
       </p:sp>
@@ -12949,7 +14182,7 @@
           <p:nvPr/>
         </p:nvPicPr>
         <p:blipFill>
-          <a:blip r:embed="rId2"/>
+          <a:blip r:embed="rId3"/>
           <a:stretch>
             <a:fillRect/>
           </a:stretch>
@@ -13040,6 +14273,14 @@
             </a:r>
             <a:r>
               <a:rPr lang="nb-NO" dirty="0" err="1"/>
+              <a:t>profile</a:t>
+            </a:r>
+            <a:r>
+              <a:rPr lang="nb-NO" dirty="0"/>
+              <a:t> </a:t>
+            </a:r>
+            <a:r>
+              <a:rPr lang="nb-NO" dirty="0" err="1"/>
               <a:t>development</a:t>
             </a:r>
             <a:endParaRPr lang="nb-NO" dirty="0"/>
@@ -13067,7 +14308,7 @@
             </a:r>
             <a:r>
               <a:rPr lang="nb-NO" dirty="0"/>
-              <a:t> FHIR</a:t>
+              <a:t> FHIR and FHIR profiling</a:t>
             </a:r>
           </a:p>
           <a:p>
@@ -13102,8 +14343,20 @@
           </a:p>
           <a:p>
             <a:r>
-              <a:rPr lang="nb-NO" dirty="0" err="1"/>
-              <a:t>Use</a:t>
+              <a:rPr lang="nb-NO" dirty="0"/>
+              <a:t>The </a:t>
+            </a:r>
+            <a:r>
+              <a:rPr lang="nb-NO" dirty="0" err="1"/>
+              <a:t>use</a:t>
+            </a:r>
+            <a:r>
+              <a:rPr lang="nb-NO" dirty="0"/>
+              <a:t> </a:t>
+            </a:r>
+            <a:r>
+              <a:rPr lang="nb-NO" dirty="0" err="1"/>
+              <a:t>of</a:t>
             </a:r>
             <a:r>
               <a:rPr lang="nb-NO" dirty="0"/>
@@ -13147,10 +14400,10 @@
           <p:nvPr/>
         </p:nvPicPr>
         <p:blipFill>
-          <a:blip r:embed="rId3">
+          <a:blip r:embed="rId4">
             <a:extLst>
               <a:ext uri="{96DAC541-7B7A-43D3-8B79-37D633B846F1}">
-                <asvg:svgBlip xmlns:asvg="http://schemas.microsoft.com/office/drawing/2016/SVG/main" r:embed="rId4"/>
+                <asvg:svgBlip xmlns:asvg="http://schemas.microsoft.com/office/drawing/2016/SVG/main" r:embed="rId5"/>
               </a:ext>
             </a:extLst>
           </a:blip>
@@ -13183,10 +14436,10 @@
           <p:nvPr/>
         </p:nvPicPr>
         <p:blipFill>
-          <a:blip r:embed="rId5">
+          <a:blip r:embed="rId6">
             <a:extLst>
               <a:ext uri="{96DAC541-7B7A-43D3-8B79-37D633B846F1}">
-                <asvg:svgBlip xmlns:asvg="http://schemas.microsoft.com/office/drawing/2016/SVG/main" r:embed="rId6"/>
+                <asvg:svgBlip xmlns:asvg="http://schemas.microsoft.com/office/drawing/2016/SVG/main" r:embed="rId7"/>
               </a:ext>
             </a:extLst>
           </a:blip>
@@ -13219,10 +14472,10 @@
           <p:nvPr/>
         </p:nvPicPr>
         <p:blipFill>
-          <a:blip r:embed="rId7">
+          <a:blip r:embed="rId8">
             <a:extLst>
               <a:ext uri="{96DAC541-7B7A-43D3-8B79-37D633B846F1}">
-                <asvg:svgBlip xmlns:asvg="http://schemas.microsoft.com/office/drawing/2016/SVG/main" r:embed="rId8"/>
+                <asvg:svgBlip xmlns:asvg="http://schemas.microsoft.com/office/drawing/2016/SVG/main" r:embed="rId9"/>
               </a:ext>
             </a:extLst>
           </a:blip>
@@ -13255,10 +14508,10 @@
           <p:nvPr/>
         </p:nvPicPr>
         <p:blipFill>
-          <a:blip r:embed="rId9">
+          <a:blip r:embed="rId10">
             <a:extLst>
               <a:ext uri="{96DAC541-7B7A-43D3-8B79-37D633B846F1}">
-                <asvg:svgBlip xmlns:asvg="http://schemas.microsoft.com/office/drawing/2016/SVG/main" r:embed="rId10"/>
+                <asvg:svgBlip xmlns:asvg="http://schemas.microsoft.com/office/drawing/2016/SVG/main" r:embed="rId11"/>
               </a:ext>
             </a:extLst>
           </a:blip>
@@ -13291,10 +14544,10 @@
           <p:nvPr/>
         </p:nvPicPr>
         <p:blipFill>
-          <a:blip r:embed="rId11">
+          <a:blip r:embed="rId12">
             <a:extLst>
               <a:ext uri="{96DAC541-7B7A-43D3-8B79-37D633B846F1}">
-                <asvg:svgBlip xmlns:asvg="http://schemas.microsoft.com/office/drawing/2016/SVG/main" r:embed="rId12"/>
+                <asvg:svgBlip xmlns:asvg="http://schemas.microsoft.com/office/drawing/2016/SVG/main" r:embed="rId13"/>
               </a:ext>
             </a:extLst>
           </a:blip>
@@ -13327,10 +14580,10 @@
           <p:nvPr/>
         </p:nvPicPr>
         <p:blipFill>
-          <a:blip r:embed="rId13">
+          <a:blip r:embed="rId14">
             <a:extLst>
               <a:ext uri="{96DAC541-7B7A-43D3-8B79-37D633B846F1}">
-                <asvg:svgBlip xmlns:asvg="http://schemas.microsoft.com/office/drawing/2016/SVG/main" r:embed="rId14"/>
+                <asvg:svgBlip xmlns:asvg="http://schemas.microsoft.com/office/drawing/2016/SVG/main" r:embed="rId15"/>
               </a:ext>
             </a:extLst>
           </a:blip>
@@ -13509,7 +14762,15 @@
             </a:r>
             <a:r>
               <a:rPr lang="nb-NO" dirty="0" err="1"/>
-              <a:t>builds</a:t>
+              <a:t>should</a:t>
+            </a:r>
+            <a:r>
+              <a:rPr lang="nb-NO" dirty="0"/>
+              <a:t> </a:t>
+            </a:r>
+            <a:r>
+              <a:rPr lang="nb-NO" dirty="0" err="1"/>
+              <a:t>build</a:t>
             </a:r>
             <a:r>
               <a:rPr lang="nb-NO" dirty="0"/>
@@ -14741,6 +16002,14 @@
             <a:r>
               <a:rPr lang="nb-NO" dirty="0" err="1"/>
               <a:t>Standardization</a:t>
+            </a:r>
+            <a:r>
+              <a:rPr lang="nb-NO" dirty="0"/>
+              <a:t> and </a:t>
+            </a:r>
+            <a:r>
+              <a:rPr lang="nb-NO" dirty="0" err="1"/>
+              <a:t>recommendations</a:t>
             </a:r>
             <a:endParaRPr lang="nb-NO" dirty="0"/>
           </a:p>

--- a/docs/presentasjoner/DD23_CT_230508_Thomas_Tveit_Rosenlund_FHIR-in-Norway.pptx
+++ b/docs/presentasjoner/DD23_CT_230508_Thomas_Tveit_Rosenlund_FHIR-in-Norway.pptx
@@ -4091,7 +4091,7 @@
               <a:t> vital </a:t>
             </a:r>
             <a:r>
-              <a:rPr lang="nb-NO"/>
+              <a:rPr lang="nb-NO" dirty="0" err="1"/>
               <a:t>signs</a:t>
             </a:r>
             <a:endParaRPr lang="nb-NO" dirty="0"/>
